--- a/Figs/circuit_diagrams.pptx
+++ b/Figs/circuit_diagrams.pptx
@@ -5,10 +5,11 @@
     <p:sldMasterId id="2147483648" r:id="rId1"/>
   </p:sldMasterIdLst>
   <p:notesMasterIdLst>
-    <p:notesMasterId r:id="rId3"/>
+    <p:notesMasterId r:id="rId4"/>
   </p:notesMasterIdLst>
   <p:sldIdLst>
     <p:sldId id="260" r:id="rId2"/>
+    <p:sldId id="261" r:id="rId3"/>
   </p:sldIdLst>
   <p:sldSz cx="12192000" cy="6858000"/>
   <p:notesSz cx="6858000" cy="9144000"/>
@@ -118,7 +119,7 @@
 <file path=ppt/revisionInfo.xml><?xml version="1.0" encoding="utf-8"?>
 <p1510:revInfo xmlns:a="http://schemas.openxmlformats.org/drawingml/2006/main" xmlns:r="http://schemas.openxmlformats.org/officeDocument/2006/relationships" xmlns:p1510="http://schemas.microsoft.com/office/powerpoint/2015/10/main">
   <p1510:revLst>
-    <p1510:client id="{EE02F971-86F5-428E-BC14-A8CDA14DE2B7}" v="33" dt="2023-10-12T13:26:47.986"/>
+    <p1510:client id="{EE02F971-86F5-428E-BC14-A8CDA14DE2B7}" v="60" dt="2023-10-25T07:16:17.430"/>
   </p1510:revLst>
 </p1510:revInfo>
 </file>
@@ -4511,8 +4512,8 @@
   </pc:docChgLst>
   <pc:docChgLst>
     <pc:chgData name="Johann Bock Severin" userId="3b36179260fc8001" providerId="LiveId" clId="{EE02F971-86F5-428E-BC14-A8CDA14DE2B7}"/>
-    <pc:docChg chg="undo custSel delSld modSld delSection modSection">
-      <pc:chgData name="Johann Bock Severin" userId="3b36179260fc8001" providerId="LiveId" clId="{EE02F971-86F5-428E-BC14-A8CDA14DE2B7}" dt="2023-10-12T13:26:47.986" v="70" actId="20577"/>
+    <pc:docChg chg="undo custSel addSld delSld modSld delSection modSection">
+      <pc:chgData name="Johann Bock Severin" userId="3b36179260fc8001" providerId="LiveId" clId="{EE02F971-86F5-428E-BC14-A8CDA14DE2B7}" dt="2023-10-25T07:16:44.191" v="327" actId="1076"/>
       <pc:docMkLst>
         <pc:docMk/>
       </pc:docMkLst>
@@ -4926,6 +4927,461 @@
           <pc:docMk/>
           <pc:sldMk cId="1036491775" sldId="261"/>
         </pc:sldMkLst>
+      </pc:sldChg>
+      <pc:sldChg chg="addSp delSp modSp add mod">
+        <pc:chgData name="Johann Bock Severin" userId="3b36179260fc8001" providerId="LiveId" clId="{EE02F971-86F5-428E-BC14-A8CDA14DE2B7}" dt="2023-10-25T07:16:44.191" v="327" actId="1076"/>
+        <pc:sldMkLst>
+          <pc:docMk/>
+          <pc:sldMk cId="3173105583" sldId="261"/>
+        </pc:sldMkLst>
+        <pc:spChg chg="add mod topLvl">
+          <ac:chgData name="Johann Bock Severin" userId="3b36179260fc8001" providerId="LiveId" clId="{EE02F971-86F5-428E-BC14-A8CDA14DE2B7}" dt="2023-10-25T07:14:39.667" v="296" actId="207"/>
+          <ac:spMkLst>
+            <pc:docMk/>
+            <pc:sldMk cId="3173105583" sldId="261"/>
+            <ac:spMk id="2" creationId="{5EF86225-4E04-4E4E-CD82-DF84FBE8C747}"/>
+          </ac:spMkLst>
+        </pc:spChg>
+        <pc:spChg chg="del">
+          <ac:chgData name="Johann Bock Severin" userId="3b36179260fc8001" providerId="LiveId" clId="{EE02F971-86F5-428E-BC14-A8CDA14DE2B7}" dt="2023-10-25T07:04:29.105" v="98" actId="478"/>
+          <ac:spMkLst>
+            <pc:docMk/>
+            <pc:sldMk cId="3173105583" sldId="261"/>
+            <ac:spMk id="3" creationId="{518BCE2B-DC1A-C07B-A697-CD9F8D1B8CFA}"/>
+          </ac:spMkLst>
+        </pc:spChg>
+        <pc:spChg chg="add mod topLvl">
+          <ac:chgData name="Johann Bock Severin" userId="3b36179260fc8001" providerId="LiveId" clId="{EE02F971-86F5-428E-BC14-A8CDA14DE2B7}" dt="2023-10-25T07:14:37.388" v="295" actId="207"/>
+          <ac:spMkLst>
+            <pc:docMk/>
+            <pc:sldMk cId="3173105583" sldId="261"/>
+            <ac:spMk id="5" creationId="{B2A3E9D7-DC25-C9D7-1951-0B87BBDE781D}"/>
+          </ac:spMkLst>
+        </pc:spChg>
+        <pc:spChg chg="del">
+          <ac:chgData name="Johann Bock Severin" userId="3b36179260fc8001" providerId="LiveId" clId="{EE02F971-86F5-428E-BC14-A8CDA14DE2B7}" dt="2023-10-25T07:04:29.105" v="98" actId="478"/>
+          <ac:spMkLst>
+            <pc:docMk/>
+            <pc:sldMk cId="3173105583" sldId="261"/>
+            <ac:spMk id="12" creationId="{F217EFA6-9729-D04F-9C0F-DFC38083C799}"/>
+          </ac:spMkLst>
+        </pc:spChg>
+        <pc:spChg chg="del">
+          <ac:chgData name="Johann Bock Severin" userId="3b36179260fc8001" providerId="LiveId" clId="{EE02F971-86F5-428E-BC14-A8CDA14DE2B7}" dt="2023-10-25T07:04:29.105" v="98" actId="478"/>
+          <ac:spMkLst>
+            <pc:docMk/>
+            <pc:sldMk cId="3173105583" sldId="261"/>
+            <ac:spMk id="13" creationId="{9C979844-9816-0C24-1F2E-64C12970934F}"/>
+          </ac:spMkLst>
+        </pc:spChg>
+        <pc:spChg chg="add mod">
+          <ac:chgData name="Johann Bock Severin" userId="3b36179260fc8001" providerId="LiveId" clId="{EE02F971-86F5-428E-BC14-A8CDA14DE2B7}" dt="2023-10-25T07:15:03.748" v="316" actId="1076"/>
+          <ac:spMkLst>
+            <pc:docMk/>
+            <pc:sldMk cId="3173105583" sldId="261"/>
+            <ac:spMk id="22" creationId="{D0721B8C-EC7D-4E9E-DD95-638F89F64F0D}"/>
+          </ac:spMkLst>
+        </pc:spChg>
+        <pc:spChg chg="add mod">
+          <ac:chgData name="Johann Bock Severin" userId="3b36179260fc8001" providerId="LiveId" clId="{EE02F971-86F5-428E-BC14-A8CDA14DE2B7}" dt="2023-10-25T07:06:19.405" v="176" actId="571"/>
+          <ac:spMkLst>
+            <pc:docMk/>
+            <pc:sldMk cId="3173105583" sldId="261"/>
+            <ac:spMk id="23" creationId="{3B86B5C1-C63D-7957-9B0C-D7C65C579935}"/>
+          </ac:spMkLst>
+        </pc:spChg>
+        <pc:spChg chg="add mod">
+          <ac:chgData name="Johann Bock Severin" userId="3b36179260fc8001" providerId="LiveId" clId="{EE02F971-86F5-428E-BC14-A8CDA14DE2B7}" dt="2023-10-25T07:06:09.882" v="166" actId="571"/>
+          <ac:spMkLst>
+            <pc:docMk/>
+            <pc:sldMk cId="3173105583" sldId="261"/>
+            <ac:spMk id="24" creationId="{37E8A863-3706-D067-9C9F-890A1FDE9CB2}"/>
+          </ac:spMkLst>
+        </pc:spChg>
+        <pc:spChg chg="del">
+          <ac:chgData name="Johann Bock Severin" userId="3b36179260fc8001" providerId="LiveId" clId="{EE02F971-86F5-428E-BC14-A8CDA14DE2B7}" dt="2023-10-25T07:03:24.310" v="72" actId="478"/>
+          <ac:spMkLst>
+            <pc:docMk/>
+            <pc:sldMk cId="3173105583" sldId="261"/>
+            <ac:spMk id="25" creationId="{5C026F19-6499-9D9A-74FD-900128C35E91}"/>
+          </ac:spMkLst>
+        </pc:spChg>
+        <pc:spChg chg="del">
+          <ac:chgData name="Johann Bock Severin" userId="3b36179260fc8001" providerId="LiveId" clId="{EE02F971-86F5-428E-BC14-A8CDA14DE2B7}" dt="2023-10-25T07:03:24.310" v="72" actId="478"/>
+          <ac:spMkLst>
+            <pc:docMk/>
+            <pc:sldMk cId="3173105583" sldId="261"/>
+            <ac:spMk id="28" creationId="{34A23BE5-BB45-AB13-4F45-8D3E7E980432}"/>
+          </ac:spMkLst>
+        </pc:spChg>
+        <pc:spChg chg="add mod topLvl">
+          <ac:chgData name="Johann Bock Severin" userId="3b36179260fc8001" providerId="LiveId" clId="{EE02F971-86F5-428E-BC14-A8CDA14DE2B7}" dt="2023-10-25T07:13:58.629" v="288" actId="165"/>
+          <ac:spMkLst>
+            <pc:docMk/>
+            <pc:sldMk cId="3173105583" sldId="261"/>
+            <ac:spMk id="29" creationId="{9F6986DC-0E7A-0087-A9A1-BEC73335CC22}"/>
+          </ac:spMkLst>
+        </pc:spChg>
+        <pc:spChg chg="del">
+          <ac:chgData name="Johann Bock Severin" userId="3b36179260fc8001" providerId="LiveId" clId="{EE02F971-86F5-428E-BC14-A8CDA14DE2B7}" dt="2023-10-25T07:03:24.310" v="72" actId="478"/>
+          <ac:spMkLst>
+            <pc:docMk/>
+            <pc:sldMk cId="3173105583" sldId="261"/>
+            <ac:spMk id="34" creationId="{3601E909-2698-F9A6-63CB-66ABA1420DBD}"/>
+          </ac:spMkLst>
+        </pc:spChg>
+        <pc:spChg chg="del">
+          <ac:chgData name="Johann Bock Severin" userId="3b36179260fc8001" providerId="LiveId" clId="{EE02F971-86F5-428E-BC14-A8CDA14DE2B7}" dt="2023-10-25T07:03:24.310" v="72" actId="478"/>
+          <ac:spMkLst>
+            <pc:docMk/>
+            <pc:sldMk cId="3173105583" sldId="261"/>
+            <ac:spMk id="35" creationId="{B9BD7E56-8628-888C-A6C9-9C2F8889ED8D}"/>
+          </ac:spMkLst>
+        </pc:spChg>
+        <pc:spChg chg="del">
+          <ac:chgData name="Johann Bock Severin" userId="3b36179260fc8001" providerId="LiveId" clId="{EE02F971-86F5-428E-BC14-A8CDA14DE2B7}" dt="2023-10-25T07:04:29.105" v="98" actId="478"/>
+          <ac:spMkLst>
+            <pc:docMk/>
+            <pc:sldMk cId="3173105583" sldId="261"/>
+            <ac:spMk id="36" creationId="{6FBFAC53-773F-F558-2B93-E8D7616F5A7D}"/>
+          </ac:spMkLst>
+        </pc:spChg>
+        <pc:spChg chg="del">
+          <ac:chgData name="Johann Bock Severin" userId="3b36179260fc8001" providerId="LiveId" clId="{EE02F971-86F5-428E-BC14-A8CDA14DE2B7}" dt="2023-10-25T07:04:30.889" v="99" actId="478"/>
+          <ac:spMkLst>
+            <pc:docMk/>
+            <pc:sldMk cId="3173105583" sldId="261"/>
+            <ac:spMk id="37" creationId="{67D75CDB-CD52-2D49-13B9-751815C55011}"/>
+          </ac:spMkLst>
+        </pc:spChg>
+        <pc:spChg chg="add mod topLvl">
+          <ac:chgData name="Johann Bock Severin" userId="3b36179260fc8001" providerId="LiveId" clId="{EE02F971-86F5-428E-BC14-A8CDA14DE2B7}" dt="2023-10-25T07:13:58.629" v="288" actId="165"/>
+          <ac:spMkLst>
+            <pc:docMk/>
+            <pc:sldMk cId="3173105583" sldId="261"/>
+            <ac:spMk id="39" creationId="{3752E311-7594-CFE0-99BB-7DC73D818C3B}"/>
+          </ac:spMkLst>
+        </pc:spChg>
+        <pc:spChg chg="add del">
+          <ac:chgData name="Johann Bock Severin" userId="3b36179260fc8001" providerId="LiveId" clId="{EE02F971-86F5-428E-BC14-A8CDA14DE2B7}" dt="2023-10-25T07:07:40.677" v="213" actId="11529"/>
+          <ac:spMkLst>
+            <pc:docMk/>
+            <pc:sldMk cId="3173105583" sldId="261"/>
+            <ac:spMk id="42" creationId="{F90F859B-4A80-24F1-27E4-3E96D7E1655D}"/>
+          </ac:spMkLst>
+        </pc:spChg>
+        <pc:spChg chg="add del">
+          <ac:chgData name="Johann Bock Severin" userId="3b36179260fc8001" providerId="LiveId" clId="{EE02F971-86F5-428E-BC14-A8CDA14DE2B7}" dt="2023-10-25T07:08:04.085" v="217" actId="11529"/>
+          <ac:spMkLst>
+            <pc:docMk/>
+            <pc:sldMk cId="3173105583" sldId="261"/>
+            <ac:spMk id="45" creationId="{5AB86B52-5E61-34E9-CDCA-9F8658BC01BB}"/>
+          </ac:spMkLst>
+        </pc:spChg>
+        <pc:spChg chg="add del">
+          <ac:chgData name="Johann Bock Severin" userId="3b36179260fc8001" providerId="LiveId" clId="{EE02F971-86F5-428E-BC14-A8CDA14DE2B7}" dt="2023-10-25T07:08:16.526" v="219" actId="478"/>
+          <ac:spMkLst>
+            <pc:docMk/>
+            <pc:sldMk cId="3173105583" sldId="261"/>
+            <ac:spMk id="46" creationId="{65A3A9C6-114D-6830-F692-21E33705480F}"/>
+          </ac:spMkLst>
+        </pc:spChg>
+        <pc:spChg chg="add del">
+          <ac:chgData name="Johann Bock Severin" userId="3b36179260fc8001" providerId="LiveId" clId="{EE02F971-86F5-428E-BC14-A8CDA14DE2B7}" dt="2023-10-25T07:08:38.604" v="221" actId="478"/>
+          <ac:spMkLst>
+            <pc:docMk/>
+            <pc:sldMk cId="3173105583" sldId="261"/>
+            <ac:spMk id="47" creationId="{9AE3A901-F5E3-DB15-32F1-FD6AE18B8E76}"/>
+          </ac:spMkLst>
+        </pc:spChg>
+        <pc:spChg chg="add del">
+          <ac:chgData name="Johann Bock Severin" userId="3b36179260fc8001" providerId="LiveId" clId="{EE02F971-86F5-428E-BC14-A8CDA14DE2B7}" dt="2023-10-25T07:09:21.790" v="243" actId="478"/>
+          <ac:spMkLst>
+            <pc:docMk/>
+            <pc:sldMk cId="3173105583" sldId="261"/>
+            <ac:spMk id="51" creationId="{434E94A7-20E2-CBBB-AEB9-ADD394A9ECAA}"/>
+          </ac:spMkLst>
+        </pc:spChg>
+        <pc:spChg chg="add del">
+          <ac:chgData name="Johann Bock Severin" userId="3b36179260fc8001" providerId="LiveId" clId="{EE02F971-86F5-428E-BC14-A8CDA14DE2B7}" dt="2023-10-25T07:09:39.380" v="245" actId="478"/>
+          <ac:spMkLst>
+            <pc:docMk/>
+            <pc:sldMk cId="3173105583" sldId="261"/>
+            <ac:spMk id="52" creationId="{D21241AE-B530-47A4-3C68-DC775358C0E2}"/>
+          </ac:spMkLst>
+        </pc:spChg>
+        <pc:spChg chg="add mod ord topLvl">
+          <ac:chgData name="Johann Bock Severin" userId="3b36179260fc8001" providerId="LiveId" clId="{EE02F971-86F5-428E-BC14-A8CDA14DE2B7}" dt="2023-10-25T07:16:09.181" v="323" actId="11530"/>
+          <ac:spMkLst>
+            <pc:docMk/>
+            <pc:sldMk cId="3173105583" sldId="261"/>
+            <ac:spMk id="53" creationId="{C0BEB1B5-B15D-D442-3378-E280584ABA9D}"/>
+          </ac:spMkLst>
+        </pc:spChg>
+        <pc:spChg chg="add mod ord topLvl">
+          <ac:chgData name="Johann Bock Severin" userId="3b36179260fc8001" providerId="LiveId" clId="{EE02F971-86F5-428E-BC14-A8CDA14DE2B7}" dt="2023-10-25T07:14:58.615" v="315" actId="20577"/>
+          <ac:spMkLst>
+            <pc:docMk/>
+            <pc:sldMk cId="3173105583" sldId="261"/>
+            <ac:spMk id="54" creationId="{1A06878E-7146-7FF7-9E21-486E4BD9A082}"/>
+          </ac:spMkLst>
+        </pc:spChg>
+        <pc:spChg chg="add mod ord">
+          <ac:chgData name="Johann Bock Severin" userId="3b36179260fc8001" providerId="LiveId" clId="{EE02F971-86F5-428E-BC14-A8CDA14DE2B7}" dt="2023-10-25T07:16:44.191" v="327" actId="1076"/>
+          <ac:spMkLst>
+            <pc:docMk/>
+            <pc:sldMk cId="3173105583" sldId="261"/>
+            <ac:spMk id="55" creationId="{F9BDB2CA-83E4-4A46-D204-7719DF0F64D2}"/>
+          </ac:spMkLst>
+        </pc:spChg>
+        <pc:spChg chg="add mod ord topLvl">
+          <ac:chgData name="Johann Bock Severin" userId="3b36179260fc8001" providerId="LiveId" clId="{EE02F971-86F5-428E-BC14-A8CDA14DE2B7}" dt="2023-10-25T07:16:35.496" v="326" actId="167"/>
+          <ac:spMkLst>
+            <pc:docMk/>
+            <pc:sldMk cId="3173105583" sldId="261"/>
+            <ac:spMk id="56" creationId="{C1D4D9A4-6DDE-355F-C146-D54C9B2FB3C9}"/>
+          </ac:spMkLst>
+        </pc:spChg>
+        <pc:spChg chg="add mod ord topLvl">
+          <ac:chgData name="Johann Bock Severin" userId="3b36179260fc8001" providerId="LiveId" clId="{EE02F971-86F5-428E-BC14-A8CDA14DE2B7}" dt="2023-10-25T07:16:35.496" v="326" actId="167"/>
+          <ac:spMkLst>
+            <pc:docMk/>
+            <pc:sldMk cId="3173105583" sldId="261"/>
+            <ac:spMk id="57" creationId="{E346330F-AB5E-2470-08A1-02FD04071A1B}"/>
+          </ac:spMkLst>
+        </pc:spChg>
+        <pc:spChg chg="add mod ord topLvl">
+          <ac:chgData name="Johann Bock Severin" userId="3b36179260fc8001" providerId="LiveId" clId="{EE02F971-86F5-428E-BC14-A8CDA14DE2B7}" dt="2023-10-25T07:16:35.496" v="326" actId="167"/>
+          <ac:spMkLst>
+            <pc:docMk/>
+            <pc:sldMk cId="3173105583" sldId="261"/>
+            <ac:spMk id="58" creationId="{0FA9454D-43BD-2B3B-01E5-F3211E5D5906}"/>
+          </ac:spMkLst>
+        </pc:spChg>
+        <pc:spChg chg="add mod ord topLvl">
+          <ac:chgData name="Johann Bock Severin" userId="3b36179260fc8001" providerId="LiveId" clId="{EE02F971-86F5-428E-BC14-A8CDA14DE2B7}" dt="2023-10-25T07:16:35.496" v="326" actId="167"/>
+          <ac:spMkLst>
+            <pc:docMk/>
+            <pc:sldMk cId="3173105583" sldId="261"/>
+            <ac:spMk id="59" creationId="{3FD39345-4398-2712-0603-439135989AAC}"/>
+          </ac:spMkLst>
+        </pc:spChg>
+        <pc:spChg chg="add mod ord topLvl">
+          <ac:chgData name="Johann Bock Severin" userId="3b36179260fc8001" providerId="LiveId" clId="{EE02F971-86F5-428E-BC14-A8CDA14DE2B7}" dt="2023-10-25T07:16:35.496" v="326" actId="167"/>
+          <ac:spMkLst>
+            <pc:docMk/>
+            <pc:sldMk cId="3173105583" sldId="261"/>
+            <ac:spMk id="60" creationId="{C3BC3275-DC34-ED66-7695-AD40AAF39854}"/>
+          </ac:spMkLst>
+        </pc:spChg>
+        <pc:spChg chg="del">
+          <ac:chgData name="Johann Bock Severin" userId="3b36179260fc8001" providerId="LiveId" clId="{EE02F971-86F5-428E-BC14-A8CDA14DE2B7}" dt="2023-10-25T07:03:24.310" v="72" actId="478"/>
+          <ac:spMkLst>
+            <pc:docMk/>
+            <pc:sldMk cId="3173105583" sldId="261"/>
+            <ac:spMk id="62" creationId="{06FC1A69-B502-EE8D-8F71-28BF09E50F98}"/>
+          </ac:spMkLst>
+        </pc:spChg>
+        <pc:spChg chg="del">
+          <ac:chgData name="Johann Bock Severin" userId="3b36179260fc8001" providerId="LiveId" clId="{EE02F971-86F5-428E-BC14-A8CDA14DE2B7}" dt="2023-10-25T07:03:24.310" v="72" actId="478"/>
+          <ac:spMkLst>
+            <pc:docMk/>
+            <pc:sldMk cId="3173105583" sldId="261"/>
+            <ac:spMk id="63" creationId="{E4F97A73-2630-A383-36FE-1427D3242DFB}"/>
+          </ac:spMkLst>
+        </pc:spChg>
+        <pc:spChg chg="del">
+          <ac:chgData name="Johann Bock Severin" userId="3b36179260fc8001" providerId="LiveId" clId="{EE02F971-86F5-428E-BC14-A8CDA14DE2B7}" dt="2023-10-25T07:03:24.310" v="72" actId="478"/>
+          <ac:spMkLst>
+            <pc:docMk/>
+            <pc:sldMk cId="3173105583" sldId="261"/>
+            <ac:spMk id="64" creationId="{9607E7CF-5DA4-96D3-5042-1BE3DF692B01}"/>
+          </ac:spMkLst>
+        </pc:spChg>
+        <pc:spChg chg="del">
+          <ac:chgData name="Johann Bock Severin" userId="3b36179260fc8001" providerId="LiveId" clId="{EE02F971-86F5-428E-BC14-A8CDA14DE2B7}" dt="2023-10-25T07:03:24.310" v="72" actId="478"/>
+          <ac:spMkLst>
+            <pc:docMk/>
+            <pc:sldMk cId="3173105583" sldId="261"/>
+            <ac:spMk id="66" creationId="{21DF2710-2D08-FD43-9AC8-D62428E22FD7}"/>
+          </ac:spMkLst>
+        </pc:spChg>
+        <pc:grpChg chg="del">
+          <ac:chgData name="Johann Bock Severin" userId="3b36179260fc8001" providerId="LiveId" clId="{EE02F971-86F5-428E-BC14-A8CDA14DE2B7}" dt="2023-10-25T07:04:29.105" v="98" actId="478"/>
+          <ac:grpSpMkLst>
+            <pc:docMk/>
+            <pc:sldMk cId="3173105583" sldId="261"/>
+            <ac:grpSpMk id="21" creationId="{EBA5FD95-E8FB-3B44-69DF-40568E795712}"/>
+          </ac:grpSpMkLst>
+        </pc:grpChg>
+        <pc:grpChg chg="del">
+          <ac:chgData name="Johann Bock Severin" userId="3b36179260fc8001" providerId="LiveId" clId="{EE02F971-86F5-428E-BC14-A8CDA14DE2B7}" dt="2023-10-25T07:03:24.310" v="72" actId="478"/>
+          <ac:grpSpMkLst>
+            <pc:docMk/>
+            <pc:sldMk cId="3173105583" sldId="261"/>
+            <ac:grpSpMk id="30" creationId="{A2A86FA0-8D15-440C-B804-4A136489EA7E}"/>
+          </ac:grpSpMkLst>
+        </pc:grpChg>
+        <pc:grpChg chg="add del mod">
+          <ac:chgData name="Johann Bock Severin" userId="3b36179260fc8001" providerId="LiveId" clId="{EE02F971-86F5-428E-BC14-A8CDA14DE2B7}" dt="2023-10-25T07:13:58.629" v="288" actId="165"/>
+          <ac:grpSpMkLst>
+            <pc:docMk/>
+            <pc:sldMk cId="3173105583" sldId="261"/>
+            <ac:grpSpMk id="61" creationId="{8BEB6DB2-A1C7-60F4-650E-B7ED707636D9}"/>
+          </ac:grpSpMkLst>
+        </pc:grpChg>
+        <pc:cxnChg chg="del mod">
+          <ac:chgData name="Johann Bock Severin" userId="3b36179260fc8001" providerId="LiveId" clId="{EE02F971-86F5-428E-BC14-A8CDA14DE2B7}" dt="2023-10-25T07:04:29.105" v="98" actId="478"/>
+          <ac:cxnSpMkLst>
+            <pc:docMk/>
+            <pc:sldMk cId="3173105583" sldId="261"/>
+            <ac:cxnSpMk id="4" creationId="{0DB4F051-F993-DA8B-D5C3-65C46AB39822}"/>
+          </ac:cxnSpMkLst>
+        </pc:cxnChg>
+        <pc:cxnChg chg="add mod ord topLvl">
+          <ac:chgData name="Johann Bock Severin" userId="3b36179260fc8001" providerId="LiveId" clId="{EE02F971-86F5-428E-BC14-A8CDA14DE2B7}" dt="2023-10-25T07:13:58.629" v="288" actId="165"/>
+          <ac:cxnSpMkLst>
+            <pc:docMk/>
+            <pc:sldMk cId="3173105583" sldId="261"/>
+            <ac:cxnSpMk id="7" creationId="{1B71BCC7-9052-4F74-A912-CF3D282CE2AB}"/>
+          </ac:cxnSpMkLst>
+        </pc:cxnChg>
+        <pc:cxnChg chg="add mod ord topLvl">
+          <ac:chgData name="Johann Bock Severin" userId="3b36179260fc8001" providerId="LiveId" clId="{EE02F971-86F5-428E-BC14-A8CDA14DE2B7}" dt="2023-10-25T07:13:58.629" v="288" actId="165"/>
+          <ac:cxnSpMkLst>
+            <pc:docMk/>
+            <pc:sldMk cId="3173105583" sldId="261"/>
+            <ac:cxnSpMk id="8" creationId="{A9190892-E86C-11B3-D082-4A38D46B3825}"/>
+          </ac:cxnSpMkLst>
+        </pc:cxnChg>
+        <pc:cxnChg chg="del">
+          <ac:chgData name="Johann Bock Severin" userId="3b36179260fc8001" providerId="LiveId" clId="{EE02F971-86F5-428E-BC14-A8CDA14DE2B7}" dt="2023-10-25T07:04:29.105" v="98" actId="478"/>
+          <ac:cxnSpMkLst>
+            <pc:docMk/>
+            <pc:sldMk cId="3173105583" sldId="261"/>
+            <ac:cxnSpMk id="9" creationId="{52FCE10B-5C22-4207-4CA8-155C94710450}"/>
+          </ac:cxnSpMkLst>
+        </pc:cxnChg>
+        <pc:cxnChg chg="add del mod ord">
+          <ac:chgData name="Johann Bock Severin" userId="3b36179260fc8001" providerId="LiveId" clId="{EE02F971-86F5-428E-BC14-A8CDA14DE2B7}" dt="2023-10-25T07:06:42.312" v="185" actId="478"/>
+          <ac:cxnSpMkLst>
+            <pc:docMk/>
+            <pc:sldMk cId="3173105583" sldId="261"/>
+            <ac:cxnSpMk id="10" creationId="{7B17C900-15EF-42C2-10EB-E9A140D831AC}"/>
+          </ac:cxnSpMkLst>
+        </pc:cxnChg>
+        <pc:cxnChg chg="del">
+          <ac:chgData name="Johann Bock Severin" userId="3b36179260fc8001" providerId="LiveId" clId="{EE02F971-86F5-428E-BC14-A8CDA14DE2B7}" dt="2023-10-25T07:04:29.105" v="98" actId="478"/>
+          <ac:cxnSpMkLst>
+            <pc:docMk/>
+            <pc:sldMk cId="3173105583" sldId="261"/>
+            <ac:cxnSpMk id="11" creationId="{E306E4C2-BEC6-17CA-2874-DA459E494760}"/>
+          </ac:cxnSpMkLst>
+        </pc:cxnChg>
+        <pc:cxnChg chg="del">
+          <ac:chgData name="Johann Bock Severin" userId="3b36179260fc8001" providerId="LiveId" clId="{EE02F971-86F5-428E-BC14-A8CDA14DE2B7}" dt="2023-10-25T07:04:29.105" v="98" actId="478"/>
+          <ac:cxnSpMkLst>
+            <pc:docMk/>
+            <pc:sldMk cId="3173105583" sldId="261"/>
+            <ac:cxnSpMk id="15" creationId="{4E800688-6EF7-C483-A5A9-21F088388A1D}"/>
+          </ac:cxnSpMkLst>
+        </pc:cxnChg>
+        <pc:cxnChg chg="del">
+          <ac:chgData name="Johann Bock Severin" userId="3b36179260fc8001" providerId="LiveId" clId="{EE02F971-86F5-428E-BC14-A8CDA14DE2B7}" dt="2023-10-25T07:04:29.105" v="98" actId="478"/>
+          <ac:cxnSpMkLst>
+            <pc:docMk/>
+            <pc:sldMk cId="3173105583" sldId="261"/>
+            <ac:cxnSpMk id="16" creationId="{95600A1E-DD0F-F93F-0183-8385E7CE23AE}"/>
+          </ac:cxnSpMkLst>
+        </pc:cxnChg>
+        <pc:cxnChg chg="add mod">
+          <ac:chgData name="Johann Bock Severin" userId="3b36179260fc8001" providerId="LiveId" clId="{EE02F971-86F5-428E-BC14-A8CDA14DE2B7}" dt="2023-10-25T07:05:08.020" v="117" actId="571"/>
+          <ac:cxnSpMkLst>
+            <pc:docMk/>
+            <pc:sldMk cId="3173105583" sldId="261"/>
+            <ac:cxnSpMk id="17" creationId="{8B999D9E-52BA-21BB-17E5-35AC695AFB89}"/>
+          </ac:cxnSpMkLst>
+        </pc:cxnChg>
+        <pc:cxnChg chg="add mod">
+          <ac:chgData name="Johann Bock Severin" userId="3b36179260fc8001" providerId="LiveId" clId="{EE02F971-86F5-428E-BC14-A8CDA14DE2B7}" dt="2023-10-25T07:05:08.020" v="117" actId="571"/>
+          <ac:cxnSpMkLst>
+            <pc:docMk/>
+            <pc:sldMk cId="3173105583" sldId="261"/>
+            <ac:cxnSpMk id="18" creationId="{C4831C6F-DB0F-7D26-9110-AC2434C1834F}"/>
+          </ac:cxnSpMkLst>
+        </pc:cxnChg>
+        <pc:cxnChg chg="add del mod ord">
+          <ac:chgData name="Johann Bock Severin" userId="3b36179260fc8001" providerId="LiveId" clId="{EE02F971-86F5-428E-BC14-A8CDA14DE2B7}" dt="2023-10-25T07:06:42.312" v="185" actId="478"/>
+          <ac:cxnSpMkLst>
+            <pc:docMk/>
+            <pc:sldMk cId="3173105583" sldId="261"/>
+            <ac:cxnSpMk id="19" creationId="{29251996-6313-F60E-02FA-5F12428BC9DD}"/>
+          </ac:cxnSpMkLst>
+        </pc:cxnChg>
+        <pc:cxnChg chg="del">
+          <ac:chgData name="Johann Bock Severin" userId="3b36179260fc8001" providerId="LiveId" clId="{EE02F971-86F5-428E-BC14-A8CDA14DE2B7}" dt="2023-10-25T07:03:24.310" v="72" actId="478"/>
+          <ac:cxnSpMkLst>
+            <pc:docMk/>
+            <pc:sldMk cId="3173105583" sldId="261"/>
+            <ac:cxnSpMk id="26" creationId="{CD417901-E7B1-AB50-B20A-A66F2A93F328}"/>
+          </ac:cxnSpMkLst>
+        </pc:cxnChg>
+        <pc:cxnChg chg="del">
+          <ac:chgData name="Johann Bock Severin" userId="3b36179260fc8001" providerId="LiveId" clId="{EE02F971-86F5-428E-BC14-A8CDA14DE2B7}" dt="2023-10-25T07:03:24.310" v="72" actId="478"/>
+          <ac:cxnSpMkLst>
+            <pc:docMk/>
+            <pc:sldMk cId="3173105583" sldId="261"/>
+            <ac:cxnSpMk id="27" creationId="{B6F57EC3-2C7B-9A1B-3D6F-B7EAE8FF958F}"/>
+          </ac:cxnSpMkLst>
+        </pc:cxnChg>
+        <pc:cxnChg chg="add mod ord topLvl">
+          <ac:chgData name="Johann Bock Severin" userId="3b36179260fc8001" providerId="LiveId" clId="{EE02F971-86F5-428E-BC14-A8CDA14DE2B7}" dt="2023-10-25T07:13:58.629" v="288" actId="165"/>
+          <ac:cxnSpMkLst>
+            <pc:docMk/>
+            <pc:sldMk cId="3173105583" sldId="261"/>
+            <ac:cxnSpMk id="31" creationId="{2612C4F3-4053-FFD7-FD35-843273412620}"/>
+          </ac:cxnSpMkLst>
+        </pc:cxnChg>
+        <pc:cxnChg chg="add mod ord topLvl">
+          <ac:chgData name="Johann Bock Severin" userId="3b36179260fc8001" providerId="LiveId" clId="{EE02F971-86F5-428E-BC14-A8CDA14DE2B7}" dt="2023-10-25T07:13:58.629" v="288" actId="165"/>
+          <ac:cxnSpMkLst>
+            <pc:docMk/>
+            <pc:sldMk cId="3173105583" sldId="261"/>
+            <ac:cxnSpMk id="38" creationId="{F8208307-89F0-0161-9846-A1C4454D7839}"/>
+          </ac:cxnSpMkLst>
+        </pc:cxnChg>
+        <pc:cxnChg chg="add mod ord topLvl">
+          <ac:chgData name="Johann Bock Severin" userId="3b36179260fc8001" providerId="LiveId" clId="{EE02F971-86F5-428E-BC14-A8CDA14DE2B7}" dt="2023-10-25T07:13:58.629" v="288" actId="165"/>
+          <ac:cxnSpMkLst>
+            <pc:docMk/>
+            <pc:sldMk cId="3173105583" sldId="261"/>
+            <ac:cxnSpMk id="40" creationId="{46803BB2-D4D1-E7C2-38BF-4E71A3521B3A}"/>
+          </ac:cxnSpMkLst>
+        </pc:cxnChg>
+        <pc:cxnChg chg="add mod ord topLvl">
+          <ac:chgData name="Johann Bock Severin" userId="3b36179260fc8001" providerId="LiveId" clId="{EE02F971-86F5-428E-BC14-A8CDA14DE2B7}" dt="2023-10-25T07:13:58.629" v="288" actId="165"/>
+          <ac:cxnSpMkLst>
+            <pc:docMk/>
+            <pc:sldMk cId="3173105583" sldId="261"/>
+            <ac:cxnSpMk id="41" creationId="{D26C6237-5E26-95D9-B269-50880E6E5112}"/>
+          </ac:cxnSpMkLst>
+        </pc:cxnChg>
+        <pc:cxnChg chg="add del">
+          <ac:chgData name="Johann Bock Severin" userId="3b36179260fc8001" providerId="LiveId" clId="{EE02F971-86F5-428E-BC14-A8CDA14DE2B7}" dt="2023-10-25T07:07:50.129" v="215" actId="11529"/>
+          <ac:cxnSpMkLst>
+            <pc:docMk/>
+            <pc:sldMk cId="3173105583" sldId="261"/>
+            <ac:cxnSpMk id="44" creationId="{C5229796-667F-0791-D005-5428C4507099}"/>
+          </ac:cxnSpMkLst>
+        </pc:cxnChg>
+        <pc:cxnChg chg="add del mod">
+          <ac:chgData name="Johann Bock Severin" userId="3b36179260fc8001" providerId="LiveId" clId="{EE02F971-86F5-428E-BC14-A8CDA14DE2B7}" dt="2023-10-25T07:09:16.118" v="241" actId="478"/>
+          <ac:cxnSpMkLst>
+            <pc:docMk/>
+            <pc:sldMk cId="3173105583" sldId="261"/>
+            <ac:cxnSpMk id="49" creationId="{B70BC5CE-E89E-AF40-9A84-EB600114631C}"/>
+          </ac:cxnSpMkLst>
+        </pc:cxnChg>
       </pc:sldChg>
       <pc:sldChg chg="del">
         <pc:chgData name="Johann Bock Severin" userId="3b36179260fc8001" providerId="LiveId" clId="{EE02F971-86F5-428E-BC14-A8CDA14DE2B7}" dt="2023-10-12T13:20:49.065" v="1" actId="47"/>
@@ -5112,7 +5568,7 @@
           <a:p>
             <a:fld id="{53BF19A1-7C9B-4536-8619-E606248327B6}" type="datetimeFigureOut">
               <a:rPr lang="en-DK" smtClean="0"/>
-              <a:t>12/10/2023</a:t>
+              <a:t>25/10/2023</a:t>
             </a:fld>
             <a:endParaRPr lang="en-DK"/>
           </a:p>
@@ -5529,7 +5985,7 @@
           <a:p>
             <a:fld id="{B21175D6-FCE9-4988-8B6E-5CB52F8DC15C}" type="datetimeFigureOut">
               <a:rPr lang="en-DK" smtClean="0"/>
-              <a:t>12/10/2023</a:t>
+              <a:t>25/10/2023</a:t>
             </a:fld>
             <a:endParaRPr lang="en-DK"/>
           </a:p>
@@ -5729,7 +6185,7 @@
           <a:p>
             <a:fld id="{B21175D6-FCE9-4988-8B6E-5CB52F8DC15C}" type="datetimeFigureOut">
               <a:rPr lang="en-DK" smtClean="0"/>
-              <a:t>12/10/2023</a:t>
+              <a:t>25/10/2023</a:t>
             </a:fld>
             <a:endParaRPr lang="en-DK"/>
           </a:p>
@@ -5939,7 +6395,7 @@
           <a:p>
             <a:fld id="{B21175D6-FCE9-4988-8B6E-5CB52F8DC15C}" type="datetimeFigureOut">
               <a:rPr lang="en-DK" smtClean="0"/>
-              <a:t>12/10/2023</a:t>
+              <a:t>25/10/2023</a:t>
             </a:fld>
             <a:endParaRPr lang="en-DK"/>
           </a:p>
@@ -6139,7 +6595,7 @@
           <a:p>
             <a:fld id="{B21175D6-FCE9-4988-8B6E-5CB52F8DC15C}" type="datetimeFigureOut">
               <a:rPr lang="en-DK" smtClean="0"/>
-              <a:t>12/10/2023</a:t>
+              <a:t>25/10/2023</a:t>
             </a:fld>
             <a:endParaRPr lang="en-DK"/>
           </a:p>
@@ -6415,7 +6871,7 @@
           <a:p>
             <a:fld id="{B21175D6-FCE9-4988-8B6E-5CB52F8DC15C}" type="datetimeFigureOut">
               <a:rPr lang="en-DK" smtClean="0"/>
-              <a:t>12/10/2023</a:t>
+              <a:t>25/10/2023</a:t>
             </a:fld>
             <a:endParaRPr lang="en-DK"/>
           </a:p>
@@ -6683,7 +7139,7 @@
           <a:p>
             <a:fld id="{B21175D6-FCE9-4988-8B6E-5CB52F8DC15C}" type="datetimeFigureOut">
               <a:rPr lang="en-DK" smtClean="0"/>
-              <a:t>12/10/2023</a:t>
+              <a:t>25/10/2023</a:t>
             </a:fld>
             <a:endParaRPr lang="en-DK"/>
           </a:p>
@@ -7098,7 +7554,7 @@
           <a:p>
             <a:fld id="{B21175D6-FCE9-4988-8B6E-5CB52F8DC15C}" type="datetimeFigureOut">
               <a:rPr lang="en-DK" smtClean="0"/>
-              <a:t>12/10/2023</a:t>
+              <a:t>25/10/2023</a:t>
             </a:fld>
             <a:endParaRPr lang="en-DK"/>
           </a:p>
@@ -7240,7 +7696,7 @@
           <a:p>
             <a:fld id="{B21175D6-FCE9-4988-8B6E-5CB52F8DC15C}" type="datetimeFigureOut">
               <a:rPr lang="en-DK" smtClean="0"/>
-              <a:t>12/10/2023</a:t>
+              <a:t>25/10/2023</a:t>
             </a:fld>
             <a:endParaRPr lang="en-DK"/>
           </a:p>
@@ -7353,7 +7809,7 @@
           <a:p>
             <a:fld id="{B21175D6-FCE9-4988-8B6E-5CB52F8DC15C}" type="datetimeFigureOut">
               <a:rPr lang="en-DK" smtClean="0"/>
-              <a:t>12/10/2023</a:t>
+              <a:t>25/10/2023</a:t>
             </a:fld>
             <a:endParaRPr lang="en-DK"/>
           </a:p>
@@ -7666,7 +8122,7 @@
           <a:p>
             <a:fld id="{B21175D6-FCE9-4988-8B6E-5CB52F8DC15C}" type="datetimeFigureOut">
               <a:rPr lang="en-DK" smtClean="0"/>
-              <a:t>12/10/2023</a:t>
+              <a:t>25/10/2023</a:t>
             </a:fld>
             <a:endParaRPr lang="en-DK"/>
           </a:p>
@@ -7955,7 +8411,7 @@
           <a:p>
             <a:fld id="{B21175D6-FCE9-4988-8B6E-5CB52F8DC15C}" type="datetimeFigureOut">
               <a:rPr lang="en-DK" smtClean="0"/>
-              <a:t>12/10/2023</a:t>
+              <a:t>25/10/2023</a:t>
             </a:fld>
             <a:endParaRPr lang="en-DK"/>
           </a:p>
@@ -8198,7 +8654,7 @@
           <a:p>
             <a:fld id="{B21175D6-FCE9-4988-8B6E-5CB52F8DC15C}" type="datetimeFigureOut">
               <a:rPr lang="en-DK" smtClean="0"/>
-              <a:t>12/10/2023</a:t>
+              <a:t>25/10/2023</a:t>
             </a:fld>
             <a:endParaRPr lang="en-DK"/>
           </a:p>
@@ -9745,8 +10201,8 @@
           </p:txBody>
         </p:sp>
       </p:grpSp>
-      <mc:AlternateContent xmlns:mc="http://schemas.openxmlformats.org/markup-compatibility/2006">
-        <mc:Choice xmlns:a14="http://schemas.microsoft.com/office/drawing/2010/main" Requires="a14">
+      <mc:AlternateContent xmlns:mc="http://schemas.openxmlformats.org/markup-compatibility/2006" xmlns:a14="http://schemas.microsoft.com/office/drawing/2010/main">
+        <mc:Choice Requires="a14">
           <p:sp>
             <p:nvSpPr>
               <p:cNvPr id="34" name="TextBox 33">
@@ -9775,6 +10231,7 @@
               </a:bodyPr>
               <a:lstStyle/>
               <a:p>
+                <a:pPr/>
                 <a14:m>
                   <m:oMathPara xmlns:m="http://schemas.openxmlformats.org/officeDocument/2006/math">
                     <m:oMathParaPr>
@@ -9802,7 +10259,7 @@
             </p:txBody>
           </p:sp>
         </mc:Choice>
-        <mc:Fallback>
+        <mc:Fallback xmlns="">
           <p:sp>
             <p:nvSpPr>
               <p:cNvPr id="34" name="TextBox 33">
@@ -9847,8 +10304,8 @@
           </p:sp>
         </mc:Fallback>
       </mc:AlternateContent>
-      <mc:AlternateContent xmlns:mc="http://schemas.openxmlformats.org/markup-compatibility/2006">
-        <mc:Choice xmlns:a14="http://schemas.microsoft.com/office/drawing/2010/main" Requires="a14">
+      <mc:AlternateContent xmlns:mc="http://schemas.openxmlformats.org/markup-compatibility/2006" xmlns:a14="http://schemas.microsoft.com/office/drawing/2010/main">
+        <mc:Choice Requires="a14">
           <p:sp>
             <p:nvSpPr>
               <p:cNvPr id="35" name="TextBox 34">
@@ -9877,6 +10334,7 @@
               </a:bodyPr>
               <a:lstStyle/>
               <a:p>
+                <a:pPr/>
                 <a14:m>
                   <m:oMathPara xmlns:m="http://schemas.openxmlformats.org/officeDocument/2006/math">
                     <m:oMathParaPr>
@@ -9904,7 +10362,7 @@
             </p:txBody>
           </p:sp>
         </mc:Choice>
-        <mc:Fallback>
+        <mc:Fallback xmlns="">
           <p:sp>
             <p:nvSpPr>
               <p:cNvPr id="35" name="TextBox 34">
@@ -9949,8 +10407,8 @@
           </p:sp>
         </mc:Fallback>
       </mc:AlternateContent>
-      <mc:AlternateContent xmlns:mc="http://schemas.openxmlformats.org/markup-compatibility/2006">
-        <mc:Choice xmlns:a14="http://schemas.microsoft.com/office/drawing/2010/main" Requires="a14">
+      <mc:AlternateContent xmlns:mc="http://schemas.openxmlformats.org/markup-compatibility/2006" xmlns:a14="http://schemas.microsoft.com/office/drawing/2010/main">
+        <mc:Choice Requires="a14">
           <p:sp>
             <p:nvSpPr>
               <p:cNvPr id="36" name="TextBox 35">
@@ -9979,6 +10437,7 @@
               </a:bodyPr>
               <a:lstStyle/>
               <a:p>
+                <a:pPr/>
                 <a14:m>
                   <m:oMathPara xmlns:m="http://schemas.openxmlformats.org/officeDocument/2006/math">
                     <m:oMathParaPr>
@@ -10031,7 +10490,7 @@
             </p:txBody>
           </p:sp>
         </mc:Choice>
-        <mc:Fallback>
+        <mc:Fallback xmlns="">
           <p:sp>
             <p:nvSpPr>
               <p:cNvPr id="36" name="TextBox 35">
@@ -10076,8 +10535,8 @@
           </p:sp>
         </mc:Fallback>
       </mc:AlternateContent>
-      <mc:AlternateContent xmlns:mc="http://schemas.openxmlformats.org/markup-compatibility/2006">
-        <mc:Choice xmlns:a14="http://schemas.microsoft.com/office/drawing/2010/main" Requires="a14">
+      <mc:AlternateContent xmlns:mc="http://schemas.openxmlformats.org/markup-compatibility/2006" xmlns:a14="http://schemas.microsoft.com/office/drawing/2010/main">
+        <mc:Choice Requires="a14">
           <p:sp>
             <p:nvSpPr>
               <p:cNvPr id="37" name="TextBox 36">
@@ -10106,6 +10565,7 @@
               </a:bodyPr>
               <a:lstStyle/>
               <a:p>
+                <a:pPr/>
                 <a14:m>
                   <m:oMathPara xmlns:m="http://schemas.openxmlformats.org/officeDocument/2006/math">
                     <m:oMathParaPr>
@@ -10158,7 +10618,7 @@
             </p:txBody>
           </p:sp>
         </mc:Choice>
-        <mc:Fallback>
+        <mc:Fallback xmlns="">
           <p:sp>
             <p:nvSpPr>
               <p:cNvPr id="37" name="TextBox 36">
@@ -10207,6 +10667,966 @@
     <p:extLst>
       <p:ext uri="{BB962C8B-B14F-4D97-AF65-F5344CB8AC3E}">
         <p14:creationId xmlns:p14="http://schemas.microsoft.com/office/powerpoint/2010/main" val="2845768841"/>
+      </p:ext>
+    </p:extLst>
+  </p:cSld>
+  <p:clrMapOvr>
+    <a:masterClrMapping/>
+  </p:clrMapOvr>
+  <mc:AlternateContent xmlns:mc="http://schemas.openxmlformats.org/markup-compatibility/2006" xmlns:p159="http://schemas.microsoft.com/office/powerpoint/2015/09/main">
+    <mc:Choice Requires="p159">
+      <p:transition>
+        <p159:morph option="byObject"/>
+      </p:transition>
+    </mc:Choice>
+    <mc:Fallback xmlns="">
+      <p:transition>
+        <p:fade/>
+      </p:transition>
+    </mc:Fallback>
+  </mc:AlternateContent>
+</p:sld>
+</file>
+
+<file path=ppt/slides/slide2.xml><?xml version="1.0" encoding="utf-8"?>
+<p:sld xmlns:a="http://schemas.openxmlformats.org/drawingml/2006/main" xmlns:r="http://schemas.openxmlformats.org/officeDocument/2006/relationships" xmlns:p="http://schemas.openxmlformats.org/presentationml/2006/main">
+  <p:cSld>
+    <p:spTree>
+      <p:nvGrpSpPr>
+        <p:cNvPr id="1" name=""/>
+        <p:cNvGrpSpPr/>
+        <p:nvPr/>
+      </p:nvGrpSpPr>
+      <p:grpSpPr>
+        <a:xfrm>
+          <a:off x="0" y="0"/>
+          <a:ext cx="0" cy="0"/>
+          <a:chOff x="0" y="0"/>
+          <a:chExt cx="0" cy="0"/>
+        </a:xfrm>
+      </p:grpSpPr>
+      <p:sp>
+        <p:nvSpPr>
+          <p:cNvPr id="59" name="Rectangle 58">
+            <a:extLst>
+              <a:ext uri="{FF2B5EF4-FFF2-40B4-BE49-F238E27FC236}">
+                <a16:creationId xmlns:a16="http://schemas.microsoft.com/office/drawing/2014/main" id="{3FD39345-4398-2712-0603-439135989AAC}"/>
+              </a:ext>
+            </a:extLst>
+          </p:cNvPr>
+          <p:cNvSpPr/>
+          <p:nvPr/>
+        </p:nvSpPr>
+        <p:spPr>
+          <a:xfrm rot="10800000" flipH="1" flipV="1">
+            <a:off x="4620851" y="662943"/>
+            <a:ext cx="1314021" cy="3177541"/>
+          </a:xfrm>
+          <a:prstGeom prst="rect">
+            <a:avLst/>
+          </a:prstGeom>
+          <a:noFill/>
+          <a:ln w="38100">
+            <a:solidFill>
+              <a:schemeClr val="accent3"/>
+            </a:solidFill>
+          </a:ln>
+        </p:spPr>
+        <p:style>
+          <a:lnRef idx="2">
+            <a:schemeClr val="accent1">
+              <a:shade val="15000"/>
+            </a:schemeClr>
+          </a:lnRef>
+          <a:fillRef idx="1">
+            <a:schemeClr val="accent1"/>
+          </a:fillRef>
+          <a:effectRef idx="0">
+            <a:schemeClr val="accent1"/>
+          </a:effectRef>
+          <a:fontRef idx="minor">
+            <a:schemeClr val="lt1"/>
+          </a:fontRef>
+        </p:style>
+        <p:txBody>
+          <a:bodyPr rtlCol="0" anchor="ctr"/>
+          <a:lstStyle/>
+          <a:p>
+            <a:pPr algn="ctr"/>
+            <a:endParaRPr lang="en-DK"/>
+          </a:p>
+        </p:txBody>
+      </p:sp>
+      <p:sp>
+        <p:nvSpPr>
+          <p:cNvPr id="60" name="Rectangle 59">
+            <a:extLst>
+              <a:ext uri="{FF2B5EF4-FFF2-40B4-BE49-F238E27FC236}">
+                <a16:creationId xmlns:a16="http://schemas.microsoft.com/office/drawing/2014/main" id="{C3BC3275-DC34-ED66-7695-AD40AAF39854}"/>
+              </a:ext>
+            </a:extLst>
+          </p:cNvPr>
+          <p:cNvSpPr/>
+          <p:nvPr/>
+        </p:nvSpPr>
+        <p:spPr>
+          <a:xfrm rot="10800000" flipH="1" flipV="1">
+            <a:off x="4501788" y="748668"/>
+            <a:ext cx="1557334" cy="3177541"/>
+          </a:xfrm>
+          <a:prstGeom prst="rect">
+            <a:avLst/>
+          </a:prstGeom>
+          <a:noFill/>
+          <a:ln w="38100">
+            <a:solidFill>
+              <a:schemeClr val="accent3"/>
+            </a:solidFill>
+          </a:ln>
+        </p:spPr>
+        <p:style>
+          <a:lnRef idx="2">
+            <a:schemeClr val="accent1">
+              <a:shade val="15000"/>
+            </a:schemeClr>
+          </a:lnRef>
+          <a:fillRef idx="1">
+            <a:schemeClr val="accent1"/>
+          </a:fillRef>
+          <a:effectRef idx="0">
+            <a:schemeClr val="accent1"/>
+          </a:effectRef>
+          <a:fontRef idx="minor">
+            <a:schemeClr val="lt1"/>
+          </a:fontRef>
+        </p:style>
+        <p:txBody>
+          <a:bodyPr rtlCol="0" anchor="ctr"/>
+          <a:lstStyle/>
+          <a:p>
+            <a:pPr algn="ctr"/>
+            <a:endParaRPr lang="en-DK"/>
+          </a:p>
+        </p:txBody>
+      </p:sp>
+      <p:sp>
+        <p:nvSpPr>
+          <p:cNvPr id="57" name="Rectangle 56">
+            <a:extLst>
+              <a:ext uri="{FF2B5EF4-FFF2-40B4-BE49-F238E27FC236}">
+                <a16:creationId xmlns:a16="http://schemas.microsoft.com/office/drawing/2014/main" id="{E346330F-AB5E-2470-08A1-02FD04071A1B}"/>
+              </a:ext>
+            </a:extLst>
+          </p:cNvPr>
+          <p:cNvSpPr/>
+          <p:nvPr/>
+        </p:nvSpPr>
+        <p:spPr>
+          <a:xfrm rot="10800000" flipH="1" flipV="1">
+            <a:off x="3376821" y="893456"/>
+            <a:ext cx="3172974" cy="3177541"/>
+          </a:xfrm>
+          <a:prstGeom prst="rect">
+            <a:avLst/>
+          </a:prstGeom>
+          <a:noFill/>
+          <a:ln w="38100">
+            <a:solidFill>
+              <a:schemeClr val="accent2"/>
+            </a:solidFill>
+          </a:ln>
+        </p:spPr>
+        <p:style>
+          <a:lnRef idx="2">
+            <a:schemeClr val="accent1">
+              <a:shade val="15000"/>
+            </a:schemeClr>
+          </a:lnRef>
+          <a:fillRef idx="1">
+            <a:schemeClr val="accent1"/>
+          </a:fillRef>
+          <a:effectRef idx="0">
+            <a:schemeClr val="accent1"/>
+          </a:effectRef>
+          <a:fontRef idx="minor">
+            <a:schemeClr val="lt1"/>
+          </a:fontRef>
+        </p:style>
+        <p:txBody>
+          <a:bodyPr rtlCol="0" anchor="ctr"/>
+          <a:lstStyle/>
+          <a:p>
+            <a:pPr algn="ctr"/>
+            <a:endParaRPr lang="en-DK"/>
+          </a:p>
+        </p:txBody>
+      </p:sp>
+      <p:sp>
+        <p:nvSpPr>
+          <p:cNvPr id="58" name="Rectangle 57">
+            <a:extLst>
+              <a:ext uri="{FF2B5EF4-FFF2-40B4-BE49-F238E27FC236}">
+                <a16:creationId xmlns:a16="http://schemas.microsoft.com/office/drawing/2014/main" id="{0FA9454D-43BD-2B3B-01E5-F3211E5D5906}"/>
+              </a:ext>
+            </a:extLst>
+          </p:cNvPr>
+          <p:cNvSpPr/>
+          <p:nvPr/>
+        </p:nvSpPr>
+        <p:spPr>
+          <a:xfrm rot="10800000" flipH="1" flipV="1">
+            <a:off x="3301638" y="972506"/>
+            <a:ext cx="3321846" cy="3177541"/>
+          </a:xfrm>
+          <a:prstGeom prst="rect">
+            <a:avLst/>
+          </a:prstGeom>
+          <a:noFill/>
+          <a:ln w="38100">
+            <a:solidFill>
+              <a:schemeClr val="accent2"/>
+            </a:solidFill>
+          </a:ln>
+        </p:spPr>
+        <p:style>
+          <a:lnRef idx="2">
+            <a:schemeClr val="accent1">
+              <a:shade val="15000"/>
+            </a:schemeClr>
+          </a:lnRef>
+          <a:fillRef idx="1">
+            <a:schemeClr val="accent1"/>
+          </a:fillRef>
+          <a:effectRef idx="0">
+            <a:schemeClr val="accent1"/>
+          </a:effectRef>
+          <a:fontRef idx="minor">
+            <a:schemeClr val="lt1"/>
+          </a:fontRef>
+        </p:style>
+        <p:txBody>
+          <a:bodyPr rtlCol="0" anchor="ctr"/>
+          <a:lstStyle/>
+          <a:p>
+            <a:pPr algn="ctr"/>
+            <a:endParaRPr lang="en-DK"/>
+          </a:p>
+        </p:txBody>
+      </p:sp>
+      <p:sp>
+        <p:nvSpPr>
+          <p:cNvPr id="56" name="Rectangle 55">
+            <a:extLst>
+              <a:ext uri="{FF2B5EF4-FFF2-40B4-BE49-F238E27FC236}">
+                <a16:creationId xmlns:a16="http://schemas.microsoft.com/office/drawing/2014/main" id="{C1D4D9A4-6DDE-355F-C146-D54C9B2FB3C9}"/>
+              </a:ext>
+            </a:extLst>
+          </p:cNvPr>
+          <p:cNvSpPr/>
+          <p:nvPr/>
+        </p:nvSpPr>
+        <p:spPr>
+          <a:xfrm rot="10800000" flipH="1" flipV="1">
+            <a:off x="2272938" y="1043944"/>
+            <a:ext cx="4716204" cy="3286123"/>
+          </a:xfrm>
+          <a:prstGeom prst="rect">
+            <a:avLst/>
+          </a:prstGeom>
+          <a:noFill/>
+          <a:ln w="38100">
+            <a:solidFill>
+              <a:schemeClr val="accent1"/>
+            </a:solidFill>
+          </a:ln>
+        </p:spPr>
+        <p:style>
+          <a:lnRef idx="2">
+            <a:schemeClr val="accent1">
+              <a:shade val="15000"/>
+            </a:schemeClr>
+          </a:lnRef>
+          <a:fillRef idx="1">
+            <a:schemeClr val="accent1"/>
+          </a:fillRef>
+          <a:effectRef idx="0">
+            <a:schemeClr val="accent1"/>
+          </a:effectRef>
+          <a:fontRef idx="minor">
+            <a:schemeClr val="lt1"/>
+          </a:fontRef>
+        </p:style>
+        <p:txBody>
+          <a:bodyPr rtlCol="0" anchor="ctr"/>
+          <a:lstStyle/>
+          <a:p>
+            <a:pPr algn="ctr"/>
+            <a:endParaRPr lang="en-DK"/>
+          </a:p>
+        </p:txBody>
+      </p:sp>
+      <p:sp>
+        <p:nvSpPr>
+          <p:cNvPr id="53" name="Rectangle 52">
+            <a:extLst>
+              <a:ext uri="{FF2B5EF4-FFF2-40B4-BE49-F238E27FC236}">
+                <a16:creationId xmlns:a16="http://schemas.microsoft.com/office/drawing/2014/main" id="{C0BEB1B5-B15D-D442-3378-E280584ABA9D}"/>
+              </a:ext>
+            </a:extLst>
+          </p:cNvPr>
+          <p:cNvSpPr/>
+          <p:nvPr/>
+        </p:nvSpPr>
+        <p:spPr>
+          <a:xfrm rot="10800000" flipH="1" flipV="1">
+            <a:off x="2153875" y="1129669"/>
+            <a:ext cx="4937483" cy="3286123"/>
+          </a:xfrm>
+          <a:prstGeom prst="rect">
+            <a:avLst/>
+          </a:prstGeom>
+          <a:noFill/>
+          <a:ln w="38100">
+            <a:solidFill>
+              <a:schemeClr val="accent1"/>
+            </a:solidFill>
+          </a:ln>
+        </p:spPr>
+        <p:style>
+          <a:lnRef idx="2">
+            <a:schemeClr val="accent1">
+              <a:shade val="15000"/>
+            </a:schemeClr>
+          </a:lnRef>
+          <a:fillRef idx="1">
+            <a:schemeClr val="accent1"/>
+          </a:fillRef>
+          <a:effectRef idx="0">
+            <a:schemeClr val="accent1"/>
+          </a:effectRef>
+          <a:fontRef idx="minor">
+            <a:schemeClr val="lt1"/>
+          </a:fontRef>
+        </p:style>
+        <p:txBody>
+          <a:bodyPr rtlCol="0" anchor="ctr"/>
+          <a:lstStyle/>
+          <a:p>
+            <a:pPr algn="ctr"/>
+            <a:endParaRPr lang="en-DK"/>
+          </a:p>
+        </p:txBody>
+      </p:sp>
+      <p:sp>
+        <p:nvSpPr>
+          <p:cNvPr id="55" name="Rectangle 54">
+            <a:extLst>
+              <a:ext uri="{FF2B5EF4-FFF2-40B4-BE49-F238E27FC236}">
+                <a16:creationId xmlns:a16="http://schemas.microsoft.com/office/drawing/2014/main" id="{F9BDB2CA-83E4-4A46-D204-7719DF0F64D2}"/>
+              </a:ext>
+            </a:extLst>
+          </p:cNvPr>
+          <p:cNvSpPr/>
+          <p:nvPr/>
+        </p:nvSpPr>
+        <p:spPr>
+          <a:xfrm rot="10800000" flipH="1">
+            <a:off x="659426" y="112544"/>
+            <a:ext cx="7477125" cy="3492825"/>
+          </a:xfrm>
+          <a:prstGeom prst="rect">
+            <a:avLst/>
+          </a:prstGeom>
+          <a:solidFill>
+            <a:schemeClr val="bg1"/>
+          </a:solidFill>
+          <a:ln>
+            <a:noFill/>
+          </a:ln>
+        </p:spPr>
+        <p:style>
+          <a:lnRef idx="2">
+            <a:schemeClr val="accent1">
+              <a:shade val="15000"/>
+            </a:schemeClr>
+          </a:lnRef>
+          <a:fillRef idx="1">
+            <a:schemeClr val="accent1"/>
+          </a:fillRef>
+          <a:effectRef idx="0">
+            <a:schemeClr val="accent1"/>
+          </a:effectRef>
+          <a:fontRef idx="minor">
+            <a:schemeClr val="lt1"/>
+          </a:fontRef>
+        </p:style>
+        <p:txBody>
+          <a:bodyPr rtlCol="0" anchor="ctr"/>
+          <a:lstStyle/>
+          <a:p>
+            <a:pPr algn="ctr"/>
+            <a:endParaRPr lang="en-DK"/>
+          </a:p>
+        </p:txBody>
+      </p:sp>
+      <p:sp>
+        <p:nvSpPr>
+          <p:cNvPr id="22" name="TextBox 21">
+            <a:extLst>
+              <a:ext uri="{FF2B5EF4-FFF2-40B4-BE49-F238E27FC236}">
+                <a16:creationId xmlns:a16="http://schemas.microsoft.com/office/drawing/2014/main" id="{D0721B8C-EC7D-4E9E-DD95-638F89F64F0D}"/>
+              </a:ext>
+            </a:extLst>
+          </p:cNvPr>
+          <p:cNvSpPr txBox="1"/>
+          <p:nvPr/>
+        </p:nvSpPr>
+        <p:spPr>
+          <a:xfrm flipH="1">
+            <a:off x="1092265" y="2029858"/>
+            <a:ext cx="928459" cy="646331"/>
+          </a:xfrm>
+          <a:prstGeom prst="rect">
+            <a:avLst/>
+          </a:prstGeom>
+          <a:noFill/>
+        </p:spPr>
+        <p:txBody>
+          <a:bodyPr wrap="none" rtlCol="0">
+            <a:spAutoFit/>
+          </a:bodyPr>
+          <a:lstStyle/>
+          <a:p>
+            <a:r>
+              <a:rPr lang="en-US" dirty="0"/>
+              <a:t>Qubit </a:t>
+            </a:r>
+          </a:p>
+          <a:p>
+            <a:r>
+              <a:rPr lang="en-US" dirty="0"/>
+              <a:t>Control</a:t>
+            </a:r>
+            <a:endParaRPr lang="en-DK" dirty="0"/>
+          </a:p>
+        </p:txBody>
+      </p:sp>
+      <p:sp>
+        <p:nvSpPr>
+          <p:cNvPr id="54" name="Cylinder 53">
+            <a:extLst>
+              <a:ext uri="{FF2B5EF4-FFF2-40B4-BE49-F238E27FC236}">
+                <a16:creationId xmlns:a16="http://schemas.microsoft.com/office/drawing/2014/main" id="{1A06878E-7146-7FF7-9E21-486E4BD9A082}"/>
+              </a:ext>
+            </a:extLst>
+          </p:cNvPr>
+          <p:cNvSpPr/>
+          <p:nvPr/>
+        </p:nvSpPr>
+        <p:spPr>
+          <a:xfrm rot="10800000" flipH="1" flipV="1">
+            <a:off x="5731674" y="735335"/>
+            <a:ext cx="1557334" cy="3095625"/>
+          </a:xfrm>
+          <a:prstGeom prst="can">
+            <a:avLst/>
+          </a:prstGeom>
+          <a:solidFill>
+            <a:schemeClr val="bg1">
+              <a:lumMod val="65000"/>
+            </a:schemeClr>
+          </a:solidFill>
+        </p:spPr>
+        <p:style>
+          <a:lnRef idx="2">
+            <a:schemeClr val="accent1">
+              <a:shade val="15000"/>
+            </a:schemeClr>
+          </a:lnRef>
+          <a:fillRef idx="1">
+            <a:schemeClr val="accent1"/>
+          </a:fillRef>
+          <a:effectRef idx="0">
+            <a:schemeClr val="accent1"/>
+          </a:effectRef>
+          <a:fontRef idx="minor">
+            <a:schemeClr val="lt1"/>
+          </a:fontRef>
+        </p:style>
+        <p:txBody>
+          <a:bodyPr rtlCol="0" anchor="ctr"/>
+          <a:lstStyle/>
+          <a:p>
+            <a:pPr algn="ctr"/>
+            <a:r>
+              <a:rPr lang="en-US" dirty="0"/>
+              <a:t>T5</a:t>
+            </a:r>
+          </a:p>
+          <a:p>
+            <a:pPr algn="ctr"/>
+            <a:r>
+              <a:rPr lang="en-US" dirty="0"/>
+              <a:t>Oxford Fridge</a:t>
+            </a:r>
+            <a:endParaRPr lang="en-DK" dirty="0"/>
+          </a:p>
+        </p:txBody>
+      </p:sp>
+      <p:cxnSp>
+        <p:nvCxnSpPr>
+          <p:cNvPr id="40" name="Straight Connector 39">
+            <a:extLst>
+              <a:ext uri="{FF2B5EF4-FFF2-40B4-BE49-F238E27FC236}">
+                <a16:creationId xmlns:a16="http://schemas.microsoft.com/office/drawing/2014/main" id="{46803BB2-D4D1-E7C2-38BF-4E71A3521B3A}"/>
+              </a:ext>
+            </a:extLst>
+          </p:cNvPr>
+          <p:cNvCxnSpPr>
+            <a:cxnSpLocks/>
+          </p:cNvCxnSpPr>
+          <p:nvPr/>
+        </p:nvCxnSpPr>
+        <p:spPr>
+          <a:xfrm rot="10800000" flipH="1" flipV="1">
+            <a:off x="4614727" y="1795606"/>
+            <a:ext cx="0" cy="1156479"/>
+          </a:xfrm>
+          <a:prstGeom prst="line">
+            <a:avLst/>
+          </a:prstGeom>
+          <a:ln w="38100">
+            <a:solidFill>
+              <a:schemeClr val="accent3"/>
+            </a:solidFill>
+          </a:ln>
+        </p:spPr>
+        <p:style>
+          <a:lnRef idx="1">
+            <a:schemeClr val="accent1"/>
+          </a:lnRef>
+          <a:fillRef idx="0">
+            <a:schemeClr val="accent1"/>
+          </a:fillRef>
+          <a:effectRef idx="0">
+            <a:schemeClr val="accent1"/>
+          </a:effectRef>
+          <a:fontRef idx="minor">
+            <a:schemeClr val="tx1"/>
+          </a:fontRef>
+        </p:style>
+      </p:cxnSp>
+      <p:cxnSp>
+        <p:nvCxnSpPr>
+          <p:cNvPr id="31" name="Straight Connector 30">
+            <a:extLst>
+              <a:ext uri="{FF2B5EF4-FFF2-40B4-BE49-F238E27FC236}">
+                <a16:creationId xmlns:a16="http://schemas.microsoft.com/office/drawing/2014/main" id="{2612C4F3-4053-FFD7-FD35-843273412620}"/>
+              </a:ext>
+            </a:extLst>
+          </p:cNvPr>
+          <p:cNvCxnSpPr>
+            <a:cxnSpLocks/>
+          </p:cNvCxnSpPr>
+          <p:nvPr/>
+        </p:nvCxnSpPr>
+        <p:spPr>
+          <a:xfrm rot="10800000" flipH="1" flipV="1">
+            <a:off x="3413760" y="1817376"/>
+            <a:ext cx="0" cy="1156479"/>
+          </a:xfrm>
+          <a:prstGeom prst="line">
+            <a:avLst/>
+          </a:prstGeom>
+          <a:ln w="38100">
+            <a:solidFill>
+              <a:schemeClr val="accent2"/>
+            </a:solidFill>
+          </a:ln>
+        </p:spPr>
+        <p:style>
+          <a:lnRef idx="1">
+            <a:schemeClr val="accent1"/>
+          </a:lnRef>
+          <a:fillRef idx="0">
+            <a:schemeClr val="accent1"/>
+          </a:fillRef>
+          <a:effectRef idx="0">
+            <a:schemeClr val="accent1"/>
+          </a:effectRef>
+          <a:fontRef idx="minor">
+            <a:schemeClr val="tx1"/>
+          </a:fontRef>
+        </p:style>
+      </p:cxnSp>
+      <p:cxnSp>
+        <p:nvCxnSpPr>
+          <p:cNvPr id="38" name="Straight Connector 37">
+            <a:extLst>
+              <a:ext uri="{FF2B5EF4-FFF2-40B4-BE49-F238E27FC236}">
+                <a16:creationId xmlns:a16="http://schemas.microsoft.com/office/drawing/2014/main" id="{F8208307-89F0-0161-9846-A1C4454D7839}"/>
+              </a:ext>
+            </a:extLst>
+          </p:cNvPr>
+          <p:cNvCxnSpPr>
+            <a:cxnSpLocks/>
+          </p:cNvCxnSpPr>
+          <p:nvPr/>
+        </p:nvCxnSpPr>
+        <p:spPr>
+          <a:xfrm rot="10800000" flipH="1" flipV="1">
+            <a:off x="3301637" y="1817375"/>
+            <a:ext cx="0" cy="1156479"/>
+          </a:xfrm>
+          <a:prstGeom prst="line">
+            <a:avLst/>
+          </a:prstGeom>
+          <a:ln w="38100">
+            <a:solidFill>
+              <a:schemeClr val="accent2"/>
+            </a:solidFill>
+          </a:ln>
+        </p:spPr>
+        <p:style>
+          <a:lnRef idx="1">
+            <a:schemeClr val="accent1"/>
+          </a:lnRef>
+          <a:fillRef idx="0">
+            <a:schemeClr val="accent1"/>
+          </a:fillRef>
+          <a:effectRef idx="0">
+            <a:schemeClr val="accent1"/>
+          </a:effectRef>
+          <a:fontRef idx="minor">
+            <a:schemeClr val="tx1"/>
+          </a:fontRef>
+        </p:style>
+      </p:cxnSp>
+      <p:cxnSp>
+        <p:nvCxnSpPr>
+          <p:cNvPr id="41" name="Straight Connector 40">
+            <a:extLst>
+              <a:ext uri="{FF2B5EF4-FFF2-40B4-BE49-F238E27FC236}">
+                <a16:creationId xmlns:a16="http://schemas.microsoft.com/office/drawing/2014/main" id="{D26C6237-5E26-95D9-B269-50880E6E5112}"/>
+              </a:ext>
+            </a:extLst>
+          </p:cNvPr>
+          <p:cNvCxnSpPr>
+            <a:cxnSpLocks/>
+          </p:cNvCxnSpPr>
+          <p:nvPr/>
+        </p:nvCxnSpPr>
+        <p:spPr>
+          <a:xfrm rot="10800000" flipH="1" flipV="1">
+            <a:off x="4502604" y="1795605"/>
+            <a:ext cx="0" cy="1156479"/>
+          </a:xfrm>
+          <a:prstGeom prst="line">
+            <a:avLst/>
+          </a:prstGeom>
+          <a:ln w="38100">
+            <a:solidFill>
+              <a:schemeClr val="accent3"/>
+            </a:solidFill>
+          </a:ln>
+        </p:spPr>
+        <p:style>
+          <a:lnRef idx="1">
+            <a:schemeClr val="accent1"/>
+          </a:lnRef>
+          <a:fillRef idx="0">
+            <a:schemeClr val="accent1"/>
+          </a:fillRef>
+          <a:effectRef idx="0">
+            <a:schemeClr val="accent1"/>
+          </a:effectRef>
+          <a:fontRef idx="minor">
+            <a:schemeClr val="tx1"/>
+          </a:fontRef>
+        </p:style>
+      </p:cxnSp>
+      <p:cxnSp>
+        <p:nvCxnSpPr>
+          <p:cNvPr id="8" name="Straight Connector 7">
+            <a:extLst>
+              <a:ext uri="{FF2B5EF4-FFF2-40B4-BE49-F238E27FC236}">
+                <a16:creationId xmlns:a16="http://schemas.microsoft.com/office/drawing/2014/main" id="{A9190892-E86C-11B3-D082-4A38D46B3825}"/>
+              </a:ext>
+            </a:extLst>
+          </p:cNvPr>
+          <p:cNvCxnSpPr>
+            <a:cxnSpLocks/>
+          </p:cNvCxnSpPr>
+          <p:nvPr/>
+        </p:nvCxnSpPr>
+        <p:spPr>
+          <a:xfrm rot="10800000" flipH="1" flipV="1">
+            <a:off x="2265997" y="1769751"/>
+            <a:ext cx="0" cy="1156479"/>
+          </a:xfrm>
+          <a:prstGeom prst="line">
+            <a:avLst/>
+          </a:prstGeom>
+          <a:ln w="38100"/>
+        </p:spPr>
+        <p:style>
+          <a:lnRef idx="1">
+            <a:schemeClr val="accent1"/>
+          </a:lnRef>
+          <a:fillRef idx="0">
+            <a:schemeClr val="accent1"/>
+          </a:fillRef>
+          <a:effectRef idx="0">
+            <a:schemeClr val="accent1"/>
+          </a:effectRef>
+          <a:fontRef idx="minor">
+            <a:schemeClr val="tx1"/>
+          </a:fontRef>
+        </p:style>
+      </p:cxnSp>
+      <p:cxnSp>
+        <p:nvCxnSpPr>
+          <p:cNvPr id="7" name="Straight Connector 6">
+            <a:extLst>
+              <a:ext uri="{FF2B5EF4-FFF2-40B4-BE49-F238E27FC236}">
+                <a16:creationId xmlns:a16="http://schemas.microsoft.com/office/drawing/2014/main" id="{1B71BCC7-9052-4F74-A912-CF3D282CE2AB}"/>
+              </a:ext>
+            </a:extLst>
+          </p:cNvPr>
+          <p:cNvCxnSpPr>
+            <a:cxnSpLocks/>
+          </p:cNvCxnSpPr>
+          <p:nvPr/>
+        </p:nvCxnSpPr>
+        <p:spPr>
+          <a:xfrm rot="10800000" flipH="1" flipV="1">
+            <a:off x="2153874" y="1769750"/>
+            <a:ext cx="0" cy="1156479"/>
+          </a:xfrm>
+          <a:prstGeom prst="line">
+            <a:avLst/>
+          </a:prstGeom>
+          <a:ln w="38100"/>
+        </p:spPr>
+        <p:style>
+          <a:lnRef idx="1">
+            <a:schemeClr val="accent1"/>
+          </a:lnRef>
+          <a:fillRef idx="0">
+            <a:schemeClr val="accent1"/>
+          </a:fillRef>
+          <a:effectRef idx="0">
+            <a:schemeClr val="accent1"/>
+          </a:effectRef>
+          <a:fontRef idx="minor">
+            <a:schemeClr val="tx1"/>
+          </a:fontRef>
+        </p:style>
+      </p:cxnSp>
+      <p:sp>
+        <p:nvSpPr>
+          <p:cNvPr id="2" name="Rectangle: Rounded Corners 1">
+            <a:extLst>
+              <a:ext uri="{FF2B5EF4-FFF2-40B4-BE49-F238E27FC236}">
+                <a16:creationId xmlns:a16="http://schemas.microsoft.com/office/drawing/2014/main" id="{5EF86225-4E04-4E4E-CD82-DF84FBE8C747}"/>
+              </a:ext>
+            </a:extLst>
+          </p:cNvPr>
+          <p:cNvSpPr/>
+          <p:nvPr/>
+        </p:nvSpPr>
+        <p:spPr>
+          <a:xfrm rot="10800000" flipH="1" flipV="1">
+            <a:off x="1862817" y="2785803"/>
+            <a:ext cx="2955109" cy="966107"/>
+          </a:xfrm>
+          <a:prstGeom prst="roundRect">
+            <a:avLst/>
+          </a:prstGeom>
+          <a:solidFill>
+            <a:schemeClr val="tx1">
+              <a:lumMod val="75000"/>
+              <a:lumOff val="25000"/>
+            </a:schemeClr>
+          </a:solidFill>
+          <a:ln w="38100">
+            <a:noFill/>
+          </a:ln>
+        </p:spPr>
+        <p:style>
+          <a:lnRef idx="2">
+            <a:schemeClr val="dk1">
+              <a:shade val="15000"/>
+            </a:schemeClr>
+          </a:lnRef>
+          <a:fillRef idx="1">
+            <a:schemeClr val="dk1"/>
+          </a:fillRef>
+          <a:effectRef idx="0">
+            <a:schemeClr val="dk1"/>
+          </a:effectRef>
+          <a:fontRef idx="minor">
+            <a:schemeClr val="lt1"/>
+          </a:fontRef>
+        </p:style>
+        <p:txBody>
+          <a:bodyPr rtlCol="0" anchor="ctr"/>
+          <a:lstStyle/>
+          <a:p>
+            <a:pPr algn="ctr"/>
+            <a:r>
+              <a:rPr lang="en-US" dirty="0"/>
+              <a:t>Octave</a:t>
+            </a:r>
+          </a:p>
+        </p:txBody>
+      </p:sp>
+      <p:sp>
+        <p:nvSpPr>
+          <p:cNvPr id="5" name="Rectangle: Rounded Corners 4">
+            <a:extLst>
+              <a:ext uri="{FF2B5EF4-FFF2-40B4-BE49-F238E27FC236}">
+                <a16:creationId xmlns:a16="http://schemas.microsoft.com/office/drawing/2014/main" id="{B2A3E9D7-DC25-C9D7-1951-0B87BBDE781D}"/>
+              </a:ext>
+            </a:extLst>
+          </p:cNvPr>
+          <p:cNvSpPr/>
+          <p:nvPr/>
+        </p:nvSpPr>
+        <p:spPr>
+          <a:xfrm rot="10800000" flipH="1" flipV="1">
+            <a:off x="1862817" y="1054975"/>
+            <a:ext cx="2955109" cy="966107"/>
+          </a:xfrm>
+          <a:prstGeom prst="roundRect">
+            <a:avLst/>
+          </a:prstGeom>
+          <a:solidFill>
+            <a:schemeClr val="tx1">
+              <a:lumMod val="75000"/>
+              <a:lumOff val="25000"/>
+            </a:schemeClr>
+          </a:solidFill>
+          <a:ln w="38100">
+            <a:noFill/>
+          </a:ln>
+        </p:spPr>
+        <p:style>
+          <a:lnRef idx="2">
+            <a:schemeClr val="dk1">
+              <a:shade val="15000"/>
+            </a:schemeClr>
+          </a:lnRef>
+          <a:fillRef idx="1">
+            <a:schemeClr val="dk1"/>
+          </a:fillRef>
+          <a:effectRef idx="0">
+            <a:schemeClr val="dk1"/>
+          </a:effectRef>
+          <a:fontRef idx="minor">
+            <a:schemeClr val="lt1"/>
+          </a:fontRef>
+        </p:style>
+        <p:txBody>
+          <a:bodyPr rtlCol="0" anchor="ctr"/>
+          <a:lstStyle/>
+          <a:p>
+            <a:pPr algn="ctr"/>
+            <a:r>
+              <a:rPr lang="en-US" dirty="0"/>
+              <a:t>OPX</a:t>
+            </a:r>
+          </a:p>
+        </p:txBody>
+      </p:sp>
+      <p:sp>
+        <p:nvSpPr>
+          <p:cNvPr id="29" name="TextBox 28">
+            <a:extLst>
+              <a:ext uri="{FF2B5EF4-FFF2-40B4-BE49-F238E27FC236}">
+                <a16:creationId xmlns:a16="http://schemas.microsoft.com/office/drawing/2014/main" id="{9F6986DC-0E7A-0087-A9A1-BEC73335CC22}"/>
+              </a:ext>
+            </a:extLst>
+          </p:cNvPr>
+          <p:cNvSpPr txBox="1"/>
+          <p:nvPr/>
+        </p:nvSpPr>
+        <p:spPr>
+          <a:xfrm rot="10800000" flipH="1" flipV="1">
+            <a:off x="2391728" y="2080277"/>
+            <a:ext cx="928459" cy="646331"/>
+          </a:xfrm>
+          <a:prstGeom prst="rect">
+            <a:avLst/>
+          </a:prstGeom>
+          <a:noFill/>
+        </p:spPr>
+        <p:txBody>
+          <a:bodyPr wrap="none" rtlCol="0">
+            <a:spAutoFit/>
+          </a:bodyPr>
+          <a:lstStyle/>
+          <a:p>
+            <a:r>
+              <a:rPr lang="en-US" dirty="0"/>
+              <a:t>Reso </a:t>
+            </a:r>
+          </a:p>
+          <a:p>
+            <a:r>
+              <a:rPr lang="en-US" dirty="0"/>
+              <a:t>Control</a:t>
+            </a:r>
+            <a:endParaRPr lang="en-DK" dirty="0"/>
+          </a:p>
+        </p:txBody>
+      </p:sp>
+      <p:sp>
+        <p:nvSpPr>
+          <p:cNvPr id="39" name="TextBox 38">
+            <a:extLst>
+              <a:ext uri="{FF2B5EF4-FFF2-40B4-BE49-F238E27FC236}">
+                <a16:creationId xmlns:a16="http://schemas.microsoft.com/office/drawing/2014/main" id="{3752E311-7594-CFE0-99BB-7DC73D818C3B}"/>
+              </a:ext>
+            </a:extLst>
+          </p:cNvPr>
+          <p:cNvSpPr txBox="1"/>
+          <p:nvPr/>
+        </p:nvSpPr>
+        <p:spPr>
+          <a:xfrm rot="10800000" flipH="1" flipV="1">
+            <a:off x="3592695" y="2058507"/>
+            <a:ext cx="877163" cy="646331"/>
+          </a:xfrm>
+          <a:prstGeom prst="rect">
+            <a:avLst/>
+          </a:prstGeom>
+          <a:noFill/>
+        </p:spPr>
+        <p:txBody>
+          <a:bodyPr wrap="none" rtlCol="0">
+            <a:spAutoFit/>
+          </a:bodyPr>
+          <a:lstStyle/>
+          <a:p>
+            <a:r>
+              <a:rPr lang="en-US" dirty="0"/>
+              <a:t>Reso </a:t>
+            </a:r>
+          </a:p>
+          <a:p>
+            <a:r>
+              <a:rPr lang="en-US" dirty="0"/>
+              <a:t>Output</a:t>
+            </a:r>
+            <a:endParaRPr lang="en-DK" dirty="0"/>
+          </a:p>
+        </p:txBody>
+      </p:sp>
+    </p:spTree>
+    <p:extLst>
+      <p:ext uri="{BB962C8B-B14F-4D97-AF65-F5344CB8AC3E}">
+        <p14:creationId xmlns:p14="http://schemas.microsoft.com/office/powerpoint/2010/main" val="3173105583"/>
       </p:ext>
     </p:extLst>
   </p:cSld>

--- a/Figs/circuit_diagrams.pptx
+++ b/Figs/circuit_diagrams.pptx
@@ -5,11 +5,13 @@
     <p:sldMasterId id="2147483648" r:id="rId1"/>
   </p:sldMasterIdLst>
   <p:notesMasterIdLst>
-    <p:notesMasterId r:id="rId4"/>
+    <p:notesMasterId r:id="rId6"/>
   </p:notesMasterIdLst>
   <p:sldIdLst>
     <p:sldId id="260" r:id="rId2"/>
     <p:sldId id="261" r:id="rId3"/>
+    <p:sldId id="262" r:id="rId4"/>
+    <p:sldId id="263" r:id="rId5"/>
   </p:sldIdLst>
   <p:sldSz cx="12192000" cy="6858000"/>
   <p:notesSz cx="6858000" cy="9144000"/>
@@ -119,7 +121,7 @@
 <file path=ppt/revisionInfo.xml><?xml version="1.0" encoding="utf-8"?>
 <p1510:revInfo xmlns:a="http://schemas.openxmlformats.org/drawingml/2006/main" xmlns:r="http://schemas.openxmlformats.org/officeDocument/2006/relationships" xmlns:p1510="http://schemas.microsoft.com/office/powerpoint/2015/10/main">
   <p1510:revLst>
-    <p1510:client id="{EE02F971-86F5-428E-BC14-A8CDA14DE2B7}" v="60" dt="2023-10-25T07:16:17.430"/>
+    <p1510:client id="{EE02F971-86F5-428E-BC14-A8CDA14DE2B7}" v="91" dt="2023-10-25T13:13:24.147"/>
   </p1510:revLst>
 </p1510:revInfo>
 </file>
@@ -4513,7 +4515,7 @@
   <pc:docChgLst>
     <pc:chgData name="Johann Bock Severin" userId="3b36179260fc8001" providerId="LiveId" clId="{EE02F971-86F5-428E-BC14-A8CDA14DE2B7}"/>
     <pc:docChg chg="undo custSel addSld delSld modSld delSection modSection">
-      <pc:chgData name="Johann Bock Severin" userId="3b36179260fc8001" providerId="LiveId" clId="{EE02F971-86F5-428E-BC14-A8CDA14DE2B7}" dt="2023-10-25T07:16:44.191" v="327" actId="1076"/>
+      <pc:chgData name="Johann Bock Severin" userId="3b36179260fc8001" providerId="LiveId" clId="{EE02F971-86F5-428E-BC14-A8CDA14DE2B7}" dt="2023-10-25T13:14:59.574" v="813" actId="20577"/>
       <pc:docMkLst>
         <pc:docMk/>
       </pc:docMkLst>
@@ -4929,7 +4931,7 @@
         </pc:sldMkLst>
       </pc:sldChg>
       <pc:sldChg chg="addSp delSp modSp add mod">
-        <pc:chgData name="Johann Bock Severin" userId="3b36179260fc8001" providerId="LiveId" clId="{EE02F971-86F5-428E-BC14-A8CDA14DE2B7}" dt="2023-10-25T07:16:44.191" v="327" actId="1076"/>
+        <pc:chgData name="Johann Bock Severin" userId="3b36179260fc8001" providerId="LiveId" clId="{EE02F971-86F5-428E-BC14-A8CDA14DE2B7}" dt="2023-10-25T12:25:34.406" v="364" actId="1076"/>
         <pc:sldMkLst>
           <pc:docMk/>
           <pc:sldMk cId="3173105583" sldId="261"/>
@@ -4951,7 +4953,7 @@
           </ac:spMkLst>
         </pc:spChg>
         <pc:spChg chg="add mod topLvl">
-          <ac:chgData name="Johann Bock Severin" userId="3b36179260fc8001" providerId="LiveId" clId="{EE02F971-86F5-428E-BC14-A8CDA14DE2B7}" dt="2023-10-25T07:14:37.388" v="295" actId="207"/>
+          <ac:chgData name="Johann Bock Severin" userId="3b36179260fc8001" providerId="LiveId" clId="{EE02F971-86F5-428E-BC14-A8CDA14DE2B7}" dt="2023-10-25T12:25:31.642" v="363" actId="1076"/>
           <ac:spMkLst>
             <pc:docMk/>
             <pc:sldMk cId="3173105583" sldId="261"/>
@@ -4975,7 +4977,7 @@
           </ac:spMkLst>
         </pc:spChg>
         <pc:spChg chg="add mod">
-          <ac:chgData name="Johann Bock Severin" userId="3b36179260fc8001" providerId="LiveId" clId="{EE02F971-86F5-428E-BC14-A8CDA14DE2B7}" dt="2023-10-25T07:15:03.748" v="316" actId="1076"/>
+          <ac:chgData name="Johann Bock Severin" userId="3b36179260fc8001" providerId="LiveId" clId="{EE02F971-86F5-428E-BC14-A8CDA14DE2B7}" dt="2023-10-25T12:25:08.651" v="354" actId="1076"/>
           <ac:spMkLst>
             <pc:docMk/>
             <pc:sldMk cId="3173105583" sldId="261"/>
@@ -5015,7 +5017,7 @@
           </ac:spMkLst>
         </pc:spChg>
         <pc:spChg chg="add mod topLvl">
-          <ac:chgData name="Johann Bock Severin" userId="3b36179260fc8001" providerId="LiveId" clId="{EE02F971-86F5-428E-BC14-A8CDA14DE2B7}" dt="2023-10-25T07:13:58.629" v="288" actId="165"/>
+          <ac:chgData name="Johann Bock Severin" userId="3b36179260fc8001" providerId="LiveId" clId="{EE02F971-86F5-428E-BC14-A8CDA14DE2B7}" dt="2023-10-25T12:25:34.406" v="364" actId="1076"/>
           <ac:spMkLst>
             <pc:docMk/>
             <pc:sldMk cId="3173105583" sldId="261"/>
@@ -5055,7 +5057,7 @@
           </ac:spMkLst>
         </pc:spChg>
         <pc:spChg chg="add mod topLvl">
-          <ac:chgData name="Johann Bock Severin" userId="3b36179260fc8001" providerId="LiveId" clId="{EE02F971-86F5-428E-BC14-A8CDA14DE2B7}" dt="2023-10-25T07:13:58.629" v="288" actId="165"/>
+          <ac:chgData name="Johann Bock Severin" userId="3b36179260fc8001" providerId="LiveId" clId="{EE02F971-86F5-428E-BC14-A8CDA14DE2B7}" dt="2023-10-25T12:25:22.944" v="358" actId="1076"/>
           <ac:spMkLst>
             <pc:docMk/>
             <pc:sldMk cId="3173105583" sldId="261"/>
@@ -5111,7 +5113,7 @@
           </ac:spMkLst>
         </pc:spChg>
         <pc:spChg chg="add mod ord topLvl">
-          <ac:chgData name="Johann Bock Severin" userId="3b36179260fc8001" providerId="LiveId" clId="{EE02F971-86F5-428E-BC14-A8CDA14DE2B7}" dt="2023-10-25T07:16:09.181" v="323" actId="11530"/>
+          <ac:chgData name="Johann Bock Severin" userId="3b36179260fc8001" providerId="LiveId" clId="{EE02F971-86F5-428E-BC14-A8CDA14DE2B7}" dt="2023-10-25T12:23:56.921" v="335" actId="14100"/>
           <ac:spMkLst>
             <pc:docMk/>
             <pc:sldMk cId="3173105583" sldId="261"/>
@@ -5127,23 +5129,23 @@
           </ac:spMkLst>
         </pc:spChg>
         <pc:spChg chg="add mod ord">
-          <ac:chgData name="Johann Bock Severin" userId="3b36179260fc8001" providerId="LiveId" clId="{EE02F971-86F5-428E-BC14-A8CDA14DE2B7}" dt="2023-10-25T07:16:44.191" v="327" actId="1076"/>
+          <ac:chgData name="Johann Bock Severin" userId="3b36179260fc8001" providerId="LiveId" clId="{EE02F971-86F5-428E-BC14-A8CDA14DE2B7}" dt="2023-10-25T12:25:25.690" v="360" actId="1076"/>
           <ac:spMkLst>
             <pc:docMk/>
             <pc:sldMk cId="3173105583" sldId="261"/>
             <ac:spMk id="55" creationId="{F9BDB2CA-83E4-4A46-D204-7719DF0F64D2}"/>
           </ac:spMkLst>
         </pc:spChg>
-        <pc:spChg chg="add mod ord topLvl">
-          <ac:chgData name="Johann Bock Severin" userId="3b36179260fc8001" providerId="LiveId" clId="{EE02F971-86F5-428E-BC14-A8CDA14DE2B7}" dt="2023-10-25T07:16:35.496" v="326" actId="167"/>
+        <pc:spChg chg="add del mod ord topLvl">
+          <ac:chgData name="Johann Bock Severin" userId="3b36179260fc8001" providerId="LiveId" clId="{EE02F971-86F5-428E-BC14-A8CDA14DE2B7}" dt="2023-10-25T12:23:48.832" v="333" actId="478"/>
           <ac:spMkLst>
             <pc:docMk/>
             <pc:sldMk cId="3173105583" sldId="261"/>
             <ac:spMk id="56" creationId="{C1D4D9A4-6DDE-355F-C146-D54C9B2FB3C9}"/>
           </ac:spMkLst>
         </pc:spChg>
-        <pc:spChg chg="add mod ord topLvl">
-          <ac:chgData name="Johann Bock Severin" userId="3b36179260fc8001" providerId="LiveId" clId="{EE02F971-86F5-428E-BC14-A8CDA14DE2B7}" dt="2023-10-25T07:16:35.496" v="326" actId="167"/>
+        <pc:spChg chg="add del mod ord topLvl">
+          <ac:chgData name="Johann Bock Severin" userId="3b36179260fc8001" providerId="LiveId" clId="{EE02F971-86F5-428E-BC14-A8CDA14DE2B7}" dt="2023-10-25T12:23:48.064" v="332" actId="478"/>
           <ac:spMkLst>
             <pc:docMk/>
             <pc:sldMk cId="3173105583" sldId="261"/>
@@ -5151,15 +5153,15 @@
           </ac:spMkLst>
         </pc:spChg>
         <pc:spChg chg="add mod ord topLvl">
-          <ac:chgData name="Johann Bock Severin" userId="3b36179260fc8001" providerId="LiveId" clId="{EE02F971-86F5-428E-BC14-A8CDA14DE2B7}" dt="2023-10-25T07:16:35.496" v="326" actId="167"/>
+          <ac:chgData name="Johann Bock Severin" userId="3b36179260fc8001" providerId="LiveId" clId="{EE02F971-86F5-428E-BC14-A8CDA14DE2B7}" dt="2023-10-25T12:24:03.404" v="336" actId="14100"/>
           <ac:spMkLst>
             <pc:docMk/>
             <pc:sldMk cId="3173105583" sldId="261"/>
             <ac:spMk id="58" creationId="{0FA9454D-43BD-2B3B-01E5-F3211E5D5906}"/>
           </ac:spMkLst>
         </pc:spChg>
-        <pc:spChg chg="add mod ord topLvl">
-          <ac:chgData name="Johann Bock Severin" userId="3b36179260fc8001" providerId="LiveId" clId="{EE02F971-86F5-428E-BC14-A8CDA14DE2B7}" dt="2023-10-25T07:16:35.496" v="326" actId="167"/>
+        <pc:spChg chg="add del mod ord topLvl">
+          <ac:chgData name="Johann Bock Severin" userId="3b36179260fc8001" providerId="LiveId" clId="{EE02F971-86F5-428E-BC14-A8CDA14DE2B7}" dt="2023-10-25T12:23:46.610" v="331" actId="478"/>
           <ac:spMkLst>
             <pc:docMk/>
             <pc:sldMk cId="3173105583" sldId="261"/>
@@ -5167,7 +5169,7 @@
           </ac:spMkLst>
         </pc:spChg>
         <pc:spChg chg="add mod ord topLvl">
-          <ac:chgData name="Johann Bock Severin" userId="3b36179260fc8001" providerId="LiveId" clId="{EE02F971-86F5-428E-BC14-A8CDA14DE2B7}" dt="2023-10-25T07:16:35.496" v="326" actId="167"/>
+          <ac:chgData name="Johann Bock Severin" userId="3b36179260fc8001" providerId="LiveId" clId="{EE02F971-86F5-428E-BC14-A8CDA14DE2B7}" dt="2023-10-25T12:24:08.085" v="337" actId="14100"/>
           <ac:spMkLst>
             <pc:docMk/>
             <pc:sldMk cId="3173105583" sldId="261"/>
@@ -5380,6 +5382,30 @@
             <pc:docMk/>
             <pc:sldMk cId="3173105583" sldId="261"/>
             <ac:cxnSpMk id="49" creationId="{B70BC5CE-E89E-AF40-9A84-EB600114631C}"/>
+          </ac:cxnSpMkLst>
+        </pc:cxnChg>
+        <pc:cxnChg chg="add mod">
+          <ac:chgData name="Johann Bock Severin" userId="3b36179260fc8001" providerId="LiveId" clId="{EE02F971-86F5-428E-BC14-A8CDA14DE2B7}" dt="2023-10-25T12:24:33.169" v="342" actId="1076"/>
+          <ac:cxnSpMkLst>
+            <pc:docMk/>
+            <pc:sldMk cId="3173105583" sldId="261"/>
+            <ac:cxnSpMk id="67" creationId="{7EFD10A8-9470-2548-3A20-576597AF18A8}"/>
+          </ac:cxnSpMkLst>
+        </pc:cxnChg>
+        <pc:cxnChg chg="add mod">
+          <ac:chgData name="Johann Bock Severin" userId="3b36179260fc8001" providerId="LiveId" clId="{EE02F971-86F5-428E-BC14-A8CDA14DE2B7}" dt="2023-10-25T12:24:40.008" v="346" actId="208"/>
+          <ac:cxnSpMkLst>
+            <pc:docMk/>
+            <pc:sldMk cId="3173105583" sldId="261"/>
+            <ac:cxnSpMk id="68" creationId="{5A1E6964-7465-991F-0348-2E1179B357F3}"/>
+          </ac:cxnSpMkLst>
+        </pc:cxnChg>
+        <pc:cxnChg chg="add mod">
+          <ac:chgData name="Johann Bock Severin" userId="3b36179260fc8001" providerId="LiveId" clId="{EE02F971-86F5-428E-BC14-A8CDA14DE2B7}" dt="2023-10-25T12:24:57.335" v="351" actId="1076"/>
+          <ac:cxnSpMkLst>
+            <pc:docMk/>
+            <pc:sldMk cId="3173105583" sldId="261"/>
+            <ac:cxnSpMk id="69" creationId="{245DFCD0-5E7D-BF65-51DA-8D0A818FB205}"/>
           </ac:cxnSpMkLst>
         </pc:cxnChg>
       </pc:sldChg>
@@ -5389,6 +5415,1228 @@
           <pc:docMk/>
           <pc:sldMk cId="1095196058" sldId="262"/>
         </pc:sldMkLst>
+      </pc:sldChg>
+      <pc:sldChg chg="addSp delSp modSp add mod">
+        <pc:chgData name="Johann Bock Severin" userId="3b36179260fc8001" providerId="LiveId" clId="{EE02F971-86F5-428E-BC14-A8CDA14DE2B7}" dt="2023-10-25T13:11:17.013" v="749" actId="1076"/>
+        <pc:sldMkLst>
+          <pc:docMk/>
+          <pc:sldMk cId="2175269834" sldId="262"/>
+        </pc:sldMkLst>
+        <pc:spChg chg="del">
+          <ac:chgData name="Johann Bock Severin" userId="3b36179260fc8001" providerId="LiveId" clId="{EE02F971-86F5-428E-BC14-A8CDA14DE2B7}" dt="2023-10-25T12:25:40.801" v="365" actId="478"/>
+          <ac:spMkLst>
+            <pc:docMk/>
+            <pc:sldMk cId="2175269834" sldId="262"/>
+            <ac:spMk id="2" creationId="{5EF86225-4E04-4E4E-CD82-DF84FBE8C747}"/>
+          </ac:spMkLst>
+        </pc:spChg>
+        <pc:spChg chg="del">
+          <ac:chgData name="Johann Bock Severin" userId="3b36179260fc8001" providerId="LiveId" clId="{EE02F971-86F5-428E-BC14-A8CDA14DE2B7}" dt="2023-10-25T12:25:40.801" v="365" actId="478"/>
+          <ac:spMkLst>
+            <pc:docMk/>
+            <pc:sldMk cId="2175269834" sldId="262"/>
+            <ac:spMk id="5" creationId="{B2A3E9D7-DC25-C9D7-1951-0B87BBDE781D}"/>
+          </ac:spMkLst>
+        </pc:spChg>
+        <pc:spChg chg="add mod">
+          <ac:chgData name="Johann Bock Severin" userId="3b36179260fc8001" providerId="LiveId" clId="{EE02F971-86F5-428E-BC14-A8CDA14DE2B7}" dt="2023-10-25T12:34:08.007" v="543" actId="1076"/>
+          <ac:spMkLst>
+            <pc:docMk/>
+            <pc:sldMk cId="2175269834" sldId="262"/>
+            <ac:spMk id="16" creationId="{B294CAFC-D61D-46C0-D58C-473F4AB88140}"/>
+          </ac:spMkLst>
+        </pc:spChg>
+        <pc:spChg chg="add mod">
+          <ac:chgData name="Johann Bock Severin" userId="3b36179260fc8001" providerId="LiveId" clId="{EE02F971-86F5-428E-BC14-A8CDA14DE2B7}" dt="2023-10-25T12:44:28.620" v="719" actId="1076"/>
+          <ac:spMkLst>
+            <pc:docMk/>
+            <pc:sldMk cId="2175269834" sldId="262"/>
+            <ac:spMk id="19" creationId="{D0B6500D-530D-F5E9-B66B-B711042FB66D}"/>
+          </ac:spMkLst>
+        </pc:spChg>
+        <pc:spChg chg="add del">
+          <ac:chgData name="Johann Bock Severin" userId="3b36179260fc8001" providerId="LiveId" clId="{EE02F971-86F5-428E-BC14-A8CDA14DE2B7}" dt="2023-10-25T12:29:50.316" v="445" actId="11529"/>
+          <ac:spMkLst>
+            <pc:docMk/>
+            <pc:sldMk cId="2175269834" sldId="262"/>
+            <ac:spMk id="21" creationId="{33305042-43B0-A35C-0F60-82D959B55DC8}"/>
+          </ac:spMkLst>
+        </pc:spChg>
+        <pc:spChg chg="del">
+          <ac:chgData name="Johann Bock Severin" userId="3b36179260fc8001" providerId="LiveId" clId="{EE02F971-86F5-428E-BC14-A8CDA14DE2B7}" dt="2023-10-25T12:25:40.801" v="365" actId="478"/>
+          <ac:spMkLst>
+            <pc:docMk/>
+            <pc:sldMk cId="2175269834" sldId="262"/>
+            <ac:spMk id="22" creationId="{D0721B8C-EC7D-4E9E-DD95-638F89F64F0D}"/>
+          </ac:spMkLst>
+        </pc:spChg>
+        <pc:spChg chg="add mod">
+          <ac:chgData name="Johann Bock Severin" userId="3b36179260fc8001" providerId="LiveId" clId="{EE02F971-86F5-428E-BC14-A8CDA14DE2B7}" dt="2023-10-25T12:30:45.450" v="481" actId="1076"/>
+          <ac:spMkLst>
+            <pc:docMk/>
+            <pc:sldMk cId="2175269834" sldId="262"/>
+            <ac:spMk id="23" creationId="{A0DE5F7A-F405-3DE2-3788-EEDE6C59ACE9}"/>
+          </ac:spMkLst>
+        </pc:spChg>
+        <pc:spChg chg="add mod">
+          <ac:chgData name="Johann Bock Severin" userId="3b36179260fc8001" providerId="LiveId" clId="{EE02F971-86F5-428E-BC14-A8CDA14DE2B7}" dt="2023-10-25T12:30:53.082" v="483" actId="1076"/>
+          <ac:spMkLst>
+            <pc:docMk/>
+            <pc:sldMk cId="2175269834" sldId="262"/>
+            <ac:spMk id="24" creationId="{E9267A9E-D9F2-7E21-D503-1F6F7574C1EA}"/>
+          </ac:spMkLst>
+        </pc:spChg>
+        <pc:spChg chg="add mod">
+          <ac:chgData name="Johann Bock Severin" userId="3b36179260fc8001" providerId="LiveId" clId="{EE02F971-86F5-428E-BC14-A8CDA14DE2B7}" dt="2023-10-25T12:31:31.319" v="489" actId="1076"/>
+          <ac:spMkLst>
+            <pc:docMk/>
+            <pc:sldMk cId="2175269834" sldId="262"/>
+            <ac:spMk id="25" creationId="{848C473F-93BB-82B4-5FB4-1333482BFF6D}"/>
+          </ac:spMkLst>
+        </pc:spChg>
+        <pc:spChg chg="add mod">
+          <ac:chgData name="Johann Bock Severin" userId="3b36179260fc8001" providerId="LiveId" clId="{EE02F971-86F5-428E-BC14-A8CDA14DE2B7}" dt="2023-10-25T12:31:28.417" v="488" actId="1076"/>
+          <ac:spMkLst>
+            <pc:docMk/>
+            <pc:sldMk cId="2175269834" sldId="262"/>
+            <ac:spMk id="26" creationId="{09087097-F69E-97B8-0362-B4CFFC3D4C9F}"/>
+          </ac:spMkLst>
+        </pc:spChg>
+        <pc:spChg chg="add mod">
+          <ac:chgData name="Johann Bock Severin" userId="3b36179260fc8001" providerId="LiveId" clId="{EE02F971-86F5-428E-BC14-A8CDA14DE2B7}" dt="2023-10-25T12:31:28.417" v="488" actId="1076"/>
+          <ac:spMkLst>
+            <pc:docMk/>
+            <pc:sldMk cId="2175269834" sldId="262"/>
+            <ac:spMk id="27" creationId="{1C8E3865-2771-8F51-F03F-03DA34899C26}"/>
+          </ac:spMkLst>
+        </pc:spChg>
+        <pc:spChg chg="add mod">
+          <ac:chgData name="Johann Bock Severin" userId="3b36179260fc8001" providerId="LiveId" clId="{EE02F971-86F5-428E-BC14-A8CDA14DE2B7}" dt="2023-10-25T12:33:41.519" v="537" actId="164"/>
+          <ac:spMkLst>
+            <pc:docMk/>
+            <pc:sldMk cId="2175269834" sldId="262"/>
+            <ac:spMk id="28" creationId="{83BE8490-F1DE-AC73-2EE9-DC791018D22D}"/>
+          </ac:spMkLst>
+        </pc:spChg>
+        <pc:spChg chg="del">
+          <ac:chgData name="Johann Bock Severin" userId="3b36179260fc8001" providerId="LiveId" clId="{EE02F971-86F5-428E-BC14-A8CDA14DE2B7}" dt="2023-10-25T12:25:40.801" v="365" actId="478"/>
+          <ac:spMkLst>
+            <pc:docMk/>
+            <pc:sldMk cId="2175269834" sldId="262"/>
+            <ac:spMk id="29" creationId="{9F6986DC-0E7A-0087-A9A1-BEC73335CC22}"/>
+          </ac:spMkLst>
+        </pc:spChg>
+        <pc:spChg chg="add mod">
+          <ac:chgData name="Johann Bock Severin" userId="3b36179260fc8001" providerId="LiveId" clId="{EE02F971-86F5-428E-BC14-A8CDA14DE2B7}" dt="2023-10-25T12:33:41.519" v="537" actId="164"/>
+          <ac:spMkLst>
+            <pc:docMk/>
+            <pc:sldMk cId="2175269834" sldId="262"/>
+            <ac:spMk id="33" creationId="{BEB32EE1-E153-FD34-20AF-79FE3D819602}"/>
+          </ac:spMkLst>
+        </pc:spChg>
+        <pc:spChg chg="mod">
+          <ac:chgData name="Johann Bock Severin" userId="3b36179260fc8001" providerId="LiveId" clId="{EE02F971-86F5-428E-BC14-A8CDA14DE2B7}" dt="2023-10-25T12:34:26.832" v="549" actId="20577"/>
+          <ac:spMkLst>
+            <pc:docMk/>
+            <pc:sldMk cId="2175269834" sldId="262"/>
+            <ac:spMk id="37" creationId="{63DB0E75-03F9-1145-9094-3E9E01708A8E}"/>
+          </ac:spMkLst>
+        </pc:spChg>
+        <pc:spChg chg="del">
+          <ac:chgData name="Johann Bock Severin" userId="3b36179260fc8001" providerId="LiveId" clId="{EE02F971-86F5-428E-BC14-A8CDA14DE2B7}" dt="2023-10-25T12:25:40.801" v="365" actId="478"/>
+          <ac:spMkLst>
+            <pc:docMk/>
+            <pc:sldMk cId="2175269834" sldId="262"/>
+            <ac:spMk id="39" creationId="{3752E311-7594-CFE0-99BB-7DC73D818C3B}"/>
+          </ac:spMkLst>
+        </pc:spChg>
+        <pc:spChg chg="mod">
+          <ac:chgData name="Johann Bock Severin" userId="3b36179260fc8001" providerId="LiveId" clId="{EE02F971-86F5-428E-BC14-A8CDA14DE2B7}" dt="2023-10-25T12:34:24.120" v="544" actId="571"/>
+          <ac:spMkLst>
+            <pc:docMk/>
+            <pc:sldMk cId="2175269834" sldId="262"/>
+            <ac:spMk id="42" creationId="{18A35BA3-87CA-4277-0660-CF72AB5CE5AA}"/>
+          </ac:spMkLst>
+        </pc:spChg>
+        <pc:spChg chg="add mod">
+          <ac:chgData name="Johann Bock Severin" userId="3b36179260fc8001" providerId="LiveId" clId="{EE02F971-86F5-428E-BC14-A8CDA14DE2B7}" dt="2023-10-25T12:34:53.197" v="569" actId="1076"/>
+          <ac:spMkLst>
+            <pc:docMk/>
+            <pc:sldMk cId="2175269834" sldId="262"/>
+            <ac:spMk id="44" creationId="{24055CAC-9FFE-498F-E442-AF92B97F0D8B}"/>
+          </ac:spMkLst>
+        </pc:spChg>
+        <pc:spChg chg="add mod">
+          <ac:chgData name="Johann Bock Severin" userId="3b36179260fc8001" providerId="LiveId" clId="{EE02F971-86F5-428E-BC14-A8CDA14DE2B7}" dt="2023-10-25T12:36:39.145" v="598" actId="1076"/>
+          <ac:spMkLst>
+            <pc:docMk/>
+            <pc:sldMk cId="2175269834" sldId="262"/>
+            <ac:spMk id="46" creationId="{3D6E6165-309C-EC7A-A1B2-D2AD266B4BD8}"/>
+          </ac:spMkLst>
+        </pc:spChg>
+        <pc:spChg chg="add mod">
+          <ac:chgData name="Johann Bock Severin" userId="3b36179260fc8001" providerId="LiveId" clId="{EE02F971-86F5-428E-BC14-A8CDA14DE2B7}" dt="2023-10-25T12:36:39.145" v="598" actId="1076"/>
+          <ac:spMkLst>
+            <pc:docMk/>
+            <pc:sldMk cId="2175269834" sldId="262"/>
+            <ac:spMk id="47" creationId="{EA5DDA7C-07DF-E861-AC79-FCF4C108FEA0}"/>
+          </ac:spMkLst>
+        </pc:spChg>
+        <pc:spChg chg="add mod">
+          <ac:chgData name="Johann Bock Severin" userId="3b36179260fc8001" providerId="LiveId" clId="{EE02F971-86F5-428E-BC14-A8CDA14DE2B7}" dt="2023-10-25T12:36:39.145" v="598" actId="1076"/>
+          <ac:spMkLst>
+            <pc:docMk/>
+            <pc:sldMk cId="2175269834" sldId="262"/>
+            <ac:spMk id="48" creationId="{142EBA76-863F-8953-73DE-07A8007A719B}"/>
+          </ac:spMkLst>
+        </pc:spChg>
+        <pc:spChg chg="add mod">
+          <ac:chgData name="Johann Bock Severin" userId="3b36179260fc8001" providerId="LiveId" clId="{EE02F971-86F5-428E-BC14-A8CDA14DE2B7}" dt="2023-10-25T12:36:39.145" v="598" actId="1076"/>
+          <ac:spMkLst>
+            <pc:docMk/>
+            <pc:sldMk cId="2175269834" sldId="262"/>
+            <ac:spMk id="49" creationId="{DDFE5BCA-BB92-132F-B281-8D0D74704D90}"/>
+          </ac:spMkLst>
+        </pc:spChg>
+        <pc:spChg chg="add mod">
+          <ac:chgData name="Johann Bock Severin" userId="3b36179260fc8001" providerId="LiveId" clId="{EE02F971-86F5-428E-BC14-A8CDA14DE2B7}" dt="2023-10-25T12:36:39.145" v="598" actId="1076"/>
+          <ac:spMkLst>
+            <pc:docMk/>
+            <pc:sldMk cId="2175269834" sldId="262"/>
+            <ac:spMk id="50" creationId="{596486E3-0A85-ECE8-BF2A-B65594546FCE}"/>
+          </ac:spMkLst>
+        </pc:spChg>
+        <pc:spChg chg="mod">
+          <ac:chgData name="Johann Bock Severin" userId="3b36179260fc8001" providerId="LiveId" clId="{EE02F971-86F5-428E-BC14-A8CDA14DE2B7}" dt="2023-10-25T12:35:54.780" v="594" actId="208"/>
+          <ac:spMkLst>
+            <pc:docMk/>
+            <pc:sldMk cId="2175269834" sldId="262"/>
+            <ac:spMk id="52" creationId="{63F318F0-4CCA-2227-A1A8-DC7F49B84846}"/>
+          </ac:spMkLst>
+        </pc:spChg>
+        <pc:spChg chg="del">
+          <ac:chgData name="Johann Bock Severin" userId="3b36179260fc8001" providerId="LiveId" clId="{EE02F971-86F5-428E-BC14-A8CDA14DE2B7}" dt="2023-10-25T12:25:40.801" v="365" actId="478"/>
+          <ac:spMkLst>
+            <pc:docMk/>
+            <pc:sldMk cId="2175269834" sldId="262"/>
+            <ac:spMk id="53" creationId="{C0BEB1B5-B15D-D442-3378-E280584ABA9D}"/>
+          </ac:spMkLst>
+        </pc:spChg>
+        <pc:spChg chg="del mod">
+          <ac:chgData name="Johann Bock Severin" userId="3b36179260fc8001" providerId="LiveId" clId="{EE02F971-86F5-428E-BC14-A8CDA14DE2B7}" dt="2023-10-25T12:25:40.801" v="365" actId="478"/>
+          <ac:spMkLst>
+            <pc:docMk/>
+            <pc:sldMk cId="2175269834" sldId="262"/>
+            <ac:spMk id="54" creationId="{1A06878E-7146-7FF7-9E21-486E4BD9A082}"/>
+          </ac:spMkLst>
+        </pc:spChg>
+        <pc:spChg chg="del">
+          <ac:chgData name="Johann Bock Severin" userId="3b36179260fc8001" providerId="LiveId" clId="{EE02F971-86F5-428E-BC14-A8CDA14DE2B7}" dt="2023-10-25T12:25:40.801" v="365" actId="478"/>
+          <ac:spMkLst>
+            <pc:docMk/>
+            <pc:sldMk cId="2175269834" sldId="262"/>
+            <ac:spMk id="55" creationId="{F9BDB2CA-83E4-4A46-D204-7719DF0F64D2}"/>
+          </ac:spMkLst>
+        </pc:spChg>
+        <pc:spChg chg="del">
+          <ac:chgData name="Johann Bock Severin" userId="3b36179260fc8001" providerId="LiveId" clId="{EE02F971-86F5-428E-BC14-A8CDA14DE2B7}" dt="2023-10-25T12:25:40.801" v="365" actId="478"/>
+          <ac:spMkLst>
+            <pc:docMk/>
+            <pc:sldMk cId="2175269834" sldId="262"/>
+            <ac:spMk id="56" creationId="{C1D4D9A4-6DDE-355F-C146-D54C9B2FB3C9}"/>
+          </ac:spMkLst>
+        </pc:spChg>
+        <pc:spChg chg="del">
+          <ac:chgData name="Johann Bock Severin" userId="3b36179260fc8001" providerId="LiveId" clId="{EE02F971-86F5-428E-BC14-A8CDA14DE2B7}" dt="2023-10-25T12:25:40.801" v="365" actId="478"/>
+          <ac:spMkLst>
+            <pc:docMk/>
+            <pc:sldMk cId="2175269834" sldId="262"/>
+            <ac:spMk id="57" creationId="{E346330F-AB5E-2470-08A1-02FD04071A1B}"/>
+          </ac:spMkLst>
+        </pc:spChg>
+        <pc:spChg chg="del">
+          <ac:chgData name="Johann Bock Severin" userId="3b36179260fc8001" providerId="LiveId" clId="{EE02F971-86F5-428E-BC14-A8CDA14DE2B7}" dt="2023-10-25T12:25:40.801" v="365" actId="478"/>
+          <ac:spMkLst>
+            <pc:docMk/>
+            <pc:sldMk cId="2175269834" sldId="262"/>
+            <ac:spMk id="58" creationId="{0FA9454D-43BD-2B3B-01E5-F3211E5D5906}"/>
+          </ac:spMkLst>
+        </pc:spChg>
+        <pc:spChg chg="del">
+          <ac:chgData name="Johann Bock Severin" userId="3b36179260fc8001" providerId="LiveId" clId="{EE02F971-86F5-428E-BC14-A8CDA14DE2B7}" dt="2023-10-25T12:25:40.801" v="365" actId="478"/>
+          <ac:spMkLst>
+            <pc:docMk/>
+            <pc:sldMk cId="2175269834" sldId="262"/>
+            <ac:spMk id="59" creationId="{3FD39345-4398-2712-0603-439135989AAC}"/>
+          </ac:spMkLst>
+        </pc:spChg>
+        <pc:spChg chg="del">
+          <ac:chgData name="Johann Bock Severin" userId="3b36179260fc8001" providerId="LiveId" clId="{EE02F971-86F5-428E-BC14-A8CDA14DE2B7}" dt="2023-10-25T12:25:40.801" v="365" actId="478"/>
+          <ac:spMkLst>
+            <pc:docMk/>
+            <pc:sldMk cId="2175269834" sldId="262"/>
+            <ac:spMk id="60" creationId="{C3BC3275-DC34-ED66-7695-AD40AAF39854}"/>
+          </ac:spMkLst>
+        </pc:spChg>
+        <pc:spChg chg="mod">
+          <ac:chgData name="Johann Bock Severin" userId="3b36179260fc8001" providerId="LiveId" clId="{EE02F971-86F5-428E-BC14-A8CDA14DE2B7}" dt="2023-10-25T12:36:09.013" v="596" actId="208"/>
+          <ac:spMkLst>
+            <pc:docMk/>
+            <pc:sldMk cId="2175269834" sldId="262"/>
+            <ac:spMk id="61" creationId="{008A1874-762E-88BA-356A-DF3C1FC61A41}"/>
+          </ac:spMkLst>
+        </pc:spChg>
+        <pc:spChg chg="mod">
+          <ac:chgData name="Johann Bock Severin" userId="3b36179260fc8001" providerId="LiveId" clId="{EE02F971-86F5-428E-BC14-A8CDA14DE2B7}" dt="2023-10-25T12:35:54.780" v="594" actId="208"/>
+          <ac:spMkLst>
+            <pc:docMk/>
+            <pc:sldMk cId="2175269834" sldId="262"/>
+            <ac:spMk id="63" creationId="{A39343A3-7F1B-29E6-0D8B-CA074A6D9230}"/>
+          </ac:spMkLst>
+        </pc:spChg>
+        <pc:spChg chg="mod">
+          <ac:chgData name="Johann Bock Severin" userId="3b36179260fc8001" providerId="LiveId" clId="{EE02F971-86F5-428E-BC14-A8CDA14DE2B7}" dt="2023-10-25T12:36:09.013" v="596" actId="208"/>
+          <ac:spMkLst>
+            <pc:docMk/>
+            <pc:sldMk cId="2175269834" sldId="262"/>
+            <ac:spMk id="64" creationId="{42B7E18C-D8F4-2A4A-E32E-9801544E2E6A}"/>
+          </ac:spMkLst>
+        </pc:spChg>
+        <pc:spChg chg="add mod">
+          <ac:chgData name="Johann Bock Severin" userId="3b36179260fc8001" providerId="LiveId" clId="{EE02F971-86F5-428E-BC14-A8CDA14DE2B7}" dt="2023-10-25T12:36:39.145" v="598" actId="1076"/>
+          <ac:spMkLst>
+            <pc:docMk/>
+            <pc:sldMk cId="2175269834" sldId="262"/>
+            <ac:spMk id="65" creationId="{3BA14250-E24A-66D4-84AA-EEBCB40F60FF}"/>
+          </ac:spMkLst>
+        </pc:spChg>
+        <pc:spChg chg="add mod">
+          <ac:chgData name="Johann Bock Severin" userId="3b36179260fc8001" providerId="LiveId" clId="{EE02F971-86F5-428E-BC14-A8CDA14DE2B7}" dt="2023-10-25T12:40:02.584" v="629" actId="20577"/>
+          <ac:spMkLst>
+            <pc:docMk/>
+            <pc:sldMk cId="2175269834" sldId="262"/>
+            <ac:spMk id="68" creationId="{FCFAF4CB-DFD3-3B58-2231-1D4E0E226539}"/>
+          </ac:spMkLst>
+        </pc:spChg>
+        <pc:spChg chg="add del mod">
+          <ac:chgData name="Johann Bock Severin" userId="3b36179260fc8001" providerId="LiveId" clId="{EE02F971-86F5-428E-BC14-A8CDA14DE2B7}" dt="2023-10-25T12:40:21.601" v="637" actId="478"/>
+          <ac:spMkLst>
+            <pc:docMk/>
+            <pc:sldMk cId="2175269834" sldId="262"/>
+            <ac:spMk id="69" creationId="{6842A928-E5CB-67BB-5841-191D26E4C716}"/>
+          </ac:spMkLst>
+        </pc:spChg>
+        <pc:spChg chg="add mod">
+          <ac:chgData name="Johann Bock Severin" userId="3b36179260fc8001" providerId="LiveId" clId="{EE02F971-86F5-428E-BC14-A8CDA14DE2B7}" dt="2023-10-25T12:38:31.491" v="618" actId="208"/>
+          <ac:spMkLst>
+            <pc:docMk/>
+            <pc:sldMk cId="2175269834" sldId="262"/>
+            <ac:spMk id="70" creationId="{011E309A-0FE2-4240-8958-E1740F5B763C}"/>
+          </ac:spMkLst>
+        </pc:spChg>
+        <pc:spChg chg="add mod">
+          <ac:chgData name="Johann Bock Severin" userId="3b36179260fc8001" providerId="LiveId" clId="{EE02F971-86F5-428E-BC14-A8CDA14DE2B7}" dt="2023-10-25T12:40:33.043" v="638" actId="1076"/>
+          <ac:spMkLst>
+            <pc:docMk/>
+            <pc:sldMk cId="2175269834" sldId="262"/>
+            <ac:spMk id="71" creationId="{01343516-7055-A96D-2B47-3652C38F628C}"/>
+          </ac:spMkLst>
+        </pc:spChg>
+        <pc:spChg chg="add del mod">
+          <ac:chgData name="Johann Bock Severin" userId="3b36179260fc8001" providerId="LiveId" clId="{EE02F971-86F5-428E-BC14-A8CDA14DE2B7}" dt="2023-10-25T12:40:09.568" v="634" actId="478"/>
+          <ac:spMkLst>
+            <pc:docMk/>
+            <pc:sldMk cId="2175269834" sldId="262"/>
+            <ac:spMk id="72" creationId="{163B4D6F-A534-F615-52E2-E1FA04C79F23}"/>
+          </ac:spMkLst>
+        </pc:spChg>
+        <pc:spChg chg="mod">
+          <ac:chgData name="Johann Bock Severin" userId="3b36179260fc8001" providerId="LiveId" clId="{EE02F971-86F5-428E-BC14-A8CDA14DE2B7}" dt="2023-10-25T12:38:31.491" v="618" actId="208"/>
+          <ac:spMkLst>
+            <pc:docMk/>
+            <pc:sldMk cId="2175269834" sldId="262"/>
+            <ac:spMk id="76" creationId="{C9E8DEC0-CC5E-3F96-F6F7-00168950DB67}"/>
+          </ac:spMkLst>
+        </pc:spChg>
+        <pc:spChg chg="mod">
+          <ac:chgData name="Johann Bock Severin" userId="3b36179260fc8001" providerId="LiveId" clId="{EE02F971-86F5-428E-BC14-A8CDA14DE2B7}" dt="2023-10-25T12:38:31.491" v="618" actId="208"/>
+          <ac:spMkLst>
+            <pc:docMk/>
+            <pc:sldMk cId="2175269834" sldId="262"/>
+            <ac:spMk id="77" creationId="{6485B476-9027-9046-C091-C2DC7C86B2B4}"/>
+          </ac:spMkLst>
+        </pc:spChg>
+        <pc:spChg chg="mod">
+          <ac:chgData name="Johann Bock Severin" userId="3b36179260fc8001" providerId="LiveId" clId="{EE02F971-86F5-428E-BC14-A8CDA14DE2B7}" dt="2023-10-25T12:38:31.491" v="618" actId="208"/>
+          <ac:spMkLst>
+            <pc:docMk/>
+            <pc:sldMk cId="2175269834" sldId="262"/>
+            <ac:spMk id="78" creationId="{33B4AC74-DFB8-2F1F-09C0-DCF85F3BAA86}"/>
+          </ac:spMkLst>
+        </pc:spChg>
+        <pc:spChg chg="mod">
+          <ac:chgData name="Johann Bock Severin" userId="3b36179260fc8001" providerId="LiveId" clId="{EE02F971-86F5-428E-BC14-A8CDA14DE2B7}" dt="2023-10-25T12:38:31.491" v="618" actId="208"/>
+          <ac:spMkLst>
+            <pc:docMk/>
+            <pc:sldMk cId="2175269834" sldId="262"/>
+            <ac:spMk id="79" creationId="{4CA4A606-8033-E235-6BCE-30D0B3CA481F}"/>
+          </ac:spMkLst>
+        </pc:spChg>
+        <pc:spChg chg="add mod">
+          <ac:chgData name="Johann Bock Severin" userId="3b36179260fc8001" providerId="LiveId" clId="{EE02F971-86F5-428E-BC14-A8CDA14DE2B7}" dt="2023-10-25T12:36:59.962" v="607" actId="1076"/>
+          <ac:spMkLst>
+            <pc:docMk/>
+            <pc:sldMk cId="2175269834" sldId="262"/>
+            <ac:spMk id="80" creationId="{3AE40769-3B4D-C325-B764-340C3DD48357}"/>
+          </ac:spMkLst>
+        </pc:spChg>
+        <pc:spChg chg="add mod">
+          <ac:chgData name="Johann Bock Severin" userId="3b36179260fc8001" providerId="LiveId" clId="{EE02F971-86F5-428E-BC14-A8CDA14DE2B7}" dt="2023-10-25T12:40:38.334" v="640" actId="1076"/>
+          <ac:spMkLst>
+            <pc:docMk/>
+            <pc:sldMk cId="2175269834" sldId="262"/>
+            <ac:spMk id="81" creationId="{7E37BEBB-0DE2-7448-CB80-D2FE96CFB427}"/>
+          </ac:spMkLst>
+        </pc:spChg>
+        <pc:spChg chg="add del mod">
+          <ac:chgData name="Johann Bock Severin" userId="3b36179260fc8001" providerId="LiveId" clId="{EE02F971-86F5-428E-BC14-A8CDA14DE2B7}" dt="2023-10-25T12:43:05.126" v="677" actId="478"/>
+          <ac:spMkLst>
+            <pc:docMk/>
+            <pc:sldMk cId="2175269834" sldId="262"/>
+            <ac:spMk id="84" creationId="{27E05A67-DC8D-CE3F-EE21-D2F10DF15C5A}"/>
+          </ac:spMkLst>
+        </pc:spChg>
+        <pc:spChg chg="add del mod">
+          <ac:chgData name="Johann Bock Severin" userId="3b36179260fc8001" providerId="LiveId" clId="{EE02F971-86F5-428E-BC14-A8CDA14DE2B7}" dt="2023-10-25T12:43:05.126" v="677" actId="478"/>
+          <ac:spMkLst>
+            <pc:docMk/>
+            <pc:sldMk cId="2175269834" sldId="262"/>
+            <ac:spMk id="85" creationId="{0DCA2439-0C29-E075-0EAB-BD24E4059419}"/>
+          </ac:spMkLst>
+        </pc:spChg>
+        <pc:spChg chg="add mod">
+          <ac:chgData name="Johann Bock Severin" userId="3b36179260fc8001" providerId="LiveId" clId="{EE02F971-86F5-428E-BC14-A8CDA14DE2B7}" dt="2023-10-25T12:42:59.722" v="675" actId="1076"/>
+          <ac:spMkLst>
+            <pc:docMk/>
+            <pc:sldMk cId="2175269834" sldId="262"/>
+            <ac:spMk id="86" creationId="{FA7E4111-6AB4-1661-1DA1-31FC027120D9}"/>
+          </ac:spMkLst>
+        </pc:spChg>
+        <pc:spChg chg="add mod">
+          <ac:chgData name="Johann Bock Severin" userId="3b36179260fc8001" providerId="LiveId" clId="{EE02F971-86F5-428E-BC14-A8CDA14DE2B7}" dt="2023-10-25T12:42:59.722" v="675" actId="1076"/>
+          <ac:spMkLst>
+            <pc:docMk/>
+            <pc:sldMk cId="2175269834" sldId="262"/>
+            <ac:spMk id="87" creationId="{0A08B800-52BF-5367-AFA3-65A2FBB302FF}"/>
+          </ac:spMkLst>
+        </pc:spChg>
+        <pc:spChg chg="add mod">
+          <ac:chgData name="Johann Bock Severin" userId="3b36179260fc8001" providerId="LiveId" clId="{EE02F971-86F5-428E-BC14-A8CDA14DE2B7}" dt="2023-10-25T12:42:23.757" v="665" actId="1076"/>
+          <ac:spMkLst>
+            <pc:docMk/>
+            <pc:sldMk cId="2175269834" sldId="262"/>
+            <ac:spMk id="88" creationId="{833894BC-43A4-7628-D7EC-A679A38F9483}"/>
+          </ac:spMkLst>
+        </pc:spChg>
+        <pc:spChg chg="add mod">
+          <ac:chgData name="Johann Bock Severin" userId="3b36179260fc8001" providerId="LiveId" clId="{EE02F971-86F5-428E-BC14-A8CDA14DE2B7}" dt="2023-10-25T12:42:28.002" v="666" actId="571"/>
+          <ac:spMkLst>
+            <pc:docMk/>
+            <pc:sldMk cId="2175269834" sldId="262"/>
+            <ac:spMk id="89" creationId="{30E0EF2F-398C-C744-9200-E06FCA533CE1}"/>
+          </ac:spMkLst>
+        </pc:spChg>
+        <pc:spChg chg="add mod">
+          <ac:chgData name="Johann Bock Severin" userId="3b36179260fc8001" providerId="LiveId" clId="{EE02F971-86F5-428E-BC14-A8CDA14DE2B7}" dt="2023-10-25T12:43:03.482" v="676" actId="1076"/>
+          <ac:spMkLst>
+            <pc:docMk/>
+            <pc:sldMk cId="2175269834" sldId="262"/>
+            <ac:spMk id="90" creationId="{F527C900-210C-D8A3-E9A4-B49546996B16}"/>
+          </ac:spMkLst>
+        </pc:spChg>
+        <pc:spChg chg="add mod">
+          <ac:chgData name="Johann Bock Severin" userId="3b36179260fc8001" providerId="LiveId" clId="{EE02F971-86F5-428E-BC14-A8CDA14DE2B7}" dt="2023-10-25T12:43:08.219" v="679" actId="571"/>
+          <ac:spMkLst>
+            <pc:docMk/>
+            <pc:sldMk cId="2175269834" sldId="262"/>
+            <ac:spMk id="91" creationId="{65CD6206-6958-1D39-8F1D-9B7D6DC506D7}"/>
+          </ac:spMkLst>
+        </pc:spChg>
+        <pc:spChg chg="add mod">
+          <ac:chgData name="Johann Bock Severin" userId="3b36179260fc8001" providerId="LiveId" clId="{EE02F971-86F5-428E-BC14-A8CDA14DE2B7}" dt="2023-10-25T12:43:39.006" v="713" actId="1035"/>
+          <ac:spMkLst>
+            <pc:docMk/>
+            <pc:sldMk cId="2175269834" sldId="262"/>
+            <ac:spMk id="92" creationId="{0868A02F-07D9-DBCA-BA05-5CA99D08A25E}"/>
+          </ac:spMkLst>
+        </pc:spChg>
+        <pc:spChg chg="add mod">
+          <ac:chgData name="Johann Bock Severin" userId="3b36179260fc8001" providerId="LiveId" clId="{EE02F971-86F5-428E-BC14-A8CDA14DE2B7}" dt="2023-10-25T12:43:39.006" v="713" actId="1035"/>
+          <ac:spMkLst>
+            <pc:docMk/>
+            <pc:sldMk cId="2175269834" sldId="262"/>
+            <ac:spMk id="93" creationId="{18982235-7E68-8594-0DA4-AE0C53B63B7B}"/>
+          </ac:spMkLst>
+        </pc:spChg>
+        <pc:spChg chg="add del mod">
+          <ac:chgData name="Johann Bock Severin" userId="3b36179260fc8001" providerId="LiveId" clId="{EE02F971-86F5-428E-BC14-A8CDA14DE2B7}" dt="2023-10-25T12:44:09.239" v="717" actId="478"/>
+          <ac:spMkLst>
+            <pc:docMk/>
+            <pc:sldMk cId="2175269834" sldId="262"/>
+            <ac:spMk id="96" creationId="{5B75F5B2-0C40-C5F5-C9AC-DFDF8A08A01E}"/>
+          </ac:spMkLst>
+        </pc:spChg>
+        <pc:spChg chg="add mod">
+          <ac:chgData name="Johann Bock Severin" userId="3b36179260fc8001" providerId="LiveId" clId="{EE02F971-86F5-428E-BC14-A8CDA14DE2B7}" dt="2023-10-25T12:44:56.046" v="723" actId="1076"/>
+          <ac:spMkLst>
+            <pc:docMk/>
+            <pc:sldMk cId="2175269834" sldId="262"/>
+            <ac:spMk id="100" creationId="{2F0B204D-7CBE-B274-AA75-82B3C22FE45A}"/>
+          </ac:spMkLst>
+        </pc:spChg>
+        <pc:spChg chg="add mod ord">
+          <ac:chgData name="Johann Bock Severin" userId="3b36179260fc8001" providerId="LiveId" clId="{EE02F971-86F5-428E-BC14-A8CDA14DE2B7}" dt="2023-10-25T12:46:06.235" v="735" actId="1582"/>
+          <ac:spMkLst>
+            <pc:docMk/>
+            <pc:sldMk cId="2175269834" sldId="262"/>
+            <ac:spMk id="104" creationId="{83731DF1-6FA6-EFEA-6781-9601D65DDBCA}"/>
+          </ac:spMkLst>
+        </pc:spChg>
+        <pc:spChg chg="add mod ord">
+          <ac:chgData name="Johann Bock Severin" userId="3b36179260fc8001" providerId="LiveId" clId="{EE02F971-86F5-428E-BC14-A8CDA14DE2B7}" dt="2023-10-25T12:46:33.189" v="742" actId="170"/>
+          <ac:spMkLst>
+            <pc:docMk/>
+            <pc:sldMk cId="2175269834" sldId="262"/>
+            <ac:spMk id="105" creationId="{822198D1-E128-C576-2008-11FC0572968F}"/>
+          </ac:spMkLst>
+        </pc:spChg>
+        <pc:spChg chg="add mod">
+          <ac:chgData name="Johann Bock Severin" userId="3b36179260fc8001" providerId="LiveId" clId="{EE02F971-86F5-428E-BC14-A8CDA14DE2B7}" dt="2023-10-25T12:46:51.309" v="748" actId="1076"/>
+          <ac:spMkLst>
+            <pc:docMk/>
+            <pc:sldMk cId="2175269834" sldId="262"/>
+            <ac:spMk id="106" creationId="{9F15DB8C-C87D-19FA-BFA0-04B4FDE0E476}"/>
+          </ac:spMkLst>
+        </pc:spChg>
+        <pc:grpChg chg="add mod">
+          <ac:chgData name="Johann Bock Severin" userId="3b36179260fc8001" providerId="LiveId" clId="{EE02F971-86F5-428E-BC14-A8CDA14DE2B7}" dt="2023-10-25T12:33:57.418" v="541" actId="1076"/>
+          <ac:grpSpMkLst>
+            <pc:docMk/>
+            <pc:sldMk cId="2175269834" sldId="262"/>
+            <ac:grpSpMk id="34" creationId="{8EDF79A4-2A06-387B-C5B1-35CB1D2DAD6D}"/>
+          </ac:grpSpMkLst>
+        </pc:grpChg>
+        <pc:grpChg chg="add mod">
+          <ac:chgData name="Johann Bock Severin" userId="3b36179260fc8001" providerId="LiveId" clId="{EE02F971-86F5-428E-BC14-A8CDA14DE2B7}" dt="2023-10-25T12:34:24.120" v="544" actId="571"/>
+          <ac:grpSpMkLst>
+            <pc:docMk/>
+            <pc:sldMk cId="2175269834" sldId="262"/>
+            <ac:grpSpMk id="36" creationId="{36A0EF80-6398-63FA-04B5-2B1D42E16300}"/>
+          </ac:grpSpMkLst>
+        </pc:grpChg>
+        <pc:grpChg chg="add mod">
+          <ac:chgData name="Johann Bock Severin" userId="3b36179260fc8001" providerId="LiveId" clId="{EE02F971-86F5-428E-BC14-A8CDA14DE2B7}" dt="2023-10-25T12:35:59.755" v="595" actId="164"/>
+          <ac:grpSpMkLst>
+            <pc:docMk/>
+            <pc:sldMk cId="2175269834" sldId="262"/>
+            <ac:grpSpMk id="51" creationId="{2C62F53C-ADCD-BFAB-683E-9E0C27DD3635}"/>
+          </ac:grpSpMkLst>
+        </pc:grpChg>
+        <pc:grpChg chg="add mod">
+          <ac:chgData name="Johann Bock Severin" userId="3b36179260fc8001" providerId="LiveId" clId="{EE02F971-86F5-428E-BC14-A8CDA14DE2B7}" dt="2023-10-25T12:35:59.755" v="595" actId="164"/>
+          <ac:grpSpMkLst>
+            <pc:docMk/>
+            <pc:sldMk cId="2175269834" sldId="262"/>
+            <ac:grpSpMk id="62" creationId="{2A38E7AD-EA36-62EC-B41B-8940C6FD7E2B}"/>
+          </ac:grpSpMkLst>
+        </pc:grpChg>
+        <pc:grpChg chg="add mod">
+          <ac:chgData name="Johann Bock Severin" userId="3b36179260fc8001" providerId="LiveId" clId="{EE02F971-86F5-428E-BC14-A8CDA14DE2B7}" dt="2023-10-25T12:36:39.145" v="598" actId="1076"/>
+          <ac:grpSpMkLst>
+            <pc:docMk/>
+            <pc:sldMk cId="2175269834" sldId="262"/>
+            <ac:grpSpMk id="66" creationId="{F53D9C0E-6156-94BD-C9B4-5176BCA0E376}"/>
+          </ac:grpSpMkLst>
+        </pc:grpChg>
+        <pc:grpChg chg="add del mod">
+          <ac:chgData name="Johann Bock Severin" userId="3b36179260fc8001" providerId="LiveId" clId="{EE02F971-86F5-428E-BC14-A8CDA14DE2B7}" dt="2023-10-25T12:38:03.474" v="614" actId="165"/>
+          <ac:grpSpMkLst>
+            <pc:docMk/>
+            <pc:sldMk cId="2175269834" sldId="262"/>
+            <ac:grpSpMk id="73" creationId="{D75F9808-7F30-F03C-7A7B-808775D0FFA2}"/>
+          </ac:grpSpMkLst>
+        </pc:grpChg>
+        <pc:grpChg chg="mod topLvl">
+          <ac:chgData name="Johann Bock Severin" userId="3b36179260fc8001" providerId="LiveId" clId="{EE02F971-86F5-428E-BC14-A8CDA14DE2B7}" dt="2023-10-25T12:38:34.780" v="620" actId="1076"/>
+          <ac:grpSpMkLst>
+            <pc:docMk/>
+            <pc:sldMk cId="2175269834" sldId="262"/>
+            <ac:grpSpMk id="74" creationId="{778A4B90-7A71-0FD5-4659-8B9295A30B63}"/>
+          </ac:grpSpMkLst>
+        </pc:grpChg>
+        <pc:grpChg chg="mod topLvl">
+          <ac:chgData name="Johann Bock Severin" userId="3b36179260fc8001" providerId="LiveId" clId="{EE02F971-86F5-428E-BC14-A8CDA14DE2B7}" dt="2023-10-25T12:38:03.474" v="614" actId="165"/>
+          <ac:grpSpMkLst>
+            <pc:docMk/>
+            <pc:sldMk cId="2175269834" sldId="262"/>
+            <ac:grpSpMk id="75" creationId="{1B66EA67-E79D-7A21-0ACB-C88499493655}"/>
+          </ac:grpSpMkLst>
+        </pc:grpChg>
+        <pc:picChg chg="add mod">
+          <ac:chgData name="Johann Bock Severin" userId="3b36179260fc8001" providerId="LiveId" clId="{EE02F971-86F5-428E-BC14-A8CDA14DE2B7}" dt="2023-10-25T12:40:12.643" v="635" actId="1076"/>
+          <ac:picMkLst>
+            <pc:docMk/>
+            <pc:sldMk cId="2175269834" sldId="262"/>
+            <ac:picMk id="4" creationId="{9ADC8B20-D107-3413-184E-7673A894DC02}"/>
+          </ac:picMkLst>
+        </pc:picChg>
+        <pc:picChg chg="add mod">
+          <ac:chgData name="Johann Bock Severin" userId="3b36179260fc8001" providerId="LiveId" clId="{EE02F971-86F5-428E-BC14-A8CDA14DE2B7}" dt="2023-10-25T13:11:17.013" v="749" actId="1076"/>
+          <ac:picMkLst>
+            <pc:docMk/>
+            <pc:sldMk cId="2175269834" sldId="262"/>
+            <ac:picMk id="9" creationId="{1CF72A15-EA38-4F91-F7AE-646348D1288A}"/>
+          </ac:picMkLst>
+        </pc:picChg>
+        <pc:picChg chg="add mod">
+          <ac:chgData name="Johann Bock Severin" userId="3b36179260fc8001" providerId="LiveId" clId="{EE02F971-86F5-428E-BC14-A8CDA14DE2B7}" dt="2023-10-25T12:40:13.843" v="636" actId="1076"/>
+          <ac:picMkLst>
+            <pc:docMk/>
+            <pc:sldMk cId="2175269834" sldId="262"/>
+            <ac:picMk id="11" creationId="{02B366FE-83DA-FAD1-84CE-1A0B67C5FA5E}"/>
+          </ac:picMkLst>
+        </pc:picChg>
+        <pc:cxnChg chg="del">
+          <ac:chgData name="Johann Bock Severin" userId="3b36179260fc8001" providerId="LiveId" clId="{EE02F971-86F5-428E-BC14-A8CDA14DE2B7}" dt="2023-10-25T12:25:40.801" v="365" actId="478"/>
+          <ac:cxnSpMkLst>
+            <pc:docMk/>
+            <pc:sldMk cId="2175269834" sldId="262"/>
+            <ac:cxnSpMk id="7" creationId="{1B71BCC7-9052-4F74-A912-CF3D282CE2AB}"/>
+          </ac:cxnSpMkLst>
+        </pc:cxnChg>
+        <pc:cxnChg chg="del">
+          <ac:chgData name="Johann Bock Severin" userId="3b36179260fc8001" providerId="LiveId" clId="{EE02F971-86F5-428E-BC14-A8CDA14DE2B7}" dt="2023-10-25T12:25:40.801" v="365" actId="478"/>
+          <ac:cxnSpMkLst>
+            <pc:docMk/>
+            <pc:sldMk cId="2175269834" sldId="262"/>
+            <ac:cxnSpMk id="8" creationId="{A9190892-E86C-11B3-D082-4A38D46B3825}"/>
+          </ac:cxnSpMkLst>
+        </pc:cxnChg>
+        <pc:cxnChg chg="add del">
+          <ac:chgData name="Johann Bock Severin" userId="3b36179260fc8001" providerId="LiveId" clId="{EE02F971-86F5-428E-BC14-A8CDA14DE2B7}" dt="2023-10-25T12:26:45.312" v="381" actId="478"/>
+          <ac:cxnSpMkLst>
+            <pc:docMk/>
+            <pc:sldMk cId="2175269834" sldId="262"/>
+            <ac:cxnSpMk id="13" creationId="{82649092-1D2B-6359-889B-62460C667E78}"/>
+          </ac:cxnSpMkLst>
+        </pc:cxnChg>
+        <pc:cxnChg chg="add mod">
+          <ac:chgData name="Johann Bock Severin" userId="3b36179260fc8001" providerId="LiveId" clId="{EE02F971-86F5-428E-BC14-A8CDA14DE2B7}" dt="2023-10-25T12:44:24.638" v="718" actId="14100"/>
+          <ac:cxnSpMkLst>
+            <pc:docMk/>
+            <pc:sldMk cId="2175269834" sldId="262"/>
+            <ac:cxnSpMk id="15" creationId="{9D977361-63F5-59F1-28FD-5FA52BDF3252}"/>
+          </ac:cxnSpMkLst>
+        </pc:cxnChg>
+        <pc:cxnChg chg="add mod">
+          <ac:chgData name="Johann Bock Severin" userId="3b36179260fc8001" providerId="LiveId" clId="{EE02F971-86F5-428E-BC14-A8CDA14DE2B7}" dt="2023-10-25T12:28:24.433" v="407" actId="1076"/>
+          <ac:cxnSpMkLst>
+            <pc:docMk/>
+            <pc:sldMk cId="2175269834" sldId="262"/>
+            <ac:cxnSpMk id="18" creationId="{08903E55-81D9-A41A-3D86-F5E77EB1FA2C}"/>
+          </ac:cxnSpMkLst>
+        </pc:cxnChg>
+        <pc:cxnChg chg="add mod">
+          <ac:chgData name="Johann Bock Severin" userId="3b36179260fc8001" providerId="LiveId" clId="{EE02F971-86F5-428E-BC14-A8CDA14DE2B7}" dt="2023-10-25T12:44:58.650" v="724" actId="14100"/>
+          <ac:cxnSpMkLst>
+            <pc:docMk/>
+            <pc:sldMk cId="2175269834" sldId="262"/>
+            <ac:cxnSpMk id="20" creationId="{3D1BA1DA-3AD4-DDCE-491D-1A0FF8DBA416}"/>
+          </ac:cxnSpMkLst>
+        </pc:cxnChg>
+        <pc:cxnChg chg="del">
+          <ac:chgData name="Johann Bock Severin" userId="3b36179260fc8001" providerId="LiveId" clId="{EE02F971-86F5-428E-BC14-A8CDA14DE2B7}" dt="2023-10-25T12:25:40.801" v="365" actId="478"/>
+          <ac:cxnSpMkLst>
+            <pc:docMk/>
+            <pc:sldMk cId="2175269834" sldId="262"/>
+            <ac:cxnSpMk id="31" creationId="{2612C4F3-4053-FFD7-FD35-843273412620}"/>
+          </ac:cxnSpMkLst>
+        </pc:cxnChg>
+        <pc:cxnChg chg="add del">
+          <ac:chgData name="Johann Bock Severin" userId="3b36179260fc8001" providerId="LiveId" clId="{EE02F971-86F5-428E-BC14-A8CDA14DE2B7}" dt="2023-10-25T12:32:06.751" v="494" actId="478"/>
+          <ac:cxnSpMkLst>
+            <pc:docMk/>
+            <pc:sldMk cId="2175269834" sldId="262"/>
+            <ac:cxnSpMk id="32" creationId="{67A2C44A-D044-8170-40C7-6E8951539168}"/>
+          </ac:cxnSpMkLst>
+        </pc:cxnChg>
+        <pc:cxnChg chg="del">
+          <ac:chgData name="Johann Bock Severin" userId="3b36179260fc8001" providerId="LiveId" clId="{EE02F971-86F5-428E-BC14-A8CDA14DE2B7}" dt="2023-10-25T12:25:40.801" v="365" actId="478"/>
+          <ac:cxnSpMkLst>
+            <pc:docMk/>
+            <pc:sldMk cId="2175269834" sldId="262"/>
+            <ac:cxnSpMk id="38" creationId="{F8208307-89F0-0161-9846-A1C4454D7839}"/>
+          </ac:cxnSpMkLst>
+        </pc:cxnChg>
+        <pc:cxnChg chg="del">
+          <ac:chgData name="Johann Bock Severin" userId="3b36179260fc8001" providerId="LiveId" clId="{EE02F971-86F5-428E-BC14-A8CDA14DE2B7}" dt="2023-10-25T12:25:40.801" v="365" actId="478"/>
+          <ac:cxnSpMkLst>
+            <pc:docMk/>
+            <pc:sldMk cId="2175269834" sldId="262"/>
+            <ac:cxnSpMk id="40" creationId="{46803BB2-D4D1-E7C2-38BF-4E71A3521B3A}"/>
+          </ac:cxnSpMkLst>
+        </pc:cxnChg>
+        <pc:cxnChg chg="del">
+          <ac:chgData name="Johann Bock Severin" userId="3b36179260fc8001" providerId="LiveId" clId="{EE02F971-86F5-428E-BC14-A8CDA14DE2B7}" dt="2023-10-25T12:25:40.801" v="365" actId="478"/>
+          <ac:cxnSpMkLst>
+            <pc:docMk/>
+            <pc:sldMk cId="2175269834" sldId="262"/>
+            <ac:cxnSpMk id="41" creationId="{D26C6237-5E26-95D9-B269-50880E6E5112}"/>
+          </ac:cxnSpMkLst>
+        </pc:cxnChg>
+        <pc:cxnChg chg="add mod">
+          <ac:chgData name="Johann Bock Severin" userId="3b36179260fc8001" providerId="LiveId" clId="{EE02F971-86F5-428E-BC14-A8CDA14DE2B7}" dt="2023-10-25T12:45:03.219" v="725" actId="14100"/>
+          <ac:cxnSpMkLst>
+            <pc:docMk/>
+            <pc:sldMk cId="2175269834" sldId="262"/>
+            <ac:cxnSpMk id="45" creationId="{20078CD1-E0AC-3798-3C07-E4B24781AF5A}"/>
+          </ac:cxnSpMkLst>
+        </pc:cxnChg>
+        <pc:cxnChg chg="add mod">
+          <ac:chgData name="Johann Bock Severin" userId="3b36179260fc8001" providerId="LiveId" clId="{EE02F971-86F5-428E-BC14-A8CDA14DE2B7}" dt="2023-10-25T12:43:56.422" v="715" actId="14100"/>
+          <ac:cxnSpMkLst>
+            <pc:docMk/>
+            <pc:sldMk cId="2175269834" sldId="262"/>
+            <ac:cxnSpMk id="67" creationId="{AB37608E-B069-941A-B94E-03B0D9A4C169}"/>
+          </ac:cxnSpMkLst>
+        </pc:cxnChg>
+        <pc:cxnChg chg="add del">
+          <ac:chgData name="Johann Bock Severin" userId="3b36179260fc8001" providerId="LiveId" clId="{EE02F971-86F5-428E-BC14-A8CDA14DE2B7}" dt="2023-10-25T12:44:43.875" v="721" actId="478"/>
+          <ac:cxnSpMkLst>
+            <pc:docMk/>
+            <pc:sldMk cId="2175269834" sldId="262"/>
+            <ac:cxnSpMk id="99" creationId="{C61FB6A2-9FBE-385E-C87E-24AC4BC17418}"/>
+          </ac:cxnSpMkLst>
+        </pc:cxnChg>
+        <pc:cxnChg chg="add del mod">
+          <ac:chgData name="Johann Bock Severin" userId="3b36179260fc8001" providerId="LiveId" clId="{EE02F971-86F5-428E-BC14-A8CDA14DE2B7}" dt="2023-10-25T12:45:41.484" v="730" actId="478"/>
+          <ac:cxnSpMkLst>
+            <pc:docMk/>
+            <pc:sldMk cId="2175269834" sldId="262"/>
+            <ac:cxnSpMk id="103" creationId="{C799D490-2D21-199A-F85A-33DC9E808DCB}"/>
+          </ac:cxnSpMkLst>
+        </pc:cxnChg>
+      </pc:sldChg>
+      <pc:sldChg chg="addSp delSp modSp add mod">
+        <pc:chgData name="Johann Bock Severin" userId="3b36179260fc8001" providerId="LiveId" clId="{EE02F971-86F5-428E-BC14-A8CDA14DE2B7}" dt="2023-10-25T13:14:59.574" v="813" actId="20577"/>
+        <pc:sldMkLst>
+          <pc:docMk/>
+          <pc:sldMk cId="1437384201" sldId="263"/>
+        </pc:sldMkLst>
+        <pc:spChg chg="add mod">
+          <ac:chgData name="Johann Bock Severin" userId="3b36179260fc8001" providerId="LiveId" clId="{EE02F971-86F5-428E-BC14-A8CDA14DE2B7}" dt="2023-10-25T13:13:32.277" v="757" actId="1076"/>
+          <ac:spMkLst>
+            <pc:docMk/>
+            <pc:sldMk cId="1437384201" sldId="263"/>
+            <ac:spMk id="3" creationId="{E209E5DC-F13F-7BBF-10EF-D4BECF0DD8FA}"/>
+          </ac:spMkLst>
+        </pc:spChg>
+        <pc:spChg chg="add mod">
+          <ac:chgData name="Johann Bock Severin" userId="3b36179260fc8001" providerId="LiveId" clId="{EE02F971-86F5-428E-BC14-A8CDA14DE2B7}" dt="2023-10-25T13:13:32.277" v="757" actId="1076"/>
+          <ac:spMkLst>
+            <pc:docMk/>
+            <pc:sldMk cId="1437384201" sldId="263"/>
+            <ac:spMk id="5" creationId="{CC45564C-6A5F-1831-747D-B37DAD893C38}"/>
+          </ac:spMkLst>
+        </pc:spChg>
+        <pc:spChg chg="add mod">
+          <ac:chgData name="Johann Bock Severin" userId="3b36179260fc8001" providerId="LiveId" clId="{EE02F971-86F5-428E-BC14-A8CDA14DE2B7}" dt="2023-10-25T13:13:32.277" v="757" actId="1076"/>
+          <ac:spMkLst>
+            <pc:docMk/>
+            <pc:sldMk cId="1437384201" sldId="263"/>
+            <ac:spMk id="6" creationId="{116B83F0-B071-7F1B-3849-C1AF6DF0CF0A}"/>
+          </ac:spMkLst>
+        </pc:spChg>
+        <pc:spChg chg="add mod ord">
+          <ac:chgData name="Johann Bock Severin" userId="3b36179260fc8001" providerId="LiveId" clId="{EE02F971-86F5-428E-BC14-A8CDA14DE2B7}" dt="2023-10-25T13:14:02.694" v="765" actId="14100"/>
+          <ac:spMkLst>
+            <pc:docMk/>
+            <pc:sldMk cId="1437384201" sldId="263"/>
+            <ac:spMk id="7" creationId="{38596B33-5C2E-508E-2FD5-81D09927C5AA}"/>
+          </ac:spMkLst>
+        </pc:spChg>
+        <pc:spChg chg="add mod">
+          <ac:chgData name="Johann Bock Severin" userId="3b36179260fc8001" providerId="LiveId" clId="{EE02F971-86F5-428E-BC14-A8CDA14DE2B7}" dt="2023-10-25T13:13:32.277" v="757" actId="1076"/>
+          <ac:spMkLst>
+            <pc:docMk/>
+            <pc:sldMk cId="1437384201" sldId="263"/>
+            <ac:spMk id="8" creationId="{1B609872-674C-5FA6-7F11-19C56C988656}"/>
+          </ac:spMkLst>
+        </pc:spChg>
+        <pc:spChg chg="add mod">
+          <ac:chgData name="Johann Bock Severin" userId="3b36179260fc8001" providerId="LiveId" clId="{EE02F971-86F5-428E-BC14-A8CDA14DE2B7}" dt="2023-10-25T13:13:32.277" v="757" actId="1076"/>
+          <ac:spMkLst>
+            <pc:docMk/>
+            <pc:sldMk cId="1437384201" sldId="263"/>
+            <ac:spMk id="10" creationId="{E6C4E345-EBE3-4E35-F47D-065C61893D50}"/>
+          </ac:spMkLst>
+        </pc:spChg>
+        <pc:spChg chg="mod">
+          <ac:chgData name="Johann Bock Severin" userId="3b36179260fc8001" providerId="LiveId" clId="{EE02F971-86F5-428E-BC14-A8CDA14DE2B7}" dt="2023-10-25T13:13:08.215" v="752" actId="164"/>
+          <ac:spMkLst>
+            <pc:docMk/>
+            <pc:sldMk cId="1437384201" sldId="263"/>
+            <ac:spMk id="16" creationId="{B294CAFC-D61D-46C0-D58C-473F4AB88140}"/>
+          </ac:spMkLst>
+        </pc:spChg>
+        <pc:spChg chg="mod ord">
+          <ac:chgData name="Johann Bock Severin" userId="3b36179260fc8001" providerId="LiveId" clId="{EE02F971-86F5-428E-BC14-A8CDA14DE2B7}" dt="2023-10-25T13:13:53.138" v="762" actId="1076"/>
+          <ac:spMkLst>
+            <pc:docMk/>
+            <pc:sldMk cId="1437384201" sldId="263"/>
+            <ac:spMk id="19" creationId="{D0B6500D-530D-F5E9-B66B-B711042FB66D}"/>
+          </ac:spMkLst>
+        </pc:spChg>
+        <pc:spChg chg="mod">
+          <ac:chgData name="Johann Bock Severin" userId="3b36179260fc8001" providerId="LiveId" clId="{EE02F971-86F5-428E-BC14-A8CDA14DE2B7}" dt="2023-10-25T13:13:08.215" v="752" actId="164"/>
+          <ac:spMkLst>
+            <pc:docMk/>
+            <pc:sldMk cId="1437384201" sldId="263"/>
+            <ac:spMk id="23" creationId="{A0DE5F7A-F405-3DE2-3788-EEDE6C59ACE9}"/>
+          </ac:spMkLst>
+        </pc:spChg>
+        <pc:spChg chg="mod">
+          <ac:chgData name="Johann Bock Severin" userId="3b36179260fc8001" providerId="LiveId" clId="{EE02F971-86F5-428E-BC14-A8CDA14DE2B7}" dt="2023-10-25T13:13:08.215" v="752" actId="164"/>
+          <ac:spMkLst>
+            <pc:docMk/>
+            <pc:sldMk cId="1437384201" sldId="263"/>
+            <ac:spMk id="24" creationId="{E9267A9E-D9F2-7E21-D503-1F6F7574C1EA}"/>
+          </ac:spMkLst>
+        </pc:spChg>
+        <pc:spChg chg="mod">
+          <ac:chgData name="Johann Bock Severin" userId="3b36179260fc8001" providerId="LiveId" clId="{EE02F971-86F5-428E-BC14-A8CDA14DE2B7}" dt="2023-10-25T13:13:08.215" v="752" actId="164"/>
+          <ac:spMkLst>
+            <pc:docMk/>
+            <pc:sldMk cId="1437384201" sldId="263"/>
+            <ac:spMk id="25" creationId="{848C473F-93BB-82B4-5FB4-1333482BFF6D}"/>
+          </ac:spMkLst>
+        </pc:spChg>
+        <pc:spChg chg="mod">
+          <ac:chgData name="Johann Bock Severin" userId="3b36179260fc8001" providerId="LiveId" clId="{EE02F971-86F5-428E-BC14-A8CDA14DE2B7}" dt="2023-10-25T13:13:08.215" v="752" actId="164"/>
+          <ac:spMkLst>
+            <pc:docMk/>
+            <pc:sldMk cId="1437384201" sldId="263"/>
+            <ac:spMk id="26" creationId="{09087097-F69E-97B8-0362-B4CFFC3D4C9F}"/>
+          </ac:spMkLst>
+        </pc:spChg>
+        <pc:spChg chg="mod">
+          <ac:chgData name="Johann Bock Severin" userId="3b36179260fc8001" providerId="LiveId" clId="{EE02F971-86F5-428E-BC14-A8CDA14DE2B7}" dt="2023-10-25T13:13:08.215" v="752" actId="164"/>
+          <ac:spMkLst>
+            <pc:docMk/>
+            <pc:sldMk cId="1437384201" sldId="263"/>
+            <ac:spMk id="27" creationId="{1C8E3865-2771-8F51-F03F-03DA34899C26}"/>
+          </ac:spMkLst>
+        </pc:spChg>
+        <pc:spChg chg="add mod">
+          <ac:chgData name="Johann Bock Severin" userId="3b36179260fc8001" providerId="LiveId" clId="{EE02F971-86F5-428E-BC14-A8CDA14DE2B7}" dt="2023-10-25T13:13:32.277" v="757" actId="1076"/>
+          <ac:spMkLst>
+            <pc:docMk/>
+            <pc:sldMk cId="1437384201" sldId="263"/>
+            <ac:spMk id="29" creationId="{3ED1237A-ED6B-AC78-C327-4463EF105156}"/>
+          </ac:spMkLst>
+        </pc:spChg>
+        <pc:spChg chg="add mod">
+          <ac:chgData name="Johann Bock Severin" userId="3b36179260fc8001" providerId="LiveId" clId="{EE02F971-86F5-428E-BC14-A8CDA14DE2B7}" dt="2023-10-25T13:13:32.277" v="757" actId="1076"/>
+          <ac:spMkLst>
+            <pc:docMk/>
+            <pc:sldMk cId="1437384201" sldId="263"/>
+            <ac:spMk id="30" creationId="{200EE0F3-EAD7-AE2A-6704-5E10F2D3A7F5}"/>
+          </ac:spMkLst>
+        </pc:spChg>
+        <pc:spChg chg="add mod">
+          <ac:chgData name="Johann Bock Severin" userId="3b36179260fc8001" providerId="LiveId" clId="{EE02F971-86F5-428E-BC14-A8CDA14DE2B7}" dt="2023-10-25T13:14:20.668" v="799" actId="1076"/>
+          <ac:spMkLst>
+            <pc:docMk/>
+            <pc:sldMk cId="1437384201" sldId="263"/>
+            <ac:spMk id="31" creationId="{A41EB028-2C0B-A648-6046-6D6E8979B2AA}"/>
+          </ac:spMkLst>
+        </pc:spChg>
+        <pc:spChg chg="add mod">
+          <ac:chgData name="Johann Bock Severin" userId="3b36179260fc8001" providerId="LiveId" clId="{EE02F971-86F5-428E-BC14-A8CDA14DE2B7}" dt="2023-10-25T13:14:23.372" v="800" actId="1076"/>
+          <ac:spMkLst>
+            <pc:docMk/>
+            <pc:sldMk cId="1437384201" sldId="263"/>
+            <ac:spMk id="32" creationId="{CC314E82-C603-26DB-781D-251F6E0F3F10}"/>
+          </ac:spMkLst>
+        </pc:spChg>
+        <pc:spChg chg="mod">
+          <ac:chgData name="Johann Bock Severin" userId="3b36179260fc8001" providerId="LiveId" clId="{EE02F971-86F5-428E-BC14-A8CDA14DE2B7}" dt="2023-10-25T13:13:08.215" v="752" actId="164"/>
+          <ac:spMkLst>
+            <pc:docMk/>
+            <pc:sldMk cId="1437384201" sldId="263"/>
+            <ac:spMk id="44" creationId="{24055CAC-9FFE-498F-E442-AF92B97F0D8B}"/>
+          </ac:spMkLst>
+        </pc:spChg>
+        <pc:spChg chg="mod">
+          <ac:chgData name="Johann Bock Severin" userId="3b36179260fc8001" providerId="LiveId" clId="{EE02F971-86F5-428E-BC14-A8CDA14DE2B7}" dt="2023-10-25T13:13:08.215" v="752" actId="164"/>
+          <ac:spMkLst>
+            <pc:docMk/>
+            <pc:sldMk cId="1437384201" sldId="263"/>
+            <ac:spMk id="46" creationId="{3D6E6165-309C-EC7A-A1B2-D2AD266B4BD8}"/>
+          </ac:spMkLst>
+        </pc:spChg>
+        <pc:spChg chg="mod">
+          <ac:chgData name="Johann Bock Severin" userId="3b36179260fc8001" providerId="LiveId" clId="{EE02F971-86F5-428E-BC14-A8CDA14DE2B7}" dt="2023-10-25T13:13:08.215" v="752" actId="164"/>
+          <ac:spMkLst>
+            <pc:docMk/>
+            <pc:sldMk cId="1437384201" sldId="263"/>
+            <ac:spMk id="47" creationId="{EA5DDA7C-07DF-E861-AC79-FCF4C108FEA0}"/>
+          </ac:spMkLst>
+        </pc:spChg>
+        <pc:spChg chg="mod">
+          <ac:chgData name="Johann Bock Severin" userId="3b36179260fc8001" providerId="LiveId" clId="{EE02F971-86F5-428E-BC14-A8CDA14DE2B7}" dt="2023-10-25T13:13:08.215" v="752" actId="164"/>
+          <ac:spMkLst>
+            <pc:docMk/>
+            <pc:sldMk cId="1437384201" sldId="263"/>
+            <ac:spMk id="48" creationId="{142EBA76-863F-8953-73DE-07A8007A719B}"/>
+          </ac:spMkLst>
+        </pc:spChg>
+        <pc:spChg chg="mod">
+          <ac:chgData name="Johann Bock Severin" userId="3b36179260fc8001" providerId="LiveId" clId="{EE02F971-86F5-428E-BC14-A8CDA14DE2B7}" dt="2023-10-25T13:13:08.215" v="752" actId="164"/>
+          <ac:spMkLst>
+            <pc:docMk/>
+            <pc:sldMk cId="1437384201" sldId="263"/>
+            <ac:spMk id="49" creationId="{DDFE5BCA-BB92-132F-B281-8D0D74704D90}"/>
+          </ac:spMkLst>
+        </pc:spChg>
+        <pc:spChg chg="mod">
+          <ac:chgData name="Johann Bock Severin" userId="3b36179260fc8001" providerId="LiveId" clId="{EE02F971-86F5-428E-BC14-A8CDA14DE2B7}" dt="2023-10-25T13:13:08.215" v="752" actId="164"/>
+          <ac:spMkLst>
+            <pc:docMk/>
+            <pc:sldMk cId="1437384201" sldId="263"/>
+            <ac:spMk id="50" creationId="{596486E3-0A85-ECE8-BF2A-B65594546FCE}"/>
+          </ac:spMkLst>
+        </pc:spChg>
+        <pc:spChg chg="mod">
+          <ac:chgData name="Johann Bock Severin" userId="3b36179260fc8001" providerId="LiveId" clId="{EE02F971-86F5-428E-BC14-A8CDA14DE2B7}" dt="2023-10-25T13:13:08.215" v="752" actId="164"/>
+          <ac:spMkLst>
+            <pc:docMk/>
+            <pc:sldMk cId="1437384201" sldId="263"/>
+            <ac:spMk id="65" creationId="{3BA14250-E24A-66D4-84AA-EEBCB40F60FF}"/>
+          </ac:spMkLst>
+        </pc:spChg>
+        <pc:spChg chg="mod">
+          <ac:chgData name="Johann Bock Severin" userId="3b36179260fc8001" providerId="LiveId" clId="{EE02F971-86F5-428E-BC14-A8CDA14DE2B7}" dt="2023-10-25T13:13:08.215" v="752" actId="164"/>
+          <ac:spMkLst>
+            <pc:docMk/>
+            <pc:sldMk cId="1437384201" sldId="263"/>
+            <ac:spMk id="68" creationId="{FCFAF4CB-DFD3-3B58-2231-1D4E0E226539}"/>
+          </ac:spMkLst>
+        </pc:spChg>
+        <pc:spChg chg="mod">
+          <ac:chgData name="Johann Bock Severin" userId="3b36179260fc8001" providerId="LiveId" clId="{EE02F971-86F5-428E-BC14-A8CDA14DE2B7}" dt="2023-10-25T13:13:08.215" v="752" actId="164"/>
+          <ac:spMkLst>
+            <pc:docMk/>
+            <pc:sldMk cId="1437384201" sldId="263"/>
+            <ac:spMk id="70" creationId="{011E309A-0FE2-4240-8958-E1740F5B763C}"/>
+          </ac:spMkLst>
+        </pc:spChg>
+        <pc:spChg chg="mod">
+          <ac:chgData name="Johann Bock Severin" userId="3b36179260fc8001" providerId="LiveId" clId="{EE02F971-86F5-428E-BC14-A8CDA14DE2B7}" dt="2023-10-25T13:13:08.215" v="752" actId="164"/>
+          <ac:spMkLst>
+            <pc:docMk/>
+            <pc:sldMk cId="1437384201" sldId="263"/>
+            <ac:spMk id="71" creationId="{01343516-7055-A96D-2B47-3652C38F628C}"/>
+          </ac:spMkLst>
+        </pc:spChg>
+        <pc:spChg chg="mod">
+          <ac:chgData name="Johann Bock Severin" userId="3b36179260fc8001" providerId="LiveId" clId="{EE02F971-86F5-428E-BC14-A8CDA14DE2B7}" dt="2023-10-25T13:13:08.215" v="752" actId="164"/>
+          <ac:spMkLst>
+            <pc:docMk/>
+            <pc:sldMk cId="1437384201" sldId="263"/>
+            <ac:spMk id="80" creationId="{3AE40769-3B4D-C325-B764-340C3DD48357}"/>
+          </ac:spMkLst>
+        </pc:spChg>
+        <pc:spChg chg="mod">
+          <ac:chgData name="Johann Bock Severin" userId="3b36179260fc8001" providerId="LiveId" clId="{EE02F971-86F5-428E-BC14-A8CDA14DE2B7}" dt="2023-10-25T13:13:08.215" v="752" actId="164"/>
+          <ac:spMkLst>
+            <pc:docMk/>
+            <pc:sldMk cId="1437384201" sldId="263"/>
+            <ac:spMk id="81" creationId="{7E37BEBB-0DE2-7448-CB80-D2FE96CFB427}"/>
+          </ac:spMkLst>
+        </pc:spChg>
+        <pc:spChg chg="mod">
+          <ac:chgData name="Johann Bock Severin" userId="3b36179260fc8001" providerId="LiveId" clId="{EE02F971-86F5-428E-BC14-A8CDA14DE2B7}" dt="2023-10-25T13:13:08.215" v="752" actId="164"/>
+          <ac:spMkLst>
+            <pc:docMk/>
+            <pc:sldMk cId="1437384201" sldId="263"/>
+            <ac:spMk id="86" creationId="{FA7E4111-6AB4-1661-1DA1-31FC027120D9}"/>
+          </ac:spMkLst>
+        </pc:spChg>
+        <pc:spChg chg="mod">
+          <ac:chgData name="Johann Bock Severin" userId="3b36179260fc8001" providerId="LiveId" clId="{EE02F971-86F5-428E-BC14-A8CDA14DE2B7}" dt="2023-10-25T13:13:08.215" v="752" actId="164"/>
+          <ac:spMkLst>
+            <pc:docMk/>
+            <pc:sldMk cId="1437384201" sldId="263"/>
+            <ac:spMk id="87" creationId="{0A08B800-52BF-5367-AFA3-65A2FBB302FF}"/>
+          </ac:spMkLst>
+        </pc:spChg>
+        <pc:spChg chg="mod">
+          <ac:chgData name="Johann Bock Severin" userId="3b36179260fc8001" providerId="LiveId" clId="{EE02F971-86F5-428E-BC14-A8CDA14DE2B7}" dt="2023-10-25T13:13:08.215" v="752" actId="164"/>
+          <ac:spMkLst>
+            <pc:docMk/>
+            <pc:sldMk cId="1437384201" sldId="263"/>
+            <ac:spMk id="88" creationId="{833894BC-43A4-7628-D7EC-A679A38F9483}"/>
+          </ac:spMkLst>
+        </pc:spChg>
+        <pc:spChg chg="mod">
+          <ac:chgData name="Johann Bock Severin" userId="3b36179260fc8001" providerId="LiveId" clId="{EE02F971-86F5-428E-BC14-A8CDA14DE2B7}" dt="2023-10-25T13:13:08.215" v="752" actId="164"/>
+          <ac:spMkLst>
+            <pc:docMk/>
+            <pc:sldMk cId="1437384201" sldId="263"/>
+            <ac:spMk id="89" creationId="{30E0EF2F-398C-C744-9200-E06FCA533CE1}"/>
+          </ac:spMkLst>
+        </pc:spChg>
+        <pc:spChg chg="mod">
+          <ac:chgData name="Johann Bock Severin" userId="3b36179260fc8001" providerId="LiveId" clId="{EE02F971-86F5-428E-BC14-A8CDA14DE2B7}" dt="2023-10-25T13:13:08.215" v="752" actId="164"/>
+          <ac:spMkLst>
+            <pc:docMk/>
+            <pc:sldMk cId="1437384201" sldId="263"/>
+            <ac:spMk id="90" creationId="{F527C900-210C-D8A3-E9A4-B49546996B16}"/>
+          </ac:spMkLst>
+        </pc:spChg>
+        <pc:spChg chg="mod">
+          <ac:chgData name="Johann Bock Severin" userId="3b36179260fc8001" providerId="LiveId" clId="{EE02F971-86F5-428E-BC14-A8CDA14DE2B7}" dt="2023-10-25T13:13:08.215" v="752" actId="164"/>
+          <ac:spMkLst>
+            <pc:docMk/>
+            <pc:sldMk cId="1437384201" sldId="263"/>
+            <ac:spMk id="92" creationId="{0868A02F-07D9-DBCA-BA05-5CA99D08A25E}"/>
+          </ac:spMkLst>
+        </pc:spChg>
+        <pc:spChg chg="mod">
+          <ac:chgData name="Johann Bock Severin" userId="3b36179260fc8001" providerId="LiveId" clId="{EE02F971-86F5-428E-BC14-A8CDA14DE2B7}" dt="2023-10-25T13:13:08.215" v="752" actId="164"/>
+          <ac:spMkLst>
+            <pc:docMk/>
+            <pc:sldMk cId="1437384201" sldId="263"/>
+            <ac:spMk id="93" creationId="{18982235-7E68-8594-0DA4-AE0C53B63B7B}"/>
+          </ac:spMkLst>
+        </pc:spChg>
+        <pc:spChg chg="mod">
+          <ac:chgData name="Johann Bock Severin" userId="3b36179260fc8001" providerId="LiveId" clId="{EE02F971-86F5-428E-BC14-A8CDA14DE2B7}" dt="2023-10-25T13:14:59.574" v="813" actId="20577"/>
+          <ac:spMkLst>
+            <pc:docMk/>
+            <pc:sldMk cId="1437384201" sldId="263"/>
+            <ac:spMk id="100" creationId="{2F0B204D-7CBE-B274-AA75-82B3C22FE45A}"/>
+          </ac:spMkLst>
+        </pc:spChg>
+        <pc:spChg chg="mod">
+          <ac:chgData name="Johann Bock Severin" userId="3b36179260fc8001" providerId="LiveId" clId="{EE02F971-86F5-428E-BC14-A8CDA14DE2B7}" dt="2023-10-25T13:13:08.215" v="752" actId="164"/>
+          <ac:spMkLst>
+            <pc:docMk/>
+            <pc:sldMk cId="1437384201" sldId="263"/>
+            <ac:spMk id="104" creationId="{83731DF1-6FA6-EFEA-6781-9601D65DDBCA}"/>
+          </ac:spMkLst>
+        </pc:spChg>
+        <pc:spChg chg="mod">
+          <ac:chgData name="Johann Bock Severin" userId="3b36179260fc8001" providerId="LiveId" clId="{EE02F971-86F5-428E-BC14-A8CDA14DE2B7}" dt="2023-10-25T13:13:08.215" v="752" actId="164"/>
+          <ac:spMkLst>
+            <pc:docMk/>
+            <pc:sldMk cId="1437384201" sldId="263"/>
+            <ac:spMk id="105" creationId="{822198D1-E128-C576-2008-11FC0572968F}"/>
+          </ac:spMkLst>
+        </pc:spChg>
+        <pc:spChg chg="mod">
+          <ac:chgData name="Johann Bock Severin" userId="3b36179260fc8001" providerId="LiveId" clId="{EE02F971-86F5-428E-BC14-A8CDA14DE2B7}" dt="2023-10-25T13:13:08.215" v="752" actId="164"/>
+          <ac:spMkLst>
+            <pc:docMk/>
+            <pc:sldMk cId="1437384201" sldId="263"/>
+            <ac:spMk id="106" creationId="{9F15DB8C-C87D-19FA-BFA0-04B4FDE0E476}"/>
+          </ac:spMkLst>
+        </pc:spChg>
+        <pc:grpChg chg="add mod">
+          <ac:chgData name="Johann Bock Severin" userId="3b36179260fc8001" providerId="LiveId" clId="{EE02F971-86F5-428E-BC14-A8CDA14DE2B7}" dt="2023-10-25T13:13:18.832" v="755" actId="1076"/>
+          <ac:grpSpMkLst>
+            <pc:docMk/>
+            <pc:sldMk cId="1437384201" sldId="263"/>
+            <ac:grpSpMk id="2" creationId="{6DDABC96-3125-6509-1813-C52792C30250}"/>
+          </ac:grpSpMkLst>
+        </pc:grpChg>
+        <pc:grpChg chg="mod">
+          <ac:chgData name="Johann Bock Severin" userId="3b36179260fc8001" providerId="LiveId" clId="{EE02F971-86F5-428E-BC14-A8CDA14DE2B7}" dt="2023-10-25T13:13:08.215" v="752" actId="164"/>
+          <ac:grpSpMkLst>
+            <pc:docMk/>
+            <pc:sldMk cId="1437384201" sldId="263"/>
+            <ac:grpSpMk id="34" creationId="{8EDF79A4-2A06-387B-C5B1-35CB1D2DAD6D}"/>
+          </ac:grpSpMkLst>
+        </pc:grpChg>
+        <pc:grpChg chg="mod">
+          <ac:chgData name="Johann Bock Severin" userId="3b36179260fc8001" providerId="LiveId" clId="{EE02F971-86F5-428E-BC14-A8CDA14DE2B7}" dt="2023-10-25T13:13:08.215" v="752" actId="164"/>
+          <ac:grpSpMkLst>
+            <pc:docMk/>
+            <pc:sldMk cId="1437384201" sldId="263"/>
+            <ac:grpSpMk id="36" creationId="{36A0EF80-6398-63FA-04B5-2B1D42E16300}"/>
+          </ac:grpSpMkLst>
+        </pc:grpChg>
+        <pc:grpChg chg="mod">
+          <ac:chgData name="Johann Bock Severin" userId="3b36179260fc8001" providerId="LiveId" clId="{EE02F971-86F5-428E-BC14-A8CDA14DE2B7}" dt="2023-10-25T13:13:08.215" v="752" actId="164"/>
+          <ac:grpSpMkLst>
+            <pc:docMk/>
+            <pc:sldMk cId="1437384201" sldId="263"/>
+            <ac:grpSpMk id="66" creationId="{F53D9C0E-6156-94BD-C9B4-5176BCA0E376}"/>
+          </ac:grpSpMkLst>
+        </pc:grpChg>
+        <pc:grpChg chg="mod">
+          <ac:chgData name="Johann Bock Severin" userId="3b36179260fc8001" providerId="LiveId" clId="{EE02F971-86F5-428E-BC14-A8CDA14DE2B7}" dt="2023-10-25T13:13:08.215" v="752" actId="164"/>
+          <ac:grpSpMkLst>
+            <pc:docMk/>
+            <pc:sldMk cId="1437384201" sldId="263"/>
+            <ac:grpSpMk id="74" creationId="{778A4B90-7A71-0FD5-4659-8B9295A30B63}"/>
+          </ac:grpSpMkLst>
+        </pc:grpChg>
+        <pc:grpChg chg="mod">
+          <ac:chgData name="Johann Bock Severin" userId="3b36179260fc8001" providerId="LiveId" clId="{EE02F971-86F5-428E-BC14-A8CDA14DE2B7}" dt="2023-10-25T13:13:08.215" v="752" actId="164"/>
+          <ac:grpSpMkLst>
+            <pc:docMk/>
+            <pc:sldMk cId="1437384201" sldId="263"/>
+            <ac:grpSpMk id="75" creationId="{1B66EA67-E79D-7A21-0ACB-C88499493655}"/>
+          </ac:grpSpMkLst>
+        </pc:grpChg>
+        <pc:picChg chg="del">
+          <ac:chgData name="Johann Bock Severin" userId="3b36179260fc8001" providerId="LiveId" clId="{EE02F971-86F5-428E-BC14-A8CDA14DE2B7}" dt="2023-10-25T13:13:01.755" v="751" actId="478"/>
+          <ac:picMkLst>
+            <pc:docMk/>
+            <pc:sldMk cId="1437384201" sldId="263"/>
+            <ac:picMk id="4" creationId="{9ADC8B20-D107-3413-184E-7673A894DC02}"/>
+          </ac:picMkLst>
+        </pc:picChg>
+        <pc:picChg chg="del">
+          <ac:chgData name="Johann Bock Severin" userId="3b36179260fc8001" providerId="LiveId" clId="{EE02F971-86F5-428E-BC14-A8CDA14DE2B7}" dt="2023-10-25T13:13:01.755" v="751" actId="478"/>
+          <ac:picMkLst>
+            <pc:docMk/>
+            <pc:sldMk cId="1437384201" sldId="263"/>
+            <ac:picMk id="9" creationId="{1CF72A15-EA38-4F91-F7AE-646348D1288A}"/>
+          </ac:picMkLst>
+        </pc:picChg>
+        <pc:picChg chg="del">
+          <ac:chgData name="Johann Bock Severin" userId="3b36179260fc8001" providerId="LiveId" clId="{EE02F971-86F5-428E-BC14-A8CDA14DE2B7}" dt="2023-10-25T13:13:01.755" v="751" actId="478"/>
+          <ac:picMkLst>
+            <pc:docMk/>
+            <pc:sldMk cId="1437384201" sldId="263"/>
+            <ac:picMk id="11" creationId="{02B366FE-83DA-FAD1-84CE-1A0B67C5FA5E}"/>
+          </ac:picMkLst>
+        </pc:picChg>
+        <pc:cxnChg chg="add mod">
+          <ac:chgData name="Johann Bock Severin" userId="3b36179260fc8001" providerId="LiveId" clId="{EE02F971-86F5-428E-BC14-A8CDA14DE2B7}" dt="2023-10-25T13:13:32.277" v="757" actId="1076"/>
+          <ac:cxnSpMkLst>
+            <pc:docMk/>
+            <pc:sldMk cId="1437384201" sldId="263"/>
+            <ac:cxnSpMk id="12" creationId="{35EFA669-D77E-B33F-9FE0-8ECEA6BF9F07}"/>
+          </ac:cxnSpMkLst>
+        </pc:cxnChg>
+        <pc:cxnChg chg="add mod">
+          <ac:chgData name="Johann Bock Severin" userId="3b36179260fc8001" providerId="LiveId" clId="{EE02F971-86F5-428E-BC14-A8CDA14DE2B7}" dt="2023-10-25T13:13:32.277" v="757" actId="1076"/>
+          <ac:cxnSpMkLst>
+            <pc:docMk/>
+            <pc:sldMk cId="1437384201" sldId="263"/>
+            <ac:cxnSpMk id="13" creationId="{20D7FBE4-4865-8C04-F285-1AB0C2E4C1FE}"/>
+          </ac:cxnSpMkLst>
+        </pc:cxnChg>
+        <pc:cxnChg chg="add mod">
+          <ac:chgData name="Johann Bock Severin" userId="3b36179260fc8001" providerId="LiveId" clId="{EE02F971-86F5-428E-BC14-A8CDA14DE2B7}" dt="2023-10-25T13:13:32.277" v="757" actId="1076"/>
+          <ac:cxnSpMkLst>
+            <pc:docMk/>
+            <pc:sldMk cId="1437384201" sldId="263"/>
+            <ac:cxnSpMk id="14" creationId="{CC4B40BE-B2B8-034D-592B-B119B9AB632F}"/>
+          </ac:cxnSpMkLst>
+        </pc:cxnChg>
+        <pc:cxnChg chg="mod">
+          <ac:chgData name="Johann Bock Severin" userId="3b36179260fc8001" providerId="LiveId" clId="{EE02F971-86F5-428E-BC14-A8CDA14DE2B7}" dt="2023-10-25T13:13:08.215" v="752" actId="164"/>
+          <ac:cxnSpMkLst>
+            <pc:docMk/>
+            <pc:sldMk cId="1437384201" sldId="263"/>
+            <ac:cxnSpMk id="15" creationId="{9D977361-63F5-59F1-28FD-5FA52BDF3252}"/>
+          </ac:cxnSpMkLst>
+        </pc:cxnChg>
+        <pc:cxnChg chg="add mod">
+          <ac:chgData name="Johann Bock Severin" userId="3b36179260fc8001" providerId="LiveId" clId="{EE02F971-86F5-428E-BC14-A8CDA14DE2B7}" dt="2023-10-25T13:13:32.277" v="757" actId="1076"/>
+          <ac:cxnSpMkLst>
+            <pc:docMk/>
+            <pc:sldMk cId="1437384201" sldId="263"/>
+            <ac:cxnSpMk id="17" creationId="{D9023950-EF0A-5C2D-BF39-2BC44369FE93}"/>
+          </ac:cxnSpMkLst>
+        </pc:cxnChg>
+        <pc:cxnChg chg="mod">
+          <ac:chgData name="Johann Bock Severin" userId="3b36179260fc8001" providerId="LiveId" clId="{EE02F971-86F5-428E-BC14-A8CDA14DE2B7}" dt="2023-10-25T13:13:08.215" v="752" actId="164"/>
+          <ac:cxnSpMkLst>
+            <pc:docMk/>
+            <pc:sldMk cId="1437384201" sldId="263"/>
+            <ac:cxnSpMk id="18" creationId="{08903E55-81D9-A41A-3D86-F5E77EB1FA2C}"/>
+          </ac:cxnSpMkLst>
+        </pc:cxnChg>
+        <pc:cxnChg chg="mod">
+          <ac:chgData name="Johann Bock Severin" userId="3b36179260fc8001" providerId="LiveId" clId="{EE02F971-86F5-428E-BC14-A8CDA14DE2B7}" dt="2023-10-25T13:13:08.215" v="752" actId="164"/>
+          <ac:cxnSpMkLst>
+            <pc:docMk/>
+            <pc:sldMk cId="1437384201" sldId="263"/>
+            <ac:cxnSpMk id="20" creationId="{3D1BA1DA-3AD4-DDCE-491D-1A0FF8DBA416}"/>
+          </ac:cxnSpMkLst>
+        </pc:cxnChg>
+        <pc:cxnChg chg="add mod">
+          <ac:chgData name="Johann Bock Severin" userId="3b36179260fc8001" providerId="LiveId" clId="{EE02F971-86F5-428E-BC14-A8CDA14DE2B7}" dt="2023-10-25T13:13:32.277" v="757" actId="1076"/>
+          <ac:cxnSpMkLst>
+            <pc:docMk/>
+            <pc:sldMk cId="1437384201" sldId="263"/>
+            <ac:cxnSpMk id="21" creationId="{029EF70F-6E40-801C-FC9D-443EAC899DA3}"/>
+          </ac:cxnSpMkLst>
+        </pc:cxnChg>
+        <pc:cxnChg chg="add mod">
+          <ac:chgData name="Johann Bock Severin" userId="3b36179260fc8001" providerId="LiveId" clId="{EE02F971-86F5-428E-BC14-A8CDA14DE2B7}" dt="2023-10-25T13:13:32.277" v="757" actId="1076"/>
+          <ac:cxnSpMkLst>
+            <pc:docMk/>
+            <pc:sldMk cId="1437384201" sldId="263"/>
+            <ac:cxnSpMk id="22" creationId="{9A8D356B-9C5F-B191-52D8-8441C5A94C58}"/>
+          </ac:cxnSpMkLst>
+        </pc:cxnChg>
+        <pc:cxnChg chg="add mod">
+          <ac:chgData name="Johann Bock Severin" userId="3b36179260fc8001" providerId="LiveId" clId="{EE02F971-86F5-428E-BC14-A8CDA14DE2B7}" dt="2023-10-25T13:13:32.277" v="757" actId="1076"/>
+          <ac:cxnSpMkLst>
+            <pc:docMk/>
+            <pc:sldMk cId="1437384201" sldId="263"/>
+            <ac:cxnSpMk id="35" creationId="{C31A148B-2617-2CEF-41D8-54BB964970DA}"/>
+          </ac:cxnSpMkLst>
+        </pc:cxnChg>
+        <pc:cxnChg chg="add mod">
+          <ac:chgData name="Johann Bock Severin" userId="3b36179260fc8001" providerId="LiveId" clId="{EE02F971-86F5-428E-BC14-A8CDA14DE2B7}" dt="2023-10-25T13:13:32.277" v="757" actId="1076"/>
+          <ac:cxnSpMkLst>
+            <pc:docMk/>
+            <pc:sldMk cId="1437384201" sldId="263"/>
+            <ac:cxnSpMk id="38" creationId="{270EBE33-329C-92A3-70B5-8F4AF9B3B1E5}"/>
+          </ac:cxnSpMkLst>
+        </pc:cxnChg>
+        <pc:cxnChg chg="add mod">
+          <ac:chgData name="Johann Bock Severin" userId="3b36179260fc8001" providerId="LiveId" clId="{EE02F971-86F5-428E-BC14-A8CDA14DE2B7}" dt="2023-10-25T13:13:32.277" v="757" actId="1076"/>
+          <ac:cxnSpMkLst>
+            <pc:docMk/>
+            <pc:sldMk cId="1437384201" sldId="263"/>
+            <ac:cxnSpMk id="39" creationId="{F4E0236C-7D1E-3DB3-BC47-319463E4413E}"/>
+          </ac:cxnSpMkLst>
+        </pc:cxnChg>
+        <pc:cxnChg chg="mod">
+          <ac:chgData name="Johann Bock Severin" userId="3b36179260fc8001" providerId="LiveId" clId="{EE02F971-86F5-428E-BC14-A8CDA14DE2B7}" dt="2023-10-25T13:13:08.215" v="752" actId="164"/>
+          <ac:cxnSpMkLst>
+            <pc:docMk/>
+            <pc:sldMk cId="1437384201" sldId="263"/>
+            <ac:cxnSpMk id="45" creationId="{20078CD1-E0AC-3798-3C07-E4B24781AF5A}"/>
+          </ac:cxnSpMkLst>
+        </pc:cxnChg>
+        <pc:cxnChg chg="mod">
+          <ac:chgData name="Johann Bock Severin" userId="3b36179260fc8001" providerId="LiveId" clId="{EE02F971-86F5-428E-BC14-A8CDA14DE2B7}" dt="2023-10-25T13:13:08.215" v="752" actId="164"/>
+          <ac:cxnSpMkLst>
+            <pc:docMk/>
+            <pc:sldMk cId="1437384201" sldId="263"/>
+            <ac:cxnSpMk id="67" creationId="{AB37608E-B069-941A-B94E-03B0D9A4C169}"/>
+          </ac:cxnSpMkLst>
+        </pc:cxnChg>
       </pc:sldChg>
       <pc:sldChg chg="del">
         <pc:chgData name="Johann Bock Severin" userId="3b36179260fc8001" providerId="LiveId" clId="{EE02F971-86F5-428E-BC14-A8CDA14DE2B7}" dt="2023-10-12T13:20:49.065" v="1" actId="47"/>
@@ -10707,58 +11955,6 @@
       </p:grpSpPr>
       <p:sp>
         <p:nvSpPr>
-          <p:cNvPr id="59" name="Rectangle 58">
-            <a:extLst>
-              <a:ext uri="{FF2B5EF4-FFF2-40B4-BE49-F238E27FC236}">
-                <a16:creationId xmlns:a16="http://schemas.microsoft.com/office/drawing/2014/main" id="{3FD39345-4398-2712-0603-439135989AAC}"/>
-              </a:ext>
-            </a:extLst>
-          </p:cNvPr>
-          <p:cNvSpPr/>
-          <p:nvPr/>
-        </p:nvSpPr>
-        <p:spPr>
-          <a:xfrm rot="10800000" flipH="1" flipV="1">
-            <a:off x="4620851" y="662943"/>
-            <a:ext cx="1314021" cy="3177541"/>
-          </a:xfrm>
-          <a:prstGeom prst="rect">
-            <a:avLst/>
-          </a:prstGeom>
-          <a:noFill/>
-          <a:ln w="38100">
-            <a:solidFill>
-              <a:schemeClr val="accent3"/>
-            </a:solidFill>
-          </a:ln>
-        </p:spPr>
-        <p:style>
-          <a:lnRef idx="2">
-            <a:schemeClr val="accent1">
-              <a:shade val="15000"/>
-            </a:schemeClr>
-          </a:lnRef>
-          <a:fillRef idx="1">
-            <a:schemeClr val="accent1"/>
-          </a:fillRef>
-          <a:effectRef idx="0">
-            <a:schemeClr val="accent1"/>
-          </a:effectRef>
-          <a:fontRef idx="minor">
-            <a:schemeClr val="lt1"/>
-          </a:fontRef>
-        </p:style>
-        <p:txBody>
-          <a:bodyPr rtlCol="0" anchor="ctr"/>
-          <a:lstStyle/>
-          <a:p>
-            <a:pPr algn="ctr"/>
-            <a:endParaRPr lang="en-DK"/>
-          </a:p>
-        </p:txBody>
-      </p:sp>
-      <p:sp>
-        <p:nvSpPr>
           <p:cNvPr id="60" name="Rectangle 59">
             <a:extLst>
               <a:ext uri="{FF2B5EF4-FFF2-40B4-BE49-F238E27FC236}">
@@ -10771,8 +11967,8 @@
         </p:nvSpPr>
         <p:spPr>
           <a:xfrm rot="10800000" flipH="1" flipV="1">
-            <a:off x="4501788" y="748668"/>
-            <a:ext cx="1557334" cy="3177541"/>
+            <a:off x="4572818" y="748668"/>
+            <a:ext cx="1486304" cy="3177541"/>
           </a:xfrm>
           <a:prstGeom prst="rect">
             <a:avLst/>
@@ -10781,58 +11977,6 @@
           <a:ln w="38100">
             <a:solidFill>
               <a:schemeClr val="accent3"/>
-            </a:solidFill>
-          </a:ln>
-        </p:spPr>
-        <p:style>
-          <a:lnRef idx="2">
-            <a:schemeClr val="accent1">
-              <a:shade val="15000"/>
-            </a:schemeClr>
-          </a:lnRef>
-          <a:fillRef idx="1">
-            <a:schemeClr val="accent1"/>
-          </a:fillRef>
-          <a:effectRef idx="0">
-            <a:schemeClr val="accent1"/>
-          </a:effectRef>
-          <a:fontRef idx="minor">
-            <a:schemeClr val="lt1"/>
-          </a:fontRef>
-        </p:style>
-        <p:txBody>
-          <a:bodyPr rtlCol="0" anchor="ctr"/>
-          <a:lstStyle/>
-          <a:p>
-            <a:pPr algn="ctr"/>
-            <a:endParaRPr lang="en-DK"/>
-          </a:p>
-        </p:txBody>
-      </p:sp>
-      <p:sp>
-        <p:nvSpPr>
-          <p:cNvPr id="57" name="Rectangle 56">
-            <a:extLst>
-              <a:ext uri="{FF2B5EF4-FFF2-40B4-BE49-F238E27FC236}">
-                <a16:creationId xmlns:a16="http://schemas.microsoft.com/office/drawing/2014/main" id="{E346330F-AB5E-2470-08A1-02FD04071A1B}"/>
-              </a:ext>
-            </a:extLst>
-          </p:cNvPr>
-          <p:cNvSpPr/>
-          <p:nvPr/>
-        </p:nvSpPr>
-        <p:spPr>
-          <a:xfrm rot="10800000" flipH="1" flipV="1">
-            <a:off x="3376821" y="893456"/>
-            <a:ext cx="3172974" cy="3177541"/>
-          </a:xfrm>
-          <a:prstGeom prst="rect">
-            <a:avLst/>
-          </a:prstGeom>
-          <a:noFill/>
-          <a:ln w="38100">
-            <a:solidFill>
-              <a:schemeClr val="accent2"/>
             </a:solidFill>
           </a:ln>
         </p:spPr>
@@ -10875,8 +12019,8 @@
         </p:nvSpPr>
         <p:spPr>
           <a:xfrm rot="10800000" flipH="1" flipV="1">
-            <a:off x="3301638" y="972506"/>
-            <a:ext cx="3321846" cy="3177541"/>
+            <a:off x="3343546" y="972506"/>
+            <a:ext cx="3279938" cy="3177541"/>
           </a:xfrm>
           <a:prstGeom prst="rect">
             <a:avLst/>
@@ -10885,58 +12029,6 @@
           <a:ln w="38100">
             <a:solidFill>
               <a:schemeClr val="accent2"/>
-            </a:solidFill>
-          </a:ln>
-        </p:spPr>
-        <p:style>
-          <a:lnRef idx="2">
-            <a:schemeClr val="accent1">
-              <a:shade val="15000"/>
-            </a:schemeClr>
-          </a:lnRef>
-          <a:fillRef idx="1">
-            <a:schemeClr val="accent1"/>
-          </a:fillRef>
-          <a:effectRef idx="0">
-            <a:schemeClr val="accent1"/>
-          </a:effectRef>
-          <a:fontRef idx="minor">
-            <a:schemeClr val="lt1"/>
-          </a:fontRef>
-        </p:style>
-        <p:txBody>
-          <a:bodyPr rtlCol="0" anchor="ctr"/>
-          <a:lstStyle/>
-          <a:p>
-            <a:pPr algn="ctr"/>
-            <a:endParaRPr lang="en-DK"/>
-          </a:p>
-        </p:txBody>
-      </p:sp>
-      <p:sp>
-        <p:nvSpPr>
-          <p:cNvPr id="56" name="Rectangle 55">
-            <a:extLst>
-              <a:ext uri="{FF2B5EF4-FFF2-40B4-BE49-F238E27FC236}">
-                <a16:creationId xmlns:a16="http://schemas.microsoft.com/office/drawing/2014/main" id="{C1D4D9A4-6DDE-355F-C146-D54C9B2FB3C9}"/>
-              </a:ext>
-            </a:extLst>
-          </p:cNvPr>
-          <p:cNvSpPr/>
-          <p:nvPr/>
-        </p:nvSpPr>
-        <p:spPr>
-          <a:xfrm rot="10800000" flipH="1" flipV="1">
-            <a:off x="2272938" y="1043944"/>
-            <a:ext cx="4716204" cy="3286123"/>
-          </a:xfrm>
-          <a:prstGeom prst="rect">
-            <a:avLst/>
-          </a:prstGeom>
-          <a:noFill/>
-          <a:ln w="38100">
-            <a:solidFill>
-              <a:schemeClr val="accent1"/>
             </a:solidFill>
           </a:ln>
         </p:spPr>
@@ -10979,8 +12071,8 @@
         </p:nvSpPr>
         <p:spPr>
           <a:xfrm rot="10800000" flipH="1" flipV="1">
-            <a:off x="2153875" y="1129669"/>
-            <a:ext cx="4937483" cy="3286123"/>
+            <a:off x="2224088" y="1087763"/>
+            <a:ext cx="4868883" cy="3286123"/>
           </a:xfrm>
           <a:prstGeom prst="rect">
             <a:avLst/>
@@ -11083,7 +12175,7 @@
         </p:nvSpPr>
         <p:spPr>
           <a:xfrm flipH="1">
-            <a:off x="1092265" y="2029858"/>
+            <a:off x="1221084" y="3720779"/>
             <a:ext cx="928459" cy="646331"/>
           </a:xfrm>
           <a:prstGeom prst="rect">
@@ -11553,7 +12645,7 @@
         </p:nvSpPr>
         <p:spPr>
           <a:xfrm rot="10800000" flipH="1" flipV="1">
-            <a:off x="2391728" y="2080277"/>
+            <a:off x="2421664" y="2056501"/>
             <a:ext cx="928459" cy="646331"/>
           </a:xfrm>
           <a:prstGeom prst="rect">
@@ -11595,7 +12687,7 @@
         </p:nvSpPr>
         <p:spPr>
           <a:xfrm rot="10800000" flipH="1" flipV="1">
-            <a:off x="3592695" y="2058507"/>
+            <a:off x="4735228" y="2158133"/>
             <a:ext cx="877163" cy="646331"/>
           </a:xfrm>
           <a:prstGeom prst="rect">
@@ -11623,10 +12715,7187 @@
           </a:p>
         </p:txBody>
       </p:sp>
+      <p:cxnSp>
+        <p:nvCxnSpPr>
+          <p:cNvPr id="67" name="Straight Arrow Connector 66">
+            <a:extLst>
+              <a:ext uri="{FF2B5EF4-FFF2-40B4-BE49-F238E27FC236}">
+                <a16:creationId xmlns:a16="http://schemas.microsoft.com/office/drawing/2014/main" id="{7EFD10A8-9470-2548-3A20-576597AF18A8}"/>
+              </a:ext>
+            </a:extLst>
+          </p:cNvPr>
+          <p:cNvCxnSpPr/>
+          <p:nvPr/>
+        </p:nvCxnSpPr>
+        <p:spPr>
+          <a:xfrm>
+            <a:off x="4736558" y="4373887"/>
+            <a:ext cx="645067" cy="0"/>
+          </a:xfrm>
+          <a:prstGeom prst="straightConnector1">
+            <a:avLst/>
+          </a:prstGeom>
+          <a:ln w="38100">
+            <a:tailEnd type="triangle"/>
+          </a:ln>
+        </p:spPr>
+        <p:style>
+          <a:lnRef idx="1">
+            <a:schemeClr val="accent1"/>
+          </a:lnRef>
+          <a:fillRef idx="0">
+            <a:schemeClr val="accent1"/>
+          </a:fillRef>
+          <a:effectRef idx="0">
+            <a:schemeClr val="accent1"/>
+          </a:effectRef>
+          <a:fontRef idx="minor">
+            <a:schemeClr val="tx1"/>
+          </a:fontRef>
+        </p:style>
+      </p:cxnSp>
+      <p:cxnSp>
+        <p:nvCxnSpPr>
+          <p:cNvPr id="68" name="Straight Arrow Connector 67">
+            <a:extLst>
+              <a:ext uri="{FF2B5EF4-FFF2-40B4-BE49-F238E27FC236}">
+                <a16:creationId xmlns:a16="http://schemas.microsoft.com/office/drawing/2014/main" id="{5A1E6964-7465-991F-0348-2E1179B357F3}"/>
+              </a:ext>
+            </a:extLst>
+          </p:cNvPr>
+          <p:cNvCxnSpPr/>
+          <p:nvPr/>
+        </p:nvCxnSpPr>
+        <p:spPr>
+          <a:xfrm>
+            <a:off x="4750845" y="4150048"/>
+            <a:ext cx="645067" cy="0"/>
+          </a:xfrm>
+          <a:prstGeom prst="straightConnector1">
+            <a:avLst/>
+          </a:prstGeom>
+          <a:ln w="38100">
+            <a:solidFill>
+              <a:schemeClr val="accent2"/>
+            </a:solidFill>
+            <a:tailEnd type="triangle"/>
+          </a:ln>
+        </p:spPr>
+        <p:style>
+          <a:lnRef idx="1">
+            <a:schemeClr val="accent1"/>
+          </a:lnRef>
+          <a:fillRef idx="0">
+            <a:schemeClr val="accent1"/>
+          </a:fillRef>
+          <a:effectRef idx="0">
+            <a:schemeClr val="accent1"/>
+          </a:effectRef>
+          <a:fontRef idx="minor">
+            <a:schemeClr val="tx1"/>
+          </a:fontRef>
+        </p:style>
+      </p:cxnSp>
+      <p:cxnSp>
+        <p:nvCxnSpPr>
+          <p:cNvPr id="69" name="Straight Arrow Connector 68">
+            <a:extLst>
+              <a:ext uri="{FF2B5EF4-FFF2-40B4-BE49-F238E27FC236}">
+                <a16:creationId xmlns:a16="http://schemas.microsoft.com/office/drawing/2014/main" id="{245DFCD0-5E7D-BF65-51DA-8D0A818FB205}"/>
+              </a:ext>
+            </a:extLst>
+          </p:cNvPr>
+          <p:cNvCxnSpPr>
+            <a:cxnSpLocks/>
+          </p:cNvCxnSpPr>
+          <p:nvPr/>
+        </p:nvCxnSpPr>
+        <p:spPr>
+          <a:xfrm flipH="1">
+            <a:off x="5231858" y="3926210"/>
+            <a:ext cx="645067" cy="0"/>
+          </a:xfrm>
+          <a:prstGeom prst="straightConnector1">
+            <a:avLst/>
+          </a:prstGeom>
+          <a:ln w="38100">
+            <a:solidFill>
+              <a:schemeClr val="accent3"/>
+            </a:solidFill>
+            <a:tailEnd type="triangle"/>
+          </a:ln>
+        </p:spPr>
+        <p:style>
+          <a:lnRef idx="1">
+            <a:schemeClr val="accent1"/>
+          </a:lnRef>
+          <a:fillRef idx="0">
+            <a:schemeClr val="accent1"/>
+          </a:fillRef>
+          <a:effectRef idx="0">
+            <a:schemeClr val="accent1"/>
+          </a:effectRef>
+          <a:fontRef idx="minor">
+            <a:schemeClr val="tx1"/>
+          </a:fontRef>
+        </p:style>
+      </p:cxnSp>
     </p:spTree>
     <p:extLst>
       <p:ext uri="{BB962C8B-B14F-4D97-AF65-F5344CB8AC3E}">
         <p14:creationId xmlns:p14="http://schemas.microsoft.com/office/powerpoint/2010/main" val="3173105583"/>
+      </p:ext>
+    </p:extLst>
+  </p:cSld>
+  <p:clrMapOvr>
+    <a:masterClrMapping/>
+  </p:clrMapOvr>
+  <mc:AlternateContent xmlns:mc="http://schemas.openxmlformats.org/markup-compatibility/2006" xmlns:p159="http://schemas.microsoft.com/office/powerpoint/2015/09/main">
+    <mc:Choice Requires="p159">
+      <p:transition>
+        <p159:morph option="byObject"/>
+      </p:transition>
+    </mc:Choice>
+    <mc:Fallback xmlns="">
+      <p:transition>
+        <p:fade/>
+      </p:transition>
+    </mc:Fallback>
+  </mc:AlternateContent>
+</p:sld>
+</file>
+
+<file path=ppt/slides/slide3.xml><?xml version="1.0" encoding="utf-8"?>
+<p:sld xmlns:a="http://schemas.openxmlformats.org/drawingml/2006/main" xmlns:r="http://schemas.openxmlformats.org/officeDocument/2006/relationships" xmlns:p="http://schemas.openxmlformats.org/presentationml/2006/main">
+  <p:cSld>
+    <p:spTree>
+      <p:nvGrpSpPr>
+        <p:cNvPr id="1" name=""/>
+        <p:cNvGrpSpPr/>
+        <p:nvPr/>
+      </p:nvGrpSpPr>
+      <p:grpSpPr>
+        <a:xfrm>
+          <a:off x="0" y="0"/>
+          <a:ext cx="0" cy="0"/>
+          <a:chOff x="0" y="0"/>
+          <a:chExt cx="0" cy="0"/>
+        </a:xfrm>
+      </p:grpSpPr>
+      <p:sp>
+        <p:nvSpPr>
+          <p:cNvPr id="104" name="Rectangle 103">
+            <a:extLst>
+              <a:ext uri="{FF2B5EF4-FFF2-40B4-BE49-F238E27FC236}">
+                <a16:creationId xmlns:a16="http://schemas.microsoft.com/office/drawing/2014/main" id="{83731DF1-6FA6-EFEA-6781-9601D65DDBCA}"/>
+              </a:ext>
+            </a:extLst>
+          </p:cNvPr>
+          <p:cNvSpPr/>
+          <p:nvPr/>
+        </p:nvSpPr>
+        <p:spPr>
+          <a:xfrm>
+            <a:off x="3118003" y="6057818"/>
+            <a:ext cx="1031945" cy="707023"/>
+          </a:xfrm>
+          <a:prstGeom prst="rect">
+            <a:avLst/>
+          </a:prstGeom>
+          <a:solidFill>
+            <a:schemeClr val="bg1"/>
+          </a:solidFill>
+          <a:ln w="38100">
+            <a:solidFill>
+              <a:schemeClr val="accent3"/>
+            </a:solidFill>
+          </a:ln>
+        </p:spPr>
+        <p:style>
+          <a:lnRef idx="2">
+            <a:schemeClr val="accent1">
+              <a:shade val="15000"/>
+            </a:schemeClr>
+          </a:lnRef>
+          <a:fillRef idx="1">
+            <a:schemeClr val="accent1"/>
+          </a:fillRef>
+          <a:effectRef idx="0">
+            <a:schemeClr val="accent1"/>
+          </a:effectRef>
+          <a:fontRef idx="minor">
+            <a:schemeClr val="lt1"/>
+          </a:fontRef>
+        </p:style>
+        <p:txBody>
+          <a:bodyPr rtlCol="0" anchor="ctr"/>
+          <a:lstStyle/>
+          <a:p>
+            <a:pPr algn="ctr"/>
+            <a:endParaRPr lang="en-DK"/>
+          </a:p>
+        </p:txBody>
+      </p:sp>
+      <p:sp>
+        <p:nvSpPr>
+          <p:cNvPr id="105" name="Rectangle 104">
+            <a:extLst>
+              <a:ext uri="{FF2B5EF4-FFF2-40B4-BE49-F238E27FC236}">
+                <a16:creationId xmlns:a16="http://schemas.microsoft.com/office/drawing/2014/main" id="{822198D1-E128-C576-2008-11FC0572968F}"/>
+              </a:ext>
+            </a:extLst>
+          </p:cNvPr>
+          <p:cNvSpPr/>
+          <p:nvPr/>
+        </p:nvSpPr>
+        <p:spPr>
+          <a:xfrm>
+            <a:off x="3392986" y="5703123"/>
+            <a:ext cx="720929" cy="707023"/>
+          </a:xfrm>
+          <a:prstGeom prst="rect">
+            <a:avLst/>
+          </a:prstGeom>
+          <a:solidFill>
+            <a:schemeClr val="bg1"/>
+          </a:solidFill>
+          <a:ln w="38100">
+            <a:noFill/>
+          </a:ln>
+        </p:spPr>
+        <p:style>
+          <a:lnRef idx="2">
+            <a:schemeClr val="accent1">
+              <a:shade val="15000"/>
+            </a:schemeClr>
+          </a:lnRef>
+          <a:fillRef idx="1">
+            <a:schemeClr val="accent1"/>
+          </a:fillRef>
+          <a:effectRef idx="0">
+            <a:schemeClr val="accent1"/>
+          </a:effectRef>
+          <a:fontRef idx="minor">
+            <a:schemeClr val="lt1"/>
+          </a:fontRef>
+        </p:style>
+        <p:txBody>
+          <a:bodyPr rtlCol="0" anchor="ctr"/>
+          <a:lstStyle/>
+          <a:p>
+            <a:pPr algn="ctr"/>
+            <a:endParaRPr lang="en-DK"/>
+          </a:p>
+        </p:txBody>
+      </p:sp>
+      <p:pic>
+        <p:nvPicPr>
+          <p:cNvPr id="4" name="Picture 3">
+            <a:extLst>
+              <a:ext uri="{FF2B5EF4-FFF2-40B4-BE49-F238E27FC236}">
+                <a16:creationId xmlns:a16="http://schemas.microsoft.com/office/drawing/2014/main" id="{9ADC8B20-D107-3413-184E-7673A894DC02}"/>
+              </a:ext>
+            </a:extLst>
+          </p:cNvPr>
+          <p:cNvPicPr>
+            <a:picLocks noChangeAspect="1"/>
+          </p:cNvPicPr>
+          <p:nvPr/>
+        </p:nvPicPr>
+        <p:blipFill>
+          <a:blip r:embed="rId2"/>
+          <a:stretch>
+            <a:fillRect/>
+          </a:stretch>
+        </p:blipFill>
+        <p:spPr>
+          <a:xfrm>
+            <a:off x="9289452" y="364540"/>
+            <a:ext cx="1104929" cy="4267312"/>
+          </a:xfrm>
+          <a:prstGeom prst="rect">
+            <a:avLst/>
+          </a:prstGeom>
+        </p:spPr>
+      </p:pic>
+      <p:pic>
+        <p:nvPicPr>
+          <p:cNvPr id="9" name="Picture 8">
+            <a:extLst>
+              <a:ext uri="{FF2B5EF4-FFF2-40B4-BE49-F238E27FC236}">
+                <a16:creationId xmlns:a16="http://schemas.microsoft.com/office/drawing/2014/main" id="{1CF72A15-EA38-4F91-F7AE-646348D1288A}"/>
+              </a:ext>
+            </a:extLst>
+          </p:cNvPr>
+          <p:cNvPicPr>
+            <a:picLocks noChangeAspect="1"/>
+          </p:cNvPicPr>
+          <p:nvPr/>
+        </p:nvPicPr>
+        <p:blipFill>
+          <a:blip r:embed="rId3"/>
+          <a:stretch>
+            <a:fillRect/>
+          </a:stretch>
+        </p:blipFill>
+        <p:spPr>
+          <a:xfrm>
+            <a:off x="5683976" y="-3077851"/>
+            <a:ext cx="1254394" cy="8153558"/>
+          </a:xfrm>
+          <a:prstGeom prst="rect">
+            <a:avLst/>
+          </a:prstGeom>
+        </p:spPr>
+      </p:pic>
+      <p:pic>
+        <p:nvPicPr>
+          <p:cNvPr id="11" name="Picture 10">
+            <a:extLst>
+              <a:ext uri="{FF2B5EF4-FFF2-40B4-BE49-F238E27FC236}">
+                <a16:creationId xmlns:a16="http://schemas.microsoft.com/office/drawing/2014/main" id="{02B366FE-83DA-FAD1-84CE-1A0B67C5FA5E}"/>
+              </a:ext>
+            </a:extLst>
+          </p:cNvPr>
+          <p:cNvPicPr>
+            <a:picLocks noChangeAspect="1"/>
+          </p:cNvPicPr>
+          <p:nvPr/>
+        </p:nvPicPr>
+        <p:blipFill>
+          <a:blip r:embed="rId4"/>
+          <a:stretch>
+            <a:fillRect/>
+          </a:stretch>
+        </p:blipFill>
+        <p:spPr>
+          <a:xfrm>
+            <a:off x="8235633" y="951972"/>
+            <a:ext cx="883119" cy="3819807"/>
+          </a:xfrm>
+          <a:prstGeom prst="rect">
+            <a:avLst/>
+          </a:prstGeom>
+        </p:spPr>
+      </p:pic>
+      <p:cxnSp>
+        <p:nvCxnSpPr>
+          <p:cNvPr id="15" name="Straight Arrow Connector 14">
+            <a:extLst>
+              <a:ext uri="{FF2B5EF4-FFF2-40B4-BE49-F238E27FC236}">
+                <a16:creationId xmlns:a16="http://schemas.microsoft.com/office/drawing/2014/main" id="{9D977361-63F5-59F1-28FD-5FA52BDF3252}"/>
+              </a:ext>
+            </a:extLst>
+          </p:cNvPr>
+          <p:cNvCxnSpPr>
+            <a:cxnSpLocks/>
+          </p:cNvCxnSpPr>
+          <p:nvPr/>
+        </p:nvCxnSpPr>
+        <p:spPr>
+          <a:xfrm>
+            <a:off x="1209675" y="1095375"/>
+            <a:ext cx="0" cy="3747265"/>
+          </a:xfrm>
+          <a:prstGeom prst="straightConnector1">
+            <a:avLst/>
+          </a:prstGeom>
+          <a:ln w="76200">
+            <a:solidFill>
+              <a:schemeClr val="tx1">
+                <a:lumMod val="65000"/>
+                <a:lumOff val="35000"/>
+              </a:schemeClr>
+            </a:solidFill>
+            <a:tailEnd type="triangle"/>
+          </a:ln>
+        </p:spPr>
+        <p:style>
+          <a:lnRef idx="1">
+            <a:schemeClr val="accent1"/>
+          </a:lnRef>
+          <a:fillRef idx="0">
+            <a:schemeClr val="accent1"/>
+          </a:fillRef>
+          <a:effectRef idx="0">
+            <a:schemeClr val="accent1"/>
+          </a:effectRef>
+          <a:fontRef idx="minor">
+            <a:schemeClr val="tx1"/>
+          </a:fontRef>
+        </p:style>
+      </p:cxnSp>
+      <p:sp>
+        <p:nvSpPr>
+          <p:cNvPr id="16" name="TextBox 15">
+            <a:extLst>
+              <a:ext uri="{FF2B5EF4-FFF2-40B4-BE49-F238E27FC236}">
+                <a16:creationId xmlns:a16="http://schemas.microsoft.com/office/drawing/2014/main" id="{B294CAFC-D61D-46C0-D58C-473F4AB88140}"/>
+              </a:ext>
+            </a:extLst>
+          </p:cNvPr>
+          <p:cNvSpPr txBox="1"/>
+          <p:nvPr/>
+        </p:nvSpPr>
+        <p:spPr>
+          <a:xfrm rot="5400000" flipH="1" flipV="1">
+            <a:off x="96720" y="2504363"/>
+            <a:ext cx="1712186" cy="369332"/>
+          </a:xfrm>
+          <a:prstGeom prst="rect">
+            <a:avLst/>
+          </a:prstGeom>
+          <a:noFill/>
+        </p:spPr>
+        <p:txBody>
+          <a:bodyPr wrap="square" rtlCol="0">
+            <a:spAutoFit/>
+          </a:bodyPr>
+          <a:lstStyle/>
+          <a:p>
+            <a:r>
+              <a:rPr lang="en-US" dirty="0"/>
+              <a:t>Cooling</a:t>
+            </a:r>
+            <a:endParaRPr lang="en-DK" dirty="0"/>
+          </a:p>
+        </p:txBody>
+      </p:sp>
+      <p:cxnSp>
+        <p:nvCxnSpPr>
+          <p:cNvPr id="18" name="Straight Connector 17">
+            <a:extLst>
+              <a:ext uri="{FF2B5EF4-FFF2-40B4-BE49-F238E27FC236}">
+                <a16:creationId xmlns:a16="http://schemas.microsoft.com/office/drawing/2014/main" id="{08903E55-81D9-A41A-3D86-F5E77EB1FA2C}"/>
+              </a:ext>
+            </a:extLst>
+          </p:cNvPr>
+          <p:cNvCxnSpPr/>
+          <p:nvPr/>
+        </p:nvCxnSpPr>
+        <p:spPr>
+          <a:xfrm>
+            <a:off x="952813" y="1095375"/>
+            <a:ext cx="3471862" cy="0"/>
+          </a:xfrm>
+          <a:prstGeom prst="line">
+            <a:avLst/>
+          </a:prstGeom>
+          <a:ln w="28575">
+            <a:solidFill>
+              <a:schemeClr val="tx1">
+                <a:lumMod val="65000"/>
+                <a:lumOff val="35000"/>
+              </a:schemeClr>
+            </a:solidFill>
+            <a:prstDash val="dash"/>
+          </a:ln>
+        </p:spPr>
+        <p:style>
+          <a:lnRef idx="1">
+            <a:schemeClr val="accent1"/>
+          </a:lnRef>
+          <a:fillRef idx="0">
+            <a:schemeClr val="accent1"/>
+          </a:fillRef>
+          <a:effectRef idx="0">
+            <a:schemeClr val="accent1"/>
+          </a:effectRef>
+          <a:fontRef idx="minor">
+            <a:schemeClr val="tx1"/>
+          </a:fontRef>
+        </p:style>
+      </p:cxnSp>
+      <p:sp>
+        <p:nvSpPr>
+          <p:cNvPr id="19" name="TextBox 18">
+            <a:extLst>
+              <a:ext uri="{FF2B5EF4-FFF2-40B4-BE49-F238E27FC236}">
+                <a16:creationId xmlns:a16="http://schemas.microsoft.com/office/drawing/2014/main" id="{D0B6500D-530D-F5E9-B66B-B711042FB66D}"/>
+              </a:ext>
+            </a:extLst>
+          </p:cNvPr>
+          <p:cNvSpPr txBox="1"/>
+          <p:nvPr/>
+        </p:nvSpPr>
+        <p:spPr>
+          <a:xfrm>
+            <a:off x="4442691" y="941486"/>
+            <a:ext cx="1711622" cy="307777"/>
+          </a:xfrm>
+          <a:prstGeom prst="rect">
+            <a:avLst/>
+          </a:prstGeom>
+          <a:noFill/>
+        </p:spPr>
+        <p:txBody>
+          <a:bodyPr wrap="none" rtlCol="0">
+            <a:spAutoFit/>
+          </a:bodyPr>
+          <a:lstStyle/>
+          <a:p>
+            <a:r>
+              <a:rPr lang="en-US" sz="1400" dirty="0"/>
+              <a:t>Room Temperature</a:t>
+            </a:r>
+            <a:endParaRPr lang="en-DK" sz="1400" dirty="0"/>
+          </a:p>
+        </p:txBody>
+      </p:sp>
+      <p:cxnSp>
+        <p:nvCxnSpPr>
+          <p:cNvPr id="20" name="Straight Connector 19">
+            <a:extLst>
+              <a:ext uri="{FF2B5EF4-FFF2-40B4-BE49-F238E27FC236}">
+                <a16:creationId xmlns:a16="http://schemas.microsoft.com/office/drawing/2014/main" id="{3D1BA1DA-3AD4-DDCE-491D-1A0FF8DBA416}"/>
+              </a:ext>
+            </a:extLst>
+          </p:cNvPr>
+          <p:cNvCxnSpPr>
+            <a:cxnSpLocks/>
+          </p:cNvCxnSpPr>
+          <p:nvPr/>
+        </p:nvCxnSpPr>
+        <p:spPr>
+          <a:xfrm>
+            <a:off x="2101786" y="885826"/>
+            <a:ext cx="0" cy="4929194"/>
+          </a:xfrm>
+          <a:prstGeom prst="line">
+            <a:avLst/>
+          </a:prstGeom>
+          <a:ln w="28575">
+            <a:solidFill>
+              <a:schemeClr val="accent1"/>
+            </a:solidFill>
+            <a:prstDash val="solid"/>
+          </a:ln>
+        </p:spPr>
+        <p:style>
+          <a:lnRef idx="1">
+            <a:schemeClr val="accent1"/>
+          </a:lnRef>
+          <a:fillRef idx="0">
+            <a:schemeClr val="accent1"/>
+          </a:fillRef>
+          <a:effectRef idx="0">
+            <a:schemeClr val="accent1"/>
+          </a:effectRef>
+          <a:fontRef idx="minor">
+            <a:schemeClr val="tx1"/>
+          </a:fontRef>
+        </p:style>
+      </p:cxnSp>
+      <p:sp>
+        <p:nvSpPr>
+          <p:cNvPr id="23" name="Rectangle 22">
+            <a:extLst>
+              <a:ext uri="{FF2B5EF4-FFF2-40B4-BE49-F238E27FC236}">
+                <a16:creationId xmlns:a16="http://schemas.microsoft.com/office/drawing/2014/main" id="{A0DE5F7A-F405-3DE2-3788-EEDE6C59ACE9}"/>
+              </a:ext>
+            </a:extLst>
+          </p:cNvPr>
+          <p:cNvSpPr/>
+          <p:nvPr/>
+        </p:nvSpPr>
+        <p:spPr>
+          <a:xfrm rot="5400000">
+            <a:off x="1868860" y="1371115"/>
+            <a:ext cx="457199" cy="213496"/>
+          </a:xfrm>
+          <a:prstGeom prst="rect">
+            <a:avLst/>
+          </a:prstGeom>
+          <a:solidFill>
+            <a:schemeClr val="bg1"/>
+          </a:solidFill>
+          <a:ln w="38100">
+            <a:solidFill>
+              <a:schemeClr val="accent1"/>
+            </a:solidFill>
+          </a:ln>
+        </p:spPr>
+        <p:style>
+          <a:lnRef idx="2">
+            <a:schemeClr val="accent1">
+              <a:shade val="15000"/>
+            </a:schemeClr>
+          </a:lnRef>
+          <a:fillRef idx="1">
+            <a:schemeClr val="accent1"/>
+          </a:fillRef>
+          <a:effectRef idx="0">
+            <a:schemeClr val="accent1"/>
+          </a:effectRef>
+          <a:fontRef idx="minor">
+            <a:schemeClr val="lt1"/>
+          </a:fontRef>
+        </p:style>
+        <p:txBody>
+          <a:bodyPr rtlCol="0" anchor="ctr"/>
+          <a:lstStyle/>
+          <a:p>
+            <a:pPr algn="ctr"/>
+            <a:r>
+              <a:rPr lang="en-US" sz="700" dirty="0">
+                <a:solidFill>
+                  <a:schemeClr val="tx1"/>
+                </a:solidFill>
+              </a:rPr>
+              <a:t>-10 dB</a:t>
+            </a:r>
+            <a:endParaRPr lang="en-DK" sz="700" dirty="0">
+              <a:solidFill>
+                <a:schemeClr val="tx1"/>
+              </a:solidFill>
+            </a:endParaRPr>
+          </a:p>
+        </p:txBody>
+      </p:sp>
+      <p:sp>
+        <p:nvSpPr>
+          <p:cNvPr id="24" name="Rectangle 23">
+            <a:extLst>
+              <a:ext uri="{FF2B5EF4-FFF2-40B4-BE49-F238E27FC236}">
+                <a16:creationId xmlns:a16="http://schemas.microsoft.com/office/drawing/2014/main" id="{E9267A9E-D9F2-7E21-D503-1F6F7574C1EA}"/>
+              </a:ext>
+            </a:extLst>
+          </p:cNvPr>
+          <p:cNvSpPr/>
+          <p:nvPr/>
+        </p:nvSpPr>
+        <p:spPr>
+          <a:xfrm rot="5400000">
+            <a:off x="1872793" y="1923567"/>
+            <a:ext cx="457199" cy="213496"/>
+          </a:xfrm>
+          <a:prstGeom prst="rect">
+            <a:avLst/>
+          </a:prstGeom>
+          <a:solidFill>
+            <a:schemeClr val="bg1"/>
+          </a:solidFill>
+          <a:ln w="38100">
+            <a:solidFill>
+              <a:schemeClr val="accent1"/>
+            </a:solidFill>
+          </a:ln>
+        </p:spPr>
+        <p:style>
+          <a:lnRef idx="2">
+            <a:schemeClr val="accent1">
+              <a:shade val="15000"/>
+            </a:schemeClr>
+          </a:lnRef>
+          <a:fillRef idx="1">
+            <a:schemeClr val="accent1"/>
+          </a:fillRef>
+          <a:effectRef idx="0">
+            <a:schemeClr val="accent1"/>
+          </a:effectRef>
+          <a:fontRef idx="minor">
+            <a:schemeClr val="lt1"/>
+          </a:fontRef>
+        </p:style>
+        <p:txBody>
+          <a:bodyPr rtlCol="0" anchor="ctr"/>
+          <a:lstStyle/>
+          <a:p>
+            <a:pPr algn="ctr"/>
+            <a:r>
+              <a:rPr lang="en-US" sz="700" dirty="0">
+                <a:solidFill>
+                  <a:schemeClr val="tx1"/>
+                </a:solidFill>
+              </a:rPr>
+              <a:t>-10 dB</a:t>
+            </a:r>
+            <a:endParaRPr lang="en-DK" sz="700" dirty="0">
+              <a:solidFill>
+                <a:schemeClr val="tx1"/>
+              </a:solidFill>
+            </a:endParaRPr>
+          </a:p>
+        </p:txBody>
+      </p:sp>
+      <p:sp>
+        <p:nvSpPr>
+          <p:cNvPr id="25" name="Rectangle 24">
+            <a:extLst>
+              <a:ext uri="{FF2B5EF4-FFF2-40B4-BE49-F238E27FC236}">
+                <a16:creationId xmlns:a16="http://schemas.microsoft.com/office/drawing/2014/main" id="{848C473F-93BB-82B4-5FB4-1333482BFF6D}"/>
+              </a:ext>
+            </a:extLst>
+          </p:cNvPr>
+          <p:cNvSpPr/>
+          <p:nvPr/>
+        </p:nvSpPr>
+        <p:spPr>
+          <a:xfrm rot="5400000">
+            <a:off x="1868859" y="2582281"/>
+            <a:ext cx="457199" cy="213496"/>
+          </a:xfrm>
+          <a:prstGeom prst="rect">
+            <a:avLst/>
+          </a:prstGeom>
+          <a:solidFill>
+            <a:schemeClr val="bg1"/>
+          </a:solidFill>
+          <a:ln w="38100">
+            <a:solidFill>
+              <a:schemeClr val="accent1"/>
+            </a:solidFill>
+          </a:ln>
+        </p:spPr>
+        <p:style>
+          <a:lnRef idx="2">
+            <a:schemeClr val="accent1">
+              <a:shade val="15000"/>
+            </a:schemeClr>
+          </a:lnRef>
+          <a:fillRef idx="1">
+            <a:schemeClr val="accent1"/>
+          </a:fillRef>
+          <a:effectRef idx="0">
+            <a:schemeClr val="accent1"/>
+          </a:effectRef>
+          <a:fontRef idx="minor">
+            <a:schemeClr val="lt1"/>
+          </a:fontRef>
+        </p:style>
+        <p:txBody>
+          <a:bodyPr rtlCol="0" anchor="ctr"/>
+          <a:lstStyle/>
+          <a:p>
+            <a:pPr algn="ctr"/>
+            <a:r>
+              <a:rPr lang="en-US" sz="700" dirty="0">
+                <a:solidFill>
+                  <a:schemeClr val="tx1"/>
+                </a:solidFill>
+              </a:rPr>
+              <a:t>0 dB</a:t>
+            </a:r>
+            <a:endParaRPr lang="en-DK" sz="700" dirty="0">
+              <a:solidFill>
+                <a:schemeClr val="tx1"/>
+              </a:solidFill>
+            </a:endParaRPr>
+          </a:p>
+        </p:txBody>
+      </p:sp>
+      <p:sp>
+        <p:nvSpPr>
+          <p:cNvPr id="26" name="Rectangle 25">
+            <a:extLst>
+              <a:ext uri="{FF2B5EF4-FFF2-40B4-BE49-F238E27FC236}">
+                <a16:creationId xmlns:a16="http://schemas.microsoft.com/office/drawing/2014/main" id="{09087097-F69E-97B8-0362-B4CFFC3D4C9F}"/>
+              </a:ext>
+            </a:extLst>
+          </p:cNvPr>
+          <p:cNvSpPr/>
+          <p:nvPr/>
+        </p:nvSpPr>
+        <p:spPr>
+          <a:xfrm rot="5400000">
+            <a:off x="1868859" y="3240994"/>
+            <a:ext cx="457199" cy="213496"/>
+          </a:xfrm>
+          <a:prstGeom prst="rect">
+            <a:avLst/>
+          </a:prstGeom>
+          <a:solidFill>
+            <a:schemeClr val="bg1"/>
+          </a:solidFill>
+          <a:ln w="38100">
+            <a:solidFill>
+              <a:schemeClr val="accent1"/>
+            </a:solidFill>
+          </a:ln>
+        </p:spPr>
+        <p:style>
+          <a:lnRef idx="2">
+            <a:schemeClr val="accent1">
+              <a:shade val="15000"/>
+            </a:schemeClr>
+          </a:lnRef>
+          <a:fillRef idx="1">
+            <a:schemeClr val="accent1"/>
+          </a:fillRef>
+          <a:effectRef idx="0">
+            <a:schemeClr val="accent1"/>
+          </a:effectRef>
+          <a:fontRef idx="minor">
+            <a:schemeClr val="lt1"/>
+          </a:fontRef>
+        </p:style>
+        <p:txBody>
+          <a:bodyPr rtlCol="0" anchor="ctr"/>
+          <a:lstStyle/>
+          <a:p>
+            <a:pPr algn="ctr"/>
+            <a:r>
+              <a:rPr lang="en-US" sz="700" dirty="0">
+                <a:solidFill>
+                  <a:schemeClr val="tx1"/>
+                </a:solidFill>
+              </a:rPr>
+              <a:t>-10 dB</a:t>
+            </a:r>
+            <a:endParaRPr lang="en-DK" sz="700" dirty="0">
+              <a:solidFill>
+                <a:schemeClr val="tx1"/>
+              </a:solidFill>
+            </a:endParaRPr>
+          </a:p>
+        </p:txBody>
+      </p:sp>
+      <p:sp>
+        <p:nvSpPr>
+          <p:cNvPr id="27" name="Rectangle 26">
+            <a:extLst>
+              <a:ext uri="{FF2B5EF4-FFF2-40B4-BE49-F238E27FC236}">
+                <a16:creationId xmlns:a16="http://schemas.microsoft.com/office/drawing/2014/main" id="{1C8E3865-2771-8F51-F03F-03DA34899C26}"/>
+              </a:ext>
+            </a:extLst>
+          </p:cNvPr>
+          <p:cNvSpPr/>
+          <p:nvPr/>
+        </p:nvSpPr>
+        <p:spPr>
+          <a:xfrm rot="5400000">
+            <a:off x="1872792" y="3793446"/>
+            <a:ext cx="457199" cy="213496"/>
+          </a:xfrm>
+          <a:prstGeom prst="rect">
+            <a:avLst/>
+          </a:prstGeom>
+          <a:solidFill>
+            <a:schemeClr val="bg1"/>
+          </a:solidFill>
+          <a:ln w="38100">
+            <a:solidFill>
+              <a:schemeClr val="accent1"/>
+            </a:solidFill>
+          </a:ln>
+        </p:spPr>
+        <p:style>
+          <a:lnRef idx="2">
+            <a:schemeClr val="accent1">
+              <a:shade val="15000"/>
+            </a:schemeClr>
+          </a:lnRef>
+          <a:fillRef idx="1">
+            <a:schemeClr val="accent1"/>
+          </a:fillRef>
+          <a:effectRef idx="0">
+            <a:schemeClr val="accent1"/>
+          </a:effectRef>
+          <a:fontRef idx="minor">
+            <a:schemeClr val="lt1"/>
+          </a:fontRef>
+        </p:style>
+        <p:txBody>
+          <a:bodyPr rtlCol="0" anchor="ctr"/>
+          <a:lstStyle/>
+          <a:p>
+            <a:pPr algn="ctr"/>
+            <a:r>
+              <a:rPr lang="en-US" sz="700" dirty="0">
+                <a:solidFill>
+                  <a:schemeClr val="tx1"/>
+                </a:solidFill>
+              </a:rPr>
+              <a:t>-10 dB</a:t>
+            </a:r>
+            <a:endParaRPr lang="en-DK" sz="700" dirty="0">
+              <a:solidFill>
+                <a:schemeClr val="tx1"/>
+              </a:solidFill>
+            </a:endParaRPr>
+          </a:p>
+        </p:txBody>
+      </p:sp>
+      <p:grpSp>
+        <p:nvGrpSpPr>
+          <p:cNvPr id="34" name="Group 33">
+            <a:extLst>
+              <a:ext uri="{FF2B5EF4-FFF2-40B4-BE49-F238E27FC236}">
+                <a16:creationId xmlns:a16="http://schemas.microsoft.com/office/drawing/2014/main" id="{8EDF79A4-2A06-387B-C5B1-35CB1D2DAD6D}"/>
+              </a:ext>
+            </a:extLst>
+          </p:cNvPr>
+          <p:cNvGrpSpPr/>
+          <p:nvPr/>
+        </p:nvGrpSpPr>
+        <p:grpSpPr>
+          <a:xfrm rot="5400000">
+            <a:off x="1868858" y="4405691"/>
+            <a:ext cx="457199" cy="213496"/>
+            <a:chOff x="3298646" y="1945539"/>
+            <a:chExt cx="457199" cy="213496"/>
+          </a:xfrm>
+        </p:grpSpPr>
+        <p:sp>
+          <p:nvSpPr>
+            <p:cNvPr id="28" name="Rectangle 27">
+              <a:extLst>
+                <a:ext uri="{FF2B5EF4-FFF2-40B4-BE49-F238E27FC236}">
+                  <a16:creationId xmlns:a16="http://schemas.microsoft.com/office/drawing/2014/main" id="{83BE8490-F1DE-AC73-2EE9-DC791018D22D}"/>
+                </a:ext>
+              </a:extLst>
+            </p:cNvPr>
+            <p:cNvSpPr/>
+            <p:nvPr/>
+          </p:nvSpPr>
+          <p:spPr>
+            <a:xfrm>
+              <a:off x="3298646" y="1945539"/>
+              <a:ext cx="457199" cy="213496"/>
+            </a:xfrm>
+            <a:prstGeom prst="rect">
+              <a:avLst/>
+            </a:prstGeom>
+            <a:solidFill>
+              <a:schemeClr val="bg1"/>
+            </a:solidFill>
+            <a:ln w="38100">
+              <a:solidFill>
+                <a:schemeClr val="accent1"/>
+              </a:solidFill>
+            </a:ln>
+          </p:spPr>
+          <p:style>
+            <a:lnRef idx="2">
+              <a:schemeClr val="accent1">
+                <a:shade val="15000"/>
+              </a:schemeClr>
+            </a:lnRef>
+            <a:fillRef idx="1">
+              <a:schemeClr val="accent1"/>
+            </a:fillRef>
+            <a:effectRef idx="0">
+              <a:schemeClr val="accent1"/>
+            </a:effectRef>
+            <a:fontRef idx="minor">
+              <a:schemeClr val="lt1"/>
+            </a:fontRef>
+          </p:style>
+          <p:txBody>
+            <a:bodyPr rtlCol="0" anchor="b"/>
+            <a:lstStyle/>
+            <a:p>
+              <a:r>
+                <a:rPr lang="en-US" sz="400" dirty="0">
+                  <a:solidFill>
+                    <a:schemeClr val="tx1"/>
+                  </a:solidFill>
+                </a:rPr>
+                <a:t>10 GHz</a:t>
+              </a:r>
+              <a:endParaRPr lang="en-DK" sz="400" dirty="0">
+                <a:solidFill>
+                  <a:schemeClr val="tx1"/>
+                </a:solidFill>
+              </a:endParaRPr>
+            </a:p>
+          </p:txBody>
+        </p:sp>
+        <p:sp>
+          <p:nvSpPr>
+            <p:cNvPr id="33" name="Freeform: Shape 32">
+              <a:extLst>
+                <a:ext uri="{FF2B5EF4-FFF2-40B4-BE49-F238E27FC236}">
+                  <a16:creationId xmlns:a16="http://schemas.microsoft.com/office/drawing/2014/main" id="{BEB32EE1-E153-FD34-20AF-79FE3D819602}"/>
+                </a:ext>
+              </a:extLst>
+            </p:cNvPr>
+            <p:cNvSpPr/>
+            <p:nvPr/>
+          </p:nvSpPr>
+          <p:spPr>
+            <a:xfrm>
+              <a:off x="3316940" y="2004311"/>
+              <a:ext cx="395430" cy="117383"/>
+            </a:xfrm>
+            <a:custGeom>
+              <a:avLst/>
+              <a:gdLst>
+                <a:gd name="connsiteX0" fmla="*/ 0 w 776287"/>
+                <a:gd name="connsiteY0" fmla="*/ 0 h 326231"/>
+                <a:gd name="connsiteX1" fmla="*/ 450056 w 776287"/>
+                <a:gd name="connsiteY1" fmla="*/ 0 h 326231"/>
+                <a:gd name="connsiteX2" fmla="*/ 776287 w 776287"/>
+                <a:gd name="connsiteY2" fmla="*/ 326231 h 326231"/>
+              </a:gdLst>
+              <a:ahLst/>
+              <a:cxnLst>
+                <a:cxn ang="0">
+                  <a:pos x="connsiteX0" y="connsiteY0"/>
+                </a:cxn>
+                <a:cxn ang="0">
+                  <a:pos x="connsiteX1" y="connsiteY1"/>
+                </a:cxn>
+                <a:cxn ang="0">
+                  <a:pos x="connsiteX2" y="connsiteY2"/>
+                </a:cxn>
+              </a:cxnLst>
+              <a:rect l="l" t="t" r="r" b="b"/>
+              <a:pathLst>
+                <a:path w="776287" h="326231">
+                  <a:moveTo>
+                    <a:pt x="0" y="0"/>
+                  </a:moveTo>
+                  <a:lnTo>
+                    <a:pt x="450056" y="0"/>
+                  </a:lnTo>
+                  <a:lnTo>
+                    <a:pt x="776287" y="326231"/>
+                  </a:lnTo>
+                </a:path>
+              </a:pathLst>
+            </a:custGeom>
+            <a:noFill/>
+            <a:ln w="38100"/>
+          </p:spPr>
+          <p:style>
+            <a:lnRef idx="2">
+              <a:schemeClr val="accent1">
+                <a:shade val="15000"/>
+              </a:schemeClr>
+            </a:lnRef>
+            <a:fillRef idx="1">
+              <a:schemeClr val="accent1"/>
+            </a:fillRef>
+            <a:effectRef idx="0">
+              <a:schemeClr val="accent1"/>
+            </a:effectRef>
+            <a:fontRef idx="minor">
+              <a:schemeClr val="lt1"/>
+            </a:fontRef>
+          </p:style>
+          <p:txBody>
+            <a:bodyPr rtlCol="0" anchor="ctr"/>
+            <a:lstStyle/>
+            <a:p>
+              <a:pPr algn="ctr"/>
+              <a:endParaRPr lang="en-DK">
+                <a:ln w="38100">
+                  <a:solidFill>
+                    <a:schemeClr val="tx1"/>
+                  </a:solidFill>
+                </a:ln>
+              </a:endParaRPr>
+            </a:p>
+          </p:txBody>
+        </p:sp>
+      </p:grpSp>
+      <p:grpSp>
+        <p:nvGrpSpPr>
+          <p:cNvPr id="36" name="Group 35">
+            <a:extLst>
+              <a:ext uri="{FF2B5EF4-FFF2-40B4-BE49-F238E27FC236}">
+                <a16:creationId xmlns:a16="http://schemas.microsoft.com/office/drawing/2014/main" id="{36A0EF80-6398-63FA-04B5-2B1D42E16300}"/>
+              </a:ext>
+            </a:extLst>
+          </p:cNvPr>
+          <p:cNvGrpSpPr/>
+          <p:nvPr/>
+        </p:nvGrpSpPr>
+        <p:grpSpPr>
+          <a:xfrm rot="5400000">
+            <a:off x="1868858" y="4964492"/>
+            <a:ext cx="457199" cy="213496"/>
+            <a:chOff x="3298646" y="1945539"/>
+            <a:chExt cx="457199" cy="213496"/>
+          </a:xfrm>
+        </p:grpSpPr>
+        <p:sp>
+          <p:nvSpPr>
+            <p:cNvPr id="37" name="Rectangle 36">
+              <a:extLst>
+                <a:ext uri="{FF2B5EF4-FFF2-40B4-BE49-F238E27FC236}">
+                  <a16:creationId xmlns:a16="http://schemas.microsoft.com/office/drawing/2014/main" id="{63DB0E75-03F9-1145-9094-3E9E01708A8E}"/>
+                </a:ext>
+              </a:extLst>
+            </p:cNvPr>
+            <p:cNvSpPr/>
+            <p:nvPr/>
+          </p:nvSpPr>
+          <p:spPr>
+            <a:xfrm>
+              <a:off x="3298646" y="1945539"/>
+              <a:ext cx="457199" cy="213496"/>
+            </a:xfrm>
+            <a:prstGeom prst="rect">
+              <a:avLst/>
+            </a:prstGeom>
+            <a:solidFill>
+              <a:schemeClr val="bg1"/>
+            </a:solidFill>
+            <a:ln w="38100">
+              <a:solidFill>
+                <a:schemeClr val="accent1"/>
+              </a:solidFill>
+            </a:ln>
+          </p:spPr>
+          <p:style>
+            <a:lnRef idx="2">
+              <a:schemeClr val="accent1">
+                <a:shade val="15000"/>
+              </a:schemeClr>
+            </a:lnRef>
+            <a:fillRef idx="1">
+              <a:schemeClr val="accent1"/>
+            </a:fillRef>
+            <a:effectRef idx="0">
+              <a:schemeClr val="accent1"/>
+            </a:effectRef>
+            <a:fontRef idx="minor">
+              <a:schemeClr val="lt1"/>
+            </a:fontRef>
+          </p:style>
+          <p:txBody>
+            <a:bodyPr rtlCol="0" anchor="b"/>
+            <a:lstStyle/>
+            <a:p>
+              <a:r>
+                <a:rPr lang="en-US" sz="400" dirty="0">
+                  <a:solidFill>
+                    <a:schemeClr val="tx1"/>
+                  </a:solidFill>
+                </a:rPr>
+                <a:t>HF IR</a:t>
+              </a:r>
+              <a:endParaRPr lang="en-DK" sz="400" dirty="0">
+                <a:solidFill>
+                  <a:schemeClr val="tx1"/>
+                </a:solidFill>
+              </a:endParaRPr>
+            </a:p>
+          </p:txBody>
+        </p:sp>
+        <p:sp>
+          <p:nvSpPr>
+            <p:cNvPr id="42" name="Freeform: Shape 41">
+              <a:extLst>
+                <a:ext uri="{FF2B5EF4-FFF2-40B4-BE49-F238E27FC236}">
+                  <a16:creationId xmlns:a16="http://schemas.microsoft.com/office/drawing/2014/main" id="{18A35BA3-87CA-4277-0660-CF72AB5CE5AA}"/>
+                </a:ext>
+              </a:extLst>
+            </p:cNvPr>
+            <p:cNvSpPr/>
+            <p:nvPr/>
+          </p:nvSpPr>
+          <p:spPr>
+            <a:xfrm>
+              <a:off x="3316940" y="2004311"/>
+              <a:ext cx="395430" cy="117383"/>
+            </a:xfrm>
+            <a:custGeom>
+              <a:avLst/>
+              <a:gdLst>
+                <a:gd name="connsiteX0" fmla="*/ 0 w 776287"/>
+                <a:gd name="connsiteY0" fmla="*/ 0 h 326231"/>
+                <a:gd name="connsiteX1" fmla="*/ 450056 w 776287"/>
+                <a:gd name="connsiteY1" fmla="*/ 0 h 326231"/>
+                <a:gd name="connsiteX2" fmla="*/ 776287 w 776287"/>
+                <a:gd name="connsiteY2" fmla="*/ 326231 h 326231"/>
+              </a:gdLst>
+              <a:ahLst/>
+              <a:cxnLst>
+                <a:cxn ang="0">
+                  <a:pos x="connsiteX0" y="connsiteY0"/>
+                </a:cxn>
+                <a:cxn ang="0">
+                  <a:pos x="connsiteX1" y="connsiteY1"/>
+                </a:cxn>
+                <a:cxn ang="0">
+                  <a:pos x="connsiteX2" y="connsiteY2"/>
+                </a:cxn>
+              </a:cxnLst>
+              <a:rect l="l" t="t" r="r" b="b"/>
+              <a:pathLst>
+                <a:path w="776287" h="326231">
+                  <a:moveTo>
+                    <a:pt x="0" y="0"/>
+                  </a:moveTo>
+                  <a:lnTo>
+                    <a:pt x="450056" y="0"/>
+                  </a:lnTo>
+                  <a:lnTo>
+                    <a:pt x="776287" y="326231"/>
+                  </a:lnTo>
+                </a:path>
+              </a:pathLst>
+            </a:custGeom>
+            <a:noFill/>
+            <a:ln w="38100"/>
+          </p:spPr>
+          <p:style>
+            <a:lnRef idx="2">
+              <a:schemeClr val="accent1">
+                <a:shade val="15000"/>
+              </a:schemeClr>
+            </a:lnRef>
+            <a:fillRef idx="1">
+              <a:schemeClr val="accent1"/>
+            </a:fillRef>
+            <a:effectRef idx="0">
+              <a:schemeClr val="accent1"/>
+            </a:effectRef>
+            <a:fontRef idx="minor">
+              <a:schemeClr val="lt1"/>
+            </a:fontRef>
+          </p:style>
+          <p:txBody>
+            <a:bodyPr rtlCol="0" anchor="ctr"/>
+            <a:lstStyle/>
+            <a:p>
+              <a:pPr algn="ctr"/>
+              <a:endParaRPr lang="en-DK">
+                <a:ln w="38100">
+                  <a:solidFill>
+                    <a:schemeClr val="tx1"/>
+                  </a:solidFill>
+                </a:ln>
+              </a:endParaRPr>
+            </a:p>
+          </p:txBody>
+        </p:sp>
+      </p:grpSp>
+      <p:sp>
+        <p:nvSpPr>
+          <p:cNvPr id="44" name="TextBox 43">
+            <a:extLst>
+              <a:ext uri="{FF2B5EF4-FFF2-40B4-BE49-F238E27FC236}">
+                <a16:creationId xmlns:a16="http://schemas.microsoft.com/office/drawing/2014/main" id="{24055CAC-9FFE-498F-E442-AF92B97F0D8B}"/>
+              </a:ext>
+            </a:extLst>
+          </p:cNvPr>
+          <p:cNvSpPr txBox="1"/>
+          <p:nvPr/>
+        </p:nvSpPr>
+        <p:spPr>
+          <a:xfrm rot="5400000" flipH="1" flipV="1">
+            <a:off x="839493" y="2732963"/>
+            <a:ext cx="1712186" cy="369332"/>
+          </a:xfrm>
+          <a:prstGeom prst="rect">
+            <a:avLst/>
+          </a:prstGeom>
+          <a:noFill/>
+        </p:spPr>
+        <p:txBody>
+          <a:bodyPr wrap="square" rtlCol="0">
+            <a:spAutoFit/>
+          </a:bodyPr>
+          <a:lstStyle/>
+          <a:p>
+            <a:r>
+              <a:rPr lang="en-US" dirty="0"/>
+              <a:t>Qubit Control</a:t>
+            </a:r>
+            <a:endParaRPr lang="en-DK" dirty="0"/>
+          </a:p>
+        </p:txBody>
+      </p:sp>
+      <p:cxnSp>
+        <p:nvCxnSpPr>
+          <p:cNvPr id="45" name="Straight Connector 44">
+            <a:extLst>
+              <a:ext uri="{FF2B5EF4-FFF2-40B4-BE49-F238E27FC236}">
+                <a16:creationId xmlns:a16="http://schemas.microsoft.com/office/drawing/2014/main" id="{20078CD1-E0AC-3798-3C07-E4B24781AF5A}"/>
+              </a:ext>
+            </a:extLst>
+          </p:cNvPr>
+          <p:cNvCxnSpPr>
+            <a:cxnSpLocks/>
+          </p:cNvCxnSpPr>
+          <p:nvPr/>
+        </p:nvCxnSpPr>
+        <p:spPr>
+          <a:xfrm>
+            <a:off x="3122332" y="860428"/>
+            <a:ext cx="0" cy="4954592"/>
+          </a:xfrm>
+          <a:prstGeom prst="line">
+            <a:avLst/>
+          </a:prstGeom>
+          <a:ln w="28575">
+            <a:solidFill>
+              <a:schemeClr val="accent2"/>
+            </a:solidFill>
+            <a:prstDash val="solid"/>
+          </a:ln>
+        </p:spPr>
+        <p:style>
+          <a:lnRef idx="1">
+            <a:schemeClr val="accent1"/>
+          </a:lnRef>
+          <a:fillRef idx="0">
+            <a:schemeClr val="accent1"/>
+          </a:fillRef>
+          <a:effectRef idx="0">
+            <a:schemeClr val="accent1"/>
+          </a:effectRef>
+          <a:fontRef idx="minor">
+            <a:schemeClr val="tx1"/>
+          </a:fontRef>
+        </p:style>
+      </p:cxnSp>
+      <p:sp>
+        <p:nvSpPr>
+          <p:cNvPr id="46" name="Rectangle 45">
+            <a:extLst>
+              <a:ext uri="{FF2B5EF4-FFF2-40B4-BE49-F238E27FC236}">
+                <a16:creationId xmlns:a16="http://schemas.microsoft.com/office/drawing/2014/main" id="{3D6E6165-309C-EC7A-A1B2-D2AD266B4BD8}"/>
+              </a:ext>
+            </a:extLst>
+          </p:cNvPr>
+          <p:cNvSpPr/>
+          <p:nvPr/>
+        </p:nvSpPr>
+        <p:spPr>
+          <a:xfrm rot="5400000">
+            <a:off x="2889406" y="1345717"/>
+            <a:ext cx="457199" cy="213496"/>
+          </a:xfrm>
+          <a:prstGeom prst="rect">
+            <a:avLst/>
+          </a:prstGeom>
+          <a:solidFill>
+            <a:schemeClr val="bg1"/>
+          </a:solidFill>
+          <a:ln w="38100">
+            <a:solidFill>
+              <a:schemeClr val="accent2"/>
+            </a:solidFill>
+          </a:ln>
+        </p:spPr>
+        <p:style>
+          <a:lnRef idx="2">
+            <a:schemeClr val="accent1">
+              <a:shade val="15000"/>
+            </a:schemeClr>
+          </a:lnRef>
+          <a:fillRef idx="1">
+            <a:schemeClr val="accent1"/>
+          </a:fillRef>
+          <a:effectRef idx="0">
+            <a:schemeClr val="accent1"/>
+          </a:effectRef>
+          <a:fontRef idx="minor">
+            <a:schemeClr val="lt1"/>
+          </a:fontRef>
+        </p:style>
+        <p:txBody>
+          <a:bodyPr rtlCol="0" anchor="ctr"/>
+          <a:lstStyle/>
+          <a:p>
+            <a:pPr algn="ctr"/>
+            <a:r>
+              <a:rPr lang="en-US" sz="700" dirty="0">
+                <a:solidFill>
+                  <a:schemeClr val="tx1"/>
+                </a:solidFill>
+              </a:rPr>
+              <a:t>-20 dB</a:t>
+            </a:r>
+            <a:endParaRPr lang="en-DK" sz="700" dirty="0">
+              <a:solidFill>
+                <a:schemeClr val="tx1"/>
+              </a:solidFill>
+            </a:endParaRPr>
+          </a:p>
+        </p:txBody>
+      </p:sp>
+      <p:sp>
+        <p:nvSpPr>
+          <p:cNvPr id="47" name="Rectangle 46">
+            <a:extLst>
+              <a:ext uri="{FF2B5EF4-FFF2-40B4-BE49-F238E27FC236}">
+                <a16:creationId xmlns:a16="http://schemas.microsoft.com/office/drawing/2014/main" id="{EA5DDA7C-07DF-E861-AC79-FCF4C108FEA0}"/>
+              </a:ext>
+            </a:extLst>
+          </p:cNvPr>
+          <p:cNvSpPr/>
+          <p:nvPr/>
+        </p:nvSpPr>
+        <p:spPr>
+          <a:xfrm rot="5400000">
+            <a:off x="2893339" y="1898169"/>
+            <a:ext cx="457199" cy="213496"/>
+          </a:xfrm>
+          <a:prstGeom prst="rect">
+            <a:avLst/>
+          </a:prstGeom>
+          <a:solidFill>
+            <a:schemeClr val="bg1"/>
+          </a:solidFill>
+          <a:ln w="38100">
+            <a:solidFill>
+              <a:schemeClr val="accent2"/>
+            </a:solidFill>
+          </a:ln>
+        </p:spPr>
+        <p:style>
+          <a:lnRef idx="2">
+            <a:schemeClr val="accent1">
+              <a:shade val="15000"/>
+            </a:schemeClr>
+          </a:lnRef>
+          <a:fillRef idx="1">
+            <a:schemeClr val="accent1"/>
+          </a:fillRef>
+          <a:effectRef idx="0">
+            <a:schemeClr val="accent1"/>
+          </a:effectRef>
+          <a:fontRef idx="minor">
+            <a:schemeClr val="lt1"/>
+          </a:fontRef>
+        </p:style>
+        <p:txBody>
+          <a:bodyPr rtlCol="0" anchor="ctr"/>
+          <a:lstStyle/>
+          <a:p>
+            <a:pPr algn="ctr"/>
+            <a:r>
+              <a:rPr lang="en-US" sz="700" dirty="0">
+                <a:solidFill>
+                  <a:schemeClr val="tx1"/>
+                </a:solidFill>
+              </a:rPr>
+              <a:t>-10 dB</a:t>
+            </a:r>
+            <a:endParaRPr lang="en-DK" sz="700" dirty="0">
+              <a:solidFill>
+                <a:schemeClr val="tx1"/>
+              </a:solidFill>
+            </a:endParaRPr>
+          </a:p>
+        </p:txBody>
+      </p:sp>
+      <p:sp>
+        <p:nvSpPr>
+          <p:cNvPr id="48" name="Rectangle 47">
+            <a:extLst>
+              <a:ext uri="{FF2B5EF4-FFF2-40B4-BE49-F238E27FC236}">
+                <a16:creationId xmlns:a16="http://schemas.microsoft.com/office/drawing/2014/main" id="{142EBA76-863F-8953-73DE-07A8007A719B}"/>
+              </a:ext>
+            </a:extLst>
+          </p:cNvPr>
+          <p:cNvSpPr/>
+          <p:nvPr/>
+        </p:nvSpPr>
+        <p:spPr>
+          <a:xfrm rot="5400000">
+            <a:off x="2889405" y="2556883"/>
+            <a:ext cx="457199" cy="213496"/>
+          </a:xfrm>
+          <a:prstGeom prst="rect">
+            <a:avLst/>
+          </a:prstGeom>
+          <a:solidFill>
+            <a:schemeClr val="bg1"/>
+          </a:solidFill>
+          <a:ln w="38100">
+            <a:solidFill>
+              <a:schemeClr val="accent2"/>
+            </a:solidFill>
+          </a:ln>
+        </p:spPr>
+        <p:style>
+          <a:lnRef idx="2">
+            <a:schemeClr val="accent1">
+              <a:shade val="15000"/>
+            </a:schemeClr>
+          </a:lnRef>
+          <a:fillRef idx="1">
+            <a:schemeClr val="accent1"/>
+          </a:fillRef>
+          <a:effectRef idx="0">
+            <a:schemeClr val="accent1"/>
+          </a:effectRef>
+          <a:fontRef idx="minor">
+            <a:schemeClr val="lt1"/>
+          </a:fontRef>
+        </p:style>
+        <p:txBody>
+          <a:bodyPr rtlCol="0" anchor="ctr"/>
+          <a:lstStyle/>
+          <a:p>
+            <a:pPr algn="ctr"/>
+            <a:r>
+              <a:rPr lang="en-US" sz="700" dirty="0">
+                <a:solidFill>
+                  <a:schemeClr val="tx1"/>
+                </a:solidFill>
+              </a:rPr>
+              <a:t>0 dB</a:t>
+            </a:r>
+            <a:endParaRPr lang="en-DK" sz="700" dirty="0">
+              <a:solidFill>
+                <a:schemeClr val="tx1"/>
+              </a:solidFill>
+            </a:endParaRPr>
+          </a:p>
+        </p:txBody>
+      </p:sp>
+      <p:sp>
+        <p:nvSpPr>
+          <p:cNvPr id="49" name="Rectangle 48">
+            <a:extLst>
+              <a:ext uri="{FF2B5EF4-FFF2-40B4-BE49-F238E27FC236}">
+                <a16:creationId xmlns:a16="http://schemas.microsoft.com/office/drawing/2014/main" id="{DDFE5BCA-BB92-132F-B281-8D0D74704D90}"/>
+              </a:ext>
+            </a:extLst>
+          </p:cNvPr>
+          <p:cNvSpPr/>
+          <p:nvPr/>
+        </p:nvSpPr>
+        <p:spPr>
+          <a:xfrm rot="5400000">
+            <a:off x="2889405" y="3215596"/>
+            <a:ext cx="457199" cy="213496"/>
+          </a:xfrm>
+          <a:prstGeom prst="rect">
+            <a:avLst/>
+          </a:prstGeom>
+          <a:solidFill>
+            <a:schemeClr val="bg1"/>
+          </a:solidFill>
+          <a:ln w="38100">
+            <a:solidFill>
+              <a:schemeClr val="accent2"/>
+            </a:solidFill>
+          </a:ln>
+        </p:spPr>
+        <p:style>
+          <a:lnRef idx="2">
+            <a:schemeClr val="accent1">
+              <a:shade val="15000"/>
+            </a:schemeClr>
+          </a:lnRef>
+          <a:fillRef idx="1">
+            <a:schemeClr val="accent1"/>
+          </a:fillRef>
+          <a:effectRef idx="0">
+            <a:schemeClr val="accent1"/>
+          </a:effectRef>
+          <a:fontRef idx="minor">
+            <a:schemeClr val="lt1"/>
+          </a:fontRef>
+        </p:style>
+        <p:txBody>
+          <a:bodyPr rtlCol="0" anchor="ctr"/>
+          <a:lstStyle/>
+          <a:p>
+            <a:pPr algn="ctr"/>
+            <a:r>
+              <a:rPr lang="en-US" sz="700" dirty="0">
+                <a:solidFill>
+                  <a:schemeClr val="tx1"/>
+                </a:solidFill>
+              </a:rPr>
+              <a:t>-20 dB</a:t>
+            </a:r>
+            <a:endParaRPr lang="en-DK" sz="700" dirty="0">
+              <a:solidFill>
+                <a:schemeClr val="tx1"/>
+              </a:solidFill>
+            </a:endParaRPr>
+          </a:p>
+        </p:txBody>
+      </p:sp>
+      <p:sp>
+        <p:nvSpPr>
+          <p:cNvPr id="50" name="Rectangle 49">
+            <a:extLst>
+              <a:ext uri="{FF2B5EF4-FFF2-40B4-BE49-F238E27FC236}">
+                <a16:creationId xmlns:a16="http://schemas.microsoft.com/office/drawing/2014/main" id="{596486E3-0A85-ECE8-BF2A-B65594546FCE}"/>
+              </a:ext>
+            </a:extLst>
+          </p:cNvPr>
+          <p:cNvSpPr/>
+          <p:nvPr/>
+        </p:nvSpPr>
+        <p:spPr>
+          <a:xfrm rot="5400000">
+            <a:off x="2893338" y="3768048"/>
+            <a:ext cx="457199" cy="213496"/>
+          </a:xfrm>
+          <a:prstGeom prst="rect">
+            <a:avLst/>
+          </a:prstGeom>
+          <a:solidFill>
+            <a:schemeClr val="bg1"/>
+          </a:solidFill>
+          <a:ln w="38100">
+            <a:solidFill>
+              <a:schemeClr val="accent2"/>
+            </a:solidFill>
+          </a:ln>
+        </p:spPr>
+        <p:style>
+          <a:lnRef idx="2">
+            <a:schemeClr val="accent1">
+              <a:shade val="15000"/>
+            </a:schemeClr>
+          </a:lnRef>
+          <a:fillRef idx="1">
+            <a:schemeClr val="accent1"/>
+          </a:fillRef>
+          <a:effectRef idx="0">
+            <a:schemeClr val="accent1"/>
+          </a:effectRef>
+          <a:fontRef idx="minor">
+            <a:schemeClr val="lt1"/>
+          </a:fontRef>
+        </p:style>
+        <p:txBody>
+          <a:bodyPr rtlCol="0" anchor="ctr"/>
+          <a:lstStyle/>
+          <a:p>
+            <a:pPr algn="ctr"/>
+            <a:r>
+              <a:rPr lang="en-US" sz="700" dirty="0">
+                <a:solidFill>
+                  <a:schemeClr val="tx1"/>
+                </a:solidFill>
+              </a:rPr>
+              <a:t>-10 dB</a:t>
+            </a:r>
+            <a:endParaRPr lang="en-DK" sz="700" dirty="0">
+              <a:solidFill>
+                <a:schemeClr val="tx1"/>
+              </a:solidFill>
+            </a:endParaRPr>
+          </a:p>
+        </p:txBody>
+      </p:sp>
+      <p:grpSp>
+        <p:nvGrpSpPr>
+          <p:cNvPr id="66" name="Group 65">
+            <a:extLst>
+              <a:ext uri="{FF2B5EF4-FFF2-40B4-BE49-F238E27FC236}">
+                <a16:creationId xmlns:a16="http://schemas.microsoft.com/office/drawing/2014/main" id="{F53D9C0E-6156-94BD-C9B4-5176BCA0E376}"/>
+              </a:ext>
+            </a:extLst>
+          </p:cNvPr>
+          <p:cNvGrpSpPr/>
+          <p:nvPr/>
+        </p:nvGrpSpPr>
+        <p:grpSpPr>
+          <a:xfrm>
+            <a:off x="3011256" y="4258441"/>
+            <a:ext cx="213496" cy="1016000"/>
+            <a:chOff x="2981310" y="4258440"/>
+            <a:chExt cx="213496" cy="1016000"/>
+          </a:xfrm>
+        </p:grpSpPr>
+        <p:grpSp>
+          <p:nvGrpSpPr>
+            <p:cNvPr id="51" name="Group 50">
+              <a:extLst>
+                <a:ext uri="{FF2B5EF4-FFF2-40B4-BE49-F238E27FC236}">
+                  <a16:creationId xmlns:a16="http://schemas.microsoft.com/office/drawing/2014/main" id="{2C62F53C-ADCD-BFAB-683E-9E0C27DD3635}"/>
+                </a:ext>
+              </a:extLst>
+            </p:cNvPr>
+            <p:cNvGrpSpPr/>
+            <p:nvPr/>
+          </p:nvGrpSpPr>
+          <p:grpSpPr>
+            <a:xfrm rot="5400000">
+              <a:off x="2859458" y="4380292"/>
+              <a:ext cx="457199" cy="213496"/>
+              <a:chOff x="3298646" y="1945539"/>
+              <a:chExt cx="457199" cy="213496"/>
+            </a:xfrm>
+          </p:grpSpPr>
+          <p:sp>
+            <p:nvSpPr>
+              <p:cNvPr id="52" name="Rectangle 51">
+                <a:extLst>
+                  <a:ext uri="{FF2B5EF4-FFF2-40B4-BE49-F238E27FC236}">
+                    <a16:creationId xmlns:a16="http://schemas.microsoft.com/office/drawing/2014/main" id="{63F318F0-4CCA-2227-A1A8-DC7F49B84846}"/>
+                  </a:ext>
+                </a:extLst>
+              </p:cNvPr>
+              <p:cNvSpPr/>
+              <p:nvPr/>
+            </p:nvSpPr>
+            <p:spPr>
+              <a:xfrm>
+                <a:off x="3298646" y="1945539"/>
+                <a:ext cx="457199" cy="213496"/>
+              </a:xfrm>
+              <a:prstGeom prst="rect">
+                <a:avLst/>
+              </a:prstGeom>
+              <a:solidFill>
+                <a:schemeClr val="bg1"/>
+              </a:solidFill>
+              <a:ln w="38100">
+                <a:solidFill>
+                  <a:schemeClr val="accent2"/>
+                </a:solidFill>
+              </a:ln>
+            </p:spPr>
+            <p:style>
+              <a:lnRef idx="2">
+                <a:schemeClr val="accent1">
+                  <a:shade val="15000"/>
+                </a:schemeClr>
+              </a:lnRef>
+              <a:fillRef idx="1">
+                <a:schemeClr val="accent1"/>
+              </a:fillRef>
+              <a:effectRef idx="0">
+                <a:schemeClr val="accent1"/>
+              </a:effectRef>
+              <a:fontRef idx="minor">
+                <a:schemeClr val="lt1"/>
+              </a:fontRef>
+            </p:style>
+            <p:txBody>
+              <a:bodyPr rtlCol="0" anchor="b"/>
+              <a:lstStyle/>
+              <a:p>
+                <a:r>
+                  <a:rPr lang="en-US" sz="400" dirty="0">
+                    <a:solidFill>
+                      <a:schemeClr val="tx1"/>
+                    </a:solidFill>
+                  </a:rPr>
+                  <a:t>10 GHz</a:t>
+                </a:r>
+                <a:endParaRPr lang="en-DK" sz="400" dirty="0">
+                  <a:solidFill>
+                    <a:schemeClr val="tx1"/>
+                  </a:solidFill>
+                </a:endParaRPr>
+              </a:p>
+            </p:txBody>
+          </p:sp>
+          <p:sp>
+            <p:nvSpPr>
+              <p:cNvPr id="61" name="Freeform: Shape 60">
+                <a:extLst>
+                  <a:ext uri="{FF2B5EF4-FFF2-40B4-BE49-F238E27FC236}">
+                    <a16:creationId xmlns:a16="http://schemas.microsoft.com/office/drawing/2014/main" id="{008A1874-762E-88BA-356A-DF3C1FC61A41}"/>
+                  </a:ext>
+                </a:extLst>
+              </p:cNvPr>
+              <p:cNvSpPr/>
+              <p:nvPr/>
+            </p:nvSpPr>
+            <p:spPr>
+              <a:xfrm>
+                <a:off x="3316940" y="2004311"/>
+                <a:ext cx="395430" cy="117383"/>
+              </a:xfrm>
+              <a:custGeom>
+                <a:avLst/>
+                <a:gdLst>
+                  <a:gd name="connsiteX0" fmla="*/ 0 w 776287"/>
+                  <a:gd name="connsiteY0" fmla="*/ 0 h 326231"/>
+                  <a:gd name="connsiteX1" fmla="*/ 450056 w 776287"/>
+                  <a:gd name="connsiteY1" fmla="*/ 0 h 326231"/>
+                  <a:gd name="connsiteX2" fmla="*/ 776287 w 776287"/>
+                  <a:gd name="connsiteY2" fmla="*/ 326231 h 326231"/>
+                </a:gdLst>
+                <a:ahLst/>
+                <a:cxnLst>
+                  <a:cxn ang="0">
+                    <a:pos x="connsiteX0" y="connsiteY0"/>
+                  </a:cxn>
+                  <a:cxn ang="0">
+                    <a:pos x="connsiteX1" y="connsiteY1"/>
+                  </a:cxn>
+                  <a:cxn ang="0">
+                    <a:pos x="connsiteX2" y="connsiteY2"/>
+                  </a:cxn>
+                </a:cxnLst>
+                <a:rect l="l" t="t" r="r" b="b"/>
+                <a:pathLst>
+                  <a:path w="776287" h="326231">
+                    <a:moveTo>
+                      <a:pt x="0" y="0"/>
+                    </a:moveTo>
+                    <a:lnTo>
+                      <a:pt x="450056" y="0"/>
+                    </a:lnTo>
+                    <a:lnTo>
+                      <a:pt x="776287" y="326231"/>
+                    </a:lnTo>
+                  </a:path>
+                </a:pathLst>
+              </a:custGeom>
+              <a:noFill/>
+              <a:ln w="38100">
+                <a:solidFill>
+                  <a:schemeClr val="tx1"/>
+                </a:solidFill>
+              </a:ln>
+            </p:spPr>
+            <p:style>
+              <a:lnRef idx="2">
+                <a:schemeClr val="accent1">
+                  <a:shade val="15000"/>
+                </a:schemeClr>
+              </a:lnRef>
+              <a:fillRef idx="1">
+                <a:schemeClr val="accent1"/>
+              </a:fillRef>
+              <a:effectRef idx="0">
+                <a:schemeClr val="accent1"/>
+              </a:effectRef>
+              <a:fontRef idx="minor">
+                <a:schemeClr val="lt1"/>
+              </a:fontRef>
+            </p:style>
+            <p:txBody>
+              <a:bodyPr rtlCol="0" anchor="ctr"/>
+              <a:lstStyle/>
+              <a:p>
+                <a:pPr algn="ctr"/>
+                <a:endParaRPr lang="en-DK">
+                  <a:ln w="38100">
+                    <a:solidFill>
+                      <a:schemeClr val="tx1"/>
+                    </a:solidFill>
+                  </a:ln>
+                </a:endParaRPr>
+              </a:p>
+            </p:txBody>
+          </p:sp>
+        </p:grpSp>
+        <p:grpSp>
+          <p:nvGrpSpPr>
+            <p:cNvPr id="62" name="Group 61">
+              <a:extLst>
+                <a:ext uri="{FF2B5EF4-FFF2-40B4-BE49-F238E27FC236}">
+                  <a16:creationId xmlns:a16="http://schemas.microsoft.com/office/drawing/2014/main" id="{2A38E7AD-EA36-62EC-B41B-8940C6FD7E2B}"/>
+                </a:ext>
+              </a:extLst>
+            </p:cNvPr>
+            <p:cNvGrpSpPr/>
+            <p:nvPr/>
+          </p:nvGrpSpPr>
+          <p:grpSpPr>
+            <a:xfrm rot="5400000">
+              <a:off x="2859458" y="4939093"/>
+              <a:ext cx="457199" cy="213496"/>
+              <a:chOff x="3298646" y="1945539"/>
+              <a:chExt cx="457199" cy="213496"/>
+            </a:xfrm>
+          </p:grpSpPr>
+          <p:sp>
+            <p:nvSpPr>
+              <p:cNvPr id="63" name="Rectangle 62">
+                <a:extLst>
+                  <a:ext uri="{FF2B5EF4-FFF2-40B4-BE49-F238E27FC236}">
+                    <a16:creationId xmlns:a16="http://schemas.microsoft.com/office/drawing/2014/main" id="{A39343A3-7F1B-29E6-0D8B-CA074A6D9230}"/>
+                  </a:ext>
+                </a:extLst>
+              </p:cNvPr>
+              <p:cNvSpPr/>
+              <p:nvPr/>
+            </p:nvSpPr>
+            <p:spPr>
+              <a:xfrm>
+                <a:off x="3298646" y="1945539"/>
+                <a:ext cx="457199" cy="213496"/>
+              </a:xfrm>
+              <a:prstGeom prst="rect">
+                <a:avLst/>
+              </a:prstGeom>
+              <a:solidFill>
+                <a:schemeClr val="bg1"/>
+              </a:solidFill>
+              <a:ln w="38100">
+                <a:solidFill>
+                  <a:schemeClr val="accent2"/>
+                </a:solidFill>
+              </a:ln>
+            </p:spPr>
+            <p:style>
+              <a:lnRef idx="2">
+                <a:schemeClr val="accent1">
+                  <a:shade val="15000"/>
+                </a:schemeClr>
+              </a:lnRef>
+              <a:fillRef idx="1">
+                <a:schemeClr val="accent1"/>
+              </a:fillRef>
+              <a:effectRef idx="0">
+                <a:schemeClr val="accent1"/>
+              </a:effectRef>
+              <a:fontRef idx="minor">
+                <a:schemeClr val="lt1"/>
+              </a:fontRef>
+            </p:style>
+            <p:txBody>
+              <a:bodyPr rtlCol="0" anchor="b"/>
+              <a:lstStyle/>
+              <a:p>
+                <a:r>
+                  <a:rPr lang="en-US" sz="400" dirty="0">
+                    <a:solidFill>
+                      <a:schemeClr val="tx1"/>
+                    </a:solidFill>
+                  </a:rPr>
+                  <a:t>HF IR</a:t>
+                </a:r>
+                <a:endParaRPr lang="en-DK" sz="400" dirty="0">
+                  <a:solidFill>
+                    <a:schemeClr val="tx1"/>
+                  </a:solidFill>
+                </a:endParaRPr>
+              </a:p>
+            </p:txBody>
+          </p:sp>
+          <p:sp>
+            <p:nvSpPr>
+              <p:cNvPr id="64" name="Freeform: Shape 63">
+                <a:extLst>
+                  <a:ext uri="{FF2B5EF4-FFF2-40B4-BE49-F238E27FC236}">
+                    <a16:creationId xmlns:a16="http://schemas.microsoft.com/office/drawing/2014/main" id="{42B7E18C-D8F4-2A4A-E32E-9801544E2E6A}"/>
+                  </a:ext>
+                </a:extLst>
+              </p:cNvPr>
+              <p:cNvSpPr/>
+              <p:nvPr/>
+            </p:nvSpPr>
+            <p:spPr>
+              <a:xfrm>
+                <a:off x="3316940" y="2004311"/>
+                <a:ext cx="395430" cy="117383"/>
+              </a:xfrm>
+              <a:custGeom>
+                <a:avLst/>
+                <a:gdLst>
+                  <a:gd name="connsiteX0" fmla="*/ 0 w 776287"/>
+                  <a:gd name="connsiteY0" fmla="*/ 0 h 326231"/>
+                  <a:gd name="connsiteX1" fmla="*/ 450056 w 776287"/>
+                  <a:gd name="connsiteY1" fmla="*/ 0 h 326231"/>
+                  <a:gd name="connsiteX2" fmla="*/ 776287 w 776287"/>
+                  <a:gd name="connsiteY2" fmla="*/ 326231 h 326231"/>
+                </a:gdLst>
+                <a:ahLst/>
+                <a:cxnLst>
+                  <a:cxn ang="0">
+                    <a:pos x="connsiteX0" y="connsiteY0"/>
+                  </a:cxn>
+                  <a:cxn ang="0">
+                    <a:pos x="connsiteX1" y="connsiteY1"/>
+                  </a:cxn>
+                  <a:cxn ang="0">
+                    <a:pos x="connsiteX2" y="connsiteY2"/>
+                  </a:cxn>
+                </a:cxnLst>
+                <a:rect l="l" t="t" r="r" b="b"/>
+                <a:pathLst>
+                  <a:path w="776287" h="326231">
+                    <a:moveTo>
+                      <a:pt x="0" y="0"/>
+                    </a:moveTo>
+                    <a:lnTo>
+                      <a:pt x="450056" y="0"/>
+                    </a:lnTo>
+                    <a:lnTo>
+                      <a:pt x="776287" y="326231"/>
+                    </a:lnTo>
+                  </a:path>
+                </a:pathLst>
+              </a:custGeom>
+              <a:noFill/>
+              <a:ln w="38100">
+                <a:solidFill>
+                  <a:schemeClr val="tx1"/>
+                </a:solidFill>
+              </a:ln>
+            </p:spPr>
+            <p:style>
+              <a:lnRef idx="2">
+                <a:schemeClr val="accent1">
+                  <a:shade val="15000"/>
+                </a:schemeClr>
+              </a:lnRef>
+              <a:fillRef idx="1">
+                <a:schemeClr val="accent1"/>
+              </a:fillRef>
+              <a:effectRef idx="0">
+                <a:schemeClr val="accent1"/>
+              </a:effectRef>
+              <a:fontRef idx="minor">
+                <a:schemeClr val="lt1"/>
+              </a:fontRef>
+            </p:style>
+            <p:txBody>
+              <a:bodyPr rtlCol="0" anchor="ctr"/>
+              <a:lstStyle/>
+              <a:p>
+                <a:pPr algn="ctr"/>
+                <a:endParaRPr lang="en-DK">
+                  <a:ln w="38100">
+                    <a:solidFill>
+                      <a:schemeClr val="tx1"/>
+                    </a:solidFill>
+                  </a:ln>
+                </a:endParaRPr>
+              </a:p>
+            </p:txBody>
+          </p:sp>
+        </p:grpSp>
+      </p:grpSp>
+      <p:sp>
+        <p:nvSpPr>
+          <p:cNvPr id="65" name="TextBox 64">
+            <a:extLst>
+              <a:ext uri="{FF2B5EF4-FFF2-40B4-BE49-F238E27FC236}">
+                <a16:creationId xmlns:a16="http://schemas.microsoft.com/office/drawing/2014/main" id="{3BA14250-E24A-66D4-84AA-EEBCB40F60FF}"/>
+              </a:ext>
+            </a:extLst>
+          </p:cNvPr>
+          <p:cNvSpPr txBox="1"/>
+          <p:nvPr/>
+        </p:nvSpPr>
+        <p:spPr>
+          <a:xfrm rot="5400000" flipH="1" flipV="1">
+            <a:off x="1831208" y="2809929"/>
+            <a:ext cx="1712186" cy="369332"/>
+          </a:xfrm>
+          <a:prstGeom prst="rect">
+            <a:avLst/>
+          </a:prstGeom>
+          <a:noFill/>
+        </p:spPr>
+        <p:txBody>
+          <a:bodyPr wrap="square" rtlCol="0">
+            <a:spAutoFit/>
+          </a:bodyPr>
+          <a:lstStyle/>
+          <a:p>
+            <a:r>
+              <a:rPr lang="en-US" dirty="0"/>
+              <a:t>Readout Input</a:t>
+            </a:r>
+            <a:endParaRPr lang="en-DK" dirty="0"/>
+          </a:p>
+        </p:txBody>
+      </p:sp>
+      <p:cxnSp>
+        <p:nvCxnSpPr>
+          <p:cNvPr id="67" name="Straight Connector 66">
+            <a:extLst>
+              <a:ext uri="{FF2B5EF4-FFF2-40B4-BE49-F238E27FC236}">
+                <a16:creationId xmlns:a16="http://schemas.microsoft.com/office/drawing/2014/main" id="{AB37608E-B069-941A-B94E-03B0D9A4C169}"/>
+              </a:ext>
+            </a:extLst>
+          </p:cNvPr>
+          <p:cNvCxnSpPr>
+            <a:cxnSpLocks/>
+          </p:cNvCxnSpPr>
+          <p:nvPr/>
+        </p:nvCxnSpPr>
+        <p:spPr>
+          <a:xfrm>
+            <a:off x="4121086" y="860428"/>
+            <a:ext cx="28862" cy="5572780"/>
+          </a:xfrm>
+          <a:prstGeom prst="line">
+            <a:avLst/>
+          </a:prstGeom>
+          <a:ln w="28575">
+            <a:solidFill>
+              <a:schemeClr val="accent3"/>
+            </a:solidFill>
+            <a:prstDash val="solid"/>
+          </a:ln>
+        </p:spPr>
+        <p:style>
+          <a:lnRef idx="1">
+            <a:schemeClr val="accent1"/>
+          </a:lnRef>
+          <a:fillRef idx="0">
+            <a:schemeClr val="accent1"/>
+          </a:fillRef>
+          <a:effectRef idx="0">
+            <a:schemeClr val="accent1"/>
+          </a:effectRef>
+          <a:fontRef idx="minor">
+            <a:schemeClr val="tx1"/>
+          </a:fontRef>
+        </p:style>
+      </p:cxnSp>
+      <p:sp>
+        <p:nvSpPr>
+          <p:cNvPr id="68" name="Rectangle 67">
+            <a:extLst>
+              <a:ext uri="{FF2B5EF4-FFF2-40B4-BE49-F238E27FC236}">
+                <a16:creationId xmlns:a16="http://schemas.microsoft.com/office/drawing/2014/main" id="{FCFAF4CB-DFD3-3B58-2231-1D4E0E226539}"/>
+              </a:ext>
+            </a:extLst>
+          </p:cNvPr>
+          <p:cNvSpPr/>
+          <p:nvPr/>
+        </p:nvSpPr>
+        <p:spPr>
+          <a:xfrm rot="5400000">
+            <a:off x="3888160" y="1345717"/>
+            <a:ext cx="457199" cy="213496"/>
+          </a:xfrm>
+          <a:prstGeom prst="rect">
+            <a:avLst/>
+          </a:prstGeom>
+          <a:solidFill>
+            <a:schemeClr val="bg1"/>
+          </a:solidFill>
+          <a:ln w="38100">
+            <a:solidFill>
+              <a:schemeClr val="accent3"/>
+            </a:solidFill>
+          </a:ln>
+        </p:spPr>
+        <p:style>
+          <a:lnRef idx="2">
+            <a:schemeClr val="accent1">
+              <a:shade val="15000"/>
+            </a:schemeClr>
+          </a:lnRef>
+          <a:fillRef idx="1">
+            <a:schemeClr val="accent1"/>
+          </a:fillRef>
+          <a:effectRef idx="0">
+            <a:schemeClr val="accent1"/>
+          </a:effectRef>
+          <a:fontRef idx="minor">
+            <a:schemeClr val="lt1"/>
+          </a:fontRef>
+        </p:style>
+        <p:txBody>
+          <a:bodyPr rtlCol="0" anchor="ctr"/>
+          <a:lstStyle/>
+          <a:p>
+            <a:pPr algn="ctr"/>
+            <a:r>
+              <a:rPr lang="en-US" sz="700" dirty="0">
+                <a:solidFill>
+                  <a:schemeClr val="tx1"/>
+                </a:solidFill>
+              </a:rPr>
+              <a:t>0 dB</a:t>
+            </a:r>
+            <a:endParaRPr lang="en-DK" sz="700" dirty="0">
+              <a:solidFill>
+                <a:schemeClr val="tx1"/>
+              </a:solidFill>
+            </a:endParaRPr>
+          </a:p>
+        </p:txBody>
+      </p:sp>
+      <p:sp>
+        <p:nvSpPr>
+          <p:cNvPr id="70" name="Rectangle 69">
+            <a:extLst>
+              <a:ext uri="{FF2B5EF4-FFF2-40B4-BE49-F238E27FC236}">
+                <a16:creationId xmlns:a16="http://schemas.microsoft.com/office/drawing/2014/main" id="{011E309A-0FE2-4240-8958-E1740F5B763C}"/>
+              </a:ext>
+            </a:extLst>
+          </p:cNvPr>
+          <p:cNvSpPr/>
+          <p:nvPr/>
+        </p:nvSpPr>
+        <p:spPr>
+          <a:xfrm rot="5400000">
+            <a:off x="3888159" y="2556883"/>
+            <a:ext cx="457199" cy="213496"/>
+          </a:xfrm>
+          <a:prstGeom prst="rect">
+            <a:avLst/>
+          </a:prstGeom>
+          <a:solidFill>
+            <a:schemeClr val="bg1"/>
+          </a:solidFill>
+          <a:ln w="38100">
+            <a:solidFill>
+              <a:schemeClr val="accent3"/>
+            </a:solidFill>
+          </a:ln>
+        </p:spPr>
+        <p:style>
+          <a:lnRef idx="2">
+            <a:schemeClr val="accent1">
+              <a:shade val="15000"/>
+            </a:schemeClr>
+          </a:lnRef>
+          <a:fillRef idx="1">
+            <a:schemeClr val="accent1"/>
+          </a:fillRef>
+          <a:effectRef idx="0">
+            <a:schemeClr val="accent1"/>
+          </a:effectRef>
+          <a:fontRef idx="minor">
+            <a:schemeClr val="lt1"/>
+          </a:fontRef>
+        </p:style>
+        <p:txBody>
+          <a:bodyPr rtlCol="0" anchor="ctr"/>
+          <a:lstStyle/>
+          <a:p>
+            <a:pPr algn="ctr"/>
+            <a:r>
+              <a:rPr lang="en-US" sz="700" dirty="0">
+                <a:solidFill>
+                  <a:schemeClr val="tx1"/>
+                </a:solidFill>
+              </a:rPr>
+              <a:t>0 dB</a:t>
+            </a:r>
+            <a:endParaRPr lang="en-DK" sz="700" dirty="0">
+              <a:solidFill>
+                <a:schemeClr val="tx1"/>
+              </a:solidFill>
+            </a:endParaRPr>
+          </a:p>
+        </p:txBody>
+      </p:sp>
+      <p:sp>
+        <p:nvSpPr>
+          <p:cNvPr id="71" name="Rectangle 70">
+            <a:extLst>
+              <a:ext uri="{FF2B5EF4-FFF2-40B4-BE49-F238E27FC236}">
+                <a16:creationId xmlns:a16="http://schemas.microsoft.com/office/drawing/2014/main" id="{01343516-7055-A96D-2B47-3652C38F628C}"/>
+              </a:ext>
+            </a:extLst>
+          </p:cNvPr>
+          <p:cNvSpPr/>
+          <p:nvPr/>
+        </p:nvSpPr>
+        <p:spPr>
+          <a:xfrm rot="5400000">
+            <a:off x="3877442" y="3209775"/>
+            <a:ext cx="457199" cy="213496"/>
+          </a:xfrm>
+          <a:prstGeom prst="rect">
+            <a:avLst/>
+          </a:prstGeom>
+          <a:solidFill>
+            <a:schemeClr val="bg1"/>
+          </a:solidFill>
+          <a:ln w="38100">
+            <a:solidFill>
+              <a:schemeClr val="accent3"/>
+            </a:solidFill>
+          </a:ln>
+        </p:spPr>
+        <p:style>
+          <a:lnRef idx="2">
+            <a:schemeClr val="accent1">
+              <a:shade val="15000"/>
+            </a:schemeClr>
+          </a:lnRef>
+          <a:fillRef idx="1">
+            <a:schemeClr val="accent1"/>
+          </a:fillRef>
+          <a:effectRef idx="0">
+            <a:schemeClr val="accent1"/>
+          </a:effectRef>
+          <a:fontRef idx="minor">
+            <a:schemeClr val="lt1"/>
+          </a:fontRef>
+        </p:style>
+        <p:txBody>
+          <a:bodyPr rtlCol="0" anchor="ctr"/>
+          <a:lstStyle/>
+          <a:p>
+            <a:pPr algn="ctr"/>
+            <a:r>
+              <a:rPr lang="en-US" sz="700" dirty="0">
+                <a:solidFill>
+                  <a:schemeClr val="tx1"/>
+                </a:solidFill>
+              </a:rPr>
+              <a:t>0 dB</a:t>
+            </a:r>
+            <a:endParaRPr lang="en-DK" sz="700" dirty="0">
+              <a:solidFill>
+                <a:schemeClr val="tx1"/>
+              </a:solidFill>
+            </a:endParaRPr>
+          </a:p>
+        </p:txBody>
+      </p:sp>
+      <p:grpSp>
+        <p:nvGrpSpPr>
+          <p:cNvPr id="74" name="Group 73">
+            <a:extLst>
+              <a:ext uri="{FF2B5EF4-FFF2-40B4-BE49-F238E27FC236}">
+                <a16:creationId xmlns:a16="http://schemas.microsoft.com/office/drawing/2014/main" id="{778A4B90-7A71-0FD5-4659-8B9295A30B63}"/>
+              </a:ext>
+            </a:extLst>
+          </p:cNvPr>
+          <p:cNvGrpSpPr/>
+          <p:nvPr/>
+        </p:nvGrpSpPr>
+        <p:grpSpPr>
+          <a:xfrm rot="16200000">
+            <a:off x="3894505" y="4380293"/>
+            <a:ext cx="457199" cy="213496"/>
+            <a:chOff x="3298646" y="1945539"/>
+            <a:chExt cx="457199" cy="213496"/>
+          </a:xfrm>
+        </p:grpSpPr>
+        <p:sp>
+          <p:nvSpPr>
+            <p:cNvPr id="78" name="Rectangle 77">
+              <a:extLst>
+                <a:ext uri="{FF2B5EF4-FFF2-40B4-BE49-F238E27FC236}">
+                  <a16:creationId xmlns:a16="http://schemas.microsoft.com/office/drawing/2014/main" id="{33B4AC74-DFB8-2F1F-09C0-DCF85F3BAA86}"/>
+                </a:ext>
+              </a:extLst>
+            </p:cNvPr>
+            <p:cNvSpPr/>
+            <p:nvPr/>
+          </p:nvSpPr>
+          <p:spPr>
+            <a:xfrm>
+              <a:off x="3298646" y="1945539"/>
+              <a:ext cx="457199" cy="213496"/>
+            </a:xfrm>
+            <a:prstGeom prst="rect">
+              <a:avLst/>
+            </a:prstGeom>
+            <a:solidFill>
+              <a:schemeClr val="bg1"/>
+            </a:solidFill>
+            <a:ln w="38100">
+              <a:solidFill>
+                <a:schemeClr val="accent3"/>
+              </a:solidFill>
+            </a:ln>
+          </p:spPr>
+          <p:style>
+            <a:lnRef idx="2">
+              <a:schemeClr val="accent1">
+                <a:shade val="15000"/>
+              </a:schemeClr>
+            </a:lnRef>
+            <a:fillRef idx="1">
+              <a:schemeClr val="accent1"/>
+            </a:fillRef>
+            <a:effectRef idx="0">
+              <a:schemeClr val="accent1"/>
+            </a:effectRef>
+            <a:fontRef idx="minor">
+              <a:schemeClr val="lt1"/>
+            </a:fontRef>
+          </p:style>
+          <p:txBody>
+            <a:bodyPr rtlCol="0" anchor="b"/>
+            <a:lstStyle/>
+            <a:p>
+              <a:r>
+                <a:rPr lang="en-US" sz="400" dirty="0">
+                  <a:solidFill>
+                    <a:schemeClr val="tx1"/>
+                  </a:solidFill>
+                </a:rPr>
+                <a:t>10 GHz</a:t>
+              </a:r>
+              <a:endParaRPr lang="en-DK" sz="400" dirty="0">
+                <a:solidFill>
+                  <a:schemeClr val="tx1"/>
+                </a:solidFill>
+              </a:endParaRPr>
+            </a:p>
+          </p:txBody>
+        </p:sp>
+        <p:sp>
+          <p:nvSpPr>
+            <p:cNvPr id="79" name="Freeform: Shape 78">
+              <a:extLst>
+                <a:ext uri="{FF2B5EF4-FFF2-40B4-BE49-F238E27FC236}">
+                  <a16:creationId xmlns:a16="http://schemas.microsoft.com/office/drawing/2014/main" id="{4CA4A606-8033-E235-6BCE-30D0B3CA481F}"/>
+                </a:ext>
+              </a:extLst>
+            </p:cNvPr>
+            <p:cNvSpPr/>
+            <p:nvPr/>
+          </p:nvSpPr>
+          <p:spPr>
+            <a:xfrm>
+              <a:off x="3316940" y="2004311"/>
+              <a:ext cx="395430" cy="117383"/>
+            </a:xfrm>
+            <a:custGeom>
+              <a:avLst/>
+              <a:gdLst>
+                <a:gd name="connsiteX0" fmla="*/ 0 w 776287"/>
+                <a:gd name="connsiteY0" fmla="*/ 0 h 326231"/>
+                <a:gd name="connsiteX1" fmla="*/ 450056 w 776287"/>
+                <a:gd name="connsiteY1" fmla="*/ 0 h 326231"/>
+                <a:gd name="connsiteX2" fmla="*/ 776287 w 776287"/>
+                <a:gd name="connsiteY2" fmla="*/ 326231 h 326231"/>
+              </a:gdLst>
+              <a:ahLst/>
+              <a:cxnLst>
+                <a:cxn ang="0">
+                  <a:pos x="connsiteX0" y="connsiteY0"/>
+                </a:cxn>
+                <a:cxn ang="0">
+                  <a:pos x="connsiteX1" y="connsiteY1"/>
+                </a:cxn>
+                <a:cxn ang="0">
+                  <a:pos x="connsiteX2" y="connsiteY2"/>
+                </a:cxn>
+              </a:cxnLst>
+              <a:rect l="l" t="t" r="r" b="b"/>
+              <a:pathLst>
+                <a:path w="776287" h="326231">
+                  <a:moveTo>
+                    <a:pt x="0" y="0"/>
+                  </a:moveTo>
+                  <a:lnTo>
+                    <a:pt x="450056" y="0"/>
+                  </a:lnTo>
+                  <a:lnTo>
+                    <a:pt x="776287" y="326231"/>
+                  </a:lnTo>
+                </a:path>
+              </a:pathLst>
+            </a:custGeom>
+            <a:noFill/>
+            <a:ln w="38100">
+              <a:solidFill>
+                <a:schemeClr val="accent3"/>
+              </a:solidFill>
+            </a:ln>
+          </p:spPr>
+          <p:style>
+            <a:lnRef idx="2">
+              <a:schemeClr val="accent1">
+                <a:shade val="15000"/>
+              </a:schemeClr>
+            </a:lnRef>
+            <a:fillRef idx="1">
+              <a:schemeClr val="accent1"/>
+            </a:fillRef>
+            <a:effectRef idx="0">
+              <a:schemeClr val="accent1"/>
+            </a:effectRef>
+            <a:fontRef idx="minor">
+              <a:schemeClr val="lt1"/>
+            </a:fontRef>
+          </p:style>
+          <p:txBody>
+            <a:bodyPr rtlCol="0" anchor="ctr"/>
+            <a:lstStyle/>
+            <a:p>
+              <a:pPr algn="ctr"/>
+              <a:endParaRPr lang="en-DK">
+                <a:ln w="38100">
+                  <a:solidFill>
+                    <a:schemeClr val="tx1"/>
+                  </a:solidFill>
+                </a:ln>
+              </a:endParaRPr>
+            </a:p>
+          </p:txBody>
+        </p:sp>
+      </p:grpSp>
+      <p:grpSp>
+        <p:nvGrpSpPr>
+          <p:cNvPr id="75" name="Group 74">
+            <a:extLst>
+              <a:ext uri="{FF2B5EF4-FFF2-40B4-BE49-F238E27FC236}">
+                <a16:creationId xmlns:a16="http://schemas.microsoft.com/office/drawing/2014/main" id="{1B66EA67-E79D-7A21-0ACB-C88499493655}"/>
+              </a:ext>
+            </a:extLst>
+          </p:cNvPr>
+          <p:cNvGrpSpPr/>
+          <p:nvPr/>
+        </p:nvGrpSpPr>
+        <p:grpSpPr>
+          <a:xfrm rot="5400000">
+            <a:off x="3888158" y="4939094"/>
+            <a:ext cx="457199" cy="213496"/>
+            <a:chOff x="3298646" y="1945539"/>
+            <a:chExt cx="457199" cy="213496"/>
+          </a:xfrm>
+        </p:grpSpPr>
+        <p:sp>
+          <p:nvSpPr>
+            <p:cNvPr id="76" name="Rectangle 75">
+              <a:extLst>
+                <a:ext uri="{FF2B5EF4-FFF2-40B4-BE49-F238E27FC236}">
+                  <a16:creationId xmlns:a16="http://schemas.microsoft.com/office/drawing/2014/main" id="{C9E8DEC0-CC5E-3F96-F6F7-00168950DB67}"/>
+                </a:ext>
+              </a:extLst>
+            </p:cNvPr>
+            <p:cNvSpPr/>
+            <p:nvPr/>
+          </p:nvSpPr>
+          <p:spPr>
+            <a:xfrm>
+              <a:off x="3298646" y="1945539"/>
+              <a:ext cx="457199" cy="213496"/>
+            </a:xfrm>
+            <a:prstGeom prst="rect">
+              <a:avLst/>
+            </a:prstGeom>
+            <a:solidFill>
+              <a:schemeClr val="bg1"/>
+            </a:solidFill>
+            <a:ln w="38100">
+              <a:solidFill>
+                <a:schemeClr val="accent3"/>
+              </a:solidFill>
+            </a:ln>
+          </p:spPr>
+          <p:style>
+            <a:lnRef idx="2">
+              <a:schemeClr val="accent1">
+                <a:shade val="15000"/>
+              </a:schemeClr>
+            </a:lnRef>
+            <a:fillRef idx="1">
+              <a:schemeClr val="accent1"/>
+            </a:fillRef>
+            <a:effectRef idx="0">
+              <a:schemeClr val="accent1"/>
+            </a:effectRef>
+            <a:fontRef idx="minor">
+              <a:schemeClr val="lt1"/>
+            </a:fontRef>
+          </p:style>
+          <p:txBody>
+            <a:bodyPr rtlCol="0" anchor="b"/>
+            <a:lstStyle/>
+            <a:p>
+              <a:r>
+                <a:rPr lang="en-US" sz="400" dirty="0">
+                  <a:solidFill>
+                    <a:schemeClr val="tx1"/>
+                  </a:solidFill>
+                </a:rPr>
+                <a:t>HF IR</a:t>
+              </a:r>
+              <a:endParaRPr lang="en-DK" sz="400" dirty="0">
+                <a:solidFill>
+                  <a:schemeClr val="tx1"/>
+                </a:solidFill>
+              </a:endParaRPr>
+            </a:p>
+          </p:txBody>
+        </p:sp>
+        <p:sp>
+          <p:nvSpPr>
+            <p:cNvPr id="77" name="Freeform: Shape 76">
+              <a:extLst>
+                <a:ext uri="{FF2B5EF4-FFF2-40B4-BE49-F238E27FC236}">
+                  <a16:creationId xmlns:a16="http://schemas.microsoft.com/office/drawing/2014/main" id="{6485B476-9027-9046-C091-C2DC7C86B2B4}"/>
+                </a:ext>
+              </a:extLst>
+            </p:cNvPr>
+            <p:cNvSpPr/>
+            <p:nvPr/>
+          </p:nvSpPr>
+          <p:spPr>
+            <a:xfrm>
+              <a:off x="3316940" y="2004311"/>
+              <a:ext cx="395430" cy="117383"/>
+            </a:xfrm>
+            <a:custGeom>
+              <a:avLst/>
+              <a:gdLst>
+                <a:gd name="connsiteX0" fmla="*/ 0 w 776287"/>
+                <a:gd name="connsiteY0" fmla="*/ 0 h 326231"/>
+                <a:gd name="connsiteX1" fmla="*/ 450056 w 776287"/>
+                <a:gd name="connsiteY1" fmla="*/ 0 h 326231"/>
+                <a:gd name="connsiteX2" fmla="*/ 776287 w 776287"/>
+                <a:gd name="connsiteY2" fmla="*/ 326231 h 326231"/>
+              </a:gdLst>
+              <a:ahLst/>
+              <a:cxnLst>
+                <a:cxn ang="0">
+                  <a:pos x="connsiteX0" y="connsiteY0"/>
+                </a:cxn>
+                <a:cxn ang="0">
+                  <a:pos x="connsiteX1" y="connsiteY1"/>
+                </a:cxn>
+                <a:cxn ang="0">
+                  <a:pos x="connsiteX2" y="connsiteY2"/>
+                </a:cxn>
+              </a:cxnLst>
+              <a:rect l="l" t="t" r="r" b="b"/>
+              <a:pathLst>
+                <a:path w="776287" h="326231">
+                  <a:moveTo>
+                    <a:pt x="0" y="0"/>
+                  </a:moveTo>
+                  <a:lnTo>
+                    <a:pt x="450056" y="0"/>
+                  </a:lnTo>
+                  <a:lnTo>
+                    <a:pt x="776287" y="326231"/>
+                  </a:lnTo>
+                </a:path>
+              </a:pathLst>
+            </a:custGeom>
+            <a:noFill/>
+            <a:ln w="38100">
+              <a:solidFill>
+                <a:schemeClr val="accent3"/>
+              </a:solidFill>
+            </a:ln>
+          </p:spPr>
+          <p:style>
+            <a:lnRef idx="2">
+              <a:schemeClr val="accent1">
+                <a:shade val="15000"/>
+              </a:schemeClr>
+            </a:lnRef>
+            <a:fillRef idx="1">
+              <a:schemeClr val="accent1"/>
+            </a:fillRef>
+            <a:effectRef idx="0">
+              <a:schemeClr val="accent1"/>
+            </a:effectRef>
+            <a:fontRef idx="minor">
+              <a:schemeClr val="lt1"/>
+            </a:fontRef>
+          </p:style>
+          <p:txBody>
+            <a:bodyPr rtlCol="0" anchor="ctr"/>
+            <a:lstStyle/>
+            <a:p>
+              <a:pPr algn="ctr"/>
+              <a:endParaRPr lang="en-DK">
+                <a:ln w="38100">
+                  <a:solidFill>
+                    <a:schemeClr val="tx1"/>
+                  </a:solidFill>
+                </a:ln>
+              </a:endParaRPr>
+            </a:p>
+          </p:txBody>
+        </p:sp>
+      </p:grpSp>
+      <p:sp>
+        <p:nvSpPr>
+          <p:cNvPr id="80" name="TextBox 79">
+            <a:extLst>
+              <a:ext uri="{FF2B5EF4-FFF2-40B4-BE49-F238E27FC236}">
+                <a16:creationId xmlns:a16="http://schemas.microsoft.com/office/drawing/2014/main" id="{3AE40769-3B4D-C325-B764-340C3DD48357}"/>
+              </a:ext>
+            </a:extLst>
+          </p:cNvPr>
+          <p:cNvSpPr txBox="1"/>
+          <p:nvPr/>
+        </p:nvSpPr>
+        <p:spPr>
+          <a:xfrm rot="5400000" flipH="1" flipV="1">
+            <a:off x="2673913" y="2909077"/>
+            <a:ext cx="2046147" cy="369332"/>
+          </a:xfrm>
+          <a:prstGeom prst="rect">
+            <a:avLst/>
+          </a:prstGeom>
+          <a:noFill/>
+        </p:spPr>
+        <p:txBody>
+          <a:bodyPr wrap="square" rtlCol="0">
+            <a:spAutoFit/>
+          </a:bodyPr>
+          <a:lstStyle/>
+          <a:p>
+            <a:r>
+              <a:rPr lang="en-US" dirty="0"/>
+              <a:t>Readout Output</a:t>
+            </a:r>
+            <a:endParaRPr lang="en-DK" dirty="0"/>
+          </a:p>
+        </p:txBody>
+      </p:sp>
+      <p:sp>
+        <p:nvSpPr>
+          <p:cNvPr id="81" name="Rectangle 80">
+            <a:extLst>
+              <a:ext uri="{FF2B5EF4-FFF2-40B4-BE49-F238E27FC236}">
+                <a16:creationId xmlns:a16="http://schemas.microsoft.com/office/drawing/2014/main" id="{7E37BEBB-0DE2-7448-CB80-D2FE96CFB427}"/>
+              </a:ext>
+            </a:extLst>
+          </p:cNvPr>
+          <p:cNvSpPr/>
+          <p:nvPr/>
+        </p:nvSpPr>
+        <p:spPr>
+          <a:xfrm rot="5400000">
+            <a:off x="3888158" y="3754609"/>
+            <a:ext cx="457199" cy="213496"/>
+          </a:xfrm>
+          <a:prstGeom prst="rect">
+            <a:avLst/>
+          </a:prstGeom>
+          <a:solidFill>
+            <a:schemeClr val="bg1"/>
+          </a:solidFill>
+          <a:ln w="38100">
+            <a:solidFill>
+              <a:schemeClr val="accent3"/>
+            </a:solidFill>
+          </a:ln>
+        </p:spPr>
+        <p:style>
+          <a:lnRef idx="2">
+            <a:schemeClr val="accent1">
+              <a:shade val="15000"/>
+            </a:schemeClr>
+          </a:lnRef>
+          <a:fillRef idx="1">
+            <a:schemeClr val="accent1"/>
+          </a:fillRef>
+          <a:effectRef idx="0">
+            <a:schemeClr val="accent1"/>
+          </a:effectRef>
+          <a:fontRef idx="minor">
+            <a:schemeClr val="lt1"/>
+          </a:fontRef>
+        </p:style>
+        <p:txBody>
+          <a:bodyPr rtlCol="0" anchor="ctr"/>
+          <a:lstStyle/>
+          <a:p>
+            <a:pPr algn="ctr"/>
+            <a:r>
+              <a:rPr lang="en-US" sz="700" dirty="0">
+                <a:solidFill>
+                  <a:schemeClr val="tx1"/>
+                </a:solidFill>
+              </a:rPr>
+              <a:t>0 dB</a:t>
+            </a:r>
+            <a:endParaRPr lang="en-DK" sz="700" dirty="0">
+              <a:solidFill>
+                <a:schemeClr val="tx1"/>
+              </a:solidFill>
+            </a:endParaRPr>
+          </a:p>
+        </p:txBody>
+      </p:sp>
+      <p:sp>
+        <p:nvSpPr>
+          <p:cNvPr id="86" name="Oval 85">
+            <a:extLst>
+              <a:ext uri="{FF2B5EF4-FFF2-40B4-BE49-F238E27FC236}">
+                <a16:creationId xmlns:a16="http://schemas.microsoft.com/office/drawing/2014/main" id="{FA7E4111-6AB4-1661-1DA1-31FC027120D9}"/>
+              </a:ext>
+            </a:extLst>
+          </p:cNvPr>
+          <p:cNvSpPr/>
+          <p:nvPr/>
+        </p:nvSpPr>
+        <p:spPr>
+          <a:xfrm rot="4615683">
+            <a:off x="3945078" y="5372352"/>
+            <a:ext cx="364521" cy="364521"/>
+          </a:xfrm>
+          <a:prstGeom prst="ellipse">
+            <a:avLst/>
+          </a:prstGeom>
+          <a:solidFill>
+            <a:schemeClr val="bg1"/>
+          </a:solidFill>
+          <a:ln w="38100">
+            <a:solidFill>
+              <a:schemeClr val="accent3"/>
+            </a:solidFill>
+          </a:ln>
+        </p:spPr>
+        <p:style>
+          <a:lnRef idx="2">
+            <a:schemeClr val="accent1">
+              <a:shade val="15000"/>
+            </a:schemeClr>
+          </a:lnRef>
+          <a:fillRef idx="1">
+            <a:schemeClr val="accent1"/>
+          </a:fillRef>
+          <a:effectRef idx="0">
+            <a:schemeClr val="accent1"/>
+          </a:effectRef>
+          <a:fontRef idx="minor">
+            <a:schemeClr val="lt1"/>
+          </a:fontRef>
+        </p:style>
+        <p:txBody>
+          <a:bodyPr rtlCol="0" anchor="ctr"/>
+          <a:lstStyle/>
+          <a:p>
+            <a:pPr algn="ctr"/>
+            <a:endParaRPr lang="en-DK"/>
+          </a:p>
+        </p:txBody>
+      </p:sp>
+      <p:sp>
+        <p:nvSpPr>
+          <p:cNvPr id="87" name="Arrow: Curved Up 86">
+            <a:extLst>
+              <a:ext uri="{FF2B5EF4-FFF2-40B4-BE49-F238E27FC236}">
+                <a16:creationId xmlns:a16="http://schemas.microsoft.com/office/drawing/2014/main" id="{0A08B800-52BF-5367-AFA3-65A2FBB302FF}"/>
+              </a:ext>
+            </a:extLst>
+          </p:cNvPr>
+          <p:cNvSpPr/>
+          <p:nvPr/>
+        </p:nvSpPr>
+        <p:spPr>
+          <a:xfrm rot="4615683">
+            <a:off x="3988528" y="5499278"/>
+            <a:ext cx="241125" cy="147451"/>
+          </a:xfrm>
+          <a:prstGeom prst="curvedUpArrow">
+            <a:avLst/>
+          </a:prstGeom>
+          <a:solidFill>
+            <a:schemeClr val="accent3"/>
+          </a:solidFill>
+          <a:ln>
+            <a:solidFill>
+              <a:schemeClr val="accent3"/>
+            </a:solidFill>
+          </a:ln>
+        </p:spPr>
+        <p:style>
+          <a:lnRef idx="2">
+            <a:schemeClr val="accent1">
+              <a:shade val="15000"/>
+            </a:schemeClr>
+          </a:lnRef>
+          <a:fillRef idx="1">
+            <a:schemeClr val="accent1"/>
+          </a:fillRef>
+          <a:effectRef idx="0">
+            <a:schemeClr val="accent1"/>
+          </a:effectRef>
+          <a:fontRef idx="minor">
+            <a:schemeClr val="lt1"/>
+          </a:fontRef>
+        </p:style>
+        <p:txBody>
+          <a:bodyPr rtlCol="0" anchor="ctr"/>
+          <a:lstStyle/>
+          <a:p>
+            <a:pPr algn="ctr"/>
+            <a:endParaRPr lang="en-DK" dirty="0">
+              <a:solidFill>
+                <a:schemeClr val="tx1"/>
+              </a:solidFill>
+            </a:endParaRPr>
+          </a:p>
+        </p:txBody>
+      </p:sp>
+      <p:sp>
+        <p:nvSpPr>
+          <p:cNvPr id="88" name="Flowchart: Extract 87">
+            <a:extLst>
+              <a:ext uri="{FF2B5EF4-FFF2-40B4-BE49-F238E27FC236}">
+                <a16:creationId xmlns:a16="http://schemas.microsoft.com/office/drawing/2014/main" id="{833894BC-43A4-7628-D7EC-A679A38F9483}"/>
+              </a:ext>
+            </a:extLst>
+          </p:cNvPr>
+          <p:cNvSpPr/>
+          <p:nvPr/>
+        </p:nvSpPr>
+        <p:spPr>
+          <a:xfrm>
+            <a:off x="3995649" y="666750"/>
+            <a:ext cx="276342" cy="276342"/>
+          </a:xfrm>
+          <a:prstGeom prst="flowChartExtract">
+            <a:avLst/>
+          </a:prstGeom>
+          <a:solidFill>
+            <a:schemeClr val="bg1"/>
+          </a:solidFill>
+          <a:ln w="38100">
+            <a:solidFill>
+              <a:schemeClr val="accent3"/>
+            </a:solidFill>
+          </a:ln>
+        </p:spPr>
+        <p:style>
+          <a:lnRef idx="2">
+            <a:schemeClr val="accent1">
+              <a:shade val="15000"/>
+            </a:schemeClr>
+          </a:lnRef>
+          <a:fillRef idx="1">
+            <a:schemeClr val="accent1"/>
+          </a:fillRef>
+          <a:effectRef idx="0">
+            <a:schemeClr val="accent1"/>
+          </a:effectRef>
+          <a:fontRef idx="minor">
+            <a:schemeClr val="lt1"/>
+          </a:fontRef>
+        </p:style>
+        <p:txBody>
+          <a:bodyPr rtlCol="0" anchor="ctr"/>
+          <a:lstStyle/>
+          <a:p>
+            <a:pPr algn="ctr"/>
+            <a:endParaRPr lang="en-DK"/>
+          </a:p>
+        </p:txBody>
+      </p:sp>
+      <p:sp>
+        <p:nvSpPr>
+          <p:cNvPr id="89" name="Flowchart: Extract 88">
+            <a:extLst>
+              <a:ext uri="{FF2B5EF4-FFF2-40B4-BE49-F238E27FC236}">
+                <a16:creationId xmlns:a16="http://schemas.microsoft.com/office/drawing/2014/main" id="{30E0EF2F-398C-C744-9200-E06FCA533CE1}"/>
+              </a:ext>
+            </a:extLst>
+          </p:cNvPr>
+          <p:cNvSpPr/>
+          <p:nvPr/>
+        </p:nvSpPr>
+        <p:spPr>
+          <a:xfrm>
+            <a:off x="3970249" y="1911350"/>
+            <a:ext cx="276342" cy="276342"/>
+          </a:xfrm>
+          <a:prstGeom prst="flowChartExtract">
+            <a:avLst/>
+          </a:prstGeom>
+          <a:solidFill>
+            <a:schemeClr val="bg1"/>
+          </a:solidFill>
+          <a:ln w="38100">
+            <a:solidFill>
+              <a:schemeClr val="accent3"/>
+            </a:solidFill>
+          </a:ln>
+        </p:spPr>
+        <p:style>
+          <a:lnRef idx="2">
+            <a:schemeClr val="accent1">
+              <a:shade val="15000"/>
+            </a:schemeClr>
+          </a:lnRef>
+          <a:fillRef idx="1">
+            <a:schemeClr val="accent1"/>
+          </a:fillRef>
+          <a:effectRef idx="0">
+            <a:schemeClr val="accent1"/>
+          </a:effectRef>
+          <a:fontRef idx="minor">
+            <a:schemeClr val="lt1"/>
+          </a:fontRef>
+        </p:style>
+        <p:txBody>
+          <a:bodyPr rtlCol="0" anchor="ctr"/>
+          <a:lstStyle/>
+          <a:p>
+            <a:pPr algn="ctr"/>
+            <a:endParaRPr lang="en-DK"/>
+          </a:p>
+        </p:txBody>
+      </p:sp>
+      <p:sp>
+        <p:nvSpPr>
+          <p:cNvPr id="90" name="Flowchart: Extract 89">
+            <a:extLst>
+              <a:ext uri="{FF2B5EF4-FFF2-40B4-BE49-F238E27FC236}">
+                <a16:creationId xmlns:a16="http://schemas.microsoft.com/office/drawing/2014/main" id="{F527C900-210C-D8A3-E9A4-B49546996B16}"/>
+              </a:ext>
+            </a:extLst>
+          </p:cNvPr>
+          <p:cNvSpPr/>
+          <p:nvPr/>
+        </p:nvSpPr>
+        <p:spPr>
+          <a:xfrm>
+            <a:off x="4010007" y="5815020"/>
+            <a:ext cx="276342" cy="276342"/>
+          </a:xfrm>
+          <a:prstGeom prst="flowChartExtract">
+            <a:avLst/>
+          </a:prstGeom>
+          <a:solidFill>
+            <a:schemeClr val="bg1"/>
+          </a:solidFill>
+          <a:ln w="38100">
+            <a:solidFill>
+              <a:schemeClr val="accent3"/>
+            </a:solidFill>
+          </a:ln>
+        </p:spPr>
+        <p:style>
+          <a:lnRef idx="2">
+            <a:schemeClr val="accent1">
+              <a:shade val="15000"/>
+            </a:schemeClr>
+          </a:lnRef>
+          <a:fillRef idx="1">
+            <a:schemeClr val="accent1"/>
+          </a:fillRef>
+          <a:effectRef idx="0">
+            <a:schemeClr val="accent1"/>
+          </a:effectRef>
+          <a:fontRef idx="minor">
+            <a:schemeClr val="lt1"/>
+          </a:fontRef>
+        </p:style>
+        <p:txBody>
+          <a:bodyPr rtlCol="0" anchor="ctr"/>
+          <a:lstStyle/>
+          <a:p>
+            <a:pPr algn="ctr"/>
+            <a:endParaRPr lang="en-DK"/>
+          </a:p>
+        </p:txBody>
+      </p:sp>
+      <p:sp>
+        <p:nvSpPr>
+          <p:cNvPr id="92" name="Oval 91">
+            <a:extLst>
+              <a:ext uri="{FF2B5EF4-FFF2-40B4-BE49-F238E27FC236}">
+                <a16:creationId xmlns:a16="http://schemas.microsoft.com/office/drawing/2014/main" id="{0868A02F-07D9-DBCA-BA05-5CA99D08A25E}"/>
+              </a:ext>
+            </a:extLst>
+          </p:cNvPr>
+          <p:cNvSpPr/>
+          <p:nvPr/>
+        </p:nvSpPr>
+        <p:spPr>
+          <a:xfrm rot="4615683">
+            <a:off x="3969807" y="6250948"/>
+            <a:ext cx="364521" cy="364521"/>
+          </a:xfrm>
+          <a:prstGeom prst="ellipse">
+            <a:avLst/>
+          </a:prstGeom>
+          <a:solidFill>
+            <a:schemeClr val="bg1"/>
+          </a:solidFill>
+          <a:ln w="38100">
+            <a:solidFill>
+              <a:schemeClr val="accent3"/>
+            </a:solidFill>
+          </a:ln>
+        </p:spPr>
+        <p:style>
+          <a:lnRef idx="2">
+            <a:schemeClr val="accent1">
+              <a:shade val="15000"/>
+            </a:schemeClr>
+          </a:lnRef>
+          <a:fillRef idx="1">
+            <a:schemeClr val="accent1"/>
+          </a:fillRef>
+          <a:effectRef idx="0">
+            <a:schemeClr val="accent1"/>
+          </a:effectRef>
+          <a:fontRef idx="minor">
+            <a:schemeClr val="lt1"/>
+          </a:fontRef>
+        </p:style>
+        <p:txBody>
+          <a:bodyPr rtlCol="0" anchor="ctr"/>
+          <a:lstStyle/>
+          <a:p>
+            <a:pPr algn="ctr"/>
+            <a:endParaRPr lang="en-DK"/>
+          </a:p>
+        </p:txBody>
+      </p:sp>
+      <p:sp>
+        <p:nvSpPr>
+          <p:cNvPr id="93" name="Arrow: Curved Up 92">
+            <a:extLst>
+              <a:ext uri="{FF2B5EF4-FFF2-40B4-BE49-F238E27FC236}">
+                <a16:creationId xmlns:a16="http://schemas.microsoft.com/office/drawing/2014/main" id="{18982235-7E68-8594-0DA4-AE0C53B63B7B}"/>
+              </a:ext>
+            </a:extLst>
+          </p:cNvPr>
+          <p:cNvSpPr/>
+          <p:nvPr/>
+        </p:nvSpPr>
+        <p:spPr>
+          <a:xfrm rot="4615683">
+            <a:off x="4013257" y="6377874"/>
+            <a:ext cx="241125" cy="147451"/>
+          </a:xfrm>
+          <a:prstGeom prst="curvedUpArrow">
+            <a:avLst/>
+          </a:prstGeom>
+          <a:solidFill>
+            <a:schemeClr val="accent3"/>
+          </a:solidFill>
+          <a:ln>
+            <a:solidFill>
+              <a:schemeClr val="accent3"/>
+            </a:solidFill>
+          </a:ln>
+        </p:spPr>
+        <p:style>
+          <a:lnRef idx="2">
+            <a:schemeClr val="accent1">
+              <a:shade val="15000"/>
+            </a:schemeClr>
+          </a:lnRef>
+          <a:fillRef idx="1">
+            <a:schemeClr val="accent1"/>
+          </a:fillRef>
+          <a:effectRef idx="0">
+            <a:schemeClr val="accent1"/>
+          </a:effectRef>
+          <a:fontRef idx="minor">
+            <a:schemeClr val="lt1"/>
+          </a:fontRef>
+        </p:style>
+        <p:txBody>
+          <a:bodyPr rtlCol="0" anchor="ctr"/>
+          <a:lstStyle/>
+          <a:p>
+            <a:pPr algn="ctr"/>
+            <a:endParaRPr lang="en-DK" dirty="0">
+              <a:solidFill>
+                <a:schemeClr val="tx1"/>
+              </a:solidFill>
+            </a:endParaRPr>
+          </a:p>
+        </p:txBody>
+      </p:sp>
+      <p:sp>
+        <p:nvSpPr>
+          <p:cNvPr id="100" name="Rectangle 99">
+            <a:extLst>
+              <a:ext uri="{FF2B5EF4-FFF2-40B4-BE49-F238E27FC236}">
+                <a16:creationId xmlns:a16="http://schemas.microsoft.com/office/drawing/2014/main" id="{2F0B204D-7CBE-B274-AA75-82B3C22FE45A}"/>
+              </a:ext>
+            </a:extLst>
+          </p:cNvPr>
+          <p:cNvSpPr/>
+          <p:nvPr/>
+        </p:nvSpPr>
+        <p:spPr>
+          <a:xfrm>
+            <a:off x="1666320" y="5773373"/>
+            <a:ext cx="1920249" cy="568891"/>
+          </a:xfrm>
+          <a:prstGeom prst="rect">
+            <a:avLst/>
+          </a:prstGeom>
+        </p:spPr>
+        <p:style>
+          <a:lnRef idx="2">
+            <a:schemeClr val="accent1">
+              <a:shade val="15000"/>
+            </a:schemeClr>
+          </a:lnRef>
+          <a:fillRef idx="1">
+            <a:schemeClr val="accent1"/>
+          </a:fillRef>
+          <a:effectRef idx="0">
+            <a:schemeClr val="accent1"/>
+          </a:effectRef>
+          <a:fontRef idx="minor">
+            <a:schemeClr val="lt1"/>
+          </a:fontRef>
+        </p:style>
+        <p:txBody>
+          <a:bodyPr rtlCol="0" anchor="ctr"/>
+          <a:lstStyle/>
+          <a:p>
+            <a:pPr algn="ctr"/>
+            <a:endParaRPr lang="en-DK"/>
+          </a:p>
+        </p:txBody>
+      </p:sp>
+      <p:sp>
+        <p:nvSpPr>
+          <p:cNvPr id="106" name="TextBox 105">
+            <a:extLst>
+              <a:ext uri="{FF2B5EF4-FFF2-40B4-BE49-F238E27FC236}">
+                <a16:creationId xmlns:a16="http://schemas.microsoft.com/office/drawing/2014/main" id="{9F15DB8C-C87D-19FA-BFA0-04B4FDE0E476}"/>
+              </a:ext>
+            </a:extLst>
+          </p:cNvPr>
+          <p:cNvSpPr txBox="1"/>
+          <p:nvPr/>
+        </p:nvSpPr>
+        <p:spPr>
+          <a:xfrm>
+            <a:off x="4326423" y="5815020"/>
+            <a:ext cx="690702" cy="307777"/>
+          </a:xfrm>
+          <a:prstGeom prst="rect">
+            <a:avLst/>
+          </a:prstGeom>
+          <a:noFill/>
+        </p:spPr>
+        <p:txBody>
+          <a:bodyPr wrap="none" rtlCol="0">
+            <a:spAutoFit/>
+          </a:bodyPr>
+          <a:lstStyle/>
+          <a:p>
+            <a:r>
+              <a:rPr lang="en-US" sz="1400" dirty="0"/>
+              <a:t>TWPA</a:t>
+            </a:r>
+            <a:endParaRPr lang="en-DK" sz="1400" dirty="0"/>
+          </a:p>
+        </p:txBody>
+      </p:sp>
+    </p:spTree>
+    <p:extLst>
+      <p:ext uri="{BB962C8B-B14F-4D97-AF65-F5344CB8AC3E}">
+        <p14:creationId xmlns:p14="http://schemas.microsoft.com/office/powerpoint/2010/main" val="2175269834"/>
+      </p:ext>
+    </p:extLst>
+  </p:cSld>
+  <p:clrMapOvr>
+    <a:masterClrMapping/>
+  </p:clrMapOvr>
+  <mc:AlternateContent xmlns:mc="http://schemas.openxmlformats.org/markup-compatibility/2006" xmlns:p159="http://schemas.microsoft.com/office/powerpoint/2015/09/main">
+    <mc:Choice Requires="p159">
+      <p:transition>
+        <p159:morph option="byObject"/>
+      </p:transition>
+    </mc:Choice>
+    <mc:Fallback xmlns="">
+      <p:transition>
+        <p:fade/>
+      </p:transition>
+    </mc:Fallback>
+  </mc:AlternateContent>
+</p:sld>
+</file>
+
+<file path=ppt/slides/slide4.xml><?xml version="1.0" encoding="utf-8"?>
+<p:sld xmlns:a="http://schemas.openxmlformats.org/drawingml/2006/main" xmlns:r="http://schemas.openxmlformats.org/officeDocument/2006/relationships" xmlns:p="http://schemas.openxmlformats.org/presentationml/2006/main">
+  <p:cSld>
+    <p:spTree>
+      <p:nvGrpSpPr>
+        <p:cNvPr id="1" name=""/>
+        <p:cNvGrpSpPr/>
+        <p:nvPr/>
+      </p:nvGrpSpPr>
+      <p:grpSpPr>
+        <a:xfrm>
+          <a:off x="0" y="0"/>
+          <a:ext cx="0" cy="0"/>
+          <a:chOff x="0" y="0"/>
+          <a:chExt cx="0" cy="0"/>
+        </a:xfrm>
+      </p:grpSpPr>
+      <p:grpSp>
+        <p:nvGrpSpPr>
+          <p:cNvPr id="2" name="Group 1">
+            <a:extLst>
+              <a:ext uri="{FF2B5EF4-FFF2-40B4-BE49-F238E27FC236}">
+                <a16:creationId xmlns:a16="http://schemas.microsoft.com/office/drawing/2014/main" id="{6DDABC96-3125-6509-1813-C52792C30250}"/>
+              </a:ext>
+            </a:extLst>
+          </p:cNvPr>
+          <p:cNvGrpSpPr/>
+          <p:nvPr/>
+        </p:nvGrpSpPr>
+        <p:grpSpPr>
+          <a:xfrm>
+            <a:off x="5869989" y="379954"/>
+            <a:ext cx="5814636" cy="6098091"/>
+            <a:chOff x="-797511" y="666750"/>
+            <a:chExt cx="5814636" cy="6098091"/>
+          </a:xfrm>
+        </p:grpSpPr>
+        <p:sp>
+          <p:nvSpPr>
+            <p:cNvPr id="104" name="Rectangle 103">
+              <a:extLst>
+                <a:ext uri="{FF2B5EF4-FFF2-40B4-BE49-F238E27FC236}">
+                  <a16:creationId xmlns:a16="http://schemas.microsoft.com/office/drawing/2014/main" id="{83731DF1-6FA6-EFEA-6781-9601D65DDBCA}"/>
+                </a:ext>
+              </a:extLst>
+            </p:cNvPr>
+            <p:cNvSpPr/>
+            <p:nvPr/>
+          </p:nvSpPr>
+          <p:spPr>
+            <a:xfrm>
+              <a:off x="3118003" y="6057818"/>
+              <a:ext cx="1031945" cy="707023"/>
+            </a:xfrm>
+            <a:prstGeom prst="rect">
+              <a:avLst/>
+            </a:prstGeom>
+            <a:solidFill>
+              <a:schemeClr val="bg1"/>
+            </a:solidFill>
+            <a:ln w="38100">
+              <a:solidFill>
+                <a:schemeClr val="accent3"/>
+              </a:solidFill>
+            </a:ln>
+          </p:spPr>
+          <p:style>
+            <a:lnRef idx="2">
+              <a:schemeClr val="accent1">
+                <a:shade val="15000"/>
+              </a:schemeClr>
+            </a:lnRef>
+            <a:fillRef idx="1">
+              <a:schemeClr val="accent1"/>
+            </a:fillRef>
+            <a:effectRef idx="0">
+              <a:schemeClr val="accent1"/>
+            </a:effectRef>
+            <a:fontRef idx="minor">
+              <a:schemeClr val="lt1"/>
+            </a:fontRef>
+          </p:style>
+          <p:txBody>
+            <a:bodyPr rtlCol="0" anchor="ctr"/>
+            <a:lstStyle/>
+            <a:p>
+              <a:pPr algn="ctr"/>
+              <a:endParaRPr lang="en-DK"/>
+            </a:p>
+          </p:txBody>
+        </p:sp>
+        <p:sp>
+          <p:nvSpPr>
+            <p:cNvPr id="105" name="Rectangle 104">
+              <a:extLst>
+                <a:ext uri="{FF2B5EF4-FFF2-40B4-BE49-F238E27FC236}">
+                  <a16:creationId xmlns:a16="http://schemas.microsoft.com/office/drawing/2014/main" id="{822198D1-E128-C576-2008-11FC0572968F}"/>
+                </a:ext>
+              </a:extLst>
+            </p:cNvPr>
+            <p:cNvSpPr/>
+            <p:nvPr/>
+          </p:nvSpPr>
+          <p:spPr>
+            <a:xfrm>
+              <a:off x="3392986" y="5703123"/>
+              <a:ext cx="720929" cy="707023"/>
+            </a:xfrm>
+            <a:prstGeom prst="rect">
+              <a:avLst/>
+            </a:prstGeom>
+            <a:solidFill>
+              <a:schemeClr val="bg1"/>
+            </a:solidFill>
+            <a:ln w="38100">
+              <a:noFill/>
+            </a:ln>
+          </p:spPr>
+          <p:style>
+            <a:lnRef idx="2">
+              <a:schemeClr val="accent1">
+                <a:shade val="15000"/>
+              </a:schemeClr>
+            </a:lnRef>
+            <a:fillRef idx="1">
+              <a:schemeClr val="accent1"/>
+            </a:fillRef>
+            <a:effectRef idx="0">
+              <a:schemeClr val="accent1"/>
+            </a:effectRef>
+            <a:fontRef idx="minor">
+              <a:schemeClr val="lt1"/>
+            </a:fontRef>
+          </p:style>
+          <p:txBody>
+            <a:bodyPr rtlCol="0" anchor="ctr"/>
+            <a:lstStyle/>
+            <a:p>
+              <a:pPr algn="ctr"/>
+              <a:endParaRPr lang="en-DK"/>
+            </a:p>
+          </p:txBody>
+        </p:sp>
+        <p:cxnSp>
+          <p:nvCxnSpPr>
+            <p:cNvPr id="15" name="Straight Arrow Connector 14">
+              <a:extLst>
+                <a:ext uri="{FF2B5EF4-FFF2-40B4-BE49-F238E27FC236}">
+                  <a16:creationId xmlns:a16="http://schemas.microsoft.com/office/drawing/2014/main" id="{9D977361-63F5-59F1-28FD-5FA52BDF3252}"/>
+                </a:ext>
+              </a:extLst>
+            </p:cNvPr>
+            <p:cNvCxnSpPr>
+              <a:cxnSpLocks/>
+            </p:cNvCxnSpPr>
+            <p:nvPr/>
+          </p:nvCxnSpPr>
+          <p:spPr>
+            <a:xfrm>
+              <a:off x="1209675" y="1095375"/>
+              <a:ext cx="0" cy="3747265"/>
+            </a:xfrm>
+            <a:prstGeom prst="straightConnector1">
+              <a:avLst/>
+            </a:prstGeom>
+            <a:ln w="76200">
+              <a:solidFill>
+                <a:schemeClr val="tx1">
+                  <a:lumMod val="65000"/>
+                  <a:lumOff val="35000"/>
+                </a:schemeClr>
+              </a:solidFill>
+              <a:tailEnd type="triangle"/>
+            </a:ln>
+          </p:spPr>
+          <p:style>
+            <a:lnRef idx="1">
+              <a:schemeClr val="accent1"/>
+            </a:lnRef>
+            <a:fillRef idx="0">
+              <a:schemeClr val="accent1"/>
+            </a:fillRef>
+            <a:effectRef idx="0">
+              <a:schemeClr val="accent1"/>
+            </a:effectRef>
+            <a:fontRef idx="minor">
+              <a:schemeClr val="tx1"/>
+            </a:fontRef>
+          </p:style>
+        </p:cxnSp>
+        <p:sp>
+          <p:nvSpPr>
+            <p:cNvPr id="16" name="TextBox 15">
+              <a:extLst>
+                <a:ext uri="{FF2B5EF4-FFF2-40B4-BE49-F238E27FC236}">
+                  <a16:creationId xmlns:a16="http://schemas.microsoft.com/office/drawing/2014/main" id="{B294CAFC-D61D-46C0-D58C-473F4AB88140}"/>
+                </a:ext>
+              </a:extLst>
+            </p:cNvPr>
+            <p:cNvSpPr txBox="1"/>
+            <p:nvPr/>
+          </p:nvSpPr>
+          <p:spPr>
+            <a:xfrm rot="5400000" flipH="1" flipV="1">
+              <a:off x="96720" y="2504363"/>
+              <a:ext cx="1712186" cy="369332"/>
+            </a:xfrm>
+            <a:prstGeom prst="rect">
+              <a:avLst/>
+            </a:prstGeom>
+            <a:noFill/>
+          </p:spPr>
+          <p:txBody>
+            <a:bodyPr wrap="square" rtlCol="0">
+              <a:spAutoFit/>
+            </a:bodyPr>
+            <a:lstStyle/>
+            <a:p>
+              <a:r>
+                <a:rPr lang="en-US" dirty="0"/>
+                <a:t>Cooling</a:t>
+              </a:r>
+              <a:endParaRPr lang="en-DK" dirty="0"/>
+            </a:p>
+          </p:txBody>
+        </p:sp>
+        <p:cxnSp>
+          <p:nvCxnSpPr>
+            <p:cNvPr id="18" name="Straight Connector 17">
+              <a:extLst>
+                <a:ext uri="{FF2B5EF4-FFF2-40B4-BE49-F238E27FC236}">
+                  <a16:creationId xmlns:a16="http://schemas.microsoft.com/office/drawing/2014/main" id="{08903E55-81D9-A41A-3D86-F5E77EB1FA2C}"/>
+                </a:ext>
+              </a:extLst>
+            </p:cNvPr>
+            <p:cNvCxnSpPr/>
+            <p:nvPr/>
+          </p:nvCxnSpPr>
+          <p:spPr>
+            <a:xfrm>
+              <a:off x="952813" y="1095375"/>
+              <a:ext cx="3471862" cy="0"/>
+            </a:xfrm>
+            <a:prstGeom prst="line">
+              <a:avLst/>
+            </a:prstGeom>
+            <a:ln w="28575">
+              <a:solidFill>
+                <a:schemeClr val="tx1">
+                  <a:lumMod val="65000"/>
+                  <a:lumOff val="35000"/>
+                </a:schemeClr>
+              </a:solidFill>
+              <a:prstDash val="dash"/>
+            </a:ln>
+          </p:spPr>
+          <p:style>
+            <a:lnRef idx="1">
+              <a:schemeClr val="accent1"/>
+            </a:lnRef>
+            <a:fillRef idx="0">
+              <a:schemeClr val="accent1"/>
+            </a:fillRef>
+            <a:effectRef idx="0">
+              <a:schemeClr val="accent1"/>
+            </a:effectRef>
+            <a:fontRef idx="minor">
+              <a:schemeClr val="tx1"/>
+            </a:fontRef>
+          </p:style>
+        </p:cxnSp>
+        <p:cxnSp>
+          <p:nvCxnSpPr>
+            <p:cNvPr id="20" name="Straight Connector 19">
+              <a:extLst>
+                <a:ext uri="{FF2B5EF4-FFF2-40B4-BE49-F238E27FC236}">
+                  <a16:creationId xmlns:a16="http://schemas.microsoft.com/office/drawing/2014/main" id="{3D1BA1DA-3AD4-DDCE-491D-1A0FF8DBA416}"/>
+                </a:ext>
+              </a:extLst>
+            </p:cNvPr>
+            <p:cNvCxnSpPr>
+              <a:cxnSpLocks/>
+            </p:cNvCxnSpPr>
+            <p:nvPr/>
+          </p:nvCxnSpPr>
+          <p:spPr>
+            <a:xfrm>
+              <a:off x="2101786" y="885826"/>
+              <a:ext cx="0" cy="4929194"/>
+            </a:xfrm>
+            <a:prstGeom prst="line">
+              <a:avLst/>
+            </a:prstGeom>
+            <a:ln w="28575">
+              <a:solidFill>
+                <a:schemeClr val="accent1"/>
+              </a:solidFill>
+              <a:prstDash val="solid"/>
+            </a:ln>
+          </p:spPr>
+          <p:style>
+            <a:lnRef idx="1">
+              <a:schemeClr val="accent1"/>
+            </a:lnRef>
+            <a:fillRef idx="0">
+              <a:schemeClr val="accent1"/>
+            </a:fillRef>
+            <a:effectRef idx="0">
+              <a:schemeClr val="accent1"/>
+            </a:effectRef>
+            <a:fontRef idx="minor">
+              <a:schemeClr val="tx1"/>
+            </a:fontRef>
+          </p:style>
+        </p:cxnSp>
+        <p:sp>
+          <p:nvSpPr>
+            <p:cNvPr id="23" name="Rectangle 22">
+              <a:extLst>
+                <a:ext uri="{FF2B5EF4-FFF2-40B4-BE49-F238E27FC236}">
+                  <a16:creationId xmlns:a16="http://schemas.microsoft.com/office/drawing/2014/main" id="{A0DE5F7A-F405-3DE2-3788-EEDE6C59ACE9}"/>
+                </a:ext>
+              </a:extLst>
+            </p:cNvPr>
+            <p:cNvSpPr/>
+            <p:nvPr/>
+          </p:nvSpPr>
+          <p:spPr>
+            <a:xfrm rot="5400000">
+              <a:off x="1868860" y="1371115"/>
+              <a:ext cx="457199" cy="213496"/>
+            </a:xfrm>
+            <a:prstGeom prst="rect">
+              <a:avLst/>
+            </a:prstGeom>
+            <a:solidFill>
+              <a:schemeClr val="bg1"/>
+            </a:solidFill>
+            <a:ln w="38100">
+              <a:solidFill>
+                <a:schemeClr val="accent1"/>
+              </a:solidFill>
+            </a:ln>
+          </p:spPr>
+          <p:style>
+            <a:lnRef idx="2">
+              <a:schemeClr val="accent1">
+                <a:shade val="15000"/>
+              </a:schemeClr>
+            </a:lnRef>
+            <a:fillRef idx="1">
+              <a:schemeClr val="accent1"/>
+            </a:fillRef>
+            <a:effectRef idx="0">
+              <a:schemeClr val="accent1"/>
+            </a:effectRef>
+            <a:fontRef idx="minor">
+              <a:schemeClr val="lt1"/>
+            </a:fontRef>
+          </p:style>
+          <p:txBody>
+            <a:bodyPr rtlCol="0" anchor="ctr"/>
+            <a:lstStyle/>
+            <a:p>
+              <a:pPr algn="ctr"/>
+              <a:r>
+                <a:rPr lang="en-US" sz="700" dirty="0">
+                  <a:solidFill>
+                    <a:schemeClr val="tx1"/>
+                  </a:solidFill>
+                </a:rPr>
+                <a:t>-10 dB</a:t>
+              </a:r>
+              <a:endParaRPr lang="en-DK" sz="700" dirty="0">
+                <a:solidFill>
+                  <a:schemeClr val="tx1"/>
+                </a:solidFill>
+              </a:endParaRPr>
+            </a:p>
+          </p:txBody>
+        </p:sp>
+        <p:sp>
+          <p:nvSpPr>
+            <p:cNvPr id="24" name="Rectangle 23">
+              <a:extLst>
+                <a:ext uri="{FF2B5EF4-FFF2-40B4-BE49-F238E27FC236}">
+                  <a16:creationId xmlns:a16="http://schemas.microsoft.com/office/drawing/2014/main" id="{E9267A9E-D9F2-7E21-D503-1F6F7574C1EA}"/>
+                </a:ext>
+              </a:extLst>
+            </p:cNvPr>
+            <p:cNvSpPr/>
+            <p:nvPr/>
+          </p:nvSpPr>
+          <p:spPr>
+            <a:xfrm rot="5400000">
+              <a:off x="1872793" y="1923567"/>
+              <a:ext cx="457199" cy="213496"/>
+            </a:xfrm>
+            <a:prstGeom prst="rect">
+              <a:avLst/>
+            </a:prstGeom>
+            <a:solidFill>
+              <a:schemeClr val="bg1"/>
+            </a:solidFill>
+            <a:ln w="38100">
+              <a:solidFill>
+                <a:schemeClr val="accent1"/>
+              </a:solidFill>
+            </a:ln>
+          </p:spPr>
+          <p:style>
+            <a:lnRef idx="2">
+              <a:schemeClr val="accent1">
+                <a:shade val="15000"/>
+              </a:schemeClr>
+            </a:lnRef>
+            <a:fillRef idx="1">
+              <a:schemeClr val="accent1"/>
+            </a:fillRef>
+            <a:effectRef idx="0">
+              <a:schemeClr val="accent1"/>
+            </a:effectRef>
+            <a:fontRef idx="minor">
+              <a:schemeClr val="lt1"/>
+            </a:fontRef>
+          </p:style>
+          <p:txBody>
+            <a:bodyPr rtlCol="0" anchor="ctr"/>
+            <a:lstStyle/>
+            <a:p>
+              <a:pPr algn="ctr"/>
+              <a:r>
+                <a:rPr lang="en-US" sz="700" dirty="0">
+                  <a:solidFill>
+                    <a:schemeClr val="tx1"/>
+                  </a:solidFill>
+                </a:rPr>
+                <a:t>-10 dB</a:t>
+              </a:r>
+              <a:endParaRPr lang="en-DK" sz="700" dirty="0">
+                <a:solidFill>
+                  <a:schemeClr val="tx1"/>
+                </a:solidFill>
+              </a:endParaRPr>
+            </a:p>
+          </p:txBody>
+        </p:sp>
+        <p:sp>
+          <p:nvSpPr>
+            <p:cNvPr id="25" name="Rectangle 24">
+              <a:extLst>
+                <a:ext uri="{FF2B5EF4-FFF2-40B4-BE49-F238E27FC236}">
+                  <a16:creationId xmlns:a16="http://schemas.microsoft.com/office/drawing/2014/main" id="{848C473F-93BB-82B4-5FB4-1333482BFF6D}"/>
+                </a:ext>
+              </a:extLst>
+            </p:cNvPr>
+            <p:cNvSpPr/>
+            <p:nvPr/>
+          </p:nvSpPr>
+          <p:spPr>
+            <a:xfrm rot="5400000">
+              <a:off x="1868859" y="2582281"/>
+              <a:ext cx="457199" cy="213496"/>
+            </a:xfrm>
+            <a:prstGeom prst="rect">
+              <a:avLst/>
+            </a:prstGeom>
+            <a:solidFill>
+              <a:schemeClr val="bg1"/>
+            </a:solidFill>
+            <a:ln w="38100">
+              <a:solidFill>
+                <a:schemeClr val="accent1"/>
+              </a:solidFill>
+            </a:ln>
+          </p:spPr>
+          <p:style>
+            <a:lnRef idx="2">
+              <a:schemeClr val="accent1">
+                <a:shade val="15000"/>
+              </a:schemeClr>
+            </a:lnRef>
+            <a:fillRef idx="1">
+              <a:schemeClr val="accent1"/>
+            </a:fillRef>
+            <a:effectRef idx="0">
+              <a:schemeClr val="accent1"/>
+            </a:effectRef>
+            <a:fontRef idx="minor">
+              <a:schemeClr val="lt1"/>
+            </a:fontRef>
+          </p:style>
+          <p:txBody>
+            <a:bodyPr rtlCol="0" anchor="ctr"/>
+            <a:lstStyle/>
+            <a:p>
+              <a:pPr algn="ctr"/>
+              <a:r>
+                <a:rPr lang="en-US" sz="700" dirty="0">
+                  <a:solidFill>
+                    <a:schemeClr val="tx1"/>
+                  </a:solidFill>
+                </a:rPr>
+                <a:t>0 dB</a:t>
+              </a:r>
+              <a:endParaRPr lang="en-DK" sz="700" dirty="0">
+                <a:solidFill>
+                  <a:schemeClr val="tx1"/>
+                </a:solidFill>
+              </a:endParaRPr>
+            </a:p>
+          </p:txBody>
+        </p:sp>
+        <p:sp>
+          <p:nvSpPr>
+            <p:cNvPr id="26" name="Rectangle 25">
+              <a:extLst>
+                <a:ext uri="{FF2B5EF4-FFF2-40B4-BE49-F238E27FC236}">
+                  <a16:creationId xmlns:a16="http://schemas.microsoft.com/office/drawing/2014/main" id="{09087097-F69E-97B8-0362-B4CFFC3D4C9F}"/>
+                </a:ext>
+              </a:extLst>
+            </p:cNvPr>
+            <p:cNvSpPr/>
+            <p:nvPr/>
+          </p:nvSpPr>
+          <p:spPr>
+            <a:xfrm rot="5400000">
+              <a:off x="1868859" y="3240994"/>
+              <a:ext cx="457199" cy="213496"/>
+            </a:xfrm>
+            <a:prstGeom prst="rect">
+              <a:avLst/>
+            </a:prstGeom>
+            <a:solidFill>
+              <a:schemeClr val="bg1"/>
+            </a:solidFill>
+            <a:ln w="38100">
+              <a:solidFill>
+                <a:schemeClr val="accent1"/>
+              </a:solidFill>
+            </a:ln>
+          </p:spPr>
+          <p:style>
+            <a:lnRef idx="2">
+              <a:schemeClr val="accent1">
+                <a:shade val="15000"/>
+              </a:schemeClr>
+            </a:lnRef>
+            <a:fillRef idx="1">
+              <a:schemeClr val="accent1"/>
+            </a:fillRef>
+            <a:effectRef idx="0">
+              <a:schemeClr val="accent1"/>
+            </a:effectRef>
+            <a:fontRef idx="minor">
+              <a:schemeClr val="lt1"/>
+            </a:fontRef>
+          </p:style>
+          <p:txBody>
+            <a:bodyPr rtlCol="0" anchor="ctr"/>
+            <a:lstStyle/>
+            <a:p>
+              <a:pPr algn="ctr"/>
+              <a:r>
+                <a:rPr lang="en-US" sz="700" dirty="0">
+                  <a:solidFill>
+                    <a:schemeClr val="tx1"/>
+                  </a:solidFill>
+                </a:rPr>
+                <a:t>-10 dB</a:t>
+              </a:r>
+              <a:endParaRPr lang="en-DK" sz="700" dirty="0">
+                <a:solidFill>
+                  <a:schemeClr val="tx1"/>
+                </a:solidFill>
+              </a:endParaRPr>
+            </a:p>
+          </p:txBody>
+        </p:sp>
+        <p:sp>
+          <p:nvSpPr>
+            <p:cNvPr id="27" name="Rectangle 26">
+              <a:extLst>
+                <a:ext uri="{FF2B5EF4-FFF2-40B4-BE49-F238E27FC236}">
+                  <a16:creationId xmlns:a16="http://schemas.microsoft.com/office/drawing/2014/main" id="{1C8E3865-2771-8F51-F03F-03DA34899C26}"/>
+                </a:ext>
+              </a:extLst>
+            </p:cNvPr>
+            <p:cNvSpPr/>
+            <p:nvPr/>
+          </p:nvSpPr>
+          <p:spPr>
+            <a:xfrm rot="5400000">
+              <a:off x="1872792" y="3793446"/>
+              <a:ext cx="457199" cy="213496"/>
+            </a:xfrm>
+            <a:prstGeom prst="rect">
+              <a:avLst/>
+            </a:prstGeom>
+            <a:solidFill>
+              <a:schemeClr val="bg1"/>
+            </a:solidFill>
+            <a:ln w="38100">
+              <a:solidFill>
+                <a:schemeClr val="accent1"/>
+              </a:solidFill>
+            </a:ln>
+          </p:spPr>
+          <p:style>
+            <a:lnRef idx="2">
+              <a:schemeClr val="accent1">
+                <a:shade val="15000"/>
+              </a:schemeClr>
+            </a:lnRef>
+            <a:fillRef idx="1">
+              <a:schemeClr val="accent1"/>
+            </a:fillRef>
+            <a:effectRef idx="0">
+              <a:schemeClr val="accent1"/>
+            </a:effectRef>
+            <a:fontRef idx="minor">
+              <a:schemeClr val="lt1"/>
+            </a:fontRef>
+          </p:style>
+          <p:txBody>
+            <a:bodyPr rtlCol="0" anchor="ctr"/>
+            <a:lstStyle/>
+            <a:p>
+              <a:pPr algn="ctr"/>
+              <a:r>
+                <a:rPr lang="en-US" sz="700" dirty="0">
+                  <a:solidFill>
+                    <a:schemeClr val="tx1"/>
+                  </a:solidFill>
+                </a:rPr>
+                <a:t>-10 dB</a:t>
+              </a:r>
+              <a:endParaRPr lang="en-DK" sz="700" dirty="0">
+                <a:solidFill>
+                  <a:schemeClr val="tx1"/>
+                </a:solidFill>
+              </a:endParaRPr>
+            </a:p>
+          </p:txBody>
+        </p:sp>
+        <p:grpSp>
+          <p:nvGrpSpPr>
+            <p:cNvPr id="34" name="Group 33">
+              <a:extLst>
+                <a:ext uri="{FF2B5EF4-FFF2-40B4-BE49-F238E27FC236}">
+                  <a16:creationId xmlns:a16="http://schemas.microsoft.com/office/drawing/2014/main" id="{8EDF79A4-2A06-387B-C5B1-35CB1D2DAD6D}"/>
+                </a:ext>
+              </a:extLst>
+            </p:cNvPr>
+            <p:cNvGrpSpPr/>
+            <p:nvPr/>
+          </p:nvGrpSpPr>
+          <p:grpSpPr>
+            <a:xfrm rot="5400000">
+              <a:off x="1868858" y="4405691"/>
+              <a:ext cx="457199" cy="213496"/>
+              <a:chOff x="3298646" y="1945539"/>
+              <a:chExt cx="457199" cy="213496"/>
+            </a:xfrm>
+          </p:grpSpPr>
+          <p:sp>
+            <p:nvSpPr>
+              <p:cNvPr id="28" name="Rectangle 27">
+                <a:extLst>
+                  <a:ext uri="{FF2B5EF4-FFF2-40B4-BE49-F238E27FC236}">
+                    <a16:creationId xmlns:a16="http://schemas.microsoft.com/office/drawing/2014/main" id="{83BE8490-F1DE-AC73-2EE9-DC791018D22D}"/>
+                  </a:ext>
+                </a:extLst>
+              </p:cNvPr>
+              <p:cNvSpPr/>
+              <p:nvPr/>
+            </p:nvSpPr>
+            <p:spPr>
+              <a:xfrm>
+                <a:off x="3298646" y="1945539"/>
+                <a:ext cx="457199" cy="213496"/>
+              </a:xfrm>
+              <a:prstGeom prst="rect">
+                <a:avLst/>
+              </a:prstGeom>
+              <a:solidFill>
+                <a:schemeClr val="bg1"/>
+              </a:solidFill>
+              <a:ln w="38100">
+                <a:solidFill>
+                  <a:schemeClr val="accent1"/>
+                </a:solidFill>
+              </a:ln>
+            </p:spPr>
+            <p:style>
+              <a:lnRef idx="2">
+                <a:schemeClr val="accent1">
+                  <a:shade val="15000"/>
+                </a:schemeClr>
+              </a:lnRef>
+              <a:fillRef idx="1">
+                <a:schemeClr val="accent1"/>
+              </a:fillRef>
+              <a:effectRef idx="0">
+                <a:schemeClr val="accent1"/>
+              </a:effectRef>
+              <a:fontRef idx="minor">
+                <a:schemeClr val="lt1"/>
+              </a:fontRef>
+            </p:style>
+            <p:txBody>
+              <a:bodyPr rtlCol="0" anchor="b"/>
+              <a:lstStyle/>
+              <a:p>
+                <a:r>
+                  <a:rPr lang="en-US" sz="400" dirty="0">
+                    <a:solidFill>
+                      <a:schemeClr val="tx1"/>
+                    </a:solidFill>
+                  </a:rPr>
+                  <a:t>10 GHz</a:t>
+                </a:r>
+                <a:endParaRPr lang="en-DK" sz="400" dirty="0">
+                  <a:solidFill>
+                    <a:schemeClr val="tx1"/>
+                  </a:solidFill>
+                </a:endParaRPr>
+              </a:p>
+            </p:txBody>
+          </p:sp>
+          <p:sp>
+            <p:nvSpPr>
+              <p:cNvPr id="33" name="Freeform: Shape 32">
+                <a:extLst>
+                  <a:ext uri="{FF2B5EF4-FFF2-40B4-BE49-F238E27FC236}">
+                    <a16:creationId xmlns:a16="http://schemas.microsoft.com/office/drawing/2014/main" id="{BEB32EE1-E153-FD34-20AF-79FE3D819602}"/>
+                  </a:ext>
+                </a:extLst>
+              </p:cNvPr>
+              <p:cNvSpPr/>
+              <p:nvPr/>
+            </p:nvSpPr>
+            <p:spPr>
+              <a:xfrm>
+                <a:off x="3316940" y="2004311"/>
+                <a:ext cx="395430" cy="117383"/>
+              </a:xfrm>
+              <a:custGeom>
+                <a:avLst/>
+                <a:gdLst>
+                  <a:gd name="connsiteX0" fmla="*/ 0 w 776287"/>
+                  <a:gd name="connsiteY0" fmla="*/ 0 h 326231"/>
+                  <a:gd name="connsiteX1" fmla="*/ 450056 w 776287"/>
+                  <a:gd name="connsiteY1" fmla="*/ 0 h 326231"/>
+                  <a:gd name="connsiteX2" fmla="*/ 776287 w 776287"/>
+                  <a:gd name="connsiteY2" fmla="*/ 326231 h 326231"/>
+                </a:gdLst>
+                <a:ahLst/>
+                <a:cxnLst>
+                  <a:cxn ang="0">
+                    <a:pos x="connsiteX0" y="connsiteY0"/>
+                  </a:cxn>
+                  <a:cxn ang="0">
+                    <a:pos x="connsiteX1" y="connsiteY1"/>
+                  </a:cxn>
+                  <a:cxn ang="0">
+                    <a:pos x="connsiteX2" y="connsiteY2"/>
+                  </a:cxn>
+                </a:cxnLst>
+                <a:rect l="l" t="t" r="r" b="b"/>
+                <a:pathLst>
+                  <a:path w="776287" h="326231">
+                    <a:moveTo>
+                      <a:pt x="0" y="0"/>
+                    </a:moveTo>
+                    <a:lnTo>
+                      <a:pt x="450056" y="0"/>
+                    </a:lnTo>
+                    <a:lnTo>
+                      <a:pt x="776287" y="326231"/>
+                    </a:lnTo>
+                  </a:path>
+                </a:pathLst>
+              </a:custGeom>
+              <a:noFill/>
+              <a:ln w="38100"/>
+            </p:spPr>
+            <p:style>
+              <a:lnRef idx="2">
+                <a:schemeClr val="accent1">
+                  <a:shade val="15000"/>
+                </a:schemeClr>
+              </a:lnRef>
+              <a:fillRef idx="1">
+                <a:schemeClr val="accent1"/>
+              </a:fillRef>
+              <a:effectRef idx="0">
+                <a:schemeClr val="accent1"/>
+              </a:effectRef>
+              <a:fontRef idx="minor">
+                <a:schemeClr val="lt1"/>
+              </a:fontRef>
+            </p:style>
+            <p:txBody>
+              <a:bodyPr rtlCol="0" anchor="ctr"/>
+              <a:lstStyle/>
+              <a:p>
+                <a:pPr algn="ctr"/>
+                <a:endParaRPr lang="en-DK">
+                  <a:ln w="38100">
+                    <a:solidFill>
+                      <a:schemeClr val="tx1"/>
+                    </a:solidFill>
+                  </a:ln>
+                </a:endParaRPr>
+              </a:p>
+            </p:txBody>
+          </p:sp>
+        </p:grpSp>
+        <p:grpSp>
+          <p:nvGrpSpPr>
+            <p:cNvPr id="36" name="Group 35">
+              <a:extLst>
+                <a:ext uri="{FF2B5EF4-FFF2-40B4-BE49-F238E27FC236}">
+                  <a16:creationId xmlns:a16="http://schemas.microsoft.com/office/drawing/2014/main" id="{36A0EF80-6398-63FA-04B5-2B1D42E16300}"/>
+                </a:ext>
+              </a:extLst>
+            </p:cNvPr>
+            <p:cNvGrpSpPr/>
+            <p:nvPr/>
+          </p:nvGrpSpPr>
+          <p:grpSpPr>
+            <a:xfrm rot="5400000">
+              <a:off x="1868858" y="4964492"/>
+              <a:ext cx="457199" cy="213496"/>
+              <a:chOff x="3298646" y="1945539"/>
+              <a:chExt cx="457199" cy="213496"/>
+            </a:xfrm>
+          </p:grpSpPr>
+          <p:sp>
+            <p:nvSpPr>
+              <p:cNvPr id="37" name="Rectangle 36">
+                <a:extLst>
+                  <a:ext uri="{FF2B5EF4-FFF2-40B4-BE49-F238E27FC236}">
+                    <a16:creationId xmlns:a16="http://schemas.microsoft.com/office/drawing/2014/main" id="{63DB0E75-03F9-1145-9094-3E9E01708A8E}"/>
+                  </a:ext>
+                </a:extLst>
+              </p:cNvPr>
+              <p:cNvSpPr/>
+              <p:nvPr/>
+            </p:nvSpPr>
+            <p:spPr>
+              <a:xfrm>
+                <a:off x="3298646" y="1945539"/>
+                <a:ext cx="457199" cy="213496"/>
+              </a:xfrm>
+              <a:prstGeom prst="rect">
+                <a:avLst/>
+              </a:prstGeom>
+              <a:solidFill>
+                <a:schemeClr val="bg1"/>
+              </a:solidFill>
+              <a:ln w="38100">
+                <a:solidFill>
+                  <a:schemeClr val="accent1"/>
+                </a:solidFill>
+              </a:ln>
+            </p:spPr>
+            <p:style>
+              <a:lnRef idx="2">
+                <a:schemeClr val="accent1">
+                  <a:shade val="15000"/>
+                </a:schemeClr>
+              </a:lnRef>
+              <a:fillRef idx="1">
+                <a:schemeClr val="accent1"/>
+              </a:fillRef>
+              <a:effectRef idx="0">
+                <a:schemeClr val="accent1"/>
+              </a:effectRef>
+              <a:fontRef idx="minor">
+                <a:schemeClr val="lt1"/>
+              </a:fontRef>
+            </p:style>
+            <p:txBody>
+              <a:bodyPr rtlCol="0" anchor="b"/>
+              <a:lstStyle/>
+              <a:p>
+                <a:r>
+                  <a:rPr lang="en-US" sz="400" dirty="0">
+                    <a:solidFill>
+                      <a:schemeClr val="tx1"/>
+                    </a:solidFill>
+                  </a:rPr>
+                  <a:t>HF IR</a:t>
+                </a:r>
+                <a:endParaRPr lang="en-DK" sz="400" dirty="0">
+                  <a:solidFill>
+                    <a:schemeClr val="tx1"/>
+                  </a:solidFill>
+                </a:endParaRPr>
+              </a:p>
+            </p:txBody>
+          </p:sp>
+          <p:sp>
+            <p:nvSpPr>
+              <p:cNvPr id="42" name="Freeform: Shape 41">
+                <a:extLst>
+                  <a:ext uri="{FF2B5EF4-FFF2-40B4-BE49-F238E27FC236}">
+                    <a16:creationId xmlns:a16="http://schemas.microsoft.com/office/drawing/2014/main" id="{18A35BA3-87CA-4277-0660-CF72AB5CE5AA}"/>
+                  </a:ext>
+                </a:extLst>
+              </p:cNvPr>
+              <p:cNvSpPr/>
+              <p:nvPr/>
+            </p:nvSpPr>
+            <p:spPr>
+              <a:xfrm>
+                <a:off x="3316940" y="2004311"/>
+                <a:ext cx="395430" cy="117383"/>
+              </a:xfrm>
+              <a:custGeom>
+                <a:avLst/>
+                <a:gdLst>
+                  <a:gd name="connsiteX0" fmla="*/ 0 w 776287"/>
+                  <a:gd name="connsiteY0" fmla="*/ 0 h 326231"/>
+                  <a:gd name="connsiteX1" fmla="*/ 450056 w 776287"/>
+                  <a:gd name="connsiteY1" fmla="*/ 0 h 326231"/>
+                  <a:gd name="connsiteX2" fmla="*/ 776287 w 776287"/>
+                  <a:gd name="connsiteY2" fmla="*/ 326231 h 326231"/>
+                </a:gdLst>
+                <a:ahLst/>
+                <a:cxnLst>
+                  <a:cxn ang="0">
+                    <a:pos x="connsiteX0" y="connsiteY0"/>
+                  </a:cxn>
+                  <a:cxn ang="0">
+                    <a:pos x="connsiteX1" y="connsiteY1"/>
+                  </a:cxn>
+                  <a:cxn ang="0">
+                    <a:pos x="connsiteX2" y="connsiteY2"/>
+                  </a:cxn>
+                </a:cxnLst>
+                <a:rect l="l" t="t" r="r" b="b"/>
+                <a:pathLst>
+                  <a:path w="776287" h="326231">
+                    <a:moveTo>
+                      <a:pt x="0" y="0"/>
+                    </a:moveTo>
+                    <a:lnTo>
+                      <a:pt x="450056" y="0"/>
+                    </a:lnTo>
+                    <a:lnTo>
+                      <a:pt x="776287" y="326231"/>
+                    </a:lnTo>
+                  </a:path>
+                </a:pathLst>
+              </a:custGeom>
+              <a:noFill/>
+              <a:ln w="38100"/>
+            </p:spPr>
+            <p:style>
+              <a:lnRef idx="2">
+                <a:schemeClr val="accent1">
+                  <a:shade val="15000"/>
+                </a:schemeClr>
+              </a:lnRef>
+              <a:fillRef idx="1">
+                <a:schemeClr val="accent1"/>
+              </a:fillRef>
+              <a:effectRef idx="0">
+                <a:schemeClr val="accent1"/>
+              </a:effectRef>
+              <a:fontRef idx="minor">
+                <a:schemeClr val="lt1"/>
+              </a:fontRef>
+            </p:style>
+            <p:txBody>
+              <a:bodyPr rtlCol="0" anchor="ctr"/>
+              <a:lstStyle/>
+              <a:p>
+                <a:pPr algn="ctr"/>
+                <a:endParaRPr lang="en-DK">
+                  <a:ln w="38100">
+                    <a:solidFill>
+                      <a:schemeClr val="tx1"/>
+                    </a:solidFill>
+                  </a:ln>
+                </a:endParaRPr>
+              </a:p>
+            </p:txBody>
+          </p:sp>
+        </p:grpSp>
+        <p:sp>
+          <p:nvSpPr>
+            <p:cNvPr id="44" name="TextBox 43">
+              <a:extLst>
+                <a:ext uri="{FF2B5EF4-FFF2-40B4-BE49-F238E27FC236}">
+                  <a16:creationId xmlns:a16="http://schemas.microsoft.com/office/drawing/2014/main" id="{24055CAC-9FFE-498F-E442-AF92B97F0D8B}"/>
+                </a:ext>
+              </a:extLst>
+            </p:cNvPr>
+            <p:cNvSpPr txBox="1"/>
+            <p:nvPr/>
+          </p:nvSpPr>
+          <p:spPr>
+            <a:xfrm rot="5400000" flipH="1" flipV="1">
+              <a:off x="839493" y="2732963"/>
+              <a:ext cx="1712186" cy="369332"/>
+            </a:xfrm>
+            <a:prstGeom prst="rect">
+              <a:avLst/>
+            </a:prstGeom>
+            <a:noFill/>
+          </p:spPr>
+          <p:txBody>
+            <a:bodyPr wrap="square" rtlCol="0">
+              <a:spAutoFit/>
+            </a:bodyPr>
+            <a:lstStyle/>
+            <a:p>
+              <a:r>
+                <a:rPr lang="en-US" dirty="0"/>
+                <a:t>Qubit Control</a:t>
+              </a:r>
+              <a:endParaRPr lang="en-DK" dirty="0"/>
+            </a:p>
+          </p:txBody>
+        </p:sp>
+        <p:cxnSp>
+          <p:nvCxnSpPr>
+            <p:cNvPr id="45" name="Straight Connector 44">
+              <a:extLst>
+                <a:ext uri="{FF2B5EF4-FFF2-40B4-BE49-F238E27FC236}">
+                  <a16:creationId xmlns:a16="http://schemas.microsoft.com/office/drawing/2014/main" id="{20078CD1-E0AC-3798-3C07-E4B24781AF5A}"/>
+                </a:ext>
+              </a:extLst>
+            </p:cNvPr>
+            <p:cNvCxnSpPr>
+              <a:cxnSpLocks/>
+            </p:cNvCxnSpPr>
+            <p:nvPr/>
+          </p:nvCxnSpPr>
+          <p:spPr>
+            <a:xfrm>
+              <a:off x="3122332" y="860428"/>
+              <a:ext cx="0" cy="4954592"/>
+            </a:xfrm>
+            <a:prstGeom prst="line">
+              <a:avLst/>
+            </a:prstGeom>
+            <a:ln w="28575">
+              <a:solidFill>
+                <a:schemeClr val="accent2"/>
+              </a:solidFill>
+              <a:prstDash val="solid"/>
+            </a:ln>
+          </p:spPr>
+          <p:style>
+            <a:lnRef idx="1">
+              <a:schemeClr val="accent1"/>
+            </a:lnRef>
+            <a:fillRef idx="0">
+              <a:schemeClr val="accent1"/>
+            </a:fillRef>
+            <a:effectRef idx="0">
+              <a:schemeClr val="accent1"/>
+            </a:effectRef>
+            <a:fontRef idx="minor">
+              <a:schemeClr val="tx1"/>
+            </a:fontRef>
+          </p:style>
+        </p:cxnSp>
+        <p:sp>
+          <p:nvSpPr>
+            <p:cNvPr id="46" name="Rectangle 45">
+              <a:extLst>
+                <a:ext uri="{FF2B5EF4-FFF2-40B4-BE49-F238E27FC236}">
+                  <a16:creationId xmlns:a16="http://schemas.microsoft.com/office/drawing/2014/main" id="{3D6E6165-309C-EC7A-A1B2-D2AD266B4BD8}"/>
+                </a:ext>
+              </a:extLst>
+            </p:cNvPr>
+            <p:cNvSpPr/>
+            <p:nvPr/>
+          </p:nvSpPr>
+          <p:spPr>
+            <a:xfrm rot="5400000">
+              <a:off x="2889406" y="1345717"/>
+              <a:ext cx="457199" cy="213496"/>
+            </a:xfrm>
+            <a:prstGeom prst="rect">
+              <a:avLst/>
+            </a:prstGeom>
+            <a:solidFill>
+              <a:schemeClr val="bg1"/>
+            </a:solidFill>
+            <a:ln w="38100">
+              <a:solidFill>
+                <a:schemeClr val="accent2"/>
+              </a:solidFill>
+            </a:ln>
+          </p:spPr>
+          <p:style>
+            <a:lnRef idx="2">
+              <a:schemeClr val="accent1">
+                <a:shade val="15000"/>
+              </a:schemeClr>
+            </a:lnRef>
+            <a:fillRef idx="1">
+              <a:schemeClr val="accent1"/>
+            </a:fillRef>
+            <a:effectRef idx="0">
+              <a:schemeClr val="accent1"/>
+            </a:effectRef>
+            <a:fontRef idx="minor">
+              <a:schemeClr val="lt1"/>
+            </a:fontRef>
+          </p:style>
+          <p:txBody>
+            <a:bodyPr rtlCol="0" anchor="ctr"/>
+            <a:lstStyle/>
+            <a:p>
+              <a:pPr algn="ctr"/>
+              <a:r>
+                <a:rPr lang="en-US" sz="700" dirty="0">
+                  <a:solidFill>
+                    <a:schemeClr val="tx1"/>
+                  </a:solidFill>
+                </a:rPr>
+                <a:t>-20 dB</a:t>
+              </a:r>
+              <a:endParaRPr lang="en-DK" sz="700" dirty="0">
+                <a:solidFill>
+                  <a:schemeClr val="tx1"/>
+                </a:solidFill>
+              </a:endParaRPr>
+            </a:p>
+          </p:txBody>
+        </p:sp>
+        <p:sp>
+          <p:nvSpPr>
+            <p:cNvPr id="47" name="Rectangle 46">
+              <a:extLst>
+                <a:ext uri="{FF2B5EF4-FFF2-40B4-BE49-F238E27FC236}">
+                  <a16:creationId xmlns:a16="http://schemas.microsoft.com/office/drawing/2014/main" id="{EA5DDA7C-07DF-E861-AC79-FCF4C108FEA0}"/>
+                </a:ext>
+              </a:extLst>
+            </p:cNvPr>
+            <p:cNvSpPr/>
+            <p:nvPr/>
+          </p:nvSpPr>
+          <p:spPr>
+            <a:xfrm rot="5400000">
+              <a:off x="2893339" y="1898169"/>
+              <a:ext cx="457199" cy="213496"/>
+            </a:xfrm>
+            <a:prstGeom prst="rect">
+              <a:avLst/>
+            </a:prstGeom>
+            <a:solidFill>
+              <a:schemeClr val="bg1"/>
+            </a:solidFill>
+            <a:ln w="38100">
+              <a:solidFill>
+                <a:schemeClr val="accent2"/>
+              </a:solidFill>
+            </a:ln>
+          </p:spPr>
+          <p:style>
+            <a:lnRef idx="2">
+              <a:schemeClr val="accent1">
+                <a:shade val="15000"/>
+              </a:schemeClr>
+            </a:lnRef>
+            <a:fillRef idx="1">
+              <a:schemeClr val="accent1"/>
+            </a:fillRef>
+            <a:effectRef idx="0">
+              <a:schemeClr val="accent1"/>
+            </a:effectRef>
+            <a:fontRef idx="minor">
+              <a:schemeClr val="lt1"/>
+            </a:fontRef>
+          </p:style>
+          <p:txBody>
+            <a:bodyPr rtlCol="0" anchor="ctr"/>
+            <a:lstStyle/>
+            <a:p>
+              <a:pPr algn="ctr"/>
+              <a:r>
+                <a:rPr lang="en-US" sz="700" dirty="0">
+                  <a:solidFill>
+                    <a:schemeClr val="tx1"/>
+                  </a:solidFill>
+                </a:rPr>
+                <a:t>-10 dB</a:t>
+              </a:r>
+              <a:endParaRPr lang="en-DK" sz="700" dirty="0">
+                <a:solidFill>
+                  <a:schemeClr val="tx1"/>
+                </a:solidFill>
+              </a:endParaRPr>
+            </a:p>
+          </p:txBody>
+        </p:sp>
+        <p:sp>
+          <p:nvSpPr>
+            <p:cNvPr id="48" name="Rectangle 47">
+              <a:extLst>
+                <a:ext uri="{FF2B5EF4-FFF2-40B4-BE49-F238E27FC236}">
+                  <a16:creationId xmlns:a16="http://schemas.microsoft.com/office/drawing/2014/main" id="{142EBA76-863F-8953-73DE-07A8007A719B}"/>
+                </a:ext>
+              </a:extLst>
+            </p:cNvPr>
+            <p:cNvSpPr/>
+            <p:nvPr/>
+          </p:nvSpPr>
+          <p:spPr>
+            <a:xfrm rot="5400000">
+              <a:off x="2889405" y="2556883"/>
+              <a:ext cx="457199" cy="213496"/>
+            </a:xfrm>
+            <a:prstGeom prst="rect">
+              <a:avLst/>
+            </a:prstGeom>
+            <a:solidFill>
+              <a:schemeClr val="bg1"/>
+            </a:solidFill>
+            <a:ln w="38100">
+              <a:solidFill>
+                <a:schemeClr val="accent2"/>
+              </a:solidFill>
+            </a:ln>
+          </p:spPr>
+          <p:style>
+            <a:lnRef idx="2">
+              <a:schemeClr val="accent1">
+                <a:shade val="15000"/>
+              </a:schemeClr>
+            </a:lnRef>
+            <a:fillRef idx="1">
+              <a:schemeClr val="accent1"/>
+            </a:fillRef>
+            <a:effectRef idx="0">
+              <a:schemeClr val="accent1"/>
+            </a:effectRef>
+            <a:fontRef idx="minor">
+              <a:schemeClr val="lt1"/>
+            </a:fontRef>
+          </p:style>
+          <p:txBody>
+            <a:bodyPr rtlCol="0" anchor="ctr"/>
+            <a:lstStyle/>
+            <a:p>
+              <a:pPr algn="ctr"/>
+              <a:r>
+                <a:rPr lang="en-US" sz="700" dirty="0">
+                  <a:solidFill>
+                    <a:schemeClr val="tx1"/>
+                  </a:solidFill>
+                </a:rPr>
+                <a:t>0 dB</a:t>
+              </a:r>
+              <a:endParaRPr lang="en-DK" sz="700" dirty="0">
+                <a:solidFill>
+                  <a:schemeClr val="tx1"/>
+                </a:solidFill>
+              </a:endParaRPr>
+            </a:p>
+          </p:txBody>
+        </p:sp>
+        <p:sp>
+          <p:nvSpPr>
+            <p:cNvPr id="49" name="Rectangle 48">
+              <a:extLst>
+                <a:ext uri="{FF2B5EF4-FFF2-40B4-BE49-F238E27FC236}">
+                  <a16:creationId xmlns:a16="http://schemas.microsoft.com/office/drawing/2014/main" id="{DDFE5BCA-BB92-132F-B281-8D0D74704D90}"/>
+                </a:ext>
+              </a:extLst>
+            </p:cNvPr>
+            <p:cNvSpPr/>
+            <p:nvPr/>
+          </p:nvSpPr>
+          <p:spPr>
+            <a:xfrm rot="5400000">
+              <a:off x="2889405" y="3215596"/>
+              <a:ext cx="457199" cy="213496"/>
+            </a:xfrm>
+            <a:prstGeom prst="rect">
+              <a:avLst/>
+            </a:prstGeom>
+            <a:solidFill>
+              <a:schemeClr val="bg1"/>
+            </a:solidFill>
+            <a:ln w="38100">
+              <a:solidFill>
+                <a:schemeClr val="accent2"/>
+              </a:solidFill>
+            </a:ln>
+          </p:spPr>
+          <p:style>
+            <a:lnRef idx="2">
+              <a:schemeClr val="accent1">
+                <a:shade val="15000"/>
+              </a:schemeClr>
+            </a:lnRef>
+            <a:fillRef idx="1">
+              <a:schemeClr val="accent1"/>
+            </a:fillRef>
+            <a:effectRef idx="0">
+              <a:schemeClr val="accent1"/>
+            </a:effectRef>
+            <a:fontRef idx="minor">
+              <a:schemeClr val="lt1"/>
+            </a:fontRef>
+          </p:style>
+          <p:txBody>
+            <a:bodyPr rtlCol="0" anchor="ctr"/>
+            <a:lstStyle/>
+            <a:p>
+              <a:pPr algn="ctr"/>
+              <a:r>
+                <a:rPr lang="en-US" sz="700" dirty="0">
+                  <a:solidFill>
+                    <a:schemeClr val="tx1"/>
+                  </a:solidFill>
+                </a:rPr>
+                <a:t>-20 dB</a:t>
+              </a:r>
+              <a:endParaRPr lang="en-DK" sz="700" dirty="0">
+                <a:solidFill>
+                  <a:schemeClr val="tx1"/>
+                </a:solidFill>
+              </a:endParaRPr>
+            </a:p>
+          </p:txBody>
+        </p:sp>
+        <p:sp>
+          <p:nvSpPr>
+            <p:cNvPr id="50" name="Rectangle 49">
+              <a:extLst>
+                <a:ext uri="{FF2B5EF4-FFF2-40B4-BE49-F238E27FC236}">
+                  <a16:creationId xmlns:a16="http://schemas.microsoft.com/office/drawing/2014/main" id="{596486E3-0A85-ECE8-BF2A-B65594546FCE}"/>
+                </a:ext>
+              </a:extLst>
+            </p:cNvPr>
+            <p:cNvSpPr/>
+            <p:nvPr/>
+          </p:nvSpPr>
+          <p:spPr>
+            <a:xfrm rot="5400000">
+              <a:off x="2893338" y="3768048"/>
+              <a:ext cx="457199" cy="213496"/>
+            </a:xfrm>
+            <a:prstGeom prst="rect">
+              <a:avLst/>
+            </a:prstGeom>
+            <a:solidFill>
+              <a:schemeClr val="bg1"/>
+            </a:solidFill>
+            <a:ln w="38100">
+              <a:solidFill>
+                <a:schemeClr val="accent2"/>
+              </a:solidFill>
+            </a:ln>
+          </p:spPr>
+          <p:style>
+            <a:lnRef idx="2">
+              <a:schemeClr val="accent1">
+                <a:shade val="15000"/>
+              </a:schemeClr>
+            </a:lnRef>
+            <a:fillRef idx="1">
+              <a:schemeClr val="accent1"/>
+            </a:fillRef>
+            <a:effectRef idx="0">
+              <a:schemeClr val="accent1"/>
+            </a:effectRef>
+            <a:fontRef idx="minor">
+              <a:schemeClr val="lt1"/>
+            </a:fontRef>
+          </p:style>
+          <p:txBody>
+            <a:bodyPr rtlCol="0" anchor="ctr"/>
+            <a:lstStyle/>
+            <a:p>
+              <a:pPr algn="ctr"/>
+              <a:r>
+                <a:rPr lang="en-US" sz="700" dirty="0">
+                  <a:solidFill>
+                    <a:schemeClr val="tx1"/>
+                  </a:solidFill>
+                </a:rPr>
+                <a:t>-10 dB</a:t>
+              </a:r>
+              <a:endParaRPr lang="en-DK" sz="700" dirty="0">
+                <a:solidFill>
+                  <a:schemeClr val="tx1"/>
+                </a:solidFill>
+              </a:endParaRPr>
+            </a:p>
+          </p:txBody>
+        </p:sp>
+        <p:grpSp>
+          <p:nvGrpSpPr>
+            <p:cNvPr id="66" name="Group 65">
+              <a:extLst>
+                <a:ext uri="{FF2B5EF4-FFF2-40B4-BE49-F238E27FC236}">
+                  <a16:creationId xmlns:a16="http://schemas.microsoft.com/office/drawing/2014/main" id="{F53D9C0E-6156-94BD-C9B4-5176BCA0E376}"/>
+                </a:ext>
+              </a:extLst>
+            </p:cNvPr>
+            <p:cNvGrpSpPr/>
+            <p:nvPr/>
+          </p:nvGrpSpPr>
+          <p:grpSpPr>
+            <a:xfrm>
+              <a:off x="3011256" y="4258441"/>
+              <a:ext cx="213496" cy="1016000"/>
+              <a:chOff x="2981310" y="4258440"/>
+              <a:chExt cx="213496" cy="1016000"/>
+            </a:xfrm>
+          </p:grpSpPr>
+          <p:grpSp>
+            <p:nvGrpSpPr>
+              <p:cNvPr id="51" name="Group 50">
+                <a:extLst>
+                  <a:ext uri="{FF2B5EF4-FFF2-40B4-BE49-F238E27FC236}">
+                    <a16:creationId xmlns:a16="http://schemas.microsoft.com/office/drawing/2014/main" id="{2C62F53C-ADCD-BFAB-683E-9E0C27DD3635}"/>
+                  </a:ext>
+                </a:extLst>
+              </p:cNvPr>
+              <p:cNvGrpSpPr/>
+              <p:nvPr/>
+            </p:nvGrpSpPr>
+            <p:grpSpPr>
+              <a:xfrm rot="5400000">
+                <a:off x="2859458" y="4380292"/>
+                <a:ext cx="457199" cy="213496"/>
+                <a:chOff x="3298646" y="1945539"/>
+                <a:chExt cx="457199" cy="213496"/>
+              </a:xfrm>
+            </p:grpSpPr>
+            <p:sp>
+              <p:nvSpPr>
+                <p:cNvPr id="52" name="Rectangle 51">
+                  <a:extLst>
+                    <a:ext uri="{FF2B5EF4-FFF2-40B4-BE49-F238E27FC236}">
+                      <a16:creationId xmlns:a16="http://schemas.microsoft.com/office/drawing/2014/main" id="{63F318F0-4CCA-2227-A1A8-DC7F49B84846}"/>
+                    </a:ext>
+                  </a:extLst>
+                </p:cNvPr>
+                <p:cNvSpPr/>
+                <p:nvPr/>
+              </p:nvSpPr>
+              <p:spPr>
+                <a:xfrm>
+                  <a:off x="3298646" y="1945539"/>
+                  <a:ext cx="457199" cy="213496"/>
+                </a:xfrm>
+                <a:prstGeom prst="rect">
+                  <a:avLst/>
+                </a:prstGeom>
+                <a:solidFill>
+                  <a:schemeClr val="bg1"/>
+                </a:solidFill>
+                <a:ln w="38100">
+                  <a:solidFill>
+                    <a:schemeClr val="accent2"/>
+                  </a:solidFill>
+                </a:ln>
+              </p:spPr>
+              <p:style>
+                <a:lnRef idx="2">
+                  <a:schemeClr val="accent1">
+                    <a:shade val="15000"/>
+                  </a:schemeClr>
+                </a:lnRef>
+                <a:fillRef idx="1">
+                  <a:schemeClr val="accent1"/>
+                </a:fillRef>
+                <a:effectRef idx="0">
+                  <a:schemeClr val="accent1"/>
+                </a:effectRef>
+                <a:fontRef idx="minor">
+                  <a:schemeClr val="lt1"/>
+                </a:fontRef>
+              </p:style>
+              <p:txBody>
+                <a:bodyPr rtlCol="0" anchor="b"/>
+                <a:lstStyle/>
+                <a:p>
+                  <a:r>
+                    <a:rPr lang="en-US" sz="400" dirty="0">
+                      <a:solidFill>
+                        <a:schemeClr val="tx1"/>
+                      </a:solidFill>
+                    </a:rPr>
+                    <a:t>10 GHz</a:t>
+                  </a:r>
+                  <a:endParaRPr lang="en-DK" sz="400" dirty="0">
+                    <a:solidFill>
+                      <a:schemeClr val="tx1"/>
+                    </a:solidFill>
+                  </a:endParaRPr>
+                </a:p>
+              </p:txBody>
+            </p:sp>
+            <p:sp>
+              <p:nvSpPr>
+                <p:cNvPr id="61" name="Freeform: Shape 60">
+                  <a:extLst>
+                    <a:ext uri="{FF2B5EF4-FFF2-40B4-BE49-F238E27FC236}">
+                      <a16:creationId xmlns:a16="http://schemas.microsoft.com/office/drawing/2014/main" id="{008A1874-762E-88BA-356A-DF3C1FC61A41}"/>
+                    </a:ext>
+                  </a:extLst>
+                </p:cNvPr>
+                <p:cNvSpPr/>
+                <p:nvPr/>
+              </p:nvSpPr>
+              <p:spPr>
+                <a:xfrm>
+                  <a:off x="3316940" y="2004311"/>
+                  <a:ext cx="395430" cy="117383"/>
+                </a:xfrm>
+                <a:custGeom>
+                  <a:avLst/>
+                  <a:gdLst>
+                    <a:gd name="connsiteX0" fmla="*/ 0 w 776287"/>
+                    <a:gd name="connsiteY0" fmla="*/ 0 h 326231"/>
+                    <a:gd name="connsiteX1" fmla="*/ 450056 w 776287"/>
+                    <a:gd name="connsiteY1" fmla="*/ 0 h 326231"/>
+                    <a:gd name="connsiteX2" fmla="*/ 776287 w 776287"/>
+                    <a:gd name="connsiteY2" fmla="*/ 326231 h 326231"/>
+                  </a:gdLst>
+                  <a:ahLst/>
+                  <a:cxnLst>
+                    <a:cxn ang="0">
+                      <a:pos x="connsiteX0" y="connsiteY0"/>
+                    </a:cxn>
+                    <a:cxn ang="0">
+                      <a:pos x="connsiteX1" y="connsiteY1"/>
+                    </a:cxn>
+                    <a:cxn ang="0">
+                      <a:pos x="connsiteX2" y="connsiteY2"/>
+                    </a:cxn>
+                  </a:cxnLst>
+                  <a:rect l="l" t="t" r="r" b="b"/>
+                  <a:pathLst>
+                    <a:path w="776287" h="326231">
+                      <a:moveTo>
+                        <a:pt x="0" y="0"/>
+                      </a:moveTo>
+                      <a:lnTo>
+                        <a:pt x="450056" y="0"/>
+                      </a:lnTo>
+                      <a:lnTo>
+                        <a:pt x="776287" y="326231"/>
+                      </a:lnTo>
+                    </a:path>
+                  </a:pathLst>
+                </a:custGeom>
+                <a:noFill/>
+                <a:ln w="38100">
+                  <a:solidFill>
+                    <a:schemeClr val="tx1"/>
+                  </a:solidFill>
+                </a:ln>
+              </p:spPr>
+              <p:style>
+                <a:lnRef idx="2">
+                  <a:schemeClr val="accent1">
+                    <a:shade val="15000"/>
+                  </a:schemeClr>
+                </a:lnRef>
+                <a:fillRef idx="1">
+                  <a:schemeClr val="accent1"/>
+                </a:fillRef>
+                <a:effectRef idx="0">
+                  <a:schemeClr val="accent1"/>
+                </a:effectRef>
+                <a:fontRef idx="minor">
+                  <a:schemeClr val="lt1"/>
+                </a:fontRef>
+              </p:style>
+              <p:txBody>
+                <a:bodyPr rtlCol="0" anchor="ctr"/>
+                <a:lstStyle/>
+                <a:p>
+                  <a:pPr algn="ctr"/>
+                  <a:endParaRPr lang="en-DK">
+                    <a:ln w="38100">
+                      <a:solidFill>
+                        <a:schemeClr val="tx1"/>
+                      </a:solidFill>
+                    </a:ln>
+                  </a:endParaRPr>
+                </a:p>
+              </p:txBody>
+            </p:sp>
+          </p:grpSp>
+          <p:grpSp>
+            <p:nvGrpSpPr>
+              <p:cNvPr id="62" name="Group 61">
+                <a:extLst>
+                  <a:ext uri="{FF2B5EF4-FFF2-40B4-BE49-F238E27FC236}">
+                    <a16:creationId xmlns:a16="http://schemas.microsoft.com/office/drawing/2014/main" id="{2A38E7AD-EA36-62EC-B41B-8940C6FD7E2B}"/>
+                  </a:ext>
+                </a:extLst>
+              </p:cNvPr>
+              <p:cNvGrpSpPr/>
+              <p:nvPr/>
+            </p:nvGrpSpPr>
+            <p:grpSpPr>
+              <a:xfrm rot="5400000">
+                <a:off x="2859458" y="4939093"/>
+                <a:ext cx="457199" cy="213496"/>
+                <a:chOff x="3298646" y="1945539"/>
+                <a:chExt cx="457199" cy="213496"/>
+              </a:xfrm>
+            </p:grpSpPr>
+            <p:sp>
+              <p:nvSpPr>
+                <p:cNvPr id="63" name="Rectangle 62">
+                  <a:extLst>
+                    <a:ext uri="{FF2B5EF4-FFF2-40B4-BE49-F238E27FC236}">
+                      <a16:creationId xmlns:a16="http://schemas.microsoft.com/office/drawing/2014/main" id="{A39343A3-7F1B-29E6-0D8B-CA074A6D9230}"/>
+                    </a:ext>
+                  </a:extLst>
+                </p:cNvPr>
+                <p:cNvSpPr/>
+                <p:nvPr/>
+              </p:nvSpPr>
+              <p:spPr>
+                <a:xfrm>
+                  <a:off x="3298646" y="1945539"/>
+                  <a:ext cx="457199" cy="213496"/>
+                </a:xfrm>
+                <a:prstGeom prst="rect">
+                  <a:avLst/>
+                </a:prstGeom>
+                <a:solidFill>
+                  <a:schemeClr val="bg1"/>
+                </a:solidFill>
+                <a:ln w="38100">
+                  <a:solidFill>
+                    <a:schemeClr val="accent2"/>
+                  </a:solidFill>
+                </a:ln>
+              </p:spPr>
+              <p:style>
+                <a:lnRef idx="2">
+                  <a:schemeClr val="accent1">
+                    <a:shade val="15000"/>
+                  </a:schemeClr>
+                </a:lnRef>
+                <a:fillRef idx="1">
+                  <a:schemeClr val="accent1"/>
+                </a:fillRef>
+                <a:effectRef idx="0">
+                  <a:schemeClr val="accent1"/>
+                </a:effectRef>
+                <a:fontRef idx="minor">
+                  <a:schemeClr val="lt1"/>
+                </a:fontRef>
+              </p:style>
+              <p:txBody>
+                <a:bodyPr rtlCol="0" anchor="b"/>
+                <a:lstStyle/>
+                <a:p>
+                  <a:r>
+                    <a:rPr lang="en-US" sz="400" dirty="0">
+                      <a:solidFill>
+                        <a:schemeClr val="tx1"/>
+                      </a:solidFill>
+                    </a:rPr>
+                    <a:t>HF IR</a:t>
+                  </a:r>
+                  <a:endParaRPr lang="en-DK" sz="400" dirty="0">
+                    <a:solidFill>
+                      <a:schemeClr val="tx1"/>
+                    </a:solidFill>
+                  </a:endParaRPr>
+                </a:p>
+              </p:txBody>
+            </p:sp>
+            <p:sp>
+              <p:nvSpPr>
+                <p:cNvPr id="64" name="Freeform: Shape 63">
+                  <a:extLst>
+                    <a:ext uri="{FF2B5EF4-FFF2-40B4-BE49-F238E27FC236}">
+                      <a16:creationId xmlns:a16="http://schemas.microsoft.com/office/drawing/2014/main" id="{42B7E18C-D8F4-2A4A-E32E-9801544E2E6A}"/>
+                    </a:ext>
+                  </a:extLst>
+                </p:cNvPr>
+                <p:cNvSpPr/>
+                <p:nvPr/>
+              </p:nvSpPr>
+              <p:spPr>
+                <a:xfrm>
+                  <a:off x="3316940" y="2004311"/>
+                  <a:ext cx="395430" cy="117383"/>
+                </a:xfrm>
+                <a:custGeom>
+                  <a:avLst/>
+                  <a:gdLst>
+                    <a:gd name="connsiteX0" fmla="*/ 0 w 776287"/>
+                    <a:gd name="connsiteY0" fmla="*/ 0 h 326231"/>
+                    <a:gd name="connsiteX1" fmla="*/ 450056 w 776287"/>
+                    <a:gd name="connsiteY1" fmla="*/ 0 h 326231"/>
+                    <a:gd name="connsiteX2" fmla="*/ 776287 w 776287"/>
+                    <a:gd name="connsiteY2" fmla="*/ 326231 h 326231"/>
+                  </a:gdLst>
+                  <a:ahLst/>
+                  <a:cxnLst>
+                    <a:cxn ang="0">
+                      <a:pos x="connsiteX0" y="connsiteY0"/>
+                    </a:cxn>
+                    <a:cxn ang="0">
+                      <a:pos x="connsiteX1" y="connsiteY1"/>
+                    </a:cxn>
+                    <a:cxn ang="0">
+                      <a:pos x="connsiteX2" y="connsiteY2"/>
+                    </a:cxn>
+                  </a:cxnLst>
+                  <a:rect l="l" t="t" r="r" b="b"/>
+                  <a:pathLst>
+                    <a:path w="776287" h="326231">
+                      <a:moveTo>
+                        <a:pt x="0" y="0"/>
+                      </a:moveTo>
+                      <a:lnTo>
+                        <a:pt x="450056" y="0"/>
+                      </a:lnTo>
+                      <a:lnTo>
+                        <a:pt x="776287" y="326231"/>
+                      </a:lnTo>
+                    </a:path>
+                  </a:pathLst>
+                </a:custGeom>
+                <a:noFill/>
+                <a:ln w="38100">
+                  <a:solidFill>
+                    <a:schemeClr val="tx1"/>
+                  </a:solidFill>
+                </a:ln>
+              </p:spPr>
+              <p:style>
+                <a:lnRef idx="2">
+                  <a:schemeClr val="accent1">
+                    <a:shade val="15000"/>
+                  </a:schemeClr>
+                </a:lnRef>
+                <a:fillRef idx="1">
+                  <a:schemeClr val="accent1"/>
+                </a:fillRef>
+                <a:effectRef idx="0">
+                  <a:schemeClr val="accent1"/>
+                </a:effectRef>
+                <a:fontRef idx="minor">
+                  <a:schemeClr val="lt1"/>
+                </a:fontRef>
+              </p:style>
+              <p:txBody>
+                <a:bodyPr rtlCol="0" anchor="ctr"/>
+                <a:lstStyle/>
+                <a:p>
+                  <a:pPr algn="ctr"/>
+                  <a:endParaRPr lang="en-DK">
+                    <a:ln w="38100">
+                      <a:solidFill>
+                        <a:schemeClr val="tx1"/>
+                      </a:solidFill>
+                    </a:ln>
+                  </a:endParaRPr>
+                </a:p>
+              </p:txBody>
+            </p:sp>
+          </p:grpSp>
+        </p:grpSp>
+        <p:sp>
+          <p:nvSpPr>
+            <p:cNvPr id="65" name="TextBox 64">
+              <a:extLst>
+                <a:ext uri="{FF2B5EF4-FFF2-40B4-BE49-F238E27FC236}">
+                  <a16:creationId xmlns:a16="http://schemas.microsoft.com/office/drawing/2014/main" id="{3BA14250-E24A-66D4-84AA-EEBCB40F60FF}"/>
+                </a:ext>
+              </a:extLst>
+            </p:cNvPr>
+            <p:cNvSpPr txBox="1"/>
+            <p:nvPr/>
+          </p:nvSpPr>
+          <p:spPr>
+            <a:xfrm rot="5400000" flipH="1" flipV="1">
+              <a:off x="1831208" y="2809929"/>
+              <a:ext cx="1712186" cy="369332"/>
+            </a:xfrm>
+            <a:prstGeom prst="rect">
+              <a:avLst/>
+            </a:prstGeom>
+            <a:noFill/>
+          </p:spPr>
+          <p:txBody>
+            <a:bodyPr wrap="square" rtlCol="0">
+              <a:spAutoFit/>
+            </a:bodyPr>
+            <a:lstStyle/>
+            <a:p>
+              <a:r>
+                <a:rPr lang="en-US" dirty="0"/>
+                <a:t>Readout Input</a:t>
+              </a:r>
+              <a:endParaRPr lang="en-DK" dirty="0"/>
+            </a:p>
+          </p:txBody>
+        </p:sp>
+        <p:cxnSp>
+          <p:nvCxnSpPr>
+            <p:cNvPr id="67" name="Straight Connector 66">
+              <a:extLst>
+                <a:ext uri="{FF2B5EF4-FFF2-40B4-BE49-F238E27FC236}">
+                  <a16:creationId xmlns:a16="http://schemas.microsoft.com/office/drawing/2014/main" id="{AB37608E-B069-941A-B94E-03B0D9A4C169}"/>
+                </a:ext>
+              </a:extLst>
+            </p:cNvPr>
+            <p:cNvCxnSpPr>
+              <a:cxnSpLocks/>
+            </p:cNvCxnSpPr>
+            <p:nvPr/>
+          </p:nvCxnSpPr>
+          <p:spPr>
+            <a:xfrm>
+              <a:off x="4121086" y="860428"/>
+              <a:ext cx="28862" cy="5572780"/>
+            </a:xfrm>
+            <a:prstGeom prst="line">
+              <a:avLst/>
+            </a:prstGeom>
+            <a:ln w="28575">
+              <a:solidFill>
+                <a:schemeClr val="accent3"/>
+              </a:solidFill>
+              <a:prstDash val="solid"/>
+            </a:ln>
+          </p:spPr>
+          <p:style>
+            <a:lnRef idx="1">
+              <a:schemeClr val="accent1"/>
+            </a:lnRef>
+            <a:fillRef idx="0">
+              <a:schemeClr val="accent1"/>
+            </a:fillRef>
+            <a:effectRef idx="0">
+              <a:schemeClr val="accent1"/>
+            </a:effectRef>
+            <a:fontRef idx="minor">
+              <a:schemeClr val="tx1"/>
+            </a:fontRef>
+          </p:style>
+        </p:cxnSp>
+        <p:sp>
+          <p:nvSpPr>
+            <p:cNvPr id="68" name="Rectangle 67">
+              <a:extLst>
+                <a:ext uri="{FF2B5EF4-FFF2-40B4-BE49-F238E27FC236}">
+                  <a16:creationId xmlns:a16="http://schemas.microsoft.com/office/drawing/2014/main" id="{FCFAF4CB-DFD3-3B58-2231-1D4E0E226539}"/>
+                </a:ext>
+              </a:extLst>
+            </p:cNvPr>
+            <p:cNvSpPr/>
+            <p:nvPr/>
+          </p:nvSpPr>
+          <p:spPr>
+            <a:xfrm rot="5400000">
+              <a:off x="3888160" y="1345717"/>
+              <a:ext cx="457199" cy="213496"/>
+            </a:xfrm>
+            <a:prstGeom prst="rect">
+              <a:avLst/>
+            </a:prstGeom>
+            <a:solidFill>
+              <a:schemeClr val="bg1"/>
+            </a:solidFill>
+            <a:ln w="38100">
+              <a:solidFill>
+                <a:schemeClr val="accent3"/>
+              </a:solidFill>
+            </a:ln>
+          </p:spPr>
+          <p:style>
+            <a:lnRef idx="2">
+              <a:schemeClr val="accent1">
+                <a:shade val="15000"/>
+              </a:schemeClr>
+            </a:lnRef>
+            <a:fillRef idx="1">
+              <a:schemeClr val="accent1"/>
+            </a:fillRef>
+            <a:effectRef idx="0">
+              <a:schemeClr val="accent1"/>
+            </a:effectRef>
+            <a:fontRef idx="minor">
+              <a:schemeClr val="lt1"/>
+            </a:fontRef>
+          </p:style>
+          <p:txBody>
+            <a:bodyPr rtlCol="0" anchor="ctr"/>
+            <a:lstStyle/>
+            <a:p>
+              <a:pPr algn="ctr"/>
+              <a:r>
+                <a:rPr lang="en-US" sz="700" dirty="0">
+                  <a:solidFill>
+                    <a:schemeClr val="tx1"/>
+                  </a:solidFill>
+                </a:rPr>
+                <a:t>0 dB</a:t>
+              </a:r>
+              <a:endParaRPr lang="en-DK" sz="700" dirty="0">
+                <a:solidFill>
+                  <a:schemeClr val="tx1"/>
+                </a:solidFill>
+              </a:endParaRPr>
+            </a:p>
+          </p:txBody>
+        </p:sp>
+        <p:sp>
+          <p:nvSpPr>
+            <p:cNvPr id="70" name="Rectangle 69">
+              <a:extLst>
+                <a:ext uri="{FF2B5EF4-FFF2-40B4-BE49-F238E27FC236}">
+                  <a16:creationId xmlns:a16="http://schemas.microsoft.com/office/drawing/2014/main" id="{011E309A-0FE2-4240-8958-E1740F5B763C}"/>
+                </a:ext>
+              </a:extLst>
+            </p:cNvPr>
+            <p:cNvSpPr/>
+            <p:nvPr/>
+          </p:nvSpPr>
+          <p:spPr>
+            <a:xfrm rot="5400000">
+              <a:off x="3888159" y="2556883"/>
+              <a:ext cx="457199" cy="213496"/>
+            </a:xfrm>
+            <a:prstGeom prst="rect">
+              <a:avLst/>
+            </a:prstGeom>
+            <a:solidFill>
+              <a:schemeClr val="bg1"/>
+            </a:solidFill>
+            <a:ln w="38100">
+              <a:solidFill>
+                <a:schemeClr val="accent3"/>
+              </a:solidFill>
+            </a:ln>
+          </p:spPr>
+          <p:style>
+            <a:lnRef idx="2">
+              <a:schemeClr val="accent1">
+                <a:shade val="15000"/>
+              </a:schemeClr>
+            </a:lnRef>
+            <a:fillRef idx="1">
+              <a:schemeClr val="accent1"/>
+            </a:fillRef>
+            <a:effectRef idx="0">
+              <a:schemeClr val="accent1"/>
+            </a:effectRef>
+            <a:fontRef idx="minor">
+              <a:schemeClr val="lt1"/>
+            </a:fontRef>
+          </p:style>
+          <p:txBody>
+            <a:bodyPr rtlCol="0" anchor="ctr"/>
+            <a:lstStyle/>
+            <a:p>
+              <a:pPr algn="ctr"/>
+              <a:r>
+                <a:rPr lang="en-US" sz="700" dirty="0">
+                  <a:solidFill>
+                    <a:schemeClr val="tx1"/>
+                  </a:solidFill>
+                </a:rPr>
+                <a:t>0 dB</a:t>
+              </a:r>
+              <a:endParaRPr lang="en-DK" sz="700" dirty="0">
+                <a:solidFill>
+                  <a:schemeClr val="tx1"/>
+                </a:solidFill>
+              </a:endParaRPr>
+            </a:p>
+          </p:txBody>
+        </p:sp>
+        <p:sp>
+          <p:nvSpPr>
+            <p:cNvPr id="71" name="Rectangle 70">
+              <a:extLst>
+                <a:ext uri="{FF2B5EF4-FFF2-40B4-BE49-F238E27FC236}">
+                  <a16:creationId xmlns:a16="http://schemas.microsoft.com/office/drawing/2014/main" id="{01343516-7055-A96D-2B47-3652C38F628C}"/>
+                </a:ext>
+              </a:extLst>
+            </p:cNvPr>
+            <p:cNvSpPr/>
+            <p:nvPr/>
+          </p:nvSpPr>
+          <p:spPr>
+            <a:xfrm rot="5400000">
+              <a:off x="3877442" y="3209775"/>
+              <a:ext cx="457199" cy="213496"/>
+            </a:xfrm>
+            <a:prstGeom prst="rect">
+              <a:avLst/>
+            </a:prstGeom>
+            <a:solidFill>
+              <a:schemeClr val="bg1"/>
+            </a:solidFill>
+            <a:ln w="38100">
+              <a:solidFill>
+                <a:schemeClr val="accent3"/>
+              </a:solidFill>
+            </a:ln>
+          </p:spPr>
+          <p:style>
+            <a:lnRef idx="2">
+              <a:schemeClr val="accent1">
+                <a:shade val="15000"/>
+              </a:schemeClr>
+            </a:lnRef>
+            <a:fillRef idx="1">
+              <a:schemeClr val="accent1"/>
+            </a:fillRef>
+            <a:effectRef idx="0">
+              <a:schemeClr val="accent1"/>
+            </a:effectRef>
+            <a:fontRef idx="minor">
+              <a:schemeClr val="lt1"/>
+            </a:fontRef>
+          </p:style>
+          <p:txBody>
+            <a:bodyPr rtlCol="0" anchor="ctr"/>
+            <a:lstStyle/>
+            <a:p>
+              <a:pPr algn="ctr"/>
+              <a:r>
+                <a:rPr lang="en-US" sz="700" dirty="0">
+                  <a:solidFill>
+                    <a:schemeClr val="tx1"/>
+                  </a:solidFill>
+                </a:rPr>
+                <a:t>0 dB</a:t>
+              </a:r>
+              <a:endParaRPr lang="en-DK" sz="700" dirty="0">
+                <a:solidFill>
+                  <a:schemeClr val="tx1"/>
+                </a:solidFill>
+              </a:endParaRPr>
+            </a:p>
+          </p:txBody>
+        </p:sp>
+        <p:grpSp>
+          <p:nvGrpSpPr>
+            <p:cNvPr id="74" name="Group 73">
+              <a:extLst>
+                <a:ext uri="{FF2B5EF4-FFF2-40B4-BE49-F238E27FC236}">
+                  <a16:creationId xmlns:a16="http://schemas.microsoft.com/office/drawing/2014/main" id="{778A4B90-7A71-0FD5-4659-8B9295A30B63}"/>
+                </a:ext>
+              </a:extLst>
+            </p:cNvPr>
+            <p:cNvGrpSpPr/>
+            <p:nvPr/>
+          </p:nvGrpSpPr>
+          <p:grpSpPr>
+            <a:xfrm rot="16200000">
+              <a:off x="3894505" y="4380293"/>
+              <a:ext cx="457199" cy="213496"/>
+              <a:chOff x="3298646" y="1945539"/>
+              <a:chExt cx="457199" cy="213496"/>
+            </a:xfrm>
+          </p:grpSpPr>
+          <p:sp>
+            <p:nvSpPr>
+              <p:cNvPr id="78" name="Rectangle 77">
+                <a:extLst>
+                  <a:ext uri="{FF2B5EF4-FFF2-40B4-BE49-F238E27FC236}">
+                    <a16:creationId xmlns:a16="http://schemas.microsoft.com/office/drawing/2014/main" id="{33B4AC74-DFB8-2F1F-09C0-DCF85F3BAA86}"/>
+                  </a:ext>
+                </a:extLst>
+              </p:cNvPr>
+              <p:cNvSpPr/>
+              <p:nvPr/>
+            </p:nvSpPr>
+            <p:spPr>
+              <a:xfrm>
+                <a:off x="3298646" y="1945539"/>
+                <a:ext cx="457199" cy="213496"/>
+              </a:xfrm>
+              <a:prstGeom prst="rect">
+                <a:avLst/>
+              </a:prstGeom>
+              <a:solidFill>
+                <a:schemeClr val="bg1"/>
+              </a:solidFill>
+              <a:ln w="38100">
+                <a:solidFill>
+                  <a:schemeClr val="accent3"/>
+                </a:solidFill>
+              </a:ln>
+            </p:spPr>
+            <p:style>
+              <a:lnRef idx="2">
+                <a:schemeClr val="accent1">
+                  <a:shade val="15000"/>
+                </a:schemeClr>
+              </a:lnRef>
+              <a:fillRef idx="1">
+                <a:schemeClr val="accent1"/>
+              </a:fillRef>
+              <a:effectRef idx="0">
+                <a:schemeClr val="accent1"/>
+              </a:effectRef>
+              <a:fontRef idx="minor">
+                <a:schemeClr val="lt1"/>
+              </a:fontRef>
+            </p:style>
+            <p:txBody>
+              <a:bodyPr rtlCol="0" anchor="b"/>
+              <a:lstStyle/>
+              <a:p>
+                <a:r>
+                  <a:rPr lang="en-US" sz="400" dirty="0">
+                    <a:solidFill>
+                      <a:schemeClr val="tx1"/>
+                    </a:solidFill>
+                  </a:rPr>
+                  <a:t>10 GHz</a:t>
+                </a:r>
+                <a:endParaRPr lang="en-DK" sz="400" dirty="0">
+                  <a:solidFill>
+                    <a:schemeClr val="tx1"/>
+                  </a:solidFill>
+                </a:endParaRPr>
+              </a:p>
+            </p:txBody>
+          </p:sp>
+          <p:sp>
+            <p:nvSpPr>
+              <p:cNvPr id="79" name="Freeform: Shape 78">
+                <a:extLst>
+                  <a:ext uri="{FF2B5EF4-FFF2-40B4-BE49-F238E27FC236}">
+                    <a16:creationId xmlns:a16="http://schemas.microsoft.com/office/drawing/2014/main" id="{4CA4A606-8033-E235-6BCE-30D0B3CA481F}"/>
+                  </a:ext>
+                </a:extLst>
+              </p:cNvPr>
+              <p:cNvSpPr/>
+              <p:nvPr/>
+            </p:nvSpPr>
+            <p:spPr>
+              <a:xfrm>
+                <a:off x="3316940" y="2004311"/>
+                <a:ext cx="395430" cy="117383"/>
+              </a:xfrm>
+              <a:custGeom>
+                <a:avLst/>
+                <a:gdLst>
+                  <a:gd name="connsiteX0" fmla="*/ 0 w 776287"/>
+                  <a:gd name="connsiteY0" fmla="*/ 0 h 326231"/>
+                  <a:gd name="connsiteX1" fmla="*/ 450056 w 776287"/>
+                  <a:gd name="connsiteY1" fmla="*/ 0 h 326231"/>
+                  <a:gd name="connsiteX2" fmla="*/ 776287 w 776287"/>
+                  <a:gd name="connsiteY2" fmla="*/ 326231 h 326231"/>
+                </a:gdLst>
+                <a:ahLst/>
+                <a:cxnLst>
+                  <a:cxn ang="0">
+                    <a:pos x="connsiteX0" y="connsiteY0"/>
+                  </a:cxn>
+                  <a:cxn ang="0">
+                    <a:pos x="connsiteX1" y="connsiteY1"/>
+                  </a:cxn>
+                  <a:cxn ang="0">
+                    <a:pos x="connsiteX2" y="connsiteY2"/>
+                  </a:cxn>
+                </a:cxnLst>
+                <a:rect l="l" t="t" r="r" b="b"/>
+                <a:pathLst>
+                  <a:path w="776287" h="326231">
+                    <a:moveTo>
+                      <a:pt x="0" y="0"/>
+                    </a:moveTo>
+                    <a:lnTo>
+                      <a:pt x="450056" y="0"/>
+                    </a:lnTo>
+                    <a:lnTo>
+                      <a:pt x="776287" y="326231"/>
+                    </a:lnTo>
+                  </a:path>
+                </a:pathLst>
+              </a:custGeom>
+              <a:noFill/>
+              <a:ln w="38100">
+                <a:solidFill>
+                  <a:schemeClr val="accent3"/>
+                </a:solidFill>
+              </a:ln>
+            </p:spPr>
+            <p:style>
+              <a:lnRef idx="2">
+                <a:schemeClr val="accent1">
+                  <a:shade val="15000"/>
+                </a:schemeClr>
+              </a:lnRef>
+              <a:fillRef idx="1">
+                <a:schemeClr val="accent1"/>
+              </a:fillRef>
+              <a:effectRef idx="0">
+                <a:schemeClr val="accent1"/>
+              </a:effectRef>
+              <a:fontRef idx="minor">
+                <a:schemeClr val="lt1"/>
+              </a:fontRef>
+            </p:style>
+            <p:txBody>
+              <a:bodyPr rtlCol="0" anchor="ctr"/>
+              <a:lstStyle/>
+              <a:p>
+                <a:pPr algn="ctr"/>
+                <a:endParaRPr lang="en-DK">
+                  <a:ln w="38100">
+                    <a:solidFill>
+                      <a:schemeClr val="tx1"/>
+                    </a:solidFill>
+                  </a:ln>
+                </a:endParaRPr>
+              </a:p>
+            </p:txBody>
+          </p:sp>
+        </p:grpSp>
+        <p:grpSp>
+          <p:nvGrpSpPr>
+            <p:cNvPr id="75" name="Group 74">
+              <a:extLst>
+                <a:ext uri="{FF2B5EF4-FFF2-40B4-BE49-F238E27FC236}">
+                  <a16:creationId xmlns:a16="http://schemas.microsoft.com/office/drawing/2014/main" id="{1B66EA67-E79D-7A21-0ACB-C88499493655}"/>
+                </a:ext>
+              </a:extLst>
+            </p:cNvPr>
+            <p:cNvGrpSpPr/>
+            <p:nvPr/>
+          </p:nvGrpSpPr>
+          <p:grpSpPr>
+            <a:xfrm rot="5400000">
+              <a:off x="3888158" y="4939094"/>
+              <a:ext cx="457199" cy="213496"/>
+              <a:chOff x="3298646" y="1945539"/>
+              <a:chExt cx="457199" cy="213496"/>
+            </a:xfrm>
+          </p:grpSpPr>
+          <p:sp>
+            <p:nvSpPr>
+              <p:cNvPr id="76" name="Rectangle 75">
+                <a:extLst>
+                  <a:ext uri="{FF2B5EF4-FFF2-40B4-BE49-F238E27FC236}">
+                    <a16:creationId xmlns:a16="http://schemas.microsoft.com/office/drawing/2014/main" id="{C9E8DEC0-CC5E-3F96-F6F7-00168950DB67}"/>
+                  </a:ext>
+                </a:extLst>
+              </p:cNvPr>
+              <p:cNvSpPr/>
+              <p:nvPr/>
+            </p:nvSpPr>
+            <p:spPr>
+              <a:xfrm>
+                <a:off x="3298646" y="1945539"/>
+                <a:ext cx="457199" cy="213496"/>
+              </a:xfrm>
+              <a:prstGeom prst="rect">
+                <a:avLst/>
+              </a:prstGeom>
+              <a:solidFill>
+                <a:schemeClr val="bg1"/>
+              </a:solidFill>
+              <a:ln w="38100">
+                <a:solidFill>
+                  <a:schemeClr val="accent3"/>
+                </a:solidFill>
+              </a:ln>
+            </p:spPr>
+            <p:style>
+              <a:lnRef idx="2">
+                <a:schemeClr val="accent1">
+                  <a:shade val="15000"/>
+                </a:schemeClr>
+              </a:lnRef>
+              <a:fillRef idx="1">
+                <a:schemeClr val="accent1"/>
+              </a:fillRef>
+              <a:effectRef idx="0">
+                <a:schemeClr val="accent1"/>
+              </a:effectRef>
+              <a:fontRef idx="minor">
+                <a:schemeClr val="lt1"/>
+              </a:fontRef>
+            </p:style>
+            <p:txBody>
+              <a:bodyPr rtlCol="0" anchor="b"/>
+              <a:lstStyle/>
+              <a:p>
+                <a:r>
+                  <a:rPr lang="en-US" sz="400" dirty="0">
+                    <a:solidFill>
+                      <a:schemeClr val="tx1"/>
+                    </a:solidFill>
+                  </a:rPr>
+                  <a:t>HF IR</a:t>
+                </a:r>
+                <a:endParaRPr lang="en-DK" sz="400" dirty="0">
+                  <a:solidFill>
+                    <a:schemeClr val="tx1"/>
+                  </a:solidFill>
+                </a:endParaRPr>
+              </a:p>
+            </p:txBody>
+          </p:sp>
+          <p:sp>
+            <p:nvSpPr>
+              <p:cNvPr id="77" name="Freeform: Shape 76">
+                <a:extLst>
+                  <a:ext uri="{FF2B5EF4-FFF2-40B4-BE49-F238E27FC236}">
+                    <a16:creationId xmlns:a16="http://schemas.microsoft.com/office/drawing/2014/main" id="{6485B476-9027-9046-C091-C2DC7C86B2B4}"/>
+                  </a:ext>
+                </a:extLst>
+              </p:cNvPr>
+              <p:cNvSpPr/>
+              <p:nvPr/>
+            </p:nvSpPr>
+            <p:spPr>
+              <a:xfrm>
+                <a:off x="3316940" y="2004311"/>
+                <a:ext cx="395430" cy="117383"/>
+              </a:xfrm>
+              <a:custGeom>
+                <a:avLst/>
+                <a:gdLst>
+                  <a:gd name="connsiteX0" fmla="*/ 0 w 776287"/>
+                  <a:gd name="connsiteY0" fmla="*/ 0 h 326231"/>
+                  <a:gd name="connsiteX1" fmla="*/ 450056 w 776287"/>
+                  <a:gd name="connsiteY1" fmla="*/ 0 h 326231"/>
+                  <a:gd name="connsiteX2" fmla="*/ 776287 w 776287"/>
+                  <a:gd name="connsiteY2" fmla="*/ 326231 h 326231"/>
+                </a:gdLst>
+                <a:ahLst/>
+                <a:cxnLst>
+                  <a:cxn ang="0">
+                    <a:pos x="connsiteX0" y="connsiteY0"/>
+                  </a:cxn>
+                  <a:cxn ang="0">
+                    <a:pos x="connsiteX1" y="connsiteY1"/>
+                  </a:cxn>
+                  <a:cxn ang="0">
+                    <a:pos x="connsiteX2" y="connsiteY2"/>
+                  </a:cxn>
+                </a:cxnLst>
+                <a:rect l="l" t="t" r="r" b="b"/>
+                <a:pathLst>
+                  <a:path w="776287" h="326231">
+                    <a:moveTo>
+                      <a:pt x="0" y="0"/>
+                    </a:moveTo>
+                    <a:lnTo>
+                      <a:pt x="450056" y="0"/>
+                    </a:lnTo>
+                    <a:lnTo>
+                      <a:pt x="776287" y="326231"/>
+                    </a:lnTo>
+                  </a:path>
+                </a:pathLst>
+              </a:custGeom>
+              <a:noFill/>
+              <a:ln w="38100">
+                <a:solidFill>
+                  <a:schemeClr val="accent3"/>
+                </a:solidFill>
+              </a:ln>
+            </p:spPr>
+            <p:style>
+              <a:lnRef idx="2">
+                <a:schemeClr val="accent1">
+                  <a:shade val="15000"/>
+                </a:schemeClr>
+              </a:lnRef>
+              <a:fillRef idx="1">
+                <a:schemeClr val="accent1"/>
+              </a:fillRef>
+              <a:effectRef idx="0">
+                <a:schemeClr val="accent1"/>
+              </a:effectRef>
+              <a:fontRef idx="minor">
+                <a:schemeClr val="lt1"/>
+              </a:fontRef>
+            </p:style>
+            <p:txBody>
+              <a:bodyPr rtlCol="0" anchor="ctr"/>
+              <a:lstStyle/>
+              <a:p>
+                <a:pPr algn="ctr"/>
+                <a:endParaRPr lang="en-DK">
+                  <a:ln w="38100">
+                    <a:solidFill>
+                      <a:schemeClr val="tx1"/>
+                    </a:solidFill>
+                  </a:ln>
+                </a:endParaRPr>
+              </a:p>
+            </p:txBody>
+          </p:sp>
+        </p:grpSp>
+        <p:sp>
+          <p:nvSpPr>
+            <p:cNvPr id="80" name="TextBox 79">
+              <a:extLst>
+                <a:ext uri="{FF2B5EF4-FFF2-40B4-BE49-F238E27FC236}">
+                  <a16:creationId xmlns:a16="http://schemas.microsoft.com/office/drawing/2014/main" id="{3AE40769-3B4D-C325-B764-340C3DD48357}"/>
+                </a:ext>
+              </a:extLst>
+            </p:cNvPr>
+            <p:cNvSpPr txBox="1"/>
+            <p:nvPr/>
+          </p:nvSpPr>
+          <p:spPr>
+            <a:xfrm rot="5400000" flipH="1" flipV="1">
+              <a:off x="2673913" y="2909077"/>
+              <a:ext cx="2046147" cy="369332"/>
+            </a:xfrm>
+            <a:prstGeom prst="rect">
+              <a:avLst/>
+            </a:prstGeom>
+            <a:noFill/>
+          </p:spPr>
+          <p:txBody>
+            <a:bodyPr wrap="square" rtlCol="0">
+              <a:spAutoFit/>
+            </a:bodyPr>
+            <a:lstStyle/>
+            <a:p>
+              <a:r>
+                <a:rPr lang="en-US" dirty="0"/>
+                <a:t>Readout Output</a:t>
+              </a:r>
+              <a:endParaRPr lang="en-DK" dirty="0"/>
+            </a:p>
+          </p:txBody>
+        </p:sp>
+        <p:sp>
+          <p:nvSpPr>
+            <p:cNvPr id="81" name="Rectangle 80">
+              <a:extLst>
+                <a:ext uri="{FF2B5EF4-FFF2-40B4-BE49-F238E27FC236}">
+                  <a16:creationId xmlns:a16="http://schemas.microsoft.com/office/drawing/2014/main" id="{7E37BEBB-0DE2-7448-CB80-D2FE96CFB427}"/>
+                </a:ext>
+              </a:extLst>
+            </p:cNvPr>
+            <p:cNvSpPr/>
+            <p:nvPr/>
+          </p:nvSpPr>
+          <p:spPr>
+            <a:xfrm rot="5400000">
+              <a:off x="3888158" y="3754609"/>
+              <a:ext cx="457199" cy="213496"/>
+            </a:xfrm>
+            <a:prstGeom prst="rect">
+              <a:avLst/>
+            </a:prstGeom>
+            <a:solidFill>
+              <a:schemeClr val="bg1"/>
+            </a:solidFill>
+            <a:ln w="38100">
+              <a:solidFill>
+                <a:schemeClr val="accent3"/>
+              </a:solidFill>
+            </a:ln>
+          </p:spPr>
+          <p:style>
+            <a:lnRef idx="2">
+              <a:schemeClr val="accent1">
+                <a:shade val="15000"/>
+              </a:schemeClr>
+            </a:lnRef>
+            <a:fillRef idx="1">
+              <a:schemeClr val="accent1"/>
+            </a:fillRef>
+            <a:effectRef idx="0">
+              <a:schemeClr val="accent1"/>
+            </a:effectRef>
+            <a:fontRef idx="minor">
+              <a:schemeClr val="lt1"/>
+            </a:fontRef>
+          </p:style>
+          <p:txBody>
+            <a:bodyPr rtlCol="0" anchor="ctr"/>
+            <a:lstStyle/>
+            <a:p>
+              <a:pPr algn="ctr"/>
+              <a:r>
+                <a:rPr lang="en-US" sz="700" dirty="0">
+                  <a:solidFill>
+                    <a:schemeClr val="tx1"/>
+                  </a:solidFill>
+                </a:rPr>
+                <a:t>0 dB</a:t>
+              </a:r>
+              <a:endParaRPr lang="en-DK" sz="700" dirty="0">
+                <a:solidFill>
+                  <a:schemeClr val="tx1"/>
+                </a:solidFill>
+              </a:endParaRPr>
+            </a:p>
+          </p:txBody>
+        </p:sp>
+        <p:sp>
+          <p:nvSpPr>
+            <p:cNvPr id="86" name="Oval 85">
+              <a:extLst>
+                <a:ext uri="{FF2B5EF4-FFF2-40B4-BE49-F238E27FC236}">
+                  <a16:creationId xmlns:a16="http://schemas.microsoft.com/office/drawing/2014/main" id="{FA7E4111-6AB4-1661-1DA1-31FC027120D9}"/>
+                </a:ext>
+              </a:extLst>
+            </p:cNvPr>
+            <p:cNvSpPr/>
+            <p:nvPr/>
+          </p:nvSpPr>
+          <p:spPr>
+            <a:xfrm rot="4615683">
+              <a:off x="3945078" y="5372352"/>
+              <a:ext cx="364521" cy="364521"/>
+            </a:xfrm>
+            <a:prstGeom prst="ellipse">
+              <a:avLst/>
+            </a:prstGeom>
+            <a:solidFill>
+              <a:schemeClr val="bg1"/>
+            </a:solidFill>
+            <a:ln w="38100">
+              <a:solidFill>
+                <a:schemeClr val="accent3"/>
+              </a:solidFill>
+            </a:ln>
+          </p:spPr>
+          <p:style>
+            <a:lnRef idx="2">
+              <a:schemeClr val="accent1">
+                <a:shade val="15000"/>
+              </a:schemeClr>
+            </a:lnRef>
+            <a:fillRef idx="1">
+              <a:schemeClr val="accent1"/>
+            </a:fillRef>
+            <a:effectRef idx="0">
+              <a:schemeClr val="accent1"/>
+            </a:effectRef>
+            <a:fontRef idx="minor">
+              <a:schemeClr val="lt1"/>
+            </a:fontRef>
+          </p:style>
+          <p:txBody>
+            <a:bodyPr rtlCol="0" anchor="ctr"/>
+            <a:lstStyle/>
+            <a:p>
+              <a:pPr algn="ctr"/>
+              <a:endParaRPr lang="en-DK"/>
+            </a:p>
+          </p:txBody>
+        </p:sp>
+        <p:sp>
+          <p:nvSpPr>
+            <p:cNvPr id="87" name="Arrow: Curved Up 86">
+              <a:extLst>
+                <a:ext uri="{FF2B5EF4-FFF2-40B4-BE49-F238E27FC236}">
+                  <a16:creationId xmlns:a16="http://schemas.microsoft.com/office/drawing/2014/main" id="{0A08B800-52BF-5367-AFA3-65A2FBB302FF}"/>
+                </a:ext>
+              </a:extLst>
+            </p:cNvPr>
+            <p:cNvSpPr/>
+            <p:nvPr/>
+          </p:nvSpPr>
+          <p:spPr>
+            <a:xfrm rot="4615683">
+              <a:off x="3988528" y="5499278"/>
+              <a:ext cx="241125" cy="147451"/>
+            </a:xfrm>
+            <a:prstGeom prst="curvedUpArrow">
+              <a:avLst/>
+            </a:prstGeom>
+            <a:solidFill>
+              <a:schemeClr val="accent3"/>
+            </a:solidFill>
+            <a:ln>
+              <a:solidFill>
+                <a:schemeClr val="accent3"/>
+              </a:solidFill>
+            </a:ln>
+          </p:spPr>
+          <p:style>
+            <a:lnRef idx="2">
+              <a:schemeClr val="accent1">
+                <a:shade val="15000"/>
+              </a:schemeClr>
+            </a:lnRef>
+            <a:fillRef idx="1">
+              <a:schemeClr val="accent1"/>
+            </a:fillRef>
+            <a:effectRef idx="0">
+              <a:schemeClr val="accent1"/>
+            </a:effectRef>
+            <a:fontRef idx="minor">
+              <a:schemeClr val="lt1"/>
+            </a:fontRef>
+          </p:style>
+          <p:txBody>
+            <a:bodyPr rtlCol="0" anchor="ctr"/>
+            <a:lstStyle/>
+            <a:p>
+              <a:pPr algn="ctr"/>
+              <a:endParaRPr lang="en-DK" dirty="0">
+                <a:solidFill>
+                  <a:schemeClr val="tx1"/>
+                </a:solidFill>
+              </a:endParaRPr>
+            </a:p>
+          </p:txBody>
+        </p:sp>
+        <p:sp>
+          <p:nvSpPr>
+            <p:cNvPr id="88" name="Flowchart: Extract 87">
+              <a:extLst>
+                <a:ext uri="{FF2B5EF4-FFF2-40B4-BE49-F238E27FC236}">
+                  <a16:creationId xmlns:a16="http://schemas.microsoft.com/office/drawing/2014/main" id="{833894BC-43A4-7628-D7EC-A679A38F9483}"/>
+                </a:ext>
+              </a:extLst>
+            </p:cNvPr>
+            <p:cNvSpPr/>
+            <p:nvPr/>
+          </p:nvSpPr>
+          <p:spPr>
+            <a:xfrm>
+              <a:off x="3995649" y="666750"/>
+              <a:ext cx="276342" cy="276342"/>
+            </a:xfrm>
+            <a:prstGeom prst="flowChartExtract">
+              <a:avLst/>
+            </a:prstGeom>
+            <a:solidFill>
+              <a:schemeClr val="bg1"/>
+            </a:solidFill>
+            <a:ln w="38100">
+              <a:solidFill>
+                <a:schemeClr val="accent3"/>
+              </a:solidFill>
+            </a:ln>
+          </p:spPr>
+          <p:style>
+            <a:lnRef idx="2">
+              <a:schemeClr val="accent1">
+                <a:shade val="15000"/>
+              </a:schemeClr>
+            </a:lnRef>
+            <a:fillRef idx="1">
+              <a:schemeClr val="accent1"/>
+            </a:fillRef>
+            <a:effectRef idx="0">
+              <a:schemeClr val="accent1"/>
+            </a:effectRef>
+            <a:fontRef idx="minor">
+              <a:schemeClr val="lt1"/>
+            </a:fontRef>
+          </p:style>
+          <p:txBody>
+            <a:bodyPr rtlCol="0" anchor="ctr"/>
+            <a:lstStyle/>
+            <a:p>
+              <a:pPr algn="ctr"/>
+              <a:endParaRPr lang="en-DK"/>
+            </a:p>
+          </p:txBody>
+        </p:sp>
+        <p:sp>
+          <p:nvSpPr>
+            <p:cNvPr id="89" name="Flowchart: Extract 88">
+              <a:extLst>
+                <a:ext uri="{FF2B5EF4-FFF2-40B4-BE49-F238E27FC236}">
+                  <a16:creationId xmlns:a16="http://schemas.microsoft.com/office/drawing/2014/main" id="{30E0EF2F-398C-C744-9200-E06FCA533CE1}"/>
+                </a:ext>
+              </a:extLst>
+            </p:cNvPr>
+            <p:cNvSpPr/>
+            <p:nvPr/>
+          </p:nvSpPr>
+          <p:spPr>
+            <a:xfrm>
+              <a:off x="3970249" y="1911350"/>
+              <a:ext cx="276342" cy="276342"/>
+            </a:xfrm>
+            <a:prstGeom prst="flowChartExtract">
+              <a:avLst/>
+            </a:prstGeom>
+            <a:solidFill>
+              <a:schemeClr val="bg1"/>
+            </a:solidFill>
+            <a:ln w="38100">
+              <a:solidFill>
+                <a:schemeClr val="accent3"/>
+              </a:solidFill>
+            </a:ln>
+          </p:spPr>
+          <p:style>
+            <a:lnRef idx="2">
+              <a:schemeClr val="accent1">
+                <a:shade val="15000"/>
+              </a:schemeClr>
+            </a:lnRef>
+            <a:fillRef idx="1">
+              <a:schemeClr val="accent1"/>
+            </a:fillRef>
+            <a:effectRef idx="0">
+              <a:schemeClr val="accent1"/>
+            </a:effectRef>
+            <a:fontRef idx="minor">
+              <a:schemeClr val="lt1"/>
+            </a:fontRef>
+          </p:style>
+          <p:txBody>
+            <a:bodyPr rtlCol="0" anchor="ctr"/>
+            <a:lstStyle/>
+            <a:p>
+              <a:pPr algn="ctr"/>
+              <a:endParaRPr lang="en-DK"/>
+            </a:p>
+          </p:txBody>
+        </p:sp>
+        <p:sp>
+          <p:nvSpPr>
+            <p:cNvPr id="90" name="Flowchart: Extract 89">
+              <a:extLst>
+                <a:ext uri="{FF2B5EF4-FFF2-40B4-BE49-F238E27FC236}">
+                  <a16:creationId xmlns:a16="http://schemas.microsoft.com/office/drawing/2014/main" id="{F527C900-210C-D8A3-E9A4-B49546996B16}"/>
+                </a:ext>
+              </a:extLst>
+            </p:cNvPr>
+            <p:cNvSpPr/>
+            <p:nvPr/>
+          </p:nvSpPr>
+          <p:spPr>
+            <a:xfrm>
+              <a:off x="4010007" y="5815020"/>
+              <a:ext cx="276342" cy="276342"/>
+            </a:xfrm>
+            <a:prstGeom prst="flowChartExtract">
+              <a:avLst/>
+            </a:prstGeom>
+            <a:solidFill>
+              <a:schemeClr val="bg1"/>
+            </a:solidFill>
+            <a:ln w="38100">
+              <a:solidFill>
+                <a:schemeClr val="accent3"/>
+              </a:solidFill>
+            </a:ln>
+          </p:spPr>
+          <p:style>
+            <a:lnRef idx="2">
+              <a:schemeClr val="accent1">
+                <a:shade val="15000"/>
+              </a:schemeClr>
+            </a:lnRef>
+            <a:fillRef idx="1">
+              <a:schemeClr val="accent1"/>
+            </a:fillRef>
+            <a:effectRef idx="0">
+              <a:schemeClr val="accent1"/>
+            </a:effectRef>
+            <a:fontRef idx="minor">
+              <a:schemeClr val="lt1"/>
+            </a:fontRef>
+          </p:style>
+          <p:txBody>
+            <a:bodyPr rtlCol="0" anchor="ctr"/>
+            <a:lstStyle/>
+            <a:p>
+              <a:pPr algn="ctr"/>
+              <a:endParaRPr lang="en-DK"/>
+            </a:p>
+          </p:txBody>
+        </p:sp>
+        <p:sp>
+          <p:nvSpPr>
+            <p:cNvPr id="92" name="Oval 91">
+              <a:extLst>
+                <a:ext uri="{FF2B5EF4-FFF2-40B4-BE49-F238E27FC236}">
+                  <a16:creationId xmlns:a16="http://schemas.microsoft.com/office/drawing/2014/main" id="{0868A02F-07D9-DBCA-BA05-5CA99D08A25E}"/>
+                </a:ext>
+              </a:extLst>
+            </p:cNvPr>
+            <p:cNvSpPr/>
+            <p:nvPr/>
+          </p:nvSpPr>
+          <p:spPr>
+            <a:xfrm rot="4615683">
+              <a:off x="3969807" y="6250948"/>
+              <a:ext cx="364521" cy="364521"/>
+            </a:xfrm>
+            <a:prstGeom prst="ellipse">
+              <a:avLst/>
+            </a:prstGeom>
+            <a:solidFill>
+              <a:schemeClr val="bg1"/>
+            </a:solidFill>
+            <a:ln w="38100">
+              <a:solidFill>
+                <a:schemeClr val="accent3"/>
+              </a:solidFill>
+            </a:ln>
+          </p:spPr>
+          <p:style>
+            <a:lnRef idx="2">
+              <a:schemeClr val="accent1">
+                <a:shade val="15000"/>
+              </a:schemeClr>
+            </a:lnRef>
+            <a:fillRef idx="1">
+              <a:schemeClr val="accent1"/>
+            </a:fillRef>
+            <a:effectRef idx="0">
+              <a:schemeClr val="accent1"/>
+            </a:effectRef>
+            <a:fontRef idx="minor">
+              <a:schemeClr val="lt1"/>
+            </a:fontRef>
+          </p:style>
+          <p:txBody>
+            <a:bodyPr rtlCol="0" anchor="ctr"/>
+            <a:lstStyle/>
+            <a:p>
+              <a:pPr algn="ctr"/>
+              <a:endParaRPr lang="en-DK"/>
+            </a:p>
+          </p:txBody>
+        </p:sp>
+        <p:sp>
+          <p:nvSpPr>
+            <p:cNvPr id="93" name="Arrow: Curved Up 92">
+              <a:extLst>
+                <a:ext uri="{FF2B5EF4-FFF2-40B4-BE49-F238E27FC236}">
+                  <a16:creationId xmlns:a16="http://schemas.microsoft.com/office/drawing/2014/main" id="{18982235-7E68-8594-0DA4-AE0C53B63B7B}"/>
+                </a:ext>
+              </a:extLst>
+            </p:cNvPr>
+            <p:cNvSpPr/>
+            <p:nvPr/>
+          </p:nvSpPr>
+          <p:spPr>
+            <a:xfrm rot="4615683">
+              <a:off x="4013257" y="6377874"/>
+              <a:ext cx="241125" cy="147451"/>
+            </a:xfrm>
+            <a:prstGeom prst="curvedUpArrow">
+              <a:avLst/>
+            </a:prstGeom>
+            <a:solidFill>
+              <a:schemeClr val="accent3"/>
+            </a:solidFill>
+            <a:ln>
+              <a:solidFill>
+                <a:schemeClr val="accent3"/>
+              </a:solidFill>
+            </a:ln>
+          </p:spPr>
+          <p:style>
+            <a:lnRef idx="2">
+              <a:schemeClr val="accent1">
+                <a:shade val="15000"/>
+              </a:schemeClr>
+            </a:lnRef>
+            <a:fillRef idx="1">
+              <a:schemeClr val="accent1"/>
+            </a:fillRef>
+            <a:effectRef idx="0">
+              <a:schemeClr val="accent1"/>
+            </a:effectRef>
+            <a:fontRef idx="minor">
+              <a:schemeClr val="lt1"/>
+            </a:fontRef>
+          </p:style>
+          <p:txBody>
+            <a:bodyPr rtlCol="0" anchor="ctr"/>
+            <a:lstStyle/>
+            <a:p>
+              <a:pPr algn="ctr"/>
+              <a:endParaRPr lang="en-DK" dirty="0">
+                <a:solidFill>
+                  <a:schemeClr val="tx1"/>
+                </a:solidFill>
+              </a:endParaRPr>
+            </a:p>
+          </p:txBody>
+        </p:sp>
+        <p:sp>
+          <p:nvSpPr>
+            <p:cNvPr id="100" name="Rectangle 99">
+              <a:extLst>
+                <a:ext uri="{FF2B5EF4-FFF2-40B4-BE49-F238E27FC236}">
+                  <a16:creationId xmlns:a16="http://schemas.microsoft.com/office/drawing/2014/main" id="{2F0B204D-7CBE-B274-AA75-82B3C22FE45A}"/>
+                </a:ext>
+              </a:extLst>
+            </p:cNvPr>
+            <p:cNvSpPr/>
+            <p:nvPr/>
+          </p:nvSpPr>
+          <p:spPr>
+            <a:xfrm>
+              <a:off x="1666320" y="5773373"/>
+              <a:ext cx="1920249" cy="568891"/>
+            </a:xfrm>
+            <a:prstGeom prst="rect">
+              <a:avLst/>
+            </a:prstGeom>
+          </p:spPr>
+          <p:style>
+            <a:lnRef idx="2">
+              <a:schemeClr val="accent4">
+                <a:shade val="15000"/>
+              </a:schemeClr>
+            </a:lnRef>
+            <a:fillRef idx="1">
+              <a:schemeClr val="accent4"/>
+            </a:fillRef>
+            <a:effectRef idx="0">
+              <a:schemeClr val="accent4"/>
+            </a:effectRef>
+            <a:fontRef idx="minor">
+              <a:schemeClr val="lt1"/>
+            </a:fontRef>
+          </p:style>
+          <p:txBody>
+            <a:bodyPr rtlCol="0" anchor="ctr"/>
+            <a:lstStyle/>
+            <a:p>
+              <a:pPr algn="ctr"/>
+              <a:r>
+                <a:rPr lang="en-US" dirty="0"/>
+                <a:t>Soprano Chip</a:t>
+              </a:r>
+              <a:endParaRPr lang="en-DK" dirty="0"/>
+            </a:p>
+          </p:txBody>
+        </p:sp>
+        <p:sp>
+          <p:nvSpPr>
+            <p:cNvPr id="106" name="TextBox 105">
+              <a:extLst>
+                <a:ext uri="{FF2B5EF4-FFF2-40B4-BE49-F238E27FC236}">
+                  <a16:creationId xmlns:a16="http://schemas.microsoft.com/office/drawing/2014/main" id="{9F15DB8C-C87D-19FA-BFA0-04B4FDE0E476}"/>
+                </a:ext>
+              </a:extLst>
+            </p:cNvPr>
+            <p:cNvSpPr txBox="1"/>
+            <p:nvPr/>
+          </p:nvSpPr>
+          <p:spPr>
+            <a:xfrm>
+              <a:off x="4326423" y="5815020"/>
+              <a:ext cx="690702" cy="307777"/>
+            </a:xfrm>
+            <a:prstGeom prst="rect">
+              <a:avLst/>
+            </a:prstGeom>
+            <a:noFill/>
+          </p:spPr>
+          <p:txBody>
+            <a:bodyPr wrap="none" rtlCol="0">
+              <a:spAutoFit/>
+            </a:bodyPr>
+            <a:lstStyle/>
+            <a:p>
+              <a:r>
+                <a:rPr lang="en-US" sz="1400" dirty="0"/>
+                <a:t>TWPA</a:t>
+              </a:r>
+              <a:endParaRPr lang="en-DK" sz="1400" dirty="0"/>
+            </a:p>
+          </p:txBody>
+        </p:sp>
+        <p:sp>
+          <p:nvSpPr>
+            <p:cNvPr id="19" name="TextBox 18">
+              <a:extLst>
+                <a:ext uri="{FF2B5EF4-FFF2-40B4-BE49-F238E27FC236}">
+                  <a16:creationId xmlns:a16="http://schemas.microsoft.com/office/drawing/2014/main" id="{D0B6500D-530D-F5E9-B66B-B711042FB66D}"/>
+                </a:ext>
+              </a:extLst>
+            </p:cNvPr>
+            <p:cNvSpPr txBox="1"/>
+            <p:nvPr/>
+          </p:nvSpPr>
+          <p:spPr>
+            <a:xfrm>
+              <a:off x="-797511" y="916088"/>
+              <a:ext cx="1711622" cy="307777"/>
+            </a:xfrm>
+            <a:prstGeom prst="rect">
+              <a:avLst/>
+            </a:prstGeom>
+            <a:noFill/>
+          </p:spPr>
+          <p:txBody>
+            <a:bodyPr wrap="none" rtlCol="0">
+              <a:spAutoFit/>
+            </a:bodyPr>
+            <a:lstStyle/>
+            <a:p>
+              <a:r>
+                <a:rPr lang="en-US" sz="1400" dirty="0"/>
+                <a:t>Room Temperature</a:t>
+              </a:r>
+              <a:endParaRPr lang="en-DK" sz="1400" dirty="0"/>
+            </a:p>
+          </p:txBody>
+        </p:sp>
+      </p:grpSp>
+      <p:sp>
+        <p:nvSpPr>
+          <p:cNvPr id="3" name="Rectangle 2">
+            <a:extLst>
+              <a:ext uri="{FF2B5EF4-FFF2-40B4-BE49-F238E27FC236}">
+                <a16:creationId xmlns:a16="http://schemas.microsoft.com/office/drawing/2014/main" id="{E209E5DC-F13F-7BBF-10EF-D4BECF0DD8FA}"/>
+              </a:ext>
+            </a:extLst>
+          </p:cNvPr>
+          <p:cNvSpPr/>
+          <p:nvPr/>
+        </p:nvSpPr>
+        <p:spPr>
+          <a:xfrm rot="10800000" flipH="1" flipV="1">
+            <a:off x="3528474" y="1446843"/>
+            <a:ext cx="1486304" cy="3177541"/>
+          </a:xfrm>
+          <a:prstGeom prst="rect">
+            <a:avLst/>
+          </a:prstGeom>
+          <a:noFill/>
+          <a:ln w="38100">
+            <a:solidFill>
+              <a:schemeClr val="accent3"/>
+            </a:solidFill>
+          </a:ln>
+        </p:spPr>
+        <p:style>
+          <a:lnRef idx="2">
+            <a:schemeClr val="accent1">
+              <a:shade val="15000"/>
+            </a:schemeClr>
+          </a:lnRef>
+          <a:fillRef idx="1">
+            <a:schemeClr val="accent1"/>
+          </a:fillRef>
+          <a:effectRef idx="0">
+            <a:schemeClr val="accent1"/>
+          </a:effectRef>
+          <a:fontRef idx="minor">
+            <a:schemeClr val="lt1"/>
+          </a:fontRef>
+        </p:style>
+        <p:txBody>
+          <a:bodyPr rtlCol="0" anchor="ctr"/>
+          <a:lstStyle/>
+          <a:p>
+            <a:pPr algn="ctr"/>
+            <a:endParaRPr lang="en-DK"/>
+          </a:p>
+        </p:txBody>
+      </p:sp>
+      <p:sp>
+        <p:nvSpPr>
+          <p:cNvPr id="5" name="Rectangle 4">
+            <a:extLst>
+              <a:ext uri="{FF2B5EF4-FFF2-40B4-BE49-F238E27FC236}">
+                <a16:creationId xmlns:a16="http://schemas.microsoft.com/office/drawing/2014/main" id="{CC45564C-6A5F-1831-747D-B37DAD893C38}"/>
+              </a:ext>
+            </a:extLst>
+          </p:cNvPr>
+          <p:cNvSpPr/>
+          <p:nvPr/>
+        </p:nvSpPr>
+        <p:spPr>
+          <a:xfrm rot="10800000" flipH="1" flipV="1">
+            <a:off x="2299202" y="1670681"/>
+            <a:ext cx="3279938" cy="3177541"/>
+          </a:xfrm>
+          <a:prstGeom prst="rect">
+            <a:avLst/>
+          </a:prstGeom>
+          <a:noFill/>
+          <a:ln w="38100">
+            <a:solidFill>
+              <a:schemeClr val="accent2"/>
+            </a:solidFill>
+          </a:ln>
+        </p:spPr>
+        <p:style>
+          <a:lnRef idx="2">
+            <a:schemeClr val="accent1">
+              <a:shade val="15000"/>
+            </a:schemeClr>
+          </a:lnRef>
+          <a:fillRef idx="1">
+            <a:schemeClr val="accent1"/>
+          </a:fillRef>
+          <a:effectRef idx="0">
+            <a:schemeClr val="accent1"/>
+          </a:effectRef>
+          <a:fontRef idx="minor">
+            <a:schemeClr val="lt1"/>
+          </a:fontRef>
+        </p:style>
+        <p:txBody>
+          <a:bodyPr rtlCol="0" anchor="ctr"/>
+          <a:lstStyle/>
+          <a:p>
+            <a:pPr algn="ctr"/>
+            <a:endParaRPr lang="en-DK"/>
+          </a:p>
+        </p:txBody>
+      </p:sp>
+      <p:sp>
+        <p:nvSpPr>
+          <p:cNvPr id="6" name="Rectangle 5">
+            <a:extLst>
+              <a:ext uri="{FF2B5EF4-FFF2-40B4-BE49-F238E27FC236}">
+                <a16:creationId xmlns:a16="http://schemas.microsoft.com/office/drawing/2014/main" id="{116B83F0-B071-7F1B-3849-C1AF6DF0CF0A}"/>
+              </a:ext>
+            </a:extLst>
+          </p:cNvPr>
+          <p:cNvSpPr/>
+          <p:nvPr/>
+        </p:nvSpPr>
+        <p:spPr>
+          <a:xfrm rot="10800000" flipH="1" flipV="1">
+            <a:off x="1179744" y="1785938"/>
+            <a:ext cx="4868883" cy="3286123"/>
+          </a:xfrm>
+          <a:prstGeom prst="rect">
+            <a:avLst/>
+          </a:prstGeom>
+          <a:noFill/>
+          <a:ln w="38100">
+            <a:solidFill>
+              <a:schemeClr val="accent1"/>
+            </a:solidFill>
+          </a:ln>
+        </p:spPr>
+        <p:style>
+          <a:lnRef idx="2">
+            <a:schemeClr val="accent1">
+              <a:shade val="15000"/>
+            </a:schemeClr>
+          </a:lnRef>
+          <a:fillRef idx="1">
+            <a:schemeClr val="accent1"/>
+          </a:fillRef>
+          <a:effectRef idx="0">
+            <a:schemeClr val="accent1"/>
+          </a:effectRef>
+          <a:fontRef idx="minor">
+            <a:schemeClr val="lt1"/>
+          </a:fontRef>
+        </p:style>
+        <p:txBody>
+          <a:bodyPr rtlCol="0" anchor="ctr"/>
+          <a:lstStyle/>
+          <a:p>
+            <a:pPr algn="ctr"/>
+            <a:endParaRPr lang="en-DK"/>
+          </a:p>
+        </p:txBody>
+      </p:sp>
+      <p:sp>
+        <p:nvSpPr>
+          <p:cNvPr id="7" name="Rectangle 6">
+            <a:extLst>
+              <a:ext uri="{FF2B5EF4-FFF2-40B4-BE49-F238E27FC236}">
+                <a16:creationId xmlns:a16="http://schemas.microsoft.com/office/drawing/2014/main" id="{38596B33-5C2E-508E-2FD5-81D09927C5AA}"/>
+              </a:ext>
+            </a:extLst>
+          </p:cNvPr>
+          <p:cNvSpPr/>
+          <p:nvPr/>
+        </p:nvSpPr>
+        <p:spPr>
+          <a:xfrm rot="10800000" flipH="1">
+            <a:off x="0" y="1048098"/>
+            <a:ext cx="7116323" cy="3177544"/>
+          </a:xfrm>
+          <a:prstGeom prst="rect">
+            <a:avLst/>
+          </a:prstGeom>
+          <a:solidFill>
+            <a:schemeClr val="bg1"/>
+          </a:solidFill>
+          <a:ln>
+            <a:noFill/>
+          </a:ln>
+        </p:spPr>
+        <p:style>
+          <a:lnRef idx="2">
+            <a:schemeClr val="accent1">
+              <a:shade val="15000"/>
+            </a:schemeClr>
+          </a:lnRef>
+          <a:fillRef idx="1">
+            <a:schemeClr val="accent1"/>
+          </a:fillRef>
+          <a:effectRef idx="0">
+            <a:schemeClr val="accent1"/>
+          </a:effectRef>
+          <a:fontRef idx="minor">
+            <a:schemeClr val="lt1"/>
+          </a:fontRef>
+        </p:style>
+        <p:txBody>
+          <a:bodyPr rtlCol="0" anchor="ctr"/>
+          <a:lstStyle/>
+          <a:p>
+            <a:pPr algn="ctr"/>
+            <a:endParaRPr lang="en-DK"/>
+          </a:p>
+        </p:txBody>
+      </p:sp>
+      <p:sp>
+        <p:nvSpPr>
+          <p:cNvPr id="8" name="TextBox 7">
+            <a:extLst>
+              <a:ext uri="{FF2B5EF4-FFF2-40B4-BE49-F238E27FC236}">
+                <a16:creationId xmlns:a16="http://schemas.microsoft.com/office/drawing/2014/main" id="{1B609872-674C-5FA6-7F11-19C56C988656}"/>
+              </a:ext>
+            </a:extLst>
+          </p:cNvPr>
+          <p:cNvSpPr txBox="1"/>
+          <p:nvPr/>
+        </p:nvSpPr>
+        <p:spPr>
+          <a:xfrm flipH="1">
+            <a:off x="176740" y="4418954"/>
+            <a:ext cx="928459" cy="646331"/>
+          </a:xfrm>
+          <a:prstGeom prst="rect">
+            <a:avLst/>
+          </a:prstGeom>
+          <a:noFill/>
+        </p:spPr>
+        <p:txBody>
+          <a:bodyPr wrap="none" rtlCol="0">
+            <a:spAutoFit/>
+          </a:bodyPr>
+          <a:lstStyle/>
+          <a:p>
+            <a:r>
+              <a:rPr lang="en-US" dirty="0"/>
+              <a:t>Qubit </a:t>
+            </a:r>
+          </a:p>
+          <a:p>
+            <a:r>
+              <a:rPr lang="en-US" dirty="0"/>
+              <a:t>Control</a:t>
+            </a:r>
+            <a:endParaRPr lang="en-DK" dirty="0"/>
+          </a:p>
+        </p:txBody>
+      </p:sp>
+      <p:sp>
+        <p:nvSpPr>
+          <p:cNvPr id="10" name="Cylinder 9">
+            <a:extLst>
+              <a:ext uri="{FF2B5EF4-FFF2-40B4-BE49-F238E27FC236}">
+                <a16:creationId xmlns:a16="http://schemas.microsoft.com/office/drawing/2014/main" id="{E6C4E345-EBE3-4E35-F47D-065C61893D50}"/>
+              </a:ext>
+            </a:extLst>
+          </p:cNvPr>
+          <p:cNvSpPr/>
+          <p:nvPr/>
+        </p:nvSpPr>
+        <p:spPr>
+          <a:xfrm rot="10800000" flipH="1" flipV="1">
+            <a:off x="4687330" y="1433510"/>
+            <a:ext cx="1557334" cy="3095625"/>
+          </a:xfrm>
+          <a:prstGeom prst="can">
+            <a:avLst/>
+          </a:prstGeom>
+          <a:solidFill>
+            <a:schemeClr val="bg1">
+              <a:lumMod val="65000"/>
+            </a:schemeClr>
+          </a:solidFill>
+        </p:spPr>
+        <p:style>
+          <a:lnRef idx="2">
+            <a:schemeClr val="accent1">
+              <a:shade val="15000"/>
+            </a:schemeClr>
+          </a:lnRef>
+          <a:fillRef idx="1">
+            <a:schemeClr val="accent1"/>
+          </a:fillRef>
+          <a:effectRef idx="0">
+            <a:schemeClr val="accent1"/>
+          </a:effectRef>
+          <a:fontRef idx="minor">
+            <a:schemeClr val="lt1"/>
+          </a:fontRef>
+        </p:style>
+        <p:txBody>
+          <a:bodyPr rtlCol="0" anchor="ctr"/>
+          <a:lstStyle/>
+          <a:p>
+            <a:pPr algn="ctr"/>
+            <a:r>
+              <a:rPr lang="en-US" dirty="0"/>
+              <a:t>T5</a:t>
+            </a:r>
+          </a:p>
+          <a:p>
+            <a:pPr algn="ctr"/>
+            <a:r>
+              <a:rPr lang="en-US" dirty="0"/>
+              <a:t>Oxford Fridge</a:t>
+            </a:r>
+            <a:endParaRPr lang="en-DK" dirty="0"/>
+          </a:p>
+        </p:txBody>
+      </p:sp>
+      <p:cxnSp>
+        <p:nvCxnSpPr>
+          <p:cNvPr id="12" name="Straight Connector 11">
+            <a:extLst>
+              <a:ext uri="{FF2B5EF4-FFF2-40B4-BE49-F238E27FC236}">
+                <a16:creationId xmlns:a16="http://schemas.microsoft.com/office/drawing/2014/main" id="{35EFA669-D77E-B33F-9FE0-8ECEA6BF9F07}"/>
+              </a:ext>
+            </a:extLst>
+          </p:cNvPr>
+          <p:cNvCxnSpPr>
+            <a:cxnSpLocks/>
+          </p:cNvCxnSpPr>
+          <p:nvPr/>
+        </p:nvCxnSpPr>
+        <p:spPr>
+          <a:xfrm rot="10800000" flipH="1" flipV="1">
+            <a:off x="3570383" y="2493781"/>
+            <a:ext cx="0" cy="1156479"/>
+          </a:xfrm>
+          <a:prstGeom prst="line">
+            <a:avLst/>
+          </a:prstGeom>
+          <a:ln w="38100">
+            <a:solidFill>
+              <a:schemeClr val="accent3"/>
+            </a:solidFill>
+          </a:ln>
+        </p:spPr>
+        <p:style>
+          <a:lnRef idx="1">
+            <a:schemeClr val="accent1"/>
+          </a:lnRef>
+          <a:fillRef idx="0">
+            <a:schemeClr val="accent1"/>
+          </a:fillRef>
+          <a:effectRef idx="0">
+            <a:schemeClr val="accent1"/>
+          </a:effectRef>
+          <a:fontRef idx="minor">
+            <a:schemeClr val="tx1"/>
+          </a:fontRef>
+        </p:style>
+      </p:cxnSp>
+      <p:cxnSp>
+        <p:nvCxnSpPr>
+          <p:cNvPr id="13" name="Straight Connector 12">
+            <a:extLst>
+              <a:ext uri="{FF2B5EF4-FFF2-40B4-BE49-F238E27FC236}">
+                <a16:creationId xmlns:a16="http://schemas.microsoft.com/office/drawing/2014/main" id="{20D7FBE4-4865-8C04-F285-1AB0C2E4C1FE}"/>
+              </a:ext>
+            </a:extLst>
+          </p:cNvPr>
+          <p:cNvCxnSpPr>
+            <a:cxnSpLocks/>
+          </p:cNvCxnSpPr>
+          <p:nvPr/>
+        </p:nvCxnSpPr>
+        <p:spPr>
+          <a:xfrm rot="10800000" flipH="1" flipV="1">
+            <a:off x="2369416" y="2515551"/>
+            <a:ext cx="0" cy="1156479"/>
+          </a:xfrm>
+          <a:prstGeom prst="line">
+            <a:avLst/>
+          </a:prstGeom>
+          <a:ln w="38100">
+            <a:solidFill>
+              <a:schemeClr val="accent2"/>
+            </a:solidFill>
+          </a:ln>
+        </p:spPr>
+        <p:style>
+          <a:lnRef idx="1">
+            <a:schemeClr val="accent1"/>
+          </a:lnRef>
+          <a:fillRef idx="0">
+            <a:schemeClr val="accent1"/>
+          </a:fillRef>
+          <a:effectRef idx="0">
+            <a:schemeClr val="accent1"/>
+          </a:effectRef>
+          <a:fontRef idx="minor">
+            <a:schemeClr val="tx1"/>
+          </a:fontRef>
+        </p:style>
+      </p:cxnSp>
+      <p:cxnSp>
+        <p:nvCxnSpPr>
+          <p:cNvPr id="14" name="Straight Connector 13">
+            <a:extLst>
+              <a:ext uri="{FF2B5EF4-FFF2-40B4-BE49-F238E27FC236}">
+                <a16:creationId xmlns:a16="http://schemas.microsoft.com/office/drawing/2014/main" id="{CC4B40BE-B2B8-034D-592B-B119B9AB632F}"/>
+              </a:ext>
+            </a:extLst>
+          </p:cNvPr>
+          <p:cNvCxnSpPr>
+            <a:cxnSpLocks/>
+          </p:cNvCxnSpPr>
+          <p:nvPr/>
+        </p:nvCxnSpPr>
+        <p:spPr>
+          <a:xfrm rot="10800000" flipH="1" flipV="1">
+            <a:off x="2257293" y="2515550"/>
+            <a:ext cx="0" cy="1156479"/>
+          </a:xfrm>
+          <a:prstGeom prst="line">
+            <a:avLst/>
+          </a:prstGeom>
+          <a:ln w="38100">
+            <a:solidFill>
+              <a:schemeClr val="accent2"/>
+            </a:solidFill>
+          </a:ln>
+        </p:spPr>
+        <p:style>
+          <a:lnRef idx="1">
+            <a:schemeClr val="accent1"/>
+          </a:lnRef>
+          <a:fillRef idx="0">
+            <a:schemeClr val="accent1"/>
+          </a:fillRef>
+          <a:effectRef idx="0">
+            <a:schemeClr val="accent1"/>
+          </a:effectRef>
+          <a:fontRef idx="minor">
+            <a:schemeClr val="tx1"/>
+          </a:fontRef>
+        </p:style>
+      </p:cxnSp>
+      <p:cxnSp>
+        <p:nvCxnSpPr>
+          <p:cNvPr id="17" name="Straight Connector 16">
+            <a:extLst>
+              <a:ext uri="{FF2B5EF4-FFF2-40B4-BE49-F238E27FC236}">
+                <a16:creationId xmlns:a16="http://schemas.microsoft.com/office/drawing/2014/main" id="{D9023950-EF0A-5C2D-BF39-2BC44369FE93}"/>
+              </a:ext>
+            </a:extLst>
+          </p:cNvPr>
+          <p:cNvCxnSpPr>
+            <a:cxnSpLocks/>
+          </p:cNvCxnSpPr>
+          <p:nvPr/>
+        </p:nvCxnSpPr>
+        <p:spPr>
+          <a:xfrm rot="10800000" flipH="1" flipV="1">
+            <a:off x="3458260" y="2493780"/>
+            <a:ext cx="0" cy="1156479"/>
+          </a:xfrm>
+          <a:prstGeom prst="line">
+            <a:avLst/>
+          </a:prstGeom>
+          <a:ln w="38100">
+            <a:solidFill>
+              <a:schemeClr val="accent3"/>
+            </a:solidFill>
+          </a:ln>
+        </p:spPr>
+        <p:style>
+          <a:lnRef idx="1">
+            <a:schemeClr val="accent1"/>
+          </a:lnRef>
+          <a:fillRef idx="0">
+            <a:schemeClr val="accent1"/>
+          </a:fillRef>
+          <a:effectRef idx="0">
+            <a:schemeClr val="accent1"/>
+          </a:effectRef>
+          <a:fontRef idx="minor">
+            <a:schemeClr val="tx1"/>
+          </a:fontRef>
+        </p:style>
+      </p:cxnSp>
+      <p:cxnSp>
+        <p:nvCxnSpPr>
+          <p:cNvPr id="21" name="Straight Connector 20">
+            <a:extLst>
+              <a:ext uri="{FF2B5EF4-FFF2-40B4-BE49-F238E27FC236}">
+                <a16:creationId xmlns:a16="http://schemas.microsoft.com/office/drawing/2014/main" id="{029EF70F-6E40-801C-FC9D-443EAC899DA3}"/>
+              </a:ext>
+            </a:extLst>
+          </p:cNvPr>
+          <p:cNvCxnSpPr>
+            <a:cxnSpLocks/>
+          </p:cNvCxnSpPr>
+          <p:nvPr/>
+        </p:nvCxnSpPr>
+        <p:spPr>
+          <a:xfrm rot="10800000" flipH="1" flipV="1">
+            <a:off x="1221653" y="2467926"/>
+            <a:ext cx="0" cy="1156479"/>
+          </a:xfrm>
+          <a:prstGeom prst="line">
+            <a:avLst/>
+          </a:prstGeom>
+          <a:ln w="38100"/>
+        </p:spPr>
+        <p:style>
+          <a:lnRef idx="1">
+            <a:schemeClr val="accent1"/>
+          </a:lnRef>
+          <a:fillRef idx="0">
+            <a:schemeClr val="accent1"/>
+          </a:fillRef>
+          <a:effectRef idx="0">
+            <a:schemeClr val="accent1"/>
+          </a:effectRef>
+          <a:fontRef idx="minor">
+            <a:schemeClr val="tx1"/>
+          </a:fontRef>
+        </p:style>
+      </p:cxnSp>
+      <p:cxnSp>
+        <p:nvCxnSpPr>
+          <p:cNvPr id="22" name="Straight Connector 21">
+            <a:extLst>
+              <a:ext uri="{FF2B5EF4-FFF2-40B4-BE49-F238E27FC236}">
+                <a16:creationId xmlns:a16="http://schemas.microsoft.com/office/drawing/2014/main" id="{9A8D356B-9C5F-B191-52D8-8441C5A94C58}"/>
+              </a:ext>
+            </a:extLst>
+          </p:cNvPr>
+          <p:cNvCxnSpPr>
+            <a:cxnSpLocks/>
+          </p:cNvCxnSpPr>
+          <p:nvPr/>
+        </p:nvCxnSpPr>
+        <p:spPr>
+          <a:xfrm rot="10800000" flipH="1" flipV="1">
+            <a:off x="1109530" y="2467925"/>
+            <a:ext cx="0" cy="1156479"/>
+          </a:xfrm>
+          <a:prstGeom prst="line">
+            <a:avLst/>
+          </a:prstGeom>
+          <a:ln w="38100"/>
+        </p:spPr>
+        <p:style>
+          <a:lnRef idx="1">
+            <a:schemeClr val="accent1"/>
+          </a:lnRef>
+          <a:fillRef idx="0">
+            <a:schemeClr val="accent1"/>
+          </a:fillRef>
+          <a:effectRef idx="0">
+            <a:schemeClr val="accent1"/>
+          </a:effectRef>
+          <a:fontRef idx="minor">
+            <a:schemeClr val="tx1"/>
+          </a:fontRef>
+        </p:style>
+      </p:cxnSp>
+      <p:sp>
+        <p:nvSpPr>
+          <p:cNvPr id="29" name="Rectangle: Rounded Corners 28">
+            <a:extLst>
+              <a:ext uri="{FF2B5EF4-FFF2-40B4-BE49-F238E27FC236}">
+                <a16:creationId xmlns:a16="http://schemas.microsoft.com/office/drawing/2014/main" id="{3ED1237A-ED6B-AC78-C327-4463EF105156}"/>
+              </a:ext>
+            </a:extLst>
+          </p:cNvPr>
+          <p:cNvSpPr/>
+          <p:nvPr/>
+        </p:nvSpPr>
+        <p:spPr>
+          <a:xfrm rot="10800000" flipH="1" flipV="1">
+            <a:off x="818473" y="3483978"/>
+            <a:ext cx="2955109" cy="966107"/>
+          </a:xfrm>
+          <a:prstGeom prst="roundRect">
+            <a:avLst/>
+          </a:prstGeom>
+          <a:solidFill>
+            <a:schemeClr val="tx1">
+              <a:lumMod val="75000"/>
+              <a:lumOff val="25000"/>
+            </a:schemeClr>
+          </a:solidFill>
+          <a:ln w="38100">
+            <a:noFill/>
+          </a:ln>
+        </p:spPr>
+        <p:style>
+          <a:lnRef idx="2">
+            <a:schemeClr val="dk1">
+              <a:shade val="15000"/>
+            </a:schemeClr>
+          </a:lnRef>
+          <a:fillRef idx="1">
+            <a:schemeClr val="dk1"/>
+          </a:fillRef>
+          <a:effectRef idx="0">
+            <a:schemeClr val="dk1"/>
+          </a:effectRef>
+          <a:fontRef idx="minor">
+            <a:schemeClr val="lt1"/>
+          </a:fontRef>
+        </p:style>
+        <p:txBody>
+          <a:bodyPr rtlCol="0" anchor="ctr"/>
+          <a:lstStyle/>
+          <a:p>
+            <a:pPr algn="ctr"/>
+            <a:r>
+              <a:rPr lang="en-US" dirty="0"/>
+              <a:t>Octave</a:t>
+            </a:r>
+          </a:p>
+        </p:txBody>
+      </p:sp>
+      <p:sp>
+        <p:nvSpPr>
+          <p:cNvPr id="30" name="Rectangle: Rounded Corners 29">
+            <a:extLst>
+              <a:ext uri="{FF2B5EF4-FFF2-40B4-BE49-F238E27FC236}">
+                <a16:creationId xmlns:a16="http://schemas.microsoft.com/office/drawing/2014/main" id="{200EE0F3-EAD7-AE2A-6704-5E10F2D3A7F5}"/>
+              </a:ext>
+            </a:extLst>
+          </p:cNvPr>
+          <p:cNvSpPr/>
+          <p:nvPr/>
+        </p:nvSpPr>
+        <p:spPr>
+          <a:xfrm rot="10800000" flipH="1" flipV="1">
+            <a:off x="818473" y="1753150"/>
+            <a:ext cx="2955109" cy="966107"/>
+          </a:xfrm>
+          <a:prstGeom prst="roundRect">
+            <a:avLst/>
+          </a:prstGeom>
+          <a:solidFill>
+            <a:schemeClr val="tx1">
+              <a:lumMod val="75000"/>
+              <a:lumOff val="25000"/>
+            </a:schemeClr>
+          </a:solidFill>
+          <a:ln w="38100">
+            <a:noFill/>
+          </a:ln>
+        </p:spPr>
+        <p:style>
+          <a:lnRef idx="2">
+            <a:schemeClr val="dk1">
+              <a:shade val="15000"/>
+            </a:schemeClr>
+          </a:lnRef>
+          <a:fillRef idx="1">
+            <a:schemeClr val="dk1"/>
+          </a:fillRef>
+          <a:effectRef idx="0">
+            <a:schemeClr val="dk1"/>
+          </a:effectRef>
+          <a:fontRef idx="minor">
+            <a:schemeClr val="lt1"/>
+          </a:fontRef>
+        </p:style>
+        <p:txBody>
+          <a:bodyPr rtlCol="0" anchor="ctr"/>
+          <a:lstStyle/>
+          <a:p>
+            <a:pPr algn="ctr"/>
+            <a:r>
+              <a:rPr lang="en-US" dirty="0"/>
+              <a:t>OPX</a:t>
+            </a:r>
+          </a:p>
+        </p:txBody>
+      </p:sp>
+      <p:sp>
+        <p:nvSpPr>
+          <p:cNvPr id="31" name="TextBox 30">
+            <a:extLst>
+              <a:ext uri="{FF2B5EF4-FFF2-40B4-BE49-F238E27FC236}">
+                <a16:creationId xmlns:a16="http://schemas.microsoft.com/office/drawing/2014/main" id="{A41EB028-2C0B-A648-6046-6D6E8979B2AA}"/>
+              </a:ext>
+            </a:extLst>
+          </p:cNvPr>
+          <p:cNvSpPr txBox="1"/>
+          <p:nvPr/>
+        </p:nvSpPr>
+        <p:spPr>
+          <a:xfrm rot="10800000" flipH="1" flipV="1">
+            <a:off x="1242086" y="2752046"/>
+            <a:ext cx="1120820" cy="646331"/>
+          </a:xfrm>
+          <a:prstGeom prst="rect">
+            <a:avLst/>
+          </a:prstGeom>
+          <a:noFill/>
+        </p:spPr>
+        <p:txBody>
+          <a:bodyPr wrap="none" rtlCol="0">
+            <a:spAutoFit/>
+          </a:bodyPr>
+          <a:lstStyle/>
+          <a:p>
+            <a:r>
+              <a:rPr lang="en-US" dirty="0"/>
+              <a:t>Readout </a:t>
+            </a:r>
+          </a:p>
+          <a:p>
+            <a:r>
+              <a:rPr lang="en-US" dirty="0"/>
+              <a:t>Drive</a:t>
+            </a:r>
+            <a:endParaRPr lang="en-DK" dirty="0"/>
+          </a:p>
+        </p:txBody>
+      </p:sp>
+      <p:sp>
+        <p:nvSpPr>
+          <p:cNvPr id="32" name="TextBox 31">
+            <a:extLst>
+              <a:ext uri="{FF2B5EF4-FFF2-40B4-BE49-F238E27FC236}">
+                <a16:creationId xmlns:a16="http://schemas.microsoft.com/office/drawing/2014/main" id="{CC314E82-C603-26DB-781D-251F6E0F3F10}"/>
+              </a:ext>
+            </a:extLst>
+          </p:cNvPr>
+          <p:cNvSpPr txBox="1"/>
+          <p:nvPr/>
+        </p:nvSpPr>
+        <p:spPr>
+          <a:xfrm rot="10800000" flipH="1" flipV="1">
+            <a:off x="3570382" y="2792683"/>
+            <a:ext cx="1120820" cy="646331"/>
+          </a:xfrm>
+          <a:prstGeom prst="rect">
+            <a:avLst/>
+          </a:prstGeom>
+          <a:noFill/>
+        </p:spPr>
+        <p:txBody>
+          <a:bodyPr wrap="none" rtlCol="0">
+            <a:spAutoFit/>
+          </a:bodyPr>
+          <a:lstStyle/>
+          <a:p>
+            <a:r>
+              <a:rPr lang="en-US" dirty="0"/>
+              <a:t>Readout </a:t>
+            </a:r>
+          </a:p>
+          <a:p>
+            <a:r>
+              <a:rPr lang="en-US" dirty="0"/>
+              <a:t>Signal</a:t>
+            </a:r>
+            <a:endParaRPr lang="en-DK" dirty="0"/>
+          </a:p>
+        </p:txBody>
+      </p:sp>
+      <p:cxnSp>
+        <p:nvCxnSpPr>
+          <p:cNvPr id="35" name="Straight Arrow Connector 34">
+            <a:extLst>
+              <a:ext uri="{FF2B5EF4-FFF2-40B4-BE49-F238E27FC236}">
+                <a16:creationId xmlns:a16="http://schemas.microsoft.com/office/drawing/2014/main" id="{C31A148B-2617-2CEF-41D8-54BB964970DA}"/>
+              </a:ext>
+            </a:extLst>
+          </p:cNvPr>
+          <p:cNvCxnSpPr/>
+          <p:nvPr/>
+        </p:nvCxnSpPr>
+        <p:spPr>
+          <a:xfrm>
+            <a:off x="3692214" y="5072062"/>
+            <a:ext cx="645067" cy="0"/>
+          </a:xfrm>
+          <a:prstGeom prst="straightConnector1">
+            <a:avLst/>
+          </a:prstGeom>
+          <a:ln w="38100">
+            <a:tailEnd type="triangle"/>
+          </a:ln>
+        </p:spPr>
+        <p:style>
+          <a:lnRef idx="1">
+            <a:schemeClr val="accent1"/>
+          </a:lnRef>
+          <a:fillRef idx="0">
+            <a:schemeClr val="accent1"/>
+          </a:fillRef>
+          <a:effectRef idx="0">
+            <a:schemeClr val="accent1"/>
+          </a:effectRef>
+          <a:fontRef idx="minor">
+            <a:schemeClr val="tx1"/>
+          </a:fontRef>
+        </p:style>
+      </p:cxnSp>
+      <p:cxnSp>
+        <p:nvCxnSpPr>
+          <p:cNvPr id="38" name="Straight Arrow Connector 37">
+            <a:extLst>
+              <a:ext uri="{FF2B5EF4-FFF2-40B4-BE49-F238E27FC236}">
+                <a16:creationId xmlns:a16="http://schemas.microsoft.com/office/drawing/2014/main" id="{270EBE33-329C-92A3-70B5-8F4AF9B3B1E5}"/>
+              </a:ext>
+            </a:extLst>
+          </p:cNvPr>
+          <p:cNvCxnSpPr/>
+          <p:nvPr/>
+        </p:nvCxnSpPr>
+        <p:spPr>
+          <a:xfrm>
+            <a:off x="3706501" y="4848223"/>
+            <a:ext cx="645067" cy="0"/>
+          </a:xfrm>
+          <a:prstGeom prst="straightConnector1">
+            <a:avLst/>
+          </a:prstGeom>
+          <a:ln w="38100">
+            <a:solidFill>
+              <a:schemeClr val="accent2"/>
+            </a:solidFill>
+            <a:tailEnd type="triangle"/>
+          </a:ln>
+        </p:spPr>
+        <p:style>
+          <a:lnRef idx="1">
+            <a:schemeClr val="accent1"/>
+          </a:lnRef>
+          <a:fillRef idx="0">
+            <a:schemeClr val="accent1"/>
+          </a:fillRef>
+          <a:effectRef idx="0">
+            <a:schemeClr val="accent1"/>
+          </a:effectRef>
+          <a:fontRef idx="minor">
+            <a:schemeClr val="tx1"/>
+          </a:fontRef>
+        </p:style>
+      </p:cxnSp>
+      <p:cxnSp>
+        <p:nvCxnSpPr>
+          <p:cNvPr id="39" name="Straight Arrow Connector 38">
+            <a:extLst>
+              <a:ext uri="{FF2B5EF4-FFF2-40B4-BE49-F238E27FC236}">
+                <a16:creationId xmlns:a16="http://schemas.microsoft.com/office/drawing/2014/main" id="{F4E0236C-7D1E-3DB3-BC47-319463E4413E}"/>
+              </a:ext>
+            </a:extLst>
+          </p:cNvPr>
+          <p:cNvCxnSpPr>
+            <a:cxnSpLocks/>
+          </p:cNvCxnSpPr>
+          <p:nvPr/>
+        </p:nvCxnSpPr>
+        <p:spPr>
+          <a:xfrm flipH="1">
+            <a:off x="4187514" y="4624385"/>
+            <a:ext cx="645067" cy="0"/>
+          </a:xfrm>
+          <a:prstGeom prst="straightConnector1">
+            <a:avLst/>
+          </a:prstGeom>
+          <a:ln w="38100">
+            <a:solidFill>
+              <a:schemeClr val="accent3"/>
+            </a:solidFill>
+            <a:tailEnd type="triangle"/>
+          </a:ln>
+        </p:spPr>
+        <p:style>
+          <a:lnRef idx="1">
+            <a:schemeClr val="accent1"/>
+          </a:lnRef>
+          <a:fillRef idx="0">
+            <a:schemeClr val="accent1"/>
+          </a:fillRef>
+          <a:effectRef idx="0">
+            <a:schemeClr val="accent1"/>
+          </a:effectRef>
+          <a:fontRef idx="minor">
+            <a:schemeClr val="tx1"/>
+          </a:fontRef>
+        </p:style>
+      </p:cxnSp>
+    </p:spTree>
+    <p:extLst>
+      <p:ext uri="{BB962C8B-B14F-4D97-AF65-F5344CB8AC3E}">
+        <p14:creationId xmlns:p14="http://schemas.microsoft.com/office/powerpoint/2010/main" val="1437384201"/>
       </p:ext>
     </p:extLst>
   </p:cSld>
